--- a/DOC_PosterModule2.pptx
+++ b/DOC_PosterModule2.pptx
@@ -2,7 +2,7 @@
 <file path=ppt/presentation.xml><?xml version="1.0" encoding="utf-8"?>
 <p:presentation xmlns:a="http://schemas.openxmlformats.org/drawingml/2006/main" xmlns:r="http://schemas.openxmlformats.org/officeDocument/2006/relationships" xmlns:p="http://schemas.openxmlformats.org/presentationml/2006/main" saveSubsetFonts="1" autoCompressPictures="0">
   <p:sldMasterIdLst>
-    <p:sldMasterId id="2147483660" r:id="rId1"/>
+    <p:sldMasterId id="2147483696" r:id="rId1"/>
   </p:sldMasterIdLst>
   <p:sldIdLst>
     <p:sldId id="256" r:id="rId2"/>
@@ -104,6 +104,11 @@
       </a:defRPr>
     </a:lvl9pPr>
   </p:defaultTextStyle>
+  <p:extLst>
+    <p:ext uri="{EFAFB233-063F-42B5-8137-9DF3F51BA10A}">
+      <p15:sldGuideLst xmlns:p15="http://schemas.microsoft.com/office/powerpoint/2012/main"/>
+    </p:ext>
+  </p:extLst>
 </p:presentation>
 </file>
 
@@ -238,7 +243,7 @@
           <a:p>
             <a:fld id="{9270676A-EE35-D741-9746-DBEBCC683310}" type="datetimeFigureOut">
               <a:rPr lang="de-DE" smtClean="0"/>
-              <a:t>17.06.21</a:t>
+              <a:t>21.06.21</a:t>
             </a:fld>
             <a:endParaRPr lang="de-DE"/>
           </a:p>
@@ -289,7 +294,7 @@
     </p:spTree>
     <p:extLst>
       <p:ext uri="{BB962C8B-B14F-4D97-AF65-F5344CB8AC3E}">
-        <p14:creationId xmlns:p14="http://schemas.microsoft.com/office/powerpoint/2010/main" val="3628451300"/>
+        <p14:creationId xmlns:p14="http://schemas.microsoft.com/office/powerpoint/2010/main" val="1488753236"/>
       </p:ext>
     </p:extLst>
   </p:cSld>
@@ -408,7 +413,7 @@
           <a:p>
             <a:fld id="{9270676A-EE35-D741-9746-DBEBCC683310}" type="datetimeFigureOut">
               <a:rPr lang="de-DE" smtClean="0"/>
-              <a:t>17.06.21</a:t>
+              <a:t>21.06.21</a:t>
             </a:fld>
             <a:endParaRPr lang="de-DE"/>
           </a:p>
@@ -459,7 +464,7 @@
     </p:spTree>
     <p:extLst>
       <p:ext uri="{BB962C8B-B14F-4D97-AF65-F5344CB8AC3E}">
-        <p14:creationId xmlns:p14="http://schemas.microsoft.com/office/powerpoint/2010/main" val="259924180"/>
+        <p14:creationId xmlns:p14="http://schemas.microsoft.com/office/powerpoint/2010/main" val="1193449385"/>
       </p:ext>
     </p:extLst>
   </p:cSld>
@@ -588,7 +593,7 @@
           <a:p>
             <a:fld id="{9270676A-EE35-D741-9746-DBEBCC683310}" type="datetimeFigureOut">
               <a:rPr lang="de-DE" smtClean="0"/>
-              <a:t>17.06.21</a:t>
+              <a:t>21.06.21</a:t>
             </a:fld>
             <a:endParaRPr lang="de-DE"/>
           </a:p>
@@ -639,7 +644,7 @@
     </p:spTree>
     <p:extLst>
       <p:ext uri="{BB962C8B-B14F-4D97-AF65-F5344CB8AC3E}">
-        <p14:creationId xmlns:p14="http://schemas.microsoft.com/office/powerpoint/2010/main" val="264740268"/>
+        <p14:creationId xmlns:p14="http://schemas.microsoft.com/office/powerpoint/2010/main" val="2027172939"/>
       </p:ext>
     </p:extLst>
   </p:cSld>
@@ -758,7 +763,7 @@
           <a:p>
             <a:fld id="{9270676A-EE35-D741-9746-DBEBCC683310}" type="datetimeFigureOut">
               <a:rPr lang="de-DE" smtClean="0"/>
-              <a:t>17.06.21</a:t>
+              <a:t>21.06.21</a:t>
             </a:fld>
             <a:endParaRPr lang="de-DE"/>
           </a:p>
@@ -809,7 +814,7 @@
     </p:spTree>
     <p:extLst>
       <p:ext uri="{BB962C8B-B14F-4D97-AF65-F5344CB8AC3E}">
-        <p14:creationId xmlns:p14="http://schemas.microsoft.com/office/powerpoint/2010/main" val="1739682541"/>
+        <p14:creationId xmlns:p14="http://schemas.microsoft.com/office/powerpoint/2010/main" val="2959141810"/>
       </p:ext>
     </p:extLst>
   </p:cSld>
@@ -1002,7 +1007,7 @@
           <a:p>
             <a:fld id="{9270676A-EE35-D741-9746-DBEBCC683310}" type="datetimeFigureOut">
               <a:rPr lang="de-DE" smtClean="0"/>
-              <a:t>17.06.21</a:t>
+              <a:t>21.06.21</a:t>
             </a:fld>
             <a:endParaRPr lang="de-DE"/>
           </a:p>
@@ -1053,7 +1058,7 @@
     </p:spTree>
     <p:extLst>
       <p:ext uri="{BB962C8B-B14F-4D97-AF65-F5344CB8AC3E}">
-        <p14:creationId xmlns:p14="http://schemas.microsoft.com/office/powerpoint/2010/main" val="2927960859"/>
+        <p14:creationId xmlns:p14="http://schemas.microsoft.com/office/powerpoint/2010/main" val="3749321207"/>
       </p:ext>
     </p:extLst>
   </p:cSld>
@@ -1234,7 +1239,7 @@
           <a:p>
             <a:fld id="{9270676A-EE35-D741-9746-DBEBCC683310}" type="datetimeFigureOut">
               <a:rPr lang="de-DE" smtClean="0"/>
-              <a:t>17.06.21</a:t>
+              <a:t>21.06.21</a:t>
             </a:fld>
             <a:endParaRPr lang="de-DE"/>
           </a:p>
@@ -1285,7 +1290,7 @@
     </p:spTree>
     <p:extLst>
       <p:ext uri="{BB962C8B-B14F-4D97-AF65-F5344CB8AC3E}">
-        <p14:creationId xmlns:p14="http://schemas.microsoft.com/office/powerpoint/2010/main" val="3538452413"/>
+        <p14:creationId xmlns:p14="http://schemas.microsoft.com/office/powerpoint/2010/main" val="318567054"/>
       </p:ext>
     </p:extLst>
   </p:cSld>
@@ -1601,7 +1606,7 @@
           <a:p>
             <a:fld id="{9270676A-EE35-D741-9746-DBEBCC683310}" type="datetimeFigureOut">
               <a:rPr lang="de-DE" smtClean="0"/>
-              <a:t>17.06.21</a:t>
+              <a:t>21.06.21</a:t>
             </a:fld>
             <a:endParaRPr lang="de-DE"/>
           </a:p>
@@ -1652,7 +1657,7 @@
     </p:spTree>
     <p:extLst>
       <p:ext uri="{BB962C8B-B14F-4D97-AF65-F5344CB8AC3E}">
-        <p14:creationId xmlns:p14="http://schemas.microsoft.com/office/powerpoint/2010/main" val="2687560956"/>
+        <p14:creationId xmlns:p14="http://schemas.microsoft.com/office/powerpoint/2010/main" val="3777188456"/>
       </p:ext>
     </p:extLst>
   </p:cSld>
@@ -1719,7 +1724,7 @@
           <a:p>
             <a:fld id="{9270676A-EE35-D741-9746-DBEBCC683310}" type="datetimeFigureOut">
               <a:rPr lang="de-DE" smtClean="0"/>
-              <a:t>17.06.21</a:t>
+              <a:t>21.06.21</a:t>
             </a:fld>
             <a:endParaRPr lang="de-DE"/>
           </a:p>
@@ -1770,7 +1775,7 @@
     </p:spTree>
     <p:extLst>
       <p:ext uri="{BB962C8B-B14F-4D97-AF65-F5344CB8AC3E}">
-        <p14:creationId xmlns:p14="http://schemas.microsoft.com/office/powerpoint/2010/main" val="2175239893"/>
+        <p14:creationId xmlns:p14="http://schemas.microsoft.com/office/powerpoint/2010/main" val="3947235308"/>
       </p:ext>
     </p:extLst>
   </p:cSld>
@@ -1814,7 +1819,7 @@
           <a:p>
             <a:fld id="{9270676A-EE35-D741-9746-DBEBCC683310}" type="datetimeFigureOut">
               <a:rPr lang="de-DE" smtClean="0"/>
-              <a:t>17.06.21</a:t>
+              <a:t>21.06.21</a:t>
             </a:fld>
             <a:endParaRPr lang="de-DE"/>
           </a:p>
@@ -1865,7 +1870,7 @@
     </p:spTree>
     <p:extLst>
       <p:ext uri="{BB962C8B-B14F-4D97-AF65-F5344CB8AC3E}">
-        <p14:creationId xmlns:p14="http://schemas.microsoft.com/office/powerpoint/2010/main" val="313497631"/>
+        <p14:creationId xmlns:p14="http://schemas.microsoft.com/office/powerpoint/2010/main" val="2051440591"/>
       </p:ext>
     </p:extLst>
   </p:cSld>
@@ -2091,7 +2096,7 @@
           <a:p>
             <a:fld id="{9270676A-EE35-D741-9746-DBEBCC683310}" type="datetimeFigureOut">
               <a:rPr lang="de-DE" smtClean="0"/>
-              <a:t>17.06.21</a:t>
+              <a:t>21.06.21</a:t>
             </a:fld>
             <a:endParaRPr lang="de-DE"/>
           </a:p>
@@ -2142,7 +2147,7 @@
     </p:spTree>
     <p:extLst>
       <p:ext uri="{BB962C8B-B14F-4D97-AF65-F5344CB8AC3E}">
-        <p14:creationId xmlns:p14="http://schemas.microsoft.com/office/powerpoint/2010/main" val="1909781964"/>
+        <p14:creationId xmlns:p14="http://schemas.microsoft.com/office/powerpoint/2010/main" val="69475767"/>
       </p:ext>
     </p:extLst>
   </p:cSld>
@@ -2348,7 +2353,7 @@
           <a:p>
             <a:fld id="{9270676A-EE35-D741-9746-DBEBCC683310}" type="datetimeFigureOut">
               <a:rPr lang="de-DE" smtClean="0"/>
-              <a:t>17.06.21</a:t>
+              <a:t>21.06.21</a:t>
             </a:fld>
             <a:endParaRPr lang="de-DE"/>
           </a:p>
@@ -2399,7 +2404,7 @@
     </p:spTree>
     <p:extLst>
       <p:ext uri="{BB962C8B-B14F-4D97-AF65-F5344CB8AC3E}">
-        <p14:creationId xmlns:p14="http://schemas.microsoft.com/office/powerpoint/2010/main" val="1649226044"/>
+        <p14:creationId xmlns:p14="http://schemas.microsoft.com/office/powerpoint/2010/main" val="1581964575"/>
       </p:ext>
     </p:extLst>
   </p:cSld>
@@ -2561,7 +2566,7 @@
           <a:p>
             <a:fld id="{9270676A-EE35-D741-9746-DBEBCC683310}" type="datetimeFigureOut">
               <a:rPr lang="de-DE" smtClean="0"/>
-              <a:t>17.06.21</a:t>
+              <a:t>21.06.21</a:t>
             </a:fld>
             <a:endParaRPr lang="de-DE"/>
           </a:p>
@@ -2648,23 +2653,23 @@
     </p:spTree>
     <p:extLst>
       <p:ext uri="{BB962C8B-B14F-4D97-AF65-F5344CB8AC3E}">
-        <p14:creationId xmlns:p14="http://schemas.microsoft.com/office/powerpoint/2010/main" val="1727076835"/>
+        <p14:creationId xmlns:p14="http://schemas.microsoft.com/office/powerpoint/2010/main" val="1323826605"/>
       </p:ext>
     </p:extLst>
   </p:cSld>
   <p:clrMap bg1="lt1" tx1="dk1" bg2="lt2" tx2="dk2" accent1="accent1" accent2="accent2" accent3="accent3" accent4="accent4" accent5="accent5" accent6="accent6" hlink="hlink" folHlink="folHlink"/>
   <p:sldLayoutIdLst>
-    <p:sldLayoutId id="2147483661" r:id="rId1"/>
-    <p:sldLayoutId id="2147483662" r:id="rId2"/>
-    <p:sldLayoutId id="2147483663" r:id="rId3"/>
-    <p:sldLayoutId id="2147483664" r:id="rId4"/>
-    <p:sldLayoutId id="2147483665" r:id="rId5"/>
-    <p:sldLayoutId id="2147483666" r:id="rId6"/>
-    <p:sldLayoutId id="2147483667" r:id="rId7"/>
-    <p:sldLayoutId id="2147483668" r:id="rId8"/>
-    <p:sldLayoutId id="2147483669" r:id="rId9"/>
-    <p:sldLayoutId id="2147483670" r:id="rId10"/>
-    <p:sldLayoutId id="2147483671" r:id="rId11"/>
+    <p:sldLayoutId id="2147483697" r:id="rId1"/>
+    <p:sldLayoutId id="2147483698" r:id="rId2"/>
+    <p:sldLayoutId id="2147483699" r:id="rId3"/>
+    <p:sldLayoutId id="2147483700" r:id="rId4"/>
+    <p:sldLayoutId id="2147483701" r:id="rId5"/>
+    <p:sldLayoutId id="2147483702" r:id="rId6"/>
+    <p:sldLayoutId id="2147483703" r:id="rId7"/>
+    <p:sldLayoutId id="2147483704" r:id="rId8"/>
+    <p:sldLayoutId id="2147483705" r:id="rId9"/>
+    <p:sldLayoutId id="2147483706" r:id="rId10"/>
+    <p:sldLayoutId id="2147483707" r:id="rId11"/>
   </p:sldLayoutIdLst>
   <p:txStyles>
     <p:titleStyle>
@@ -2980,8 +2985,8 @@
         </p:nvSpPr>
         <p:spPr>
           <a:xfrm>
-            <a:off x="2588217" y="216976"/>
-            <a:ext cx="7625166" cy="461665"/>
+            <a:off x="183505" y="27331"/>
+            <a:ext cx="10829635" cy="369332"/>
           </a:xfrm>
           <a:prstGeom prst="rect">
             <a:avLst/>
@@ -2995,86 +3000,103 @@
           <a:lstStyle/>
           <a:p>
             <a:r>
-              <a:rPr lang="de-DE" sz="2400" b="1" dirty="0" err="1">
+              <a:rPr lang="de-DE" b="1" dirty="0" err="1">
                 <a:latin typeface="Arial" panose="020B0604020202020204" pitchFamily="34" charset="0"/>
                 <a:cs typeface="Arial" panose="020B0604020202020204" pitchFamily="34" charset="0"/>
               </a:rPr>
               <a:t>Survival</a:t>
             </a:r>
             <a:r>
-              <a:rPr lang="de-DE" sz="2400" b="1" dirty="0">
-                <a:latin typeface="Arial" panose="020B0604020202020204" pitchFamily="34" charset="0"/>
-                <a:cs typeface="Arial" panose="020B0604020202020204" pitchFamily="34" charset="0"/>
-              </a:rPr>
-              <a:t> </a:t>
-            </a:r>
-            <a:r>
-              <a:rPr lang="de-DE" sz="2400" b="1" dirty="0" err="1">
+              <a:rPr lang="de-DE" b="1" dirty="0">
+                <a:latin typeface="Arial" panose="020B0604020202020204" pitchFamily="34" charset="0"/>
+                <a:cs typeface="Arial" panose="020B0604020202020204" pitchFamily="34" charset="0"/>
+              </a:rPr>
+              <a:t> </a:t>
+            </a:r>
+            <a:r>
+              <a:rPr lang="de-DE" b="1" dirty="0" err="1">
                 <a:latin typeface="Arial" panose="020B0604020202020204" pitchFamily="34" charset="0"/>
                 <a:cs typeface="Arial" panose="020B0604020202020204" pitchFamily="34" charset="0"/>
               </a:rPr>
               <a:t>prediction</a:t>
             </a:r>
             <a:r>
-              <a:rPr lang="de-DE" sz="2400" b="1" dirty="0">
+              <a:rPr lang="de-DE" b="1" dirty="0">
                 <a:latin typeface="Arial" panose="020B0604020202020204" pitchFamily="34" charset="0"/>
                 <a:cs typeface="Arial" panose="020B0604020202020204" pitchFamily="34" charset="0"/>
               </a:rPr>
               <a:t> in </a:t>
             </a:r>
             <a:r>
-              <a:rPr lang="de-DE" sz="2400" b="1" dirty="0" err="1">
+              <a:rPr lang="de-DE" b="1" dirty="0" err="1">
                 <a:latin typeface="Arial" panose="020B0604020202020204" pitchFamily="34" charset="0"/>
                 <a:cs typeface="Arial" panose="020B0604020202020204" pitchFamily="34" charset="0"/>
               </a:rPr>
               <a:t>resectable</a:t>
             </a:r>
             <a:r>
-              <a:rPr lang="de-DE" sz="2400" b="1" dirty="0">
-                <a:latin typeface="Arial" panose="020B0604020202020204" pitchFamily="34" charset="0"/>
-                <a:cs typeface="Arial" panose="020B0604020202020204" pitchFamily="34" charset="0"/>
-              </a:rPr>
-              <a:t> </a:t>
-            </a:r>
-            <a:r>
-              <a:rPr lang="de-DE" sz="2400" b="1" dirty="0" err="1">
+              <a:rPr lang="de-DE" b="1" dirty="0">
+                <a:latin typeface="Arial" panose="020B0604020202020204" pitchFamily="34" charset="0"/>
+                <a:cs typeface="Arial" panose="020B0604020202020204" pitchFamily="34" charset="0"/>
+              </a:rPr>
+              <a:t> </a:t>
+            </a:r>
+            <a:r>
+              <a:rPr lang="de-DE" b="1" dirty="0" err="1">
                 <a:latin typeface="Arial" panose="020B0604020202020204" pitchFamily="34" charset="0"/>
                 <a:cs typeface="Arial" panose="020B0604020202020204" pitchFamily="34" charset="0"/>
               </a:rPr>
               <a:t>lung</a:t>
             </a:r>
             <a:r>
-              <a:rPr lang="de-DE" sz="2400" b="1" dirty="0">
-                <a:latin typeface="Arial" panose="020B0604020202020204" pitchFamily="34" charset="0"/>
-                <a:cs typeface="Arial" panose="020B0604020202020204" pitchFamily="34" charset="0"/>
-              </a:rPr>
-              <a:t> </a:t>
-            </a:r>
-            <a:r>
-              <a:rPr lang="de-DE" sz="2400" b="1" dirty="0" err="1">
+              <a:rPr lang="de-DE" b="1" dirty="0">
+                <a:latin typeface="Arial" panose="020B0604020202020204" pitchFamily="34" charset="0"/>
+                <a:cs typeface="Arial" panose="020B0604020202020204" pitchFamily="34" charset="0"/>
+              </a:rPr>
+              <a:t> </a:t>
+            </a:r>
+            <a:r>
+              <a:rPr lang="de-DE" b="1" dirty="0" err="1">
                 <a:latin typeface="Arial" panose="020B0604020202020204" pitchFamily="34" charset="0"/>
                 <a:cs typeface="Arial" panose="020B0604020202020204" pitchFamily="34" charset="0"/>
               </a:rPr>
               <a:t>cancer</a:t>
             </a:r>
             <a:r>
-              <a:rPr lang="de-DE" sz="2400" b="1" dirty="0">
-                <a:latin typeface="Arial" panose="020B0604020202020204" pitchFamily="34" charset="0"/>
-                <a:cs typeface="Arial" panose="020B0604020202020204" pitchFamily="34" charset="0"/>
-              </a:rPr>
-              <a:t> </a:t>
-            </a:r>
-            <a:r>
-              <a:rPr lang="de-DE" sz="2400" b="1" dirty="0" err="1">
+              <a:rPr lang="de-DE" b="1" dirty="0">
+                <a:latin typeface="Arial" panose="020B0604020202020204" pitchFamily="34" charset="0"/>
+                <a:cs typeface="Arial" panose="020B0604020202020204" pitchFamily="34" charset="0"/>
+              </a:rPr>
+              <a:t> </a:t>
+            </a:r>
+            <a:r>
+              <a:rPr lang="de-DE" b="1" dirty="0" err="1">
                 <a:latin typeface="Arial" panose="020B0604020202020204" pitchFamily="34" charset="0"/>
                 <a:cs typeface="Arial" panose="020B0604020202020204" pitchFamily="34" charset="0"/>
               </a:rPr>
               <a:t>cases</a:t>
             </a:r>
-            <a:endParaRPr lang="de-DE" sz="2400" b="1" dirty="0">
-              <a:latin typeface="Arial" panose="020B0604020202020204" pitchFamily="34" charset="0"/>
-              <a:cs typeface="Arial" panose="020B0604020202020204" pitchFamily="34" charset="0"/>
-            </a:endParaRPr>
+            <a:r>
+              <a:rPr lang="de-DE" b="1" dirty="0">
+                <a:latin typeface="Arial" panose="020B0604020202020204" pitchFamily="34" charset="0"/>
+                <a:cs typeface="Arial" panose="020B0604020202020204" pitchFamily="34" charset="0"/>
+              </a:rPr>
+              <a:t> – Guy </a:t>
+            </a:r>
+            <a:r>
+              <a:rPr lang="de-DE" b="1" dirty="0" err="1">
+                <a:latin typeface="Arial" panose="020B0604020202020204" pitchFamily="34" charset="0"/>
+                <a:cs typeface="Arial" panose="020B0604020202020204" pitchFamily="34" charset="0"/>
+              </a:rPr>
+              <a:t>Schnidrig</a:t>
+            </a:r>
+            <a:r>
+              <a:rPr lang="de-DE" b="1" dirty="0">
+                <a:latin typeface="Arial" panose="020B0604020202020204" pitchFamily="34" charset="0"/>
+                <a:cs typeface="Arial" panose="020B0604020202020204" pitchFamily="34" charset="0"/>
+              </a:rPr>
+              <a:t>, Philipp Zens</a:t>
+            </a:r>
           </a:p>
         </p:txBody>
       </p:sp>
@@ -3092,8 +3114,8 @@
         </p:nvSpPr>
         <p:spPr>
           <a:xfrm>
-            <a:off x="410705" y="852408"/>
-            <a:ext cx="11980190" cy="1981761"/>
+            <a:off x="183506" y="454944"/>
+            <a:ext cx="12484530" cy="1792478"/>
           </a:xfrm>
           <a:prstGeom prst="rect">
             <a:avLst/>
@@ -3107,7 +3129,7 @@
           <a:lstStyle/>
           <a:p>
             <a:r>
-              <a:rPr lang="de-DE" b="1" dirty="0">
+              <a:rPr lang="de-DE" sz="1400" b="1" dirty="0">
                 <a:latin typeface="Arial" panose="020B0604020202020204" pitchFamily="34" charset="0"/>
                 <a:cs typeface="Arial" panose="020B0604020202020204" pitchFamily="34" charset="0"/>
               </a:rPr>
@@ -3116,539 +3138,539 @@
           </a:p>
           <a:p>
             <a:r>
-              <a:rPr lang="de-DE" sz="1200" dirty="0">
+              <a:rPr lang="de-DE" sz="1000" dirty="0">
                 <a:latin typeface="Arial" panose="020B0604020202020204" pitchFamily="34" charset="0"/>
                 <a:cs typeface="Arial" panose="020B0604020202020204" pitchFamily="34" charset="0"/>
               </a:rPr>
               <a:t>Lung </a:t>
             </a:r>
             <a:r>
-              <a:rPr lang="de-DE" sz="1200" dirty="0" err="1">
+              <a:rPr lang="de-DE" sz="1000" dirty="0" err="1">
                 <a:latin typeface="Arial" panose="020B0604020202020204" pitchFamily="34" charset="0"/>
                 <a:cs typeface="Arial" panose="020B0604020202020204" pitchFamily="34" charset="0"/>
               </a:rPr>
               <a:t>cancer</a:t>
             </a:r>
             <a:r>
-              <a:rPr lang="de-DE" sz="1200" dirty="0">
-                <a:latin typeface="Arial" panose="020B0604020202020204" pitchFamily="34" charset="0"/>
-                <a:cs typeface="Arial" panose="020B0604020202020204" pitchFamily="34" charset="0"/>
-              </a:rPr>
-              <a:t> </a:t>
-            </a:r>
-            <a:r>
-              <a:rPr lang="de-DE" sz="1200" dirty="0" err="1">
+              <a:rPr lang="de-DE" sz="1000" dirty="0">
+                <a:latin typeface="Arial" panose="020B0604020202020204" pitchFamily="34" charset="0"/>
+                <a:cs typeface="Arial" panose="020B0604020202020204" pitchFamily="34" charset="0"/>
+              </a:rPr>
+              <a:t> </a:t>
+            </a:r>
+            <a:r>
+              <a:rPr lang="de-DE" sz="1000" dirty="0" err="1">
                 <a:latin typeface="Arial" panose="020B0604020202020204" pitchFamily="34" charset="0"/>
                 <a:cs typeface="Arial" panose="020B0604020202020204" pitchFamily="34" charset="0"/>
               </a:rPr>
               <a:t>is</a:t>
             </a:r>
             <a:r>
-              <a:rPr lang="de-DE" sz="1200" dirty="0">
-                <a:latin typeface="Arial" panose="020B0604020202020204" pitchFamily="34" charset="0"/>
-                <a:cs typeface="Arial" panose="020B0604020202020204" pitchFamily="34" charset="0"/>
-              </a:rPr>
-              <a:t> </a:t>
-            </a:r>
-            <a:r>
-              <a:rPr lang="de-DE" sz="1200" dirty="0" err="1">
+              <a:rPr lang="de-DE" sz="1000" dirty="0">
+                <a:latin typeface="Arial" panose="020B0604020202020204" pitchFamily="34" charset="0"/>
+                <a:cs typeface="Arial" panose="020B0604020202020204" pitchFamily="34" charset="0"/>
+              </a:rPr>
+              <a:t> </a:t>
+            </a:r>
+            <a:r>
+              <a:rPr lang="de-DE" sz="1000" dirty="0" err="1">
                 <a:latin typeface="Arial" panose="020B0604020202020204" pitchFamily="34" charset="0"/>
                 <a:cs typeface="Arial" panose="020B0604020202020204" pitchFamily="34" charset="0"/>
               </a:rPr>
               <a:t>one</a:t>
             </a:r>
             <a:r>
-              <a:rPr lang="de-DE" sz="1200" dirty="0">
-                <a:latin typeface="Arial" panose="020B0604020202020204" pitchFamily="34" charset="0"/>
-                <a:cs typeface="Arial" panose="020B0604020202020204" pitchFamily="34" charset="0"/>
-              </a:rPr>
-              <a:t> </a:t>
-            </a:r>
-            <a:r>
-              <a:rPr lang="de-DE" sz="1200" dirty="0" err="1">
+              <a:rPr lang="de-DE" sz="1000" dirty="0">
+                <a:latin typeface="Arial" panose="020B0604020202020204" pitchFamily="34" charset="0"/>
+                <a:cs typeface="Arial" panose="020B0604020202020204" pitchFamily="34" charset="0"/>
+              </a:rPr>
+              <a:t> </a:t>
+            </a:r>
+            <a:r>
+              <a:rPr lang="de-DE" sz="1000" dirty="0" err="1">
                 <a:latin typeface="Arial" panose="020B0604020202020204" pitchFamily="34" charset="0"/>
                 <a:cs typeface="Arial" panose="020B0604020202020204" pitchFamily="34" charset="0"/>
               </a:rPr>
               <a:t>of</a:t>
             </a:r>
             <a:r>
-              <a:rPr lang="de-DE" sz="1200" dirty="0">
-                <a:latin typeface="Arial" panose="020B0604020202020204" pitchFamily="34" charset="0"/>
-                <a:cs typeface="Arial" panose="020B0604020202020204" pitchFamily="34" charset="0"/>
-              </a:rPr>
-              <a:t> </a:t>
-            </a:r>
-            <a:r>
-              <a:rPr lang="de-DE" sz="1200" dirty="0" err="1">
+              <a:rPr lang="de-DE" sz="1000" dirty="0">
+                <a:latin typeface="Arial" panose="020B0604020202020204" pitchFamily="34" charset="0"/>
+                <a:cs typeface="Arial" panose="020B0604020202020204" pitchFamily="34" charset="0"/>
+              </a:rPr>
+              <a:t> </a:t>
+            </a:r>
+            <a:r>
+              <a:rPr lang="de-DE" sz="1000" dirty="0" err="1">
                 <a:latin typeface="Arial" panose="020B0604020202020204" pitchFamily="34" charset="0"/>
                 <a:cs typeface="Arial" panose="020B0604020202020204" pitchFamily="34" charset="0"/>
               </a:rPr>
               <a:t>the</a:t>
             </a:r>
             <a:r>
-              <a:rPr lang="de-DE" sz="1200" dirty="0">
-                <a:latin typeface="Arial" panose="020B0604020202020204" pitchFamily="34" charset="0"/>
-                <a:cs typeface="Arial" panose="020B0604020202020204" pitchFamily="34" charset="0"/>
-              </a:rPr>
-              <a:t> </a:t>
-            </a:r>
-            <a:r>
-              <a:rPr lang="de-DE" sz="1200" dirty="0" err="1">
+              <a:rPr lang="de-DE" sz="1000" dirty="0">
+                <a:latin typeface="Arial" panose="020B0604020202020204" pitchFamily="34" charset="0"/>
+                <a:cs typeface="Arial" panose="020B0604020202020204" pitchFamily="34" charset="0"/>
+              </a:rPr>
+              <a:t> </a:t>
+            </a:r>
+            <a:r>
+              <a:rPr lang="de-DE" sz="1000" dirty="0" err="1">
                 <a:latin typeface="Arial" panose="020B0604020202020204" pitchFamily="34" charset="0"/>
                 <a:cs typeface="Arial" panose="020B0604020202020204" pitchFamily="34" charset="0"/>
               </a:rPr>
               <a:t>most</a:t>
             </a:r>
             <a:r>
-              <a:rPr lang="de-DE" sz="1200" dirty="0">
-                <a:latin typeface="Arial" panose="020B0604020202020204" pitchFamily="34" charset="0"/>
-                <a:cs typeface="Arial" panose="020B0604020202020204" pitchFamily="34" charset="0"/>
-              </a:rPr>
-              <a:t> </a:t>
-            </a:r>
-            <a:r>
-              <a:rPr lang="de-DE" sz="1200" dirty="0" err="1">
+              <a:rPr lang="de-DE" sz="1000" dirty="0">
+                <a:latin typeface="Arial" panose="020B0604020202020204" pitchFamily="34" charset="0"/>
+                <a:cs typeface="Arial" panose="020B0604020202020204" pitchFamily="34" charset="0"/>
+              </a:rPr>
+              <a:t> </a:t>
+            </a:r>
+            <a:r>
+              <a:rPr lang="de-DE" sz="1000" dirty="0" err="1">
                 <a:latin typeface="Arial" panose="020B0604020202020204" pitchFamily="34" charset="0"/>
                 <a:cs typeface="Arial" panose="020B0604020202020204" pitchFamily="34" charset="0"/>
               </a:rPr>
               <a:t>frequent</a:t>
             </a:r>
             <a:r>
-              <a:rPr lang="de-DE" sz="1200" dirty="0">
-                <a:latin typeface="Arial" panose="020B0604020202020204" pitchFamily="34" charset="0"/>
-                <a:cs typeface="Arial" panose="020B0604020202020204" pitchFamily="34" charset="0"/>
-              </a:rPr>
-              <a:t> </a:t>
-            </a:r>
-            <a:r>
-              <a:rPr lang="de-DE" sz="1200" dirty="0" err="1">
+              <a:rPr lang="de-DE" sz="1000" dirty="0">
+                <a:latin typeface="Arial" panose="020B0604020202020204" pitchFamily="34" charset="0"/>
+                <a:cs typeface="Arial" panose="020B0604020202020204" pitchFamily="34" charset="0"/>
+              </a:rPr>
+              <a:t> </a:t>
+            </a:r>
+            <a:r>
+              <a:rPr lang="de-DE" sz="1000" dirty="0" err="1">
                 <a:latin typeface="Arial" panose="020B0604020202020204" pitchFamily="34" charset="0"/>
                 <a:cs typeface="Arial" panose="020B0604020202020204" pitchFamily="34" charset="0"/>
               </a:rPr>
               <a:t>cancers</a:t>
             </a:r>
             <a:r>
-              <a:rPr lang="de-DE" sz="1200" dirty="0">
+              <a:rPr lang="de-DE" sz="1000" dirty="0">
                 <a:latin typeface="Arial" panose="020B0604020202020204" pitchFamily="34" charset="0"/>
                 <a:cs typeface="Arial" panose="020B0604020202020204" pitchFamily="34" charset="0"/>
               </a:rPr>
               <a:t> in </a:t>
             </a:r>
             <a:r>
-              <a:rPr lang="de-DE" sz="1200" dirty="0" err="1">
+              <a:rPr lang="de-DE" sz="1000" dirty="0" err="1">
                 <a:latin typeface="Arial" panose="020B0604020202020204" pitchFamily="34" charset="0"/>
                 <a:cs typeface="Arial" panose="020B0604020202020204" pitchFamily="34" charset="0"/>
               </a:rPr>
               <a:t>both</a:t>
             </a:r>
             <a:r>
-              <a:rPr lang="de-DE" sz="1200" dirty="0">
-                <a:latin typeface="Arial" panose="020B0604020202020204" pitchFamily="34" charset="0"/>
-                <a:cs typeface="Arial" panose="020B0604020202020204" pitchFamily="34" charset="0"/>
-              </a:rPr>
-              <a:t> </a:t>
-            </a:r>
-            <a:r>
-              <a:rPr lang="de-DE" sz="1200" dirty="0" err="1">
+              <a:rPr lang="de-DE" sz="1000" dirty="0">
+                <a:latin typeface="Arial" panose="020B0604020202020204" pitchFamily="34" charset="0"/>
+                <a:cs typeface="Arial" panose="020B0604020202020204" pitchFamily="34" charset="0"/>
+              </a:rPr>
+              <a:t> </a:t>
+            </a:r>
+            <a:r>
+              <a:rPr lang="de-DE" sz="1000" dirty="0" err="1">
                 <a:latin typeface="Arial" panose="020B0604020202020204" pitchFamily="34" charset="0"/>
                 <a:cs typeface="Arial" panose="020B0604020202020204" pitchFamily="34" charset="0"/>
               </a:rPr>
               <a:t>sexes</a:t>
             </a:r>
             <a:r>
-              <a:rPr lang="de-DE" sz="1200" dirty="0">
-                <a:latin typeface="Arial" panose="020B0604020202020204" pitchFamily="34" charset="0"/>
-                <a:cs typeface="Arial" panose="020B0604020202020204" pitchFamily="34" charset="0"/>
-              </a:rPr>
-              <a:t> </a:t>
-            </a:r>
-            <a:r>
-              <a:rPr lang="de-DE" sz="1200" dirty="0" err="1">
+              <a:rPr lang="de-DE" sz="1000" dirty="0">
+                <a:latin typeface="Arial" panose="020B0604020202020204" pitchFamily="34" charset="0"/>
+                <a:cs typeface="Arial" panose="020B0604020202020204" pitchFamily="34" charset="0"/>
+              </a:rPr>
+              <a:t> </a:t>
+            </a:r>
+            <a:r>
+              <a:rPr lang="de-DE" sz="1000" dirty="0" err="1">
                 <a:latin typeface="Arial" panose="020B0604020202020204" pitchFamily="34" charset="0"/>
                 <a:cs typeface="Arial" panose="020B0604020202020204" pitchFamily="34" charset="0"/>
               </a:rPr>
               <a:t>and</a:t>
             </a:r>
             <a:r>
-              <a:rPr lang="de-DE" sz="1200" dirty="0">
-                <a:latin typeface="Arial" panose="020B0604020202020204" pitchFamily="34" charset="0"/>
-                <a:cs typeface="Arial" panose="020B0604020202020204" pitchFamily="34" charset="0"/>
-              </a:rPr>
-              <a:t> </a:t>
-            </a:r>
-            <a:r>
-              <a:rPr lang="de-DE" sz="1200" dirty="0" err="1">
+              <a:rPr lang="de-DE" sz="1000" dirty="0">
+                <a:latin typeface="Arial" panose="020B0604020202020204" pitchFamily="34" charset="0"/>
+                <a:cs typeface="Arial" panose="020B0604020202020204" pitchFamily="34" charset="0"/>
+              </a:rPr>
+              <a:t> </a:t>
+            </a:r>
+            <a:r>
+              <a:rPr lang="de-DE" sz="1000" dirty="0" err="1">
                 <a:latin typeface="Arial" panose="020B0604020202020204" pitchFamily="34" charset="0"/>
                 <a:cs typeface="Arial" panose="020B0604020202020204" pitchFamily="34" charset="0"/>
               </a:rPr>
               <a:t>is</a:t>
             </a:r>
             <a:r>
-              <a:rPr lang="de-DE" sz="1200" dirty="0">
-                <a:latin typeface="Arial" panose="020B0604020202020204" pitchFamily="34" charset="0"/>
-                <a:cs typeface="Arial" panose="020B0604020202020204" pitchFamily="34" charset="0"/>
-              </a:rPr>
-              <a:t> </a:t>
-            </a:r>
-            <a:r>
-              <a:rPr lang="de-DE" sz="1200" dirty="0" err="1">
+              <a:rPr lang="de-DE" sz="1000" dirty="0">
+                <a:latin typeface="Arial" panose="020B0604020202020204" pitchFamily="34" charset="0"/>
+                <a:cs typeface="Arial" panose="020B0604020202020204" pitchFamily="34" charset="0"/>
+              </a:rPr>
+              <a:t> </a:t>
+            </a:r>
+            <a:r>
+              <a:rPr lang="de-DE" sz="1000" dirty="0" err="1">
                 <a:latin typeface="Arial" panose="020B0604020202020204" pitchFamily="34" charset="0"/>
                 <a:cs typeface="Arial" panose="020B0604020202020204" pitchFamily="34" charset="0"/>
               </a:rPr>
               <a:t>becoming</a:t>
             </a:r>
             <a:r>
-              <a:rPr lang="de-DE" sz="1200" dirty="0">
-                <a:latin typeface="Arial" panose="020B0604020202020204" pitchFamily="34" charset="0"/>
-                <a:cs typeface="Arial" panose="020B0604020202020204" pitchFamily="34" charset="0"/>
-              </a:rPr>
-              <a:t> </a:t>
-            </a:r>
-            <a:r>
-              <a:rPr lang="de-DE" sz="1200" dirty="0" err="1">
+              <a:rPr lang="de-DE" sz="1000" dirty="0">
+                <a:latin typeface="Arial" panose="020B0604020202020204" pitchFamily="34" charset="0"/>
+                <a:cs typeface="Arial" panose="020B0604020202020204" pitchFamily="34" charset="0"/>
+              </a:rPr>
+              <a:t> </a:t>
+            </a:r>
+            <a:r>
+              <a:rPr lang="de-DE" sz="1000" dirty="0" err="1">
                 <a:latin typeface="Arial" panose="020B0604020202020204" pitchFamily="34" charset="0"/>
                 <a:cs typeface="Arial" panose="020B0604020202020204" pitchFamily="34" charset="0"/>
               </a:rPr>
               <a:t>the</a:t>
             </a:r>
             <a:r>
-              <a:rPr lang="de-DE" sz="1200" dirty="0">
-                <a:latin typeface="Arial" panose="020B0604020202020204" pitchFamily="34" charset="0"/>
-                <a:cs typeface="Arial" panose="020B0604020202020204" pitchFamily="34" charset="0"/>
-              </a:rPr>
-              <a:t> </a:t>
-            </a:r>
-            <a:r>
-              <a:rPr lang="de-DE" sz="1200" dirty="0" err="1">
+              <a:rPr lang="de-DE" sz="1000" dirty="0">
+                <a:latin typeface="Arial" panose="020B0604020202020204" pitchFamily="34" charset="0"/>
+                <a:cs typeface="Arial" panose="020B0604020202020204" pitchFamily="34" charset="0"/>
+              </a:rPr>
+              <a:t> </a:t>
+            </a:r>
+            <a:r>
+              <a:rPr lang="de-DE" sz="1000" dirty="0" err="1">
                 <a:latin typeface="Arial" panose="020B0604020202020204" pitchFamily="34" charset="0"/>
                 <a:cs typeface="Arial" panose="020B0604020202020204" pitchFamily="34" charset="0"/>
               </a:rPr>
               <a:t>most</a:t>
             </a:r>
             <a:r>
-              <a:rPr lang="de-DE" sz="1200" dirty="0">
-                <a:latin typeface="Arial" panose="020B0604020202020204" pitchFamily="34" charset="0"/>
-                <a:cs typeface="Arial" panose="020B0604020202020204" pitchFamily="34" charset="0"/>
-              </a:rPr>
-              <a:t> </a:t>
-            </a:r>
-            <a:r>
-              <a:rPr lang="de-DE" sz="1200" dirty="0" err="1">
+              <a:rPr lang="de-DE" sz="1000" dirty="0">
+                <a:latin typeface="Arial" panose="020B0604020202020204" pitchFamily="34" charset="0"/>
+                <a:cs typeface="Arial" panose="020B0604020202020204" pitchFamily="34" charset="0"/>
+              </a:rPr>
+              <a:t> </a:t>
+            </a:r>
+            <a:r>
+              <a:rPr lang="de-DE" sz="1000" dirty="0" err="1">
                 <a:latin typeface="Arial" panose="020B0604020202020204" pitchFamily="34" charset="0"/>
                 <a:cs typeface="Arial" panose="020B0604020202020204" pitchFamily="34" charset="0"/>
               </a:rPr>
               <a:t>lethal</a:t>
             </a:r>
             <a:r>
-              <a:rPr lang="de-DE" sz="1200" dirty="0">
-                <a:latin typeface="Arial" panose="020B0604020202020204" pitchFamily="34" charset="0"/>
-                <a:cs typeface="Arial" panose="020B0604020202020204" pitchFamily="34" charset="0"/>
-              </a:rPr>
-              <a:t> </a:t>
-            </a:r>
-            <a:r>
-              <a:rPr lang="de-DE" sz="1200" dirty="0" err="1">
+              <a:rPr lang="de-DE" sz="1000" dirty="0">
+                <a:latin typeface="Arial" panose="020B0604020202020204" pitchFamily="34" charset="0"/>
+                <a:cs typeface="Arial" panose="020B0604020202020204" pitchFamily="34" charset="0"/>
+              </a:rPr>
+              <a:t> </a:t>
+            </a:r>
+            <a:r>
+              <a:rPr lang="de-DE" sz="1000" dirty="0" err="1">
                 <a:latin typeface="Arial" panose="020B0604020202020204" pitchFamily="34" charset="0"/>
                 <a:cs typeface="Arial" panose="020B0604020202020204" pitchFamily="34" charset="0"/>
               </a:rPr>
               <a:t>one</a:t>
             </a:r>
             <a:r>
-              <a:rPr lang="de-DE" sz="1200" dirty="0">
+              <a:rPr lang="de-DE" sz="1000" dirty="0">
                 <a:latin typeface="Arial" panose="020B0604020202020204" pitchFamily="34" charset="0"/>
                 <a:cs typeface="Arial" panose="020B0604020202020204" pitchFamily="34" charset="0"/>
               </a:rPr>
               <a:t>. The </a:t>
             </a:r>
             <a:r>
-              <a:rPr lang="de-DE" sz="1200" dirty="0" err="1">
+              <a:rPr lang="de-DE" sz="1000" dirty="0" err="1">
                 <a:latin typeface="Arial" panose="020B0604020202020204" pitchFamily="34" charset="0"/>
                 <a:cs typeface="Arial" panose="020B0604020202020204" pitchFamily="34" charset="0"/>
               </a:rPr>
               <a:t>most</a:t>
             </a:r>
             <a:r>
-              <a:rPr lang="de-DE" sz="1200" dirty="0">
-                <a:latin typeface="Arial" panose="020B0604020202020204" pitchFamily="34" charset="0"/>
-                <a:cs typeface="Arial" panose="020B0604020202020204" pitchFamily="34" charset="0"/>
-              </a:rPr>
-              <a:t> </a:t>
-            </a:r>
-            <a:r>
-              <a:rPr lang="de-DE" sz="1200" dirty="0" err="1">
+              <a:rPr lang="de-DE" sz="1000" dirty="0">
+                <a:latin typeface="Arial" panose="020B0604020202020204" pitchFamily="34" charset="0"/>
+                <a:cs typeface="Arial" panose="020B0604020202020204" pitchFamily="34" charset="0"/>
+              </a:rPr>
+              <a:t> </a:t>
+            </a:r>
+            <a:r>
+              <a:rPr lang="de-DE" sz="1000" dirty="0" err="1">
                 <a:latin typeface="Arial" panose="020B0604020202020204" pitchFamily="34" charset="0"/>
                 <a:cs typeface="Arial" panose="020B0604020202020204" pitchFamily="34" charset="0"/>
               </a:rPr>
               <a:t>common</a:t>
             </a:r>
             <a:r>
-              <a:rPr lang="de-DE" sz="1200" dirty="0">
-                <a:latin typeface="Arial" panose="020B0604020202020204" pitchFamily="34" charset="0"/>
-                <a:cs typeface="Arial" panose="020B0604020202020204" pitchFamily="34" charset="0"/>
-              </a:rPr>
-              <a:t> </a:t>
-            </a:r>
-            <a:r>
-              <a:rPr lang="de-DE" sz="1200" dirty="0" err="1">
+              <a:rPr lang="de-DE" sz="1000" dirty="0">
+                <a:latin typeface="Arial" panose="020B0604020202020204" pitchFamily="34" charset="0"/>
+                <a:cs typeface="Arial" panose="020B0604020202020204" pitchFamily="34" charset="0"/>
+              </a:rPr>
+              <a:t> </a:t>
+            </a:r>
+            <a:r>
+              <a:rPr lang="de-DE" sz="1000" dirty="0" err="1">
                 <a:latin typeface="Arial" panose="020B0604020202020204" pitchFamily="34" charset="0"/>
                 <a:cs typeface="Arial" panose="020B0604020202020204" pitchFamily="34" charset="0"/>
               </a:rPr>
               <a:t>lung</a:t>
             </a:r>
             <a:r>
-              <a:rPr lang="de-DE" sz="1200" dirty="0">
-                <a:latin typeface="Arial" panose="020B0604020202020204" pitchFamily="34" charset="0"/>
-                <a:cs typeface="Arial" panose="020B0604020202020204" pitchFamily="34" charset="0"/>
-              </a:rPr>
-              <a:t> </a:t>
-            </a:r>
-            <a:r>
-              <a:rPr lang="de-DE" sz="1200" dirty="0" err="1">
+              <a:rPr lang="de-DE" sz="1000" dirty="0">
+                <a:latin typeface="Arial" panose="020B0604020202020204" pitchFamily="34" charset="0"/>
+                <a:cs typeface="Arial" panose="020B0604020202020204" pitchFamily="34" charset="0"/>
+              </a:rPr>
+              <a:t> </a:t>
+            </a:r>
+            <a:r>
+              <a:rPr lang="de-DE" sz="1000" dirty="0" err="1">
                 <a:latin typeface="Arial" panose="020B0604020202020204" pitchFamily="34" charset="0"/>
                 <a:cs typeface="Arial" panose="020B0604020202020204" pitchFamily="34" charset="0"/>
               </a:rPr>
               <a:t>cancer</a:t>
             </a:r>
             <a:r>
-              <a:rPr lang="de-DE" sz="1200" dirty="0">
-                <a:latin typeface="Arial" panose="020B0604020202020204" pitchFamily="34" charset="0"/>
-                <a:cs typeface="Arial" panose="020B0604020202020204" pitchFamily="34" charset="0"/>
-              </a:rPr>
-              <a:t> </a:t>
-            </a:r>
-            <a:r>
-              <a:rPr lang="de-DE" sz="1200" dirty="0" err="1">
+              <a:rPr lang="de-DE" sz="1000" dirty="0">
+                <a:latin typeface="Arial" panose="020B0604020202020204" pitchFamily="34" charset="0"/>
+                <a:cs typeface="Arial" panose="020B0604020202020204" pitchFamily="34" charset="0"/>
+              </a:rPr>
+              <a:t> </a:t>
+            </a:r>
+            <a:r>
+              <a:rPr lang="de-DE" sz="1000" dirty="0" err="1">
                 <a:latin typeface="Arial" panose="020B0604020202020204" pitchFamily="34" charset="0"/>
                 <a:cs typeface="Arial" panose="020B0604020202020204" pitchFamily="34" charset="0"/>
               </a:rPr>
               <a:t>is</a:t>
             </a:r>
             <a:r>
-              <a:rPr lang="de-DE" sz="1200" dirty="0">
+              <a:rPr lang="de-DE" sz="1000" dirty="0">
                 <a:latin typeface="Arial" panose="020B0604020202020204" pitchFamily="34" charset="0"/>
                 <a:cs typeface="Arial" panose="020B0604020202020204" pitchFamily="34" charset="0"/>
               </a:rPr>
               <a:t> non-</a:t>
             </a:r>
             <a:r>
-              <a:rPr lang="de-DE" sz="1200" dirty="0" err="1">
+              <a:rPr lang="de-DE" sz="1000" dirty="0" err="1">
                 <a:latin typeface="Arial" panose="020B0604020202020204" pitchFamily="34" charset="0"/>
                 <a:cs typeface="Arial" panose="020B0604020202020204" pitchFamily="34" charset="0"/>
               </a:rPr>
               <a:t>small</a:t>
             </a:r>
             <a:r>
-              <a:rPr lang="de-DE" sz="1200" dirty="0">
-                <a:latin typeface="Arial" panose="020B0604020202020204" pitchFamily="34" charset="0"/>
-                <a:cs typeface="Arial" panose="020B0604020202020204" pitchFamily="34" charset="0"/>
-              </a:rPr>
-              <a:t> </a:t>
-            </a:r>
-            <a:r>
-              <a:rPr lang="de-DE" sz="1200" dirty="0" err="1">
+              <a:rPr lang="de-DE" sz="1000" dirty="0">
+                <a:latin typeface="Arial" panose="020B0604020202020204" pitchFamily="34" charset="0"/>
+                <a:cs typeface="Arial" panose="020B0604020202020204" pitchFamily="34" charset="0"/>
+              </a:rPr>
+              <a:t> </a:t>
+            </a:r>
+            <a:r>
+              <a:rPr lang="de-DE" sz="1000" dirty="0" err="1">
                 <a:latin typeface="Arial" panose="020B0604020202020204" pitchFamily="34" charset="0"/>
                 <a:cs typeface="Arial" panose="020B0604020202020204" pitchFamily="34" charset="0"/>
               </a:rPr>
               <a:t>cell</a:t>
             </a:r>
             <a:r>
-              <a:rPr lang="de-DE" sz="1200" dirty="0">
-                <a:latin typeface="Arial" panose="020B0604020202020204" pitchFamily="34" charset="0"/>
-                <a:cs typeface="Arial" panose="020B0604020202020204" pitchFamily="34" charset="0"/>
-              </a:rPr>
-              <a:t> </a:t>
-            </a:r>
-            <a:r>
-              <a:rPr lang="de-DE" sz="1200" dirty="0" err="1">
+              <a:rPr lang="de-DE" sz="1000" dirty="0">
+                <a:latin typeface="Arial" panose="020B0604020202020204" pitchFamily="34" charset="0"/>
+                <a:cs typeface="Arial" panose="020B0604020202020204" pitchFamily="34" charset="0"/>
+              </a:rPr>
+              <a:t> </a:t>
+            </a:r>
+            <a:r>
+              <a:rPr lang="de-DE" sz="1000" dirty="0" err="1">
                 <a:latin typeface="Arial" panose="020B0604020202020204" pitchFamily="34" charset="0"/>
                 <a:cs typeface="Arial" panose="020B0604020202020204" pitchFamily="34" charset="0"/>
               </a:rPr>
               <a:t>lung</a:t>
             </a:r>
             <a:r>
-              <a:rPr lang="de-DE" sz="1200" dirty="0">
-                <a:latin typeface="Arial" panose="020B0604020202020204" pitchFamily="34" charset="0"/>
-                <a:cs typeface="Arial" panose="020B0604020202020204" pitchFamily="34" charset="0"/>
-              </a:rPr>
-              <a:t> </a:t>
-            </a:r>
-            <a:r>
-              <a:rPr lang="de-DE" sz="1200" dirty="0" err="1">
+              <a:rPr lang="de-DE" sz="1000" dirty="0">
+                <a:latin typeface="Arial" panose="020B0604020202020204" pitchFamily="34" charset="0"/>
+                <a:cs typeface="Arial" panose="020B0604020202020204" pitchFamily="34" charset="0"/>
+              </a:rPr>
+              <a:t> </a:t>
+            </a:r>
+            <a:r>
+              <a:rPr lang="de-DE" sz="1000" dirty="0" err="1">
                 <a:latin typeface="Arial" panose="020B0604020202020204" pitchFamily="34" charset="0"/>
                 <a:cs typeface="Arial" panose="020B0604020202020204" pitchFamily="34" charset="0"/>
               </a:rPr>
               <a:t>cancer</a:t>
             </a:r>
             <a:r>
-              <a:rPr lang="de-DE" sz="1200" dirty="0">
+              <a:rPr lang="de-DE" sz="1000" dirty="0">
                 <a:latin typeface="Arial" panose="020B0604020202020204" pitchFamily="34" charset="0"/>
                 <a:cs typeface="Arial" panose="020B0604020202020204" pitchFamily="34" charset="0"/>
               </a:rPr>
               <a:t> (NSCLC) </a:t>
             </a:r>
             <a:r>
-              <a:rPr lang="de-DE" sz="1200" dirty="0" err="1">
+              <a:rPr lang="de-DE" sz="1000" dirty="0" err="1">
                 <a:latin typeface="Arial" panose="020B0604020202020204" pitchFamily="34" charset="0"/>
                 <a:cs typeface="Arial" panose="020B0604020202020204" pitchFamily="34" charset="0"/>
               </a:rPr>
               <a:t>and</a:t>
             </a:r>
             <a:r>
-              <a:rPr lang="de-DE" sz="1200" dirty="0">
+              <a:rPr lang="de-DE" sz="1000" dirty="0">
                 <a:latin typeface="Arial" panose="020B0604020202020204" pitchFamily="34" charset="0"/>
                 <a:cs typeface="Arial" panose="020B0604020202020204" pitchFamily="34" charset="0"/>
               </a:rPr>
               <a:t> in </a:t>
             </a:r>
             <a:r>
-              <a:rPr lang="de-DE" sz="1200" dirty="0" err="1">
+              <a:rPr lang="de-DE" sz="1000" dirty="0" err="1">
                 <a:latin typeface="Arial" panose="020B0604020202020204" pitchFamily="34" charset="0"/>
                 <a:cs typeface="Arial" panose="020B0604020202020204" pitchFamily="34" charset="0"/>
               </a:rPr>
               <a:t>this</a:t>
             </a:r>
             <a:r>
-              <a:rPr lang="de-DE" sz="1200" dirty="0">
-                <a:latin typeface="Arial" panose="020B0604020202020204" pitchFamily="34" charset="0"/>
-                <a:cs typeface="Arial" panose="020B0604020202020204" pitchFamily="34" charset="0"/>
-              </a:rPr>
-              <a:t> </a:t>
-            </a:r>
-            <a:r>
-              <a:rPr lang="de-DE" sz="1200" dirty="0" err="1">
+              <a:rPr lang="de-DE" sz="1000" dirty="0">
+                <a:latin typeface="Arial" panose="020B0604020202020204" pitchFamily="34" charset="0"/>
+                <a:cs typeface="Arial" panose="020B0604020202020204" pitchFamily="34" charset="0"/>
+              </a:rPr>
+              <a:t> </a:t>
+            </a:r>
+            <a:r>
+              <a:rPr lang="de-DE" sz="1000" dirty="0" err="1">
                 <a:latin typeface="Arial" panose="020B0604020202020204" pitchFamily="34" charset="0"/>
                 <a:cs typeface="Arial" panose="020B0604020202020204" pitchFamily="34" charset="0"/>
               </a:rPr>
               <a:t>category</a:t>
             </a:r>
             <a:r>
-              <a:rPr lang="de-DE" sz="1200" dirty="0">
-                <a:latin typeface="Arial" panose="020B0604020202020204" pitchFamily="34" charset="0"/>
-                <a:cs typeface="Arial" panose="020B0604020202020204" pitchFamily="34" charset="0"/>
-              </a:rPr>
-              <a:t> </a:t>
-            </a:r>
-            <a:r>
-              <a:rPr lang="de-DE" sz="1200" dirty="0" err="1">
+              <a:rPr lang="de-DE" sz="1000" dirty="0">
+                <a:latin typeface="Arial" panose="020B0604020202020204" pitchFamily="34" charset="0"/>
+                <a:cs typeface="Arial" panose="020B0604020202020204" pitchFamily="34" charset="0"/>
+              </a:rPr>
+              <a:t> </a:t>
+            </a:r>
+            <a:r>
+              <a:rPr lang="de-DE" sz="1000" dirty="0" err="1">
                 <a:latin typeface="Arial" panose="020B0604020202020204" pitchFamily="34" charset="0"/>
                 <a:cs typeface="Arial" panose="020B0604020202020204" pitchFamily="34" charset="0"/>
               </a:rPr>
               <a:t>especially</a:t>
             </a:r>
             <a:r>
-              <a:rPr lang="de-DE" sz="1200" dirty="0">
-                <a:latin typeface="Arial" panose="020B0604020202020204" pitchFamily="34" charset="0"/>
-                <a:cs typeface="Arial" panose="020B0604020202020204" pitchFamily="34" charset="0"/>
-              </a:rPr>
-              <a:t> </a:t>
-            </a:r>
-            <a:r>
-              <a:rPr lang="de-DE" sz="1200" dirty="0" err="1">
+              <a:rPr lang="de-DE" sz="1000" dirty="0">
+                <a:latin typeface="Arial" panose="020B0604020202020204" pitchFamily="34" charset="0"/>
+                <a:cs typeface="Arial" panose="020B0604020202020204" pitchFamily="34" charset="0"/>
+              </a:rPr>
+              <a:t> </a:t>
+            </a:r>
+            <a:r>
+              <a:rPr lang="de-DE" sz="1000" dirty="0" err="1">
                 <a:latin typeface="Arial" panose="020B0604020202020204" pitchFamily="34" charset="0"/>
                 <a:cs typeface="Arial" panose="020B0604020202020204" pitchFamily="34" charset="0"/>
               </a:rPr>
               <a:t>lung</a:t>
             </a:r>
             <a:r>
-              <a:rPr lang="de-DE" sz="1200" dirty="0">
-                <a:latin typeface="Arial" panose="020B0604020202020204" pitchFamily="34" charset="0"/>
-                <a:cs typeface="Arial" panose="020B0604020202020204" pitchFamily="34" charset="0"/>
-              </a:rPr>
-              <a:t> </a:t>
-            </a:r>
-            <a:r>
-              <a:rPr lang="de-DE" sz="1200" dirty="0" err="1">
+              <a:rPr lang="de-DE" sz="1000" dirty="0">
+                <a:latin typeface="Arial" panose="020B0604020202020204" pitchFamily="34" charset="0"/>
+                <a:cs typeface="Arial" panose="020B0604020202020204" pitchFamily="34" charset="0"/>
+              </a:rPr>
+              <a:t> </a:t>
+            </a:r>
+            <a:r>
+              <a:rPr lang="de-DE" sz="1000" dirty="0" err="1">
                 <a:latin typeface="Arial" panose="020B0604020202020204" pitchFamily="34" charset="0"/>
                 <a:cs typeface="Arial" panose="020B0604020202020204" pitchFamily="34" charset="0"/>
               </a:rPr>
               <a:t>adenocarcinoma</a:t>
             </a:r>
             <a:r>
-              <a:rPr lang="de-DE" sz="1200" dirty="0">
+              <a:rPr lang="de-DE" sz="1000" dirty="0">
                 <a:latin typeface="Arial" panose="020B0604020202020204" pitchFamily="34" charset="0"/>
                 <a:cs typeface="Arial" panose="020B0604020202020204" pitchFamily="34" charset="0"/>
               </a:rPr>
               <a:t> (LUAD) </a:t>
             </a:r>
             <a:r>
-              <a:rPr lang="de-DE" sz="1200" dirty="0" err="1">
+              <a:rPr lang="de-DE" sz="1000" dirty="0" err="1">
                 <a:latin typeface="Arial" panose="020B0604020202020204" pitchFamily="34" charset="0"/>
                 <a:cs typeface="Arial" panose="020B0604020202020204" pitchFamily="34" charset="0"/>
               </a:rPr>
               <a:t>and</a:t>
             </a:r>
             <a:r>
-              <a:rPr lang="de-DE" sz="1200" dirty="0">
-                <a:latin typeface="Arial" panose="020B0604020202020204" pitchFamily="34" charset="0"/>
-                <a:cs typeface="Arial" panose="020B0604020202020204" pitchFamily="34" charset="0"/>
-              </a:rPr>
-              <a:t> </a:t>
-            </a:r>
-            <a:r>
-              <a:rPr lang="de-DE" sz="1200" dirty="0" err="1">
+              <a:rPr lang="de-DE" sz="1000" dirty="0">
+                <a:latin typeface="Arial" panose="020B0604020202020204" pitchFamily="34" charset="0"/>
+                <a:cs typeface="Arial" panose="020B0604020202020204" pitchFamily="34" charset="0"/>
+              </a:rPr>
+              <a:t> </a:t>
+            </a:r>
+            <a:r>
+              <a:rPr lang="de-DE" sz="1000" dirty="0" err="1">
                 <a:latin typeface="Arial" panose="020B0604020202020204" pitchFamily="34" charset="0"/>
                 <a:cs typeface="Arial" panose="020B0604020202020204" pitchFamily="34" charset="0"/>
               </a:rPr>
               <a:t>lung</a:t>
             </a:r>
             <a:r>
-              <a:rPr lang="de-DE" sz="1200" dirty="0">
-                <a:latin typeface="Arial" panose="020B0604020202020204" pitchFamily="34" charset="0"/>
-                <a:cs typeface="Arial" panose="020B0604020202020204" pitchFamily="34" charset="0"/>
-              </a:rPr>
-              <a:t> </a:t>
-            </a:r>
-            <a:r>
-              <a:rPr lang="de-DE" sz="1200" dirty="0" err="1">
+              <a:rPr lang="de-DE" sz="1000" dirty="0">
+                <a:latin typeface="Arial" panose="020B0604020202020204" pitchFamily="34" charset="0"/>
+                <a:cs typeface="Arial" panose="020B0604020202020204" pitchFamily="34" charset="0"/>
+              </a:rPr>
+              <a:t> </a:t>
+            </a:r>
+            <a:r>
+              <a:rPr lang="de-DE" sz="1000" dirty="0" err="1">
                 <a:latin typeface="Arial" panose="020B0604020202020204" pitchFamily="34" charset="0"/>
                 <a:cs typeface="Arial" panose="020B0604020202020204" pitchFamily="34" charset="0"/>
               </a:rPr>
               <a:t>squamous</a:t>
             </a:r>
             <a:r>
-              <a:rPr lang="de-DE" sz="1200" dirty="0">
-                <a:latin typeface="Arial" panose="020B0604020202020204" pitchFamily="34" charset="0"/>
-                <a:cs typeface="Arial" panose="020B0604020202020204" pitchFamily="34" charset="0"/>
-              </a:rPr>
-              <a:t> </a:t>
-            </a:r>
-            <a:r>
-              <a:rPr lang="de-DE" sz="1200" dirty="0" err="1">
+              <a:rPr lang="de-DE" sz="1000" dirty="0">
+                <a:latin typeface="Arial" panose="020B0604020202020204" pitchFamily="34" charset="0"/>
+                <a:cs typeface="Arial" panose="020B0604020202020204" pitchFamily="34" charset="0"/>
+              </a:rPr>
+              <a:t> </a:t>
+            </a:r>
+            <a:r>
+              <a:rPr lang="de-DE" sz="1000" dirty="0" err="1">
                 <a:latin typeface="Arial" panose="020B0604020202020204" pitchFamily="34" charset="0"/>
                 <a:cs typeface="Arial" panose="020B0604020202020204" pitchFamily="34" charset="0"/>
               </a:rPr>
               <a:t>cell</a:t>
             </a:r>
             <a:r>
-              <a:rPr lang="de-DE" sz="1200" dirty="0">
-                <a:latin typeface="Arial" panose="020B0604020202020204" pitchFamily="34" charset="0"/>
-                <a:cs typeface="Arial" panose="020B0604020202020204" pitchFamily="34" charset="0"/>
-              </a:rPr>
-              <a:t> </a:t>
-            </a:r>
-            <a:r>
-              <a:rPr lang="de-DE" sz="1200" dirty="0" err="1">
+              <a:rPr lang="de-DE" sz="1000" dirty="0">
+                <a:latin typeface="Arial" panose="020B0604020202020204" pitchFamily="34" charset="0"/>
+                <a:cs typeface="Arial" panose="020B0604020202020204" pitchFamily="34" charset="0"/>
+              </a:rPr>
+              <a:t> </a:t>
+            </a:r>
+            <a:r>
+              <a:rPr lang="de-DE" sz="1000" dirty="0" err="1">
                 <a:latin typeface="Arial" panose="020B0604020202020204" pitchFamily="34" charset="0"/>
                 <a:cs typeface="Arial" panose="020B0604020202020204" pitchFamily="34" charset="0"/>
               </a:rPr>
               <a:t>carcinoma</a:t>
             </a:r>
             <a:r>
-              <a:rPr lang="de-DE" sz="1200" dirty="0">
+              <a:rPr lang="de-DE" sz="1000" dirty="0">
                 <a:latin typeface="Arial" panose="020B0604020202020204" pitchFamily="34" charset="0"/>
                 <a:cs typeface="Arial" panose="020B0604020202020204" pitchFamily="34" charset="0"/>
               </a:rPr>
               <a:t> (LUSC) </a:t>
             </a:r>
             <a:r>
-              <a:rPr lang="de-DE" sz="1200" dirty="0" err="1">
+              <a:rPr lang="de-DE" sz="1000" dirty="0" err="1">
                 <a:latin typeface="Arial" panose="020B0604020202020204" pitchFamily="34" charset="0"/>
                 <a:cs typeface="Arial" panose="020B0604020202020204" pitchFamily="34" charset="0"/>
               </a:rPr>
               <a:t>are</a:t>
             </a:r>
             <a:r>
-              <a:rPr lang="de-DE" sz="1200" dirty="0">
+              <a:rPr lang="de-DE" sz="1000" dirty="0">
                 <a:latin typeface="Arial" panose="020B0604020202020204" pitchFamily="34" charset="0"/>
                 <a:cs typeface="Arial" panose="020B0604020202020204" pitchFamily="34" charset="0"/>
               </a:rPr>
@@ -3658,508 +3680,851 @@
           <a:p>
             <a:pPr>
               <a:spcAft>
-                <a:spcPts val="600"/>
+                <a:spcPts val="424"/>
               </a:spcAft>
             </a:pPr>
             <a:r>
-              <a:rPr lang="de-DE" sz="1200" dirty="0" err="1">
-                <a:latin typeface="Arial" panose="020B0604020202020204" pitchFamily="34" charset="0"/>
-                <a:cs typeface="Arial" panose="020B0604020202020204" pitchFamily="34" charset="0"/>
-              </a:rPr>
-              <a:t>Some</a:t>
-            </a:r>
-            <a:r>
-              <a:rPr lang="de-DE" sz="1200" dirty="0">
-                <a:latin typeface="Arial" panose="020B0604020202020204" pitchFamily="34" charset="0"/>
-                <a:cs typeface="Arial" panose="020B0604020202020204" pitchFamily="34" charset="0"/>
-              </a:rPr>
-              <a:t> </a:t>
-            </a:r>
-            <a:r>
-              <a:rPr lang="de-DE" sz="1200" dirty="0" err="1">
+              <a:rPr lang="de-DE" sz="1000" dirty="0">
+                <a:latin typeface="Arial" panose="020B0604020202020204" pitchFamily="34" charset="0"/>
+                <a:cs typeface="Arial" panose="020B0604020202020204" pitchFamily="34" charset="0"/>
+              </a:rPr>
+              <a:t>The </a:t>
+            </a:r>
+            <a:r>
+              <a:rPr lang="de-DE" sz="1000" dirty="0" err="1">
+                <a:latin typeface="Arial" panose="020B0604020202020204" pitchFamily="34" charset="0"/>
+                <a:cs typeface="Arial" panose="020B0604020202020204" pitchFamily="34" charset="0"/>
+              </a:rPr>
+              <a:t>perfidiousness</a:t>
+            </a:r>
+            <a:r>
+              <a:rPr lang="de-DE" sz="1000" dirty="0">
+                <a:latin typeface="Arial" panose="020B0604020202020204" pitchFamily="34" charset="0"/>
+                <a:cs typeface="Arial" panose="020B0604020202020204" pitchFamily="34" charset="0"/>
+              </a:rPr>
+              <a:t> </a:t>
+            </a:r>
+            <a:r>
+              <a:rPr lang="de-DE" sz="1000" dirty="0" err="1">
+                <a:latin typeface="Arial" panose="020B0604020202020204" pitchFamily="34" charset="0"/>
+                <a:cs typeface="Arial" panose="020B0604020202020204" pitchFamily="34" charset="0"/>
+              </a:rPr>
+              <a:t>of</a:t>
+            </a:r>
+            <a:r>
+              <a:rPr lang="de-DE" sz="1000" dirty="0">
+                <a:latin typeface="Arial" panose="020B0604020202020204" pitchFamily="34" charset="0"/>
+                <a:cs typeface="Arial" panose="020B0604020202020204" pitchFamily="34" charset="0"/>
+              </a:rPr>
+              <a:t> </a:t>
+            </a:r>
+            <a:r>
+              <a:rPr lang="de-DE" sz="1000" dirty="0" err="1">
+                <a:latin typeface="Arial" panose="020B0604020202020204" pitchFamily="34" charset="0"/>
+                <a:cs typeface="Arial" panose="020B0604020202020204" pitchFamily="34" charset="0"/>
+              </a:rPr>
+              <a:t>lung</a:t>
+            </a:r>
+            <a:r>
+              <a:rPr lang="de-DE" sz="1000" dirty="0">
+                <a:latin typeface="Arial" panose="020B0604020202020204" pitchFamily="34" charset="0"/>
+                <a:cs typeface="Arial" panose="020B0604020202020204" pitchFamily="34" charset="0"/>
+              </a:rPr>
+              <a:t> </a:t>
+            </a:r>
+            <a:r>
+              <a:rPr lang="de-DE" sz="1000" dirty="0" err="1">
+                <a:latin typeface="Arial" panose="020B0604020202020204" pitchFamily="34" charset="0"/>
+                <a:cs typeface="Arial" panose="020B0604020202020204" pitchFamily="34" charset="0"/>
+              </a:rPr>
+              <a:t>cancer</a:t>
+            </a:r>
+            <a:r>
+              <a:rPr lang="de-DE" sz="1000" dirty="0">
+                <a:latin typeface="Arial" panose="020B0604020202020204" pitchFamily="34" charset="0"/>
+                <a:cs typeface="Arial" panose="020B0604020202020204" pitchFamily="34" charset="0"/>
+              </a:rPr>
+              <a:t> </a:t>
+            </a:r>
+            <a:r>
+              <a:rPr lang="de-DE" sz="1000" dirty="0" err="1">
+                <a:latin typeface="Arial" panose="020B0604020202020204" pitchFamily="34" charset="0"/>
+                <a:cs typeface="Arial" panose="020B0604020202020204" pitchFamily="34" charset="0"/>
+              </a:rPr>
+              <a:t>is</a:t>
+            </a:r>
+            <a:r>
+              <a:rPr lang="de-DE" sz="1000" dirty="0">
+                <a:latin typeface="Arial" panose="020B0604020202020204" pitchFamily="34" charset="0"/>
+                <a:cs typeface="Arial" panose="020B0604020202020204" pitchFamily="34" charset="0"/>
+              </a:rPr>
+              <a:t> </a:t>
+            </a:r>
+            <a:r>
+              <a:rPr lang="de-DE" sz="1000" dirty="0" err="1">
+                <a:latin typeface="Arial" panose="020B0604020202020204" pitchFamily="34" charset="0"/>
+                <a:cs typeface="Arial" panose="020B0604020202020204" pitchFamily="34" charset="0"/>
+              </a:rPr>
+              <a:t>its</a:t>
+            </a:r>
+            <a:r>
+              <a:rPr lang="de-DE" sz="1000" dirty="0">
+                <a:latin typeface="Arial" panose="020B0604020202020204" pitchFamily="34" charset="0"/>
+                <a:cs typeface="Arial" panose="020B0604020202020204" pitchFamily="34" charset="0"/>
+              </a:rPr>
+              <a:t> </a:t>
+            </a:r>
+            <a:r>
+              <a:rPr lang="de-DE" sz="1000" dirty="0" err="1">
+                <a:latin typeface="Arial" panose="020B0604020202020204" pitchFamily="34" charset="0"/>
+                <a:cs typeface="Arial" panose="020B0604020202020204" pitchFamily="34" charset="0"/>
+              </a:rPr>
+              <a:t>late</a:t>
+            </a:r>
+            <a:r>
+              <a:rPr lang="de-DE" sz="1000" dirty="0">
+                <a:latin typeface="Arial" panose="020B0604020202020204" pitchFamily="34" charset="0"/>
+                <a:cs typeface="Arial" panose="020B0604020202020204" pitchFamily="34" charset="0"/>
+              </a:rPr>
+              <a:t> </a:t>
+            </a:r>
+            <a:r>
+              <a:rPr lang="de-DE" sz="1000" dirty="0" err="1">
+                <a:latin typeface="Arial" panose="020B0604020202020204" pitchFamily="34" charset="0"/>
+                <a:cs typeface="Arial" panose="020B0604020202020204" pitchFamily="34" charset="0"/>
+              </a:rPr>
+              <a:t>diagnosis</a:t>
+            </a:r>
+            <a:r>
+              <a:rPr lang="de-DE" sz="1000" dirty="0">
+                <a:latin typeface="Arial" panose="020B0604020202020204" pitchFamily="34" charset="0"/>
+                <a:cs typeface="Arial" panose="020B0604020202020204" pitchFamily="34" charset="0"/>
+              </a:rPr>
+              <a:t>. Thus </a:t>
+            </a:r>
+            <a:r>
+              <a:rPr lang="de-DE" sz="1000" dirty="0" err="1">
+                <a:latin typeface="Arial" panose="020B0604020202020204" pitchFamily="34" charset="0"/>
+                <a:cs typeface="Arial" panose="020B0604020202020204" pitchFamily="34" charset="0"/>
+              </a:rPr>
+              <a:t>most</a:t>
+            </a:r>
+            <a:r>
+              <a:rPr lang="de-DE" sz="1000" dirty="0">
+                <a:latin typeface="Arial" panose="020B0604020202020204" pitchFamily="34" charset="0"/>
+                <a:cs typeface="Arial" panose="020B0604020202020204" pitchFamily="34" charset="0"/>
+              </a:rPr>
+              <a:t> </a:t>
+            </a:r>
+            <a:r>
+              <a:rPr lang="de-DE" sz="1000" dirty="0" err="1">
+                <a:latin typeface="Arial" panose="020B0604020202020204" pitchFamily="34" charset="0"/>
+                <a:cs typeface="Arial" panose="020B0604020202020204" pitchFamily="34" charset="0"/>
+              </a:rPr>
+              <a:t>of</a:t>
+            </a:r>
+            <a:r>
+              <a:rPr lang="de-DE" sz="1000" dirty="0">
+                <a:latin typeface="Arial" panose="020B0604020202020204" pitchFamily="34" charset="0"/>
+                <a:cs typeface="Arial" panose="020B0604020202020204" pitchFamily="34" charset="0"/>
+              </a:rPr>
+              <a:t> </a:t>
+            </a:r>
+            <a:r>
+              <a:rPr lang="de-DE" sz="1000" dirty="0" err="1">
+                <a:latin typeface="Arial" panose="020B0604020202020204" pitchFamily="34" charset="0"/>
+                <a:cs typeface="Arial" panose="020B0604020202020204" pitchFamily="34" charset="0"/>
+              </a:rPr>
+              <a:t>the</a:t>
+            </a:r>
+            <a:r>
+              <a:rPr lang="de-DE" sz="1000" dirty="0">
+                <a:latin typeface="Arial" panose="020B0604020202020204" pitchFamily="34" charset="0"/>
+                <a:cs typeface="Arial" panose="020B0604020202020204" pitchFamily="34" charset="0"/>
+              </a:rPr>
+              <a:t> </a:t>
+            </a:r>
+            <a:r>
+              <a:rPr lang="de-DE" sz="1000" dirty="0" err="1">
                 <a:latin typeface="Arial" panose="020B0604020202020204" pitchFamily="34" charset="0"/>
                 <a:cs typeface="Arial" panose="020B0604020202020204" pitchFamily="34" charset="0"/>
               </a:rPr>
               <a:t>patients</a:t>
             </a:r>
             <a:r>
-              <a:rPr lang="de-DE" sz="1200" dirty="0">
-                <a:latin typeface="Arial" panose="020B0604020202020204" pitchFamily="34" charset="0"/>
-                <a:cs typeface="Arial" panose="020B0604020202020204" pitchFamily="34" charset="0"/>
-              </a:rPr>
-              <a:t> </a:t>
-            </a:r>
-            <a:r>
-              <a:rPr lang="de-DE" sz="1200" dirty="0" err="1">
-                <a:latin typeface="Arial" panose="020B0604020202020204" pitchFamily="34" charset="0"/>
-                <a:cs typeface="Arial" panose="020B0604020202020204" pitchFamily="34" charset="0"/>
-              </a:rPr>
-              <a:t>receive</a:t>
-            </a:r>
-            <a:r>
-              <a:rPr lang="de-DE" sz="1200" dirty="0">
-                <a:latin typeface="Arial" panose="020B0604020202020204" pitchFamily="34" charset="0"/>
-                <a:cs typeface="Arial" panose="020B0604020202020204" pitchFamily="34" charset="0"/>
-              </a:rPr>
-              <a:t> </a:t>
-            </a:r>
-            <a:r>
-              <a:rPr lang="de-DE" sz="1200" dirty="0" err="1">
-                <a:latin typeface="Arial" panose="020B0604020202020204" pitchFamily="34" charset="0"/>
-                <a:cs typeface="Arial" panose="020B0604020202020204" pitchFamily="34" charset="0"/>
-              </a:rPr>
-              <a:t>neoadjuvant</a:t>
-            </a:r>
-            <a:r>
-              <a:rPr lang="de-DE" sz="1200" dirty="0">
-                <a:latin typeface="Arial" panose="020B0604020202020204" pitchFamily="34" charset="0"/>
-                <a:cs typeface="Arial" panose="020B0604020202020204" pitchFamily="34" charset="0"/>
-              </a:rPr>
-              <a:t> </a:t>
-            </a:r>
-            <a:r>
-              <a:rPr lang="de-DE" sz="1200" dirty="0" err="1">
+              <a:rPr lang="de-DE" sz="1000" dirty="0">
+                <a:latin typeface="Arial" panose="020B0604020202020204" pitchFamily="34" charset="0"/>
+                <a:cs typeface="Arial" panose="020B0604020202020204" pitchFamily="34" charset="0"/>
+              </a:rPr>
+              <a:t> </a:t>
+            </a:r>
+            <a:r>
+              <a:rPr lang="de-DE" sz="1000" dirty="0" err="1">
+                <a:latin typeface="Arial" panose="020B0604020202020204" pitchFamily="34" charset="0"/>
+                <a:cs typeface="Arial" panose="020B0604020202020204" pitchFamily="34" charset="0"/>
+              </a:rPr>
+              <a:t>present</a:t>
+            </a:r>
+            <a:r>
+              <a:rPr lang="de-DE" sz="1000" dirty="0">
+                <a:latin typeface="Arial" panose="020B0604020202020204" pitchFamily="34" charset="0"/>
+                <a:cs typeface="Arial" panose="020B0604020202020204" pitchFamily="34" charset="0"/>
+              </a:rPr>
+              <a:t> </a:t>
+            </a:r>
+            <a:r>
+              <a:rPr lang="de-DE" sz="1000" dirty="0" err="1">
+                <a:latin typeface="Arial" panose="020B0604020202020204" pitchFamily="34" charset="0"/>
+                <a:cs typeface="Arial" panose="020B0604020202020204" pitchFamily="34" charset="0"/>
+              </a:rPr>
+              <a:t>already</a:t>
+            </a:r>
+            <a:r>
+              <a:rPr lang="de-DE" sz="1000" dirty="0">
+                <a:latin typeface="Arial" panose="020B0604020202020204" pitchFamily="34" charset="0"/>
+                <a:cs typeface="Arial" panose="020B0604020202020204" pitchFamily="34" charset="0"/>
+              </a:rPr>
+              <a:t> </a:t>
+            </a:r>
+            <a:r>
+              <a:rPr lang="de-DE" sz="1000" dirty="0" err="1">
+                <a:latin typeface="Arial" panose="020B0604020202020204" pitchFamily="34" charset="0"/>
+                <a:cs typeface="Arial" panose="020B0604020202020204" pitchFamily="34" charset="0"/>
+              </a:rPr>
+              <a:t>with</a:t>
+            </a:r>
+            <a:r>
+              <a:rPr lang="de-DE" sz="1000" dirty="0">
+                <a:latin typeface="Arial" panose="020B0604020202020204" pitchFamily="34" charset="0"/>
+                <a:cs typeface="Arial" panose="020B0604020202020204" pitchFamily="34" charset="0"/>
+              </a:rPr>
+              <a:t> </a:t>
+            </a:r>
+            <a:r>
+              <a:rPr lang="de-DE" sz="1000" dirty="0" err="1">
+                <a:latin typeface="Arial" panose="020B0604020202020204" pitchFamily="34" charset="0"/>
+                <a:cs typeface="Arial" panose="020B0604020202020204" pitchFamily="34" charset="0"/>
+              </a:rPr>
+              <a:t>lymph</a:t>
+            </a:r>
+            <a:r>
+              <a:rPr lang="de-DE" sz="1000" dirty="0">
+                <a:latin typeface="Arial" panose="020B0604020202020204" pitchFamily="34" charset="0"/>
+                <a:cs typeface="Arial" panose="020B0604020202020204" pitchFamily="34" charset="0"/>
+              </a:rPr>
+              <a:t> </a:t>
+            </a:r>
+            <a:r>
+              <a:rPr lang="de-DE" sz="1000" dirty="0" err="1">
+                <a:latin typeface="Arial" panose="020B0604020202020204" pitchFamily="34" charset="0"/>
+                <a:cs typeface="Arial" panose="020B0604020202020204" pitchFamily="34" charset="0"/>
+              </a:rPr>
+              <a:t>or</a:t>
+            </a:r>
+            <a:r>
+              <a:rPr lang="de-DE" sz="1000" dirty="0">
+                <a:latin typeface="Arial" panose="020B0604020202020204" pitchFamily="34" charset="0"/>
+                <a:cs typeface="Arial" panose="020B0604020202020204" pitchFamily="34" charset="0"/>
+              </a:rPr>
+              <a:t> </a:t>
+            </a:r>
+            <a:r>
+              <a:rPr lang="de-DE" sz="1000" dirty="0" err="1">
+                <a:latin typeface="Arial" panose="020B0604020202020204" pitchFamily="34" charset="0"/>
+                <a:cs typeface="Arial" panose="020B0604020202020204" pitchFamily="34" charset="0"/>
+              </a:rPr>
+              <a:t>even</a:t>
+            </a:r>
+            <a:r>
+              <a:rPr lang="de-DE" sz="1000" dirty="0">
+                <a:latin typeface="Arial" panose="020B0604020202020204" pitchFamily="34" charset="0"/>
+                <a:cs typeface="Arial" panose="020B0604020202020204" pitchFamily="34" charset="0"/>
+              </a:rPr>
+              <a:t> </a:t>
+            </a:r>
+            <a:r>
+              <a:rPr lang="de-DE" sz="1000" dirty="0" err="1">
+                <a:latin typeface="Arial" panose="020B0604020202020204" pitchFamily="34" charset="0"/>
+                <a:cs typeface="Arial" panose="020B0604020202020204" pitchFamily="34" charset="0"/>
+              </a:rPr>
+              <a:t>distant</a:t>
+            </a:r>
+            <a:r>
+              <a:rPr lang="de-DE" sz="1000" dirty="0">
+                <a:latin typeface="Arial" panose="020B0604020202020204" pitchFamily="34" charset="0"/>
+                <a:cs typeface="Arial" panose="020B0604020202020204" pitchFamily="34" charset="0"/>
+              </a:rPr>
+              <a:t> </a:t>
+            </a:r>
+            <a:r>
+              <a:rPr lang="de-DE" sz="1000" dirty="0" err="1">
+                <a:latin typeface="Arial" panose="020B0604020202020204" pitchFamily="34" charset="0"/>
+                <a:cs typeface="Arial" panose="020B0604020202020204" pitchFamily="34" charset="0"/>
+              </a:rPr>
+              <a:t>metastases</a:t>
+            </a:r>
+            <a:r>
+              <a:rPr lang="de-DE" sz="1000" dirty="0">
+                <a:latin typeface="Arial" panose="020B0604020202020204" pitchFamily="34" charset="0"/>
+                <a:cs typeface="Arial" panose="020B0604020202020204" pitchFamily="34" charset="0"/>
+              </a:rPr>
+              <a:t>. These </a:t>
+            </a:r>
+            <a:r>
+              <a:rPr lang="de-DE" sz="1000" dirty="0" err="1">
+                <a:latin typeface="Arial" panose="020B0604020202020204" pitchFamily="34" charset="0"/>
+                <a:cs typeface="Arial" panose="020B0604020202020204" pitchFamily="34" charset="0"/>
+              </a:rPr>
+              <a:t>patients</a:t>
+            </a:r>
+            <a:r>
+              <a:rPr lang="de-DE" sz="1000" dirty="0">
+                <a:latin typeface="Arial" panose="020B0604020202020204" pitchFamily="34" charset="0"/>
+                <a:cs typeface="Arial" panose="020B0604020202020204" pitchFamily="34" charset="0"/>
+              </a:rPr>
+              <a:t> all </a:t>
+            </a:r>
+            <a:r>
+              <a:rPr lang="de-DE" sz="1000" dirty="0" err="1">
+                <a:latin typeface="Arial" panose="020B0604020202020204" pitchFamily="34" charset="0"/>
+                <a:cs typeface="Arial" panose="020B0604020202020204" pitchFamily="34" charset="0"/>
+              </a:rPr>
+              <a:t>require</a:t>
+            </a:r>
+            <a:r>
+              <a:rPr lang="de-DE" sz="1000" dirty="0">
+                <a:latin typeface="Arial" panose="020B0604020202020204" pitchFamily="34" charset="0"/>
+                <a:cs typeface="Arial" panose="020B0604020202020204" pitchFamily="34" charset="0"/>
+              </a:rPr>
+              <a:t> additional </a:t>
+            </a:r>
+            <a:r>
+              <a:rPr lang="de-DE" sz="1000" dirty="0" err="1">
+                <a:latin typeface="Arial" panose="020B0604020202020204" pitchFamily="34" charset="0"/>
+                <a:cs typeface="Arial" panose="020B0604020202020204" pitchFamily="34" charset="0"/>
+              </a:rPr>
+              <a:t>systemic</a:t>
+            </a:r>
+            <a:r>
+              <a:rPr lang="de-DE" sz="1000" dirty="0">
+                <a:latin typeface="Arial" panose="020B0604020202020204" pitchFamily="34" charset="0"/>
+                <a:cs typeface="Arial" panose="020B0604020202020204" pitchFamily="34" charset="0"/>
+              </a:rPr>
+              <a:t> </a:t>
+            </a:r>
+            <a:r>
+              <a:rPr lang="de-DE" sz="1000" dirty="0" err="1">
                 <a:latin typeface="Arial" panose="020B0604020202020204" pitchFamily="34" charset="0"/>
                 <a:cs typeface="Arial" panose="020B0604020202020204" pitchFamily="34" charset="0"/>
               </a:rPr>
               <a:t>therapy</a:t>
             </a:r>
             <a:r>
-              <a:rPr lang="de-DE" sz="1200" dirty="0">
-                <a:latin typeface="Arial" panose="020B0604020202020204" pitchFamily="34" charset="0"/>
-                <a:cs typeface="Arial" panose="020B0604020202020204" pitchFamily="34" charset="0"/>
-              </a:rPr>
-              <a:t> </a:t>
-            </a:r>
-            <a:r>
-              <a:rPr lang="de-DE" sz="1200" dirty="0" err="1">
-                <a:latin typeface="Arial" panose="020B0604020202020204" pitchFamily="34" charset="0"/>
-                <a:cs typeface="Arial" panose="020B0604020202020204" pitchFamily="34" charset="0"/>
-              </a:rPr>
-              <a:t>and</a:t>
-            </a:r>
-            <a:r>
-              <a:rPr lang="de-DE" sz="1200" dirty="0">
-                <a:latin typeface="Arial" panose="020B0604020202020204" pitchFamily="34" charset="0"/>
-                <a:cs typeface="Arial" panose="020B0604020202020204" pitchFamily="34" charset="0"/>
-              </a:rPr>
-              <a:t> </a:t>
-            </a:r>
-            <a:r>
-              <a:rPr lang="de-DE" sz="1200" dirty="0" err="1">
+              <a:rPr lang="de-DE" sz="1000" dirty="0">
+                <a:latin typeface="Arial" panose="020B0604020202020204" pitchFamily="34" charset="0"/>
+                <a:cs typeface="Arial" panose="020B0604020202020204" pitchFamily="34" charset="0"/>
+              </a:rPr>
+              <a:t> </a:t>
+            </a:r>
+            <a:r>
+              <a:rPr lang="de-DE" sz="1000" dirty="0" err="1">
+                <a:latin typeface="Arial" panose="020B0604020202020204" pitchFamily="34" charset="0"/>
+                <a:cs typeface="Arial" panose="020B0604020202020204" pitchFamily="34" charset="0"/>
+              </a:rPr>
+              <a:t>either</a:t>
+            </a:r>
+            <a:r>
+              <a:rPr lang="de-DE" sz="1000" dirty="0">
+                <a:latin typeface="Arial" panose="020B0604020202020204" pitchFamily="34" charset="0"/>
+                <a:cs typeface="Arial" panose="020B0604020202020204" pitchFamily="34" charset="0"/>
+              </a:rPr>
+              <a:t> </a:t>
+            </a:r>
+            <a:r>
+              <a:rPr lang="de-DE" sz="1000" dirty="0" err="1">
+                <a:latin typeface="Arial" panose="020B0604020202020204" pitchFamily="34" charset="0"/>
+                <a:cs typeface="Arial" panose="020B0604020202020204" pitchFamily="34" charset="0"/>
+              </a:rPr>
+              <a:t>prior</a:t>
+            </a:r>
+            <a:r>
+              <a:rPr lang="de-DE" sz="1000" dirty="0">
+                <a:latin typeface="Arial" panose="020B0604020202020204" pitchFamily="34" charset="0"/>
+                <a:cs typeface="Arial" panose="020B0604020202020204" pitchFamily="34" charset="0"/>
+              </a:rPr>
+              <a:t> </a:t>
+            </a:r>
+            <a:r>
+              <a:rPr lang="de-DE" sz="1000" dirty="0" err="1">
+                <a:latin typeface="Arial" panose="020B0604020202020204" pitchFamily="34" charset="0"/>
+                <a:cs typeface="Arial" panose="020B0604020202020204" pitchFamily="34" charset="0"/>
+              </a:rPr>
+              <a:t>surgery</a:t>
+            </a:r>
+            <a:r>
+              <a:rPr lang="de-DE" sz="1000" dirty="0">
+                <a:latin typeface="Arial" panose="020B0604020202020204" pitchFamily="34" charset="0"/>
+                <a:cs typeface="Arial" panose="020B0604020202020204" pitchFamily="34" charset="0"/>
+              </a:rPr>
+              <a:t> </a:t>
+            </a:r>
+            <a:r>
+              <a:rPr lang="de-DE" sz="1000" dirty="0" err="1">
+                <a:latin typeface="Arial" panose="020B0604020202020204" pitchFamily="34" charset="0"/>
+                <a:cs typeface="Arial" panose="020B0604020202020204" pitchFamily="34" charset="0"/>
+              </a:rPr>
+              <a:t>or</a:t>
+            </a:r>
+            <a:r>
+              <a:rPr lang="de-DE" sz="1000" dirty="0">
+                <a:latin typeface="Arial" panose="020B0604020202020204" pitchFamily="34" charset="0"/>
+                <a:cs typeface="Arial" panose="020B0604020202020204" pitchFamily="34" charset="0"/>
+              </a:rPr>
+              <a:t> after. </a:t>
+            </a:r>
+            <a:r>
+              <a:rPr lang="de-DE" sz="1000" dirty="0" err="1">
+                <a:latin typeface="Arial" panose="020B0604020202020204" pitchFamily="34" charset="0"/>
+                <a:cs typeface="Arial" panose="020B0604020202020204" pitchFamily="34" charset="0"/>
+              </a:rPr>
+              <a:t>Currently</a:t>
+            </a:r>
+            <a:r>
+              <a:rPr lang="de-DE" sz="1000" dirty="0">
+                <a:latin typeface="Arial" panose="020B0604020202020204" pitchFamily="34" charset="0"/>
+                <a:cs typeface="Arial" panose="020B0604020202020204" pitchFamily="34" charset="0"/>
+              </a:rPr>
+              <a:t>, </a:t>
+            </a:r>
+            <a:r>
+              <a:rPr lang="de-DE" sz="1000" dirty="0" err="1">
+                <a:latin typeface="Arial" panose="020B0604020202020204" pitchFamily="34" charset="0"/>
+                <a:cs typeface="Arial" panose="020B0604020202020204" pitchFamily="34" charset="0"/>
+              </a:rPr>
+              <a:t>the</a:t>
+            </a:r>
+            <a:r>
+              <a:rPr lang="de-DE" sz="1000" dirty="0">
+                <a:latin typeface="Arial" panose="020B0604020202020204" pitchFamily="34" charset="0"/>
+                <a:cs typeface="Arial" panose="020B0604020202020204" pitchFamily="34" charset="0"/>
+              </a:rPr>
+              <a:t> </a:t>
+            </a:r>
+            <a:r>
+              <a:rPr lang="de-DE" sz="1000" dirty="0" err="1">
+                <a:latin typeface="Arial" panose="020B0604020202020204" pitchFamily="34" charset="0"/>
+                <a:cs typeface="Arial" panose="020B0604020202020204" pitchFamily="34" charset="0"/>
+              </a:rPr>
+              <a:t>gold</a:t>
+            </a:r>
+            <a:r>
+              <a:rPr lang="de-DE" sz="1000" dirty="0">
+                <a:latin typeface="Arial" panose="020B0604020202020204" pitchFamily="34" charset="0"/>
+                <a:cs typeface="Arial" panose="020B0604020202020204" pitchFamily="34" charset="0"/>
+              </a:rPr>
+              <a:t> </a:t>
+            </a:r>
+            <a:r>
+              <a:rPr lang="de-DE" sz="1000" dirty="0" err="1">
+                <a:latin typeface="Arial" panose="020B0604020202020204" pitchFamily="34" charset="0"/>
+                <a:cs typeface="Arial" panose="020B0604020202020204" pitchFamily="34" charset="0"/>
+              </a:rPr>
+              <a:t>standard</a:t>
+            </a:r>
+            <a:r>
+              <a:rPr lang="de-DE" sz="1000" dirty="0">
+                <a:latin typeface="Arial" panose="020B0604020202020204" pitchFamily="34" charset="0"/>
+                <a:cs typeface="Arial" panose="020B0604020202020204" pitchFamily="34" charset="0"/>
+              </a:rPr>
+              <a:t> </a:t>
+            </a:r>
+            <a:r>
+              <a:rPr lang="de-DE" sz="1000" dirty="0" err="1">
+                <a:latin typeface="Arial" panose="020B0604020202020204" pitchFamily="34" charset="0"/>
+                <a:cs typeface="Arial" panose="020B0604020202020204" pitchFamily="34" charset="0"/>
+              </a:rPr>
+              <a:t>for</a:t>
+            </a:r>
+            <a:r>
+              <a:rPr lang="de-DE" sz="1000" dirty="0">
+                <a:latin typeface="Arial" panose="020B0604020202020204" pitchFamily="34" charset="0"/>
+                <a:cs typeface="Arial" panose="020B0604020202020204" pitchFamily="34" charset="0"/>
+              </a:rPr>
+              <a:t> </a:t>
+            </a:r>
+            <a:r>
+              <a:rPr lang="de-DE" sz="1000" dirty="0" err="1">
+                <a:latin typeface="Arial" panose="020B0604020202020204" pitchFamily="34" charset="0"/>
+                <a:cs typeface="Arial" panose="020B0604020202020204" pitchFamily="34" charset="0"/>
+              </a:rPr>
+              <a:t>the</a:t>
+            </a:r>
+            <a:r>
+              <a:rPr lang="de-DE" sz="1000" dirty="0">
+                <a:latin typeface="Arial" panose="020B0604020202020204" pitchFamily="34" charset="0"/>
+                <a:cs typeface="Arial" panose="020B0604020202020204" pitchFamily="34" charset="0"/>
+              </a:rPr>
+              <a:t> </a:t>
+            </a:r>
+            <a:r>
+              <a:rPr lang="de-DE" sz="1000" dirty="0" err="1">
+                <a:latin typeface="Arial" panose="020B0604020202020204" pitchFamily="34" charset="0"/>
+                <a:cs typeface="Arial" panose="020B0604020202020204" pitchFamily="34" charset="0"/>
+              </a:rPr>
+              <a:t>prognostication</a:t>
+            </a:r>
+            <a:r>
+              <a:rPr lang="de-DE" sz="1000" dirty="0">
+                <a:latin typeface="Arial" panose="020B0604020202020204" pitchFamily="34" charset="0"/>
+                <a:cs typeface="Arial" panose="020B0604020202020204" pitchFamily="34" charset="0"/>
+              </a:rPr>
+              <a:t> </a:t>
+            </a:r>
+            <a:r>
+              <a:rPr lang="de-DE" sz="1000" dirty="0" err="1">
+                <a:latin typeface="Arial" panose="020B0604020202020204" pitchFamily="34" charset="0"/>
+                <a:cs typeface="Arial" panose="020B0604020202020204" pitchFamily="34" charset="0"/>
+              </a:rPr>
+              <a:t>of</a:t>
+            </a:r>
+            <a:r>
+              <a:rPr lang="de-DE" sz="1000" dirty="0">
+                <a:latin typeface="Arial" panose="020B0604020202020204" pitchFamily="34" charset="0"/>
+                <a:cs typeface="Arial" panose="020B0604020202020204" pitchFamily="34" charset="0"/>
+              </a:rPr>
+              <a:t> </a:t>
+            </a:r>
+            <a:r>
+              <a:rPr lang="de-DE" sz="1000" dirty="0" err="1">
+                <a:latin typeface="Arial" panose="020B0604020202020204" pitchFamily="34" charset="0"/>
+                <a:cs typeface="Arial" panose="020B0604020202020204" pitchFamily="34" charset="0"/>
+              </a:rPr>
+              <a:t>patients</a:t>
+            </a:r>
+            <a:r>
+              <a:rPr lang="de-DE" sz="1000" dirty="0">
+                <a:latin typeface="Arial" panose="020B0604020202020204" pitchFamily="34" charset="0"/>
+                <a:cs typeface="Arial" panose="020B0604020202020204" pitchFamily="34" charset="0"/>
+              </a:rPr>
+              <a:t> </a:t>
+            </a:r>
+            <a:r>
+              <a:rPr lang="de-DE" sz="1000" dirty="0" err="1">
+                <a:latin typeface="Arial" panose="020B0604020202020204" pitchFamily="34" charset="0"/>
+                <a:cs typeface="Arial" panose="020B0604020202020204" pitchFamily="34" charset="0"/>
+              </a:rPr>
+              <a:t>is</a:t>
+            </a:r>
+            <a:r>
+              <a:rPr lang="de-DE" sz="1000" dirty="0">
+                <a:latin typeface="Arial" panose="020B0604020202020204" pitchFamily="34" charset="0"/>
+                <a:cs typeface="Arial" panose="020B0604020202020204" pitchFamily="34" charset="0"/>
+              </a:rPr>
+              <a:t> </a:t>
+            </a:r>
+            <a:r>
+              <a:rPr lang="de-DE" sz="1000" dirty="0" err="1">
+                <a:latin typeface="Arial" panose="020B0604020202020204" pitchFamily="34" charset="0"/>
+                <a:cs typeface="Arial" panose="020B0604020202020204" pitchFamily="34" charset="0"/>
+              </a:rPr>
+              <a:t>the</a:t>
+            </a:r>
+            <a:r>
+              <a:rPr lang="de-DE" sz="1000" dirty="0">
+                <a:latin typeface="Arial" panose="020B0604020202020204" pitchFamily="34" charset="0"/>
+                <a:cs typeface="Arial" panose="020B0604020202020204" pitchFamily="34" charset="0"/>
+              </a:rPr>
+              <a:t> UICC TNM </a:t>
+            </a:r>
+            <a:r>
+              <a:rPr lang="de-DE" sz="1000" dirty="0" err="1">
+                <a:latin typeface="Arial" panose="020B0604020202020204" pitchFamily="34" charset="0"/>
+                <a:cs typeface="Arial" panose="020B0604020202020204" pitchFamily="34" charset="0"/>
+              </a:rPr>
+              <a:t>classification</a:t>
+            </a:r>
+            <a:r>
+              <a:rPr lang="de-DE" sz="1000" dirty="0">
+                <a:latin typeface="Arial" panose="020B0604020202020204" pitchFamily="34" charset="0"/>
+                <a:cs typeface="Arial" panose="020B0604020202020204" pitchFamily="34" charset="0"/>
+              </a:rPr>
+              <a:t> </a:t>
+            </a:r>
+            <a:r>
+              <a:rPr lang="de-DE" sz="1000" dirty="0" err="1">
+                <a:latin typeface="Arial" panose="020B0604020202020204" pitchFamily="34" charset="0"/>
+                <a:cs typeface="Arial" panose="020B0604020202020204" pitchFamily="34" charset="0"/>
+              </a:rPr>
+              <a:t>describing</a:t>
+            </a:r>
+            <a:r>
+              <a:rPr lang="de-DE" sz="1000" dirty="0">
+                <a:latin typeface="Arial" panose="020B0604020202020204" pitchFamily="34" charset="0"/>
+                <a:cs typeface="Arial" panose="020B0604020202020204" pitchFamily="34" charset="0"/>
+              </a:rPr>
+              <a:t> </a:t>
+            </a:r>
+            <a:r>
+              <a:rPr lang="de-DE" sz="1000" dirty="0" err="1">
+                <a:latin typeface="Arial" panose="020B0604020202020204" pitchFamily="34" charset="0"/>
+                <a:cs typeface="Arial" panose="020B0604020202020204" pitchFamily="34" charset="0"/>
+              </a:rPr>
+              <a:t>the</a:t>
+            </a:r>
+            <a:r>
+              <a:rPr lang="de-DE" sz="1000" dirty="0">
+                <a:latin typeface="Arial" panose="020B0604020202020204" pitchFamily="34" charset="0"/>
+                <a:cs typeface="Arial" panose="020B0604020202020204" pitchFamily="34" charset="0"/>
+              </a:rPr>
+              <a:t> </a:t>
+            </a:r>
+            <a:r>
+              <a:rPr lang="de-DE" sz="1000" dirty="0" err="1">
+                <a:latin typeface="Arial" panose="020B0604020202020204" pitchFamily="34" charset="0"/>
+                <a:cs typeface="Arial" panose="020B0604020202020204" pitchFamily="34" charset="0"/>
+              </a:rPr>
+              <a:t>tumor</a:t>
+            </a:r>
+            <a:r>
+              <a:rPr lang="de-DE" sz="1000" dirty="0">
+                <a:latin typeface="Arial" panose="020B0604020202020204" pitchFamily="34" charset="0"/>
+                <a:cs typeface="Arial" panose="020B0604020202020204" pitchFamily="34" charset="0"/>
+              </a:rPr>
+              <a:t> </a:t>
+            </a:r>
+            <a:r>
+              <a:rPr lang="de-DE" sz="1000" dirty="0" err="1">
+                <a:latin typeface="Arial" panose="020B0604020202020204" pitchFamily="34" charset="0"/>
+                <a:cs typeface="Arial" panose="020B0604020202020204" pitchFamily="34" charset="0"/>
+              </a:rPr>
+              <a:t>extend</a:t>
+            </a:r>
+            <a:r>
+              <a:rPr lang="de-DE" sz="1000" dirty="0">
+                <a:latin typeface="Arial" panose="020B0604020202020204" pitchFamily="34" charset="0"/>
+                <a:cs typeface="Arial" panose="020B0604020202020204" pitchFamily="34" charset="0"/>
+              </a:rPr>
+              <a:t>. </a:t>
+            </a:r>
+            <a:r>
+              <a:rPr lang="de-DE" sz="1000" dirty="0" err="1">
+                <a:latin typeface="Arial" panose="020B0604020202020204" pitchFamily="34" charset="0"/>
+                <a:cs typeface="Arial" panose="020B0604020202020204" pitchFamily="34" charset="0"/>
+              </a:rPr>
+              <a:t>However</a:t>
+            </a:r>
+            <a:r>
+              <a:rPr lang="de-DE" sz="1000" dirty="0">
+                <a:latin typeface="Arial" panose="020B0604020202020204" pitchFamily="34" charset="0"/>
+                <a:cs typeface="Arial" panose="020B0604020202020204" pitchFamily="34" charset="0"/>
+              </a:rPr>
+              <a:t>, </a:t>
+            </a:r>
+            <a:r>
+              <a:rPr lang="de-DE" sz="1000" dirty="0" err="1">
+                <a:latin typeface="Arial" panose="020B0604020202020204" pitchFamily="34" charset="0"/>
+                <a:cs typeface="Arial" panose="020B0604020202020204" pitchFamily="34" charset="0"/>
+              </a:rPr>
+              <a:t>especially</a:t>
+            </a:r>
+            <a:r>
+              <a:rPr lang="de-DE" sz="1000" dirty="0">
+                <a:latin typeface="Arial" panose="020B0604020202020204" pitchFamily="34" charset="0"/>
+                <a:cs typeface="Arial" panose="020B0604020202020204" pitchFamily="34" charset="0"/>
+              </a:rPr>
+              <a:t> in </a:t>
+            </a:r>
+            <a:r>
+              <a:rPr lang="de-DE" sz="1000" dirty="0" err="1">
+                <a:latin typeface="Arial" panose="020B0604020202020204" pitchFamily="34" charset="0"/>
+                <a:cs typeface="Arial" panose="020B0604020202020204" pitchFamily="34" charset="0"/>
+              </a:rPr>
+              <a:t>neoadjuvantly</a:t>
+            </a:r>
+            <a:r>
+              <a:rPr lang="de-DE" sz="1000" dirty="0">
+                <a:latin typeface="Arial" panose="020B0604020202020204" pitchFamily="34" charset="0"/>
+                <a:cs typeface="Arial" panose="020B0604020202020204" pitchFamily="34" charset="0"/>
+              </a:rPr>
+              <a:t> </a:t>
+            </a:r>
+            <a:r>
+              <a:rPr lang="de-DE" sz="1000" dirty="0" err="1">
+                <a:latin typeface="Arial" panose="020B0604020202020204" pitchFamily="34" charset="0"/>
+                <a:cs typeface="Arial" panose="020B0604020202020204" pitchFamily="34" charset="0"/>
+              </a:rPr>
+              <a:t>treated</a:t>
+            </a:r>
+            <a:r>
+              <a:rPr lang="de-DE" sz="1000" dirty="0">
+                <a:latin typeface="Arial" panose="020B0604020202020204" pitchFamily="34" charset="0"/>
+                <a:cs typeface="Arial" panose="020B0604020202020204" pitchFamily="34" charset="0"/>
+              </a:rPr>
+              <a:t> </a:t>
+            </a:r>
+            <a:r>
+              <a:rPr lang="de-DE" sz="1000" dirty="0" err="1">
+                <a:latin typeface="Arial" panose="020B0604020202020204" pitchFamily="34" charset="0"/>
+                <a:cs typeface="Arial" panose="020B0604020202020204" pitchFamily="34" charset="0"/>
+              </a:rPr>
+              <a:t>patients</a:t>
+            </a:r>
+            <a:r>
+              <a:rPr lang="de-DE" sz="1000" dirty="0">
+                <a:latin typeface="Arial" panose="020B0604020202020204" pitchFamily="34" charset="0"/>
+                <a:cs typeface="Arial" panose="020B0604020202020204" pitchFamily="34" charset="0"/>
+              </a:rPr>
+              <a:t> </a:t>
+            </a:r>
+            <a:r>
+              <a:rPr lang="de-DE" sz="1000" dirty="0" err="1">
                 <a:latin typeface="Arial" panose="020B0604020202020204" pitchFamily="34" charset="0"/>
                 <a:cs typeface="Arial" panose="020B0604020202020204" pitchFamily="34" charset="0"/>
               </a:rPr>
               <a:t>other</a:t>
             </a:r>
             <a:r>
-              <a:rPr lang="de-DE" sz="1200" dirty="0">
-                <a:latin typeface="Arial" panose="020B0604020202020204" pitchFamily="34" charset="0"/>
-                <a:cs typeface="Arial" panose="020B0604020202020204" pitchFamily="34" charset="0"/>
-              </a:rPr>
-              <a:t> </a:t>
-            </a:r>
-            <a:r>
-              <a:rPr lang="de-DE" sz="1200" dirty="0" err="1">
-                <a:latin typeface="Arial" panose="020B0604020202020204" pitchFamily="34" charset="0"/>
-                <a:cs typeface="Arial" panose="020B0604020202020204" pitchFamily="34" charset="0"/>
-              </a:rPr>
-              <a:t>adjuvant</a:t>
-            </a:r>
-            <a:r>
-              <a:rPr lang="de-DE" sz="1200" dirty="0">
-                <a:latin typeface="Arial" panose="020B0604020202020204" pitchFamily="34" charset="0"/>
-                <a:cs typeface="Arial" panose="020B0604020202020204" pitchFamily="34" charset="0"/>
-              </a:rPr>
-              <a:t>, </a:t>
-            </a:r>
-            <a:r>
-              <a:rPr lang="de-DE" sz="1200" dirty="0" err="1">
-                <a:latin typeface="Arial" panose="020B0604020202020204" pitchFamily="34" charset="0"/>
-                <a:cs typeface="Arial" panose="020B0604020202020204" pitchFamily="34" charset="0"/>
-              </a:rPr>
-              <a:t>however</a:t>
-            </a:r>
-            <a:r>
-              <a:rPr lang="de-DE" sz="1200" dirty="0">
-                <a:latin typeface="Arial" panose="020B0604020202020204" pitchFamily="34" charset="0"/>
-                <a:cs typeface="Arial" panose="020B0604020202020204" pitchFamily="34" charset="0"/>
-              </a:rPr>
-              <a:t>, </a:t>
-            </a:r>
-            <a:r>
-              <a:rPr lang="de-DE" sz="1200" dirty="0" err="1">
-                <a:latin typeface="Arial" panose="020B0604020202020204" pitchFamily="34" charset="0"/>
-                <a:cs typeface="Arial" panose="020B0604020202020204" pitchFamily="34" charset="0"/>
-              </a:rPr>
-              <a:t>the</a:t>
-            </a:r>
-            <a:r>
-              <a:rPr lang="de-DE" sz="1200" dirty="0">
-                <a:latin typeface="Arial" panose="020B0604020202020204" pitchFamily="34" charset="0"/>
-                <a:cs typeface="Arial" panose="020B0604020202020204" pitchFamily="34" charset="0"/>
-              </a:rPr>
-              <a:t> </a:t>
-            </a:r>
-            <a:r>
-              <a:rPr lang="de-DE" sz="1200" dirty="0" err="1">
-                <a:latin typeface="Arial" panose="020B0604020202020204" pitchFamily="34" charset="0"/>
-                <a:cs typeface="Arial" panose="020B0604020202020204" pitchFamily="34" charset="0"/>
-              </a:rPr>
-              <a:t>survival</a:t>
-            </a:r>
-            <a:r>
-              <a:rPr lang="de-DE" sz="1200" dirty="0">
-                <a:latin typeface="Arial" panose="020B0604020202020204" pitchFamily="34" charset="0"/>
-                <a:cs typeface="Arial" panose="020B0604020202020204" pitchFamily="34" charset="0"/>
-              </a:rPr>
-              <a:t> </a:t>
-            </a:r>
-            <a:r>
-              <a:rPr lang="de-DE" sz="1200" dirty="0" err="1">
-                <a:latin typeface="Arial" panose="020B0604020202020204" pitchFamily="34" charset="0"/>
-                <a:cs typeface="Arial" panose="020B0604020202020204" pitchFamily="34" charset="0"/>
-              </a:rPr>
-              <a:t>benefit</a:t>
-            </a:r>
-            <a:r>
-              <a:rPr lang="de-DE" sz="1200" dirty="0">
-                <a:latin typeface="Arial" panose="020B0604020202020204" pitchFamily="34" charset="0"/>
-                <a:cs typeface="Arial" panose="020B0604020202020204" pitchFamily="34" charset="0"/>
-              </a:rPr>
-              <a:t> </a:t>
-            </a:r>
-            <a:r>
-              <a:rPr lang="de-DE" sz="1200" dirty="0" err="1">
-                <a:latin typeface="Arial" panose="020B0604020202020204" pitchFamily="34" charset="0"/>
-                <a:cs typeface="Arial" panose="020B0604020202020204" pitchFamily="34" charset="0"/>
-              </a:rPr>
-              <a:t>seems</a:t>
-            </a:r>
-            <a:r>
-              <a:rPr lang="de-DE" sz="1200" dirty="0">
-                <a:latin typeface="Arial" panose="020B0604020202020204" pitchFamily="34" charset="0"/>
-                <a:cs typeface="Arial" panose="020B0604020202020204" pitchFamily="34" charset="0"/>
-              </a:rPr>
-              <a:t> </a:t>
-            </a:r>
-            <a:r>
-              <a:rPr lang="de-DE" sz="1200" dirty="0" err="1">
+              <a:rPr lang="de-DE" sz="1000" dirty="0">
+                <a:latin typeface="Arial" panose="020B0604020202020204" pitchFamily="34" charset="0"/>
+                <a:cs typeface="Arial" panose="020B0604020202020204" pitchFamily="34" charset="0"/>
+              </a:rPr>
+              <a:t> </a:t>
+            </a:r>
+            <a:r>
+              <a:rPr lang="de-DE" sz="1000" dirty="0" err="1">
+                <a:latin typeface="Arial" panose="020B0604020202020204" pitchFamily="34" charset="0"/>
+                <a:cs typeface="Arial" panose="020B0604020202020204" pitchFamily="34" charset="0"/>
+              </a:rPr>
+              <a:t>prognostic</a:t>
+            </a:r>
+            <a:r>
+              <a:rPr lang="de-DE" sz="1000" dirty="0">
+                <a:latin typeface="Arial" panose="020B0604020202020204" pitchFamily="34" charset="0"/>
+                <a:cs typeface="Arial" panose="020B0604020202020204" pitchFamily="34" charset="0"/>
+              </a:rPr>
+              <a:t> </a:t>
+            </a:r>
+            <a:r>
+              <a:rPr lang="de-DE" sz="1000" dirty="0" err="1">
+                <a:latin typeface="Arial" panose="020B0604020202020204" pitchFamily="34" charset="0"/>
+                <a:cs typeface="Arial" panose="020B0604020202020204" pitchFamily="34" charset="0"/>
+              </a:rPr>
+              <a:t>markers</a:t>
+            </a:r>
+            <a:r>
+              <a:rPr lang="de-DE" sz="1000" dirty="0">
+                <a:latin typeface="Arial" panose="020B0604020202020204" pitchFamily="34" charset="0"/>
+                <a:cs typeface="Arial" panose="020B0604020202020204" pitchFamily="34" charset="0"/>
+              </a:rPr>
+              <a:t> </a:t>
+            </a:r>
+            <a:r>
+              <a:rPr lang="de-DE" sz="1000" dirty="0" err="1">
+                <a:latin typeface="Arial" panose="020B0604020202020204" pitchFamily="34" charset="0"/>
+                <a:cs typeface="Arial" panose="020B0604020202020204" pitchFamily="34" charset="0"/>
+              </a:rPr>
+              <a:t>could</a:t>
+            </a:r>
+            <a:r>
+              <a:rPr lang="de-DE" sz="1000" dirty="0">
+                <a:latin typeface="Arial" panose="020B0604020202020204" pitchFamily="34" charset="0"/>
+                <a:cs typeface="Arial" panose="020B0604020202020204" pitchFamily="34" charset="0"/>
+              </a:rPr>
+              <a:t> </a:t>
+            </a:r>
+            <a:r>
+              <a:rPr lang="de-DE" sz="1000" dirty="0" err="1">
+                <a:latin typeface="Arial" panose="020B0604020202020204" pitchFamily="34" charset="0"/>
+                <a:cs typeface="Arial" panose="020B0604020202020204" pitchFamily="34" charset="0"/>
+              </a:rPr>
+              <a:t>perform</a:t>
+            </a:r>
+            <a:r>
+              <a:rPr lang="de-DE" sz="1000" dirty="0">
+                <a:latin typeface="Arial" panose="020B0604020202020204" pitchFamily="34" charset="0"/>
+                <a:cs typeface="Arial" panose="020B0604020202020204" pitchFamily="34" charset="0"/>
+              </a:rPr>
+              <a:t> </a:t>
+            </a:r>
+            <a:r>
+              <a:rPr lang="de-DE" sz="1000" dirty="0" err="1">
+                <a:latin typeface="Arial" panose="020B0604020202020204" pitchFamily="34" charset="0"/>
+                <a:cs typeface="Arial" panose="020B0604020202020204" pitchFamily="34" charset="0"/>
+              </a:rPr>
+              <a:t>much</a:t>
+            </a:r>
+            <a:r>
+              <a:rPr lang="de-DE" sz="1000" dirty="0">
+                <a:latin typeface="Arial" panose="020B0604020202020204" pitchFamily="34" charset="0"/>
+                <a:cs typeface="Arial" panose="020B0604020202020204" pitchFamily="34" charset="0"/>
+              </a:rPr>
+              <a:t> </a:t>
+            </a:r>
+            <a:r>
+              <a:rPr lang="de-DE" sz="1000" dirty="0" err="1">
+                <a:latin typeface="Arial" panose="020B0604020202020204" pitchFamily="34" charset="0"/>
+                <a:cs typeface="Arial" panose="020B0604020202020204" pitchFamily="34" charset="0"/>
+              </a:rPr>
+              <a:t>better</a:t>
+            </a:r>
+            <a:r>
+              <a:rPr lang="de-DE" sz="1000" dirty="0">
+                <a:latin typeface="Arial" panose="020B0604020202020204" pitchFamily="34" charset="0"/>
+                <a:cs typeface="Arial" panose="020B0604020202020204" pitchFamily="34" charset="0"/>
+              </a:rPr>
+              <a:t>. </a:t>
+            </a:r>
+            <a:r>
+              <a:rPr lang="de-DE" sz="1000" dirty="0" err="1">
+                <a:latin typeface="Arial" panose="020B0604020202020204" pitchFamily="34" charset="0"/>
+                <a:cs typeface="Arial" panose="020B0604020202020204" pitchFamily="34" charset="0"/>
+              </a:rPr>
+              <a:t>We</a:t>
+            </a:r>
+            <a:r>
+              <a:rPr lang="de-DE" sz="1000" dirty="0">
+                <a:latin typeface="Arial" panose="020B0604020202020204" pitchFamily="34" charset="0"/>
+                <a:cs typeface="Arial" panose="020B0604020202020204" pitchFamily="34" charset="0"/>
+              </a:rPr>
+              <a:t> </a:t>
+            </a:r>
+            <a:r>
+              <a:rPr lang="de-DE" sz="1000" dirty="0" err="1">
+                <a:latin typeface="Arial" panose="020B0604020202020204" pitchFamily="34" charset="0"/>
+                <a:cs typeface="Arial" panose="020B0604020202020204" pitchFamily="34" charset="0"/>
+              </a:rPr>
+              <a:t>aimed</a:t>
+            </a:r>
+            <a:r>
+              <a:rPr lang="de-DE" sz="1000" dirty="0">
+                <a:latin typeface="Arial" panose="020B0604020202020204" pitchFamily="34" charset="0"/>
+                <a:cs typeface="Arial" panose="020B0604020202020204" pitchFamily="34" charset="0"/>
+              </a:rPr>
+              <a:t> </a:t>
+            </a:r>
+            <a:r>
+              <a:rPr lang="de-DE" sz="1000" dirty="0" err="1">
                 <a:latin typeface="Arial" panose="020B0604020202020204" pitchFamily="34" charset="0"/>
                 <a:cs typeface="Arial" panose="020B0604020202020204" pitchFamily="34" charset="0"/>
               </a:rPr>
               <a:t>to</a:t>
             </a:r>
             <a:r>
-              <a:rPr lang="de-DE" sz="1200" dirty="0">
-                <a:latin typeface="Arial" panose="020B0604020202020204" pitchFamily="34" charset="0"/>
-                <a:cs typeface="Arial" panose="020B0604020202020204" pitchFamily="34" charset="0"/>
-              </a:rPr>
-              <a:t> </a:t>
-            </a:r>
-            <a:r>
-              <a:rPr lang="de-DE" sz="1200" dirty="0" err="1">
-                <a:latin typeface="Arial" panose="020B0604020202020204" pitchFamily="34" charset="0"/>
-                <a:cs typeface="Arial" panose="020B0604020202020204" pitchFamily="34" charset="0"/>
-              </a:rPr>
-              <a:t>be</a:t>
-            </a:r>
-            <a:r>
-              <a:rPr lang="de-DE" sz="1200" dirty="0">
-                <a:latin typeface="Arial" panose="020B0604020202020204" pitchFamily="34" charset="0"/>
-                <a:cs typeface="Arial" panose="020B0604020202020204" pitchFamily="34" charset="0"/>
-              </a:rPr>
-              <a:t> </a:t>
-            </a:r>
-            <a:r>
-              <a:rPr lang="de-DE" sz="1200" dirty="0" err="1">
-                <a:latin typeface="Arial" panose="020B0604020202020204" pitchFamily="34" charset="0"/>
-                <a:cs typeface="Arial" panose="020B0604020202020204" pitchFamily="34" charset="0"/>
-              </a:rPr>
-              <a:t>the</a:t>
-            </a:r>
-            <a:r>
-              <a:rPr lang="de-DE" sz="1200" dirty="0">
-                <a:latin typeface="Arial" panose="020B0604020202020204" pitchFamily="34" charset="0"/>
-                <a:cs typeface="Arial" panose="020B0604020202020204" pitchFamily="34" charset="0"/>
-              </a:rPr>
-              <a:t> same </a:t>
-            </a:r>
-            <a:r>
-              <a:rPr lang="de-DE" sz="1200" dirty="0" err="1">
-                <a:latin typeface="Arial" panose="020B0604020202020204" pitchFamily="34" charset="0"/>
-                <a:cs typeface="Arial" panose="020B0604020202020204" pitchFamily="34" charset="0"/>
-              </a:rPr>
-              <a:t>for</a:t>
-            </a:r>
-            <a:r>
-              <a:rPr lang="de-DE" sz="1200" dirty="0">
-                <a:latin typeface="Arial" panose="020B0604020202020204" pitchFamily="34" charset="0"/>
-                <a:cs typeface="Arial" panose="020B0604020202020204" pitchFamily="34" charset="0"/>
-              </a:rPr>
-              <a:t> </a:t>
-            </a:r>
-            <a:r>
-              <a:rPr lang="de-DE" sz="1200" dirty="0" err="1">
-                <a:latin typeface="Arial" panose="020B0604020202020204" pitchFamily="34" charset="0"/>
-                <a:cs typeface="Arial" panose="020B0604020202020204" pitchFamily="34" charset="0"/>
-              </a:rPr>
-              <a:t>both</a:t>
-            </a:r>
-            <a:r>
-              <a:rPr lang="de-DE" sz="1200" dirty="0">
-                <a:latin typeface="Arial" panose="020B0604020202020204" pitchFamily="34" charset="0"/>
-                <a:cs typeface="Arial" panose="020B0604020202020204" pitchFamily="34" charset="0"/>
-              </a:rPr>
-              <a:t>. The </a:t>
-            </a:r>
-            <a:r>
-              <a:rPr lang="de-DE" sz="1200" dirty="0" err="1">
-                <a:latin typeface="Arial" panose="020B0604020202020204" pitchFamily="34" charset="0"/>
-                <a:cs typeface="Arial" panose="020B0604020202020204" pitchFamily="34" charset="0"/>
-              </a:rPr>
-              <a:t>prognostication</a:t>
-            </a:r>
-            <a:r>
-              <a:rPr lang="de-DE" sz="1200" dirty="0">
-                <a:latin typeface="Arial" panose="020B0604020202020204" pitchFamily="34" charset="0"/>
-                <a:cs typeface="Arial" panose="020B0604020202020204" pitchFamily="34" charset="0"/>
-              </a:rPr>
-              <a:t> </a:t>
-            </a:r>
-            <a:r>
-              <a:rPr lang="de-DE" sz="1200" dirty="0" err="1">
-                <a:latin typeface="Arial" panose="020B0604020202020204" pitchFamily="34" charset="0"/>
-                <a:cs typeface="Arial" panose="020B0604020202020204" pitchFamily="34" charset="0"/>
-              </a:rPr>
-              <a:t>of</a:t>
-            </a:r>
-            <a:r>
-              <a:rPr lang="de-DE" sz="1200" dirty="0">
-                <a:latin typeface="Arial" panose="020B0604020202020204" pitchFamily="34" charset="0"/>
-                <a:cs typeface="Arial" panose="020B0604020202020204" pitchFamily="34" charset="0"/>
-              </a:rPr>
-              <a:t> </a:t>
-            </a:r>
-            <a:r>
-              <a:rPr lang="de-DE" sz="1200" dirty="0" err="1">
-                <a:latin typeface="Arial" panose="020B0604020202020204" pitchFamily="34" charset="0"/>
-                <a:cs typeface="Arial" panose="020B0604020202020204" pitchFamily="34" charset="0"/>
-              </a:rPr>
-              <a:t>these</a:t>
-            </a:r>
-            <a:r>
-              <a:rPr lang="de-DE" sz="1200" dirty="0">
-                <a:latin typeface="Arial" panose="020B0604020202020204" pitchFamily="34" charset="0"/>
-                <a:cs typeface="Arial" panose="020B0604020202020204" pitchFamily="34" charset="0"/>
-              </a:rPr>
-              <a:t> </a:t>
-            </a:r>
-            <a:r>
-              <a:rPr lang="de-DE" sz="1200" dirty="0" err="1">
-                <a:latin typeface="Arial" panose="020B0604020202020204" pitchFamily="34" charset="0"/>
-                <a:cs typeface="Arial" panose="020B0604020202020204" pitchFamily="34" charset="0"/>
-              </a:rPr>
-              <a:t>locally-advanced</a:t>
-            </a:r>
-            <a:r>
-              <a:rPr lang="de-DE" sz="1200" dirty="0">
-                <a:latin typeface="Arial" panose="020B0604020202020204" pitchFamily="34" charset="0"/>
-                <a:cs typeface="Arial" panose="020B0604020202020204" pitchFamily="34" charset="0"/>
-              </a:rPr>
-              <a:t> </a:t>
-            </a:r>
-            <a:r>
-              <a:rPr lang="de-DE" sz="1200" dirty="0" err="1">
-                <a:latin typeface="Arial" panose="020B0604020202020204" pitchFamily="34" charset="0"/>
-                <a:cs typeface="Arial" panose="020B0604020202020204" pitchFamily="34" charset="0"/>
-              </a:rPr>
-              <a:t>patients</a:t>
-            </a:r>
-            <a:r>
-              <a:rPr lang="de-DE" sz="1200" dirty="0">
-                <a:latin typeface="Arial" panose="020B0604020202020204" pitchFamily="34" charset="0"/>
-                <a:cs typeface="Arial" panose="020B0604020202020204" pitchFamily="34" charset="0"/>
-              </a:rPr>
-              <a:t> </a:t>
-            </a:r>
-            <a:r>
-              <a:rPr lang="de-DE" sz="1200" dirty="0" err="1">
-                <a:latin typeface="Arial" panose="020B0604020202020204" pitchFamily="34" charset="0"/>
-                <a:cs typeface="Arial" panose="020B0604020202020204" pitchFamily="34" charset="0"/>
-              </a:rPr>
-              <a:t>is</a:t>
-            </a:r>
-            <a:r>
-              <a:rPr lang="de-DE" sz="1200" dirty="0">
-                <a:latin typeface="Arial" panose="020B0604020202020204" pitchFamily="34" charset="0"/>
-                <a:cs typeface="Arial" panose="020B0604020202020204" pitchFamily="34" charset="0"/>
-              </a:rPr>
-              <a:t> still </a:t>
-            </a:r>
-            <a:r>
-              <a:rPr lang="de-DE" sz="1200" dirty="0" err="1">
-                <a:latin typeface="Arial" panose="020B0604020202020204" pitchFamily="34" charset="0"/>
-                <a:cs typeface="Arial" panose="020B0604020202020204" pitchFamily="34" charset="0"/>
-              </a:rPr>
-              <a:t>difficult</a:t>
-            </a:r>
-            <a:r>
-              <a:rPr lang="de-DE" sz="1200" dirty="0">
-                <a:latin typeface="Arial" panose="020B0604020202020204" pitchFamily="34" charset="0"/>
-                <a:cs typeface="Arial" panose="020B0604020202020204" pitchFamily="34" charset="0"/>
-              </a:rPr>
-              <a:t> </a:t>
-            </a:r>
-            <a:r>
-              <a:rPr lang="de-DE" sz="1200" dirty="0" err="1">
-                <a:latin typeface="Arial" panose="020B0604020202020204" pitchFamily="34" charset="0"/>
-                <a:cs typeface="Arial" panose="020B0604020202020204" pitchFamily="34" charset="0"/>
-              </a:rPr>
-              <a:t>and</a:t>
-            </a:r>
-            <a:r>
-              <a:rPr lang="de-DE" sz="1200" dirty="0">
-                <a:latin typeface="Arial" panose="020B0604020202020204" pitchFamily="34" charset="0"/>
-                <a:cs typeface="Arial" panose="020B0604020202020204" pitchFamily="34" charset="0"/>
-              </a:rPr>
-              <a:t> </a:t>
-            </a:r>
-            <a:r>
-              <a:rPr lang="de-DE" sz="1200" dirty="0" err="1">
-                <a:latin typeface="Arial" panose="020B0604020202020204" pitchFamily="34" charset="0"/>
-                <a:cs typeface="Arial" panose="020B0604020202020204" pitchFamily="34" charset="0"/>
-              </a:rPr>
-              <a:t>new</a:t>
-            </a:r>
-            <a:r>
-              <a:rPr lang="de-DE" sz="1200" dirty="0">
-                <a:latin typeface="Arial" panose="020B0604020202020204" pitchFamily="34" charset="0"/>
-                <a:cs typeface="Arial" panose="020B0604020202020204" pitchFamily="34" charset="0"/>
-              </a:rPr>
-              <a:t> </a:t>
-            </a:r>
-            <a:r>
-              <a:rPr lang="de-DE" sz="1200" dirty="0" err="1">
-                <a:latin typeface="Arial" panose="020B0604020202020204" pitchFamily="34" charset="0"/>
-                <a:cs typeface="Arial" panose="020B0604020202020204" pitchFamily="34" charset="0"/>
-              </a:rPr>
-              <a:t>prognostic</a:t>
-            </a:r>
-            <a:r>
-              <a:rPr lang="de-DE" sz="1200" dirty="0">
-                <a:latin typeface="Arial" panose="020B0604020202020204" pitchFamily="34" charset="0"/>
-                <a:cs typeface="Arial" panose="020B0604020202020204" pitchFamily="34" charset="0"/>
-              </a:rPr>
-              <a:t> </a:t>
-            </a:r>
-            <a:r>
-              <a:rPr lang="de-DE" sz="1200" dirty="0" err="1">
-                <a:latin typeface="Arial" panose="020B0604020202020204" pitchFamily="34" charset="0"/>
-                <a:cs typeface="Arial" panose="020B0604020202020204" pitchFamily="34" charset="0"/>
-              </a:rPr>
-              <a:t>biomarkers</a:t>
-            </a:r>
-            <a:r>
-              <a:rPr lang="de-DE" sz="1200" dirty="0">
-                <a:latin typeface="Arial" panose="020B0604020202020204" pitchFamily="34" charset="0"/>
-                <a:cs typeface="Arial" panose="020B0604020202020204" pitchFamily="34" charset="0"/>
-              </a:rPr>
-              <a:t> </a:t>
-            </a:r>
-            <a:r>
-              <a:rPr lang="de-DE" sz="1200" dirty="0" err="1">
-                <a:latin typeface="Arial" panose="020B0604020202020204" pitchFamily="34" charset="0"/>
-                <a:cs typeface="Arial" panose="020B0604020202020204" pitchFamily="34" charset="0"/>
-              </a:rPr>
-              <a:t>would</a:t>
-            </a:r>
-            <a:r>
-              <a:rPr lang="de-DE" sz="1200" dirty="0">
-                <a:latin typeface="Arial" panose="020B0604020202020204" pitchFamily="34" charset="0"/>
-                <a:cs typeface="Arial" panose="020B0604020202020204" pitchFamily="34" charset="0"/>
-              </a:rPr>
-              <a:t> </a:t>
-            </a:r>
-            <a:r>
-              <a:rPr lang="de-DE" sz="1200" dirty="0" err="1">
-                <a:latin typeface="Arial" panose="020B0604020202020204" pitchFamily="34" charset="0"/>
-                <a:cs typeface="Arial" panose="020B0604020202020204" pitchFamily="34" charset="0"/>
-              </a:rPr>
-              <a:t>be</a:t>
-            </a:r>
-            <a:r>
-              <a:rPr lang="de-DE" sz="1200" dirty="0">
-                <a:latin typeface="Arial" panose="020B0604020202020204" pitchFamily="34" charset="0"/>
-                <a:cs typeface="Arial" panose="020B0604020202020204" pitchFamily="34" charset="0"/>
-              </a:rPr>
-              <a:t> </a:t>
-            </a:r>
-            <a:r>
-              <a:rPr lang="de-DE" sz="1200" dirty="0" err="1">
-                <a:latin typeface="Arial" panose="020B0604020202020204" pitchFamily="34" charset="0"/>
-                <a:cs typeface="Arial" panose="020B0604020202020204" pitchFamily="34" charset="0"/>
-              </a:rPr>
-              <a:t>very</a:t>
-            </a:r>
-            <a:r>
-              <a:rPr lang="de-DE" sz="1200" dirty="0">
-                <a:latin typeface="Arial" panose="020B0604020202020204" pitchFamily="34" charset="0"/>
-                <a:cs typeface="Arial" panose="020B0604020202020204" pitchFamily="34" charset="0"/>
-              </a:rPr>
-              <a:t> </a:t>
-            </a:r>
-            <a:r>
-              <a:rPr lang="de-DE" sz="1200" dirty="0" err="1">
-                <a:latin typeface="Arial" panose="020B0604020202020204" pitchFamily="34" charset="0"/>
-                <a:cs typeface="Arial" panose="020B0604020202020204" pitchFamily="34" charset="0"/>
-              </a:rPr>
-              <a:t>useful</a:t>
-            </a:r>
-            <a:r>
-              <a:rPr lang="de-DE" sz="1200" dirty="0">
-                <a:latin typeface="Arial" panose="020B0604020202020204" pitchFamily="34" charset="0"/>
-                <a:cs typeface="Arial" panose="020B0604020202020204" pitchFamily="34" charset="0"/>
-              </a:rPr>
-              <a:t>. </a:t>
-            </a:r>
-            <a:r>
-              <a:rPr lang="de-DE" sz="1200" dirty="0" err="1">
-                <a:latin typeface="Arial" panose="020B0604020202020204" pitchFamily="34" charset="0"/>
-                <a:cs typeface="Arial" panose="020B0604020202020204" pitchFamily="34" charset="0"/>
-              </a:rPr>
-              <a:t>We</a:t>
-            </a:r>
-            <a:r>
-              <a:rPr lang="de-DE" sz="1200" dirty="0">
-                <a:latin typeface="Arial" panose="020B0604020202020204" pitchFamily="34" charset="0"/>
-                <a:cs typeface="Arial" panose="020B0604020202020204" pitchFamily="34" charset="0"/>
-              </a:rPr>
-              <a:t> </a:t>
-            </a:r>
-            <a:r>
-              <a:rPr lang="de-DE" sz="1200" dirty="0" err="1">
-                <a:latin typeface="Arial" panose="020B0604020202020204" pitchFamily="34" charset="0"/>
-                <a:cs typeface="Arial" panose="020B0604020202020204" pitchFamily="34" charset="0"/>
-              </a:rPr>
-              <a:t>aimed</a:t>
-            </a:r>
-            <a:r>
-              <a:rPr lang="de-DE" sz="1200" dirty="0">
-                <a:latin typeface="Arial" panose="020B0604020202020204" pitchFamily="34" charset="0"/>
-                <a:cs typeface="Arial" panose="020B0604020202020204" pitchFamily="34" charset="0"/>
-              </a:rPr>
-              <a:t> </a:t>
-            </a:r>
-            <a:r>
-              <a:rPr lang="de-DE" sz="1200" dirty="0" err="1">
-                <a:latin typeface="Arial" panose="020B0604020202020204" pitchFamily="34" charset="0"/>
-                <a:cs typeface="Arial" panose="020B0604020202020204" pitchFamily="34" charset="0"/>
-              </a:rPr>
-              <a:t>therefore</a:t>
-            </a:r>
-            <a:r>
-              <a:rPr lang="de-DE" sz="1200" dirty="0">
+              <a:rPr lang="de-DE" sz="1000" dirty="0">
+                <a:latin typeface="Arial" panose="020B0604020202020204" pitchFamily="34" charset="0"/>
+                <a:cs typeface="Arial" panose="020B0604020202020204" pitchFamily="34" charset="0"/>
+              </a:rPr>
+              <a:t> </a:t>
+            </a:r>
+            <a:r>
+              <a:rPr lang="de-DE" sz="1000" dirty="0" err="1">
+                <a:latin typeface="Arial" panose="020B0604020202020204" pitchFamily="34" charset="0"/>
+                <a:cs typeface="Arial" panose="020B0604020202020204" pitchFamily="34" charset="0"/>
+              </a:rPr>
+              <a:t>investigate</a:t>
+            </a:r>
+            <a:r>
+              <a:rPr lang="de-DE" sz="1000" dirty="0">
                 <a:latin typeface="Arial" panose="020B0604020202020204" pitchFamily="34" charset="0"/>
                 <a:cs typeface="Arial" panose="020B0604020202020204" pitchFamily="34" charset="0"/>
               </a:rPr>
@@ -4167,7 +4532,7 @@
             </a:r>
           </a:p>
           <a:p>
-            <a:pPr marL="228600" indent="-214313">
+            <a:pPr marL="161460" indent="-151369">
               <a:lnSpc>
                 <a:spcPct val="150000"/>
               </a:lnSpc>
@@ -4175,75 +4540,110 @@
               <a:buChar char="•"/>
             </a:pPr>
             <a:r>
-              <a:rPr lang="de-DE" sz="1200" b="1" dirty="0" err="1">
-                <a:latin typeface="Arial" panose="020B0604020202020204" pitchFamily="34" charset="0"/>
-                <a:cs typeface="Arial" panose="020B0604020202020204" pitchFamily="34" charset="0"/>
-              </a:rPr>
-              <a:t>Investigate</a:t>
-            </a:r>
-            <a:r>
-              <a:rPr lang="de-DE" sz="1200" b="1" dirty="0">
-                <a:latin typeface="Arial" panose="020B0604020202020204" pitchFamily="34" charset="0"/>
-                <a:cs typeface="Arial" panose="020B0604020202020204" pitchFamily="34" charset="0"/>
-              </a:rPr>
-              <a:t> </a:t>
-            </a:r>
-            <a:r>
-              <a:rPr lang="de-DE" sz="1200" b="1" dirty="0" err="1">
-                <a:latin typeface="Arial" panose="020B0604020202020204" pitchFamily="34" charset="0"/>
-                <a:cs typeface="Arial" panose="020B0604020202020204" pitchFamily="34" charset="0"/>
-              </a:rPr>
-              <a:t>prognostic</a:t>
-            </a:r>
-            <a:r>
-              <a:rPr lang="de-DE" sz="1200" b="1" dirty="0">
-                <a:latin typeface="Arial" panose="020B0604020202020204" pitchFamily="34" charset="0"/>
-                <a:cs typeface="Arial" panose="020B0604020202020204" pitchFamily="34" charset="0"/>
-              </a:rPr>
-              <a:t> </a:t>
-            </a:r>
-            <a:r>
-              <a:rPr lang="de-DE" sz="1200" b="1" dirty="0" err="1">
-                <a:latin typeface="Arial" panose="020B0604020202020204" pitchFamily="34" charset="0"/>
-                <a:cs typeface="Arial" panose="020B0604020202020204" pitchFamily="34" charset="0"/>
-              </a:rPr>
-              <a:t>factors</a:t>
-            </a:r>
-            <a:r>
-              <a:rPr lang="de-DE" sz="1200" b="1" dirty="0">
+              <a:rPr lang="de-DE" sz="1000" b="1" dirty="0">
+                <a:latin typeface="Arial" panose="020B0604020202020204" pitchFamily="34" charset="0"/>
+                <a:cs typeface="Arial" panose="020B0604020202020204" pitchFamily="34" charset="0"/>
+              </a:rPr>
+              <a:t>Performance </a:t>
+            </a:r>
+            <a:r>
+              <a:rPr lang="de-DE" sz="1000" b="1" dirty="0" err="1">
+                <a:latin typeface="Arial" panose="020B0604020202020204" pitchFamily="34" charset="0"/>
+                <a:cs typeface="Arial" panose="020B0604020202020204" pitchFamily="34" charset="0"/>
+              </a:rPr>
+              <a:t>of</a:t>
+            </a:r>
+            <a:r>
+              <a:rPr lang="de-DE" sz="1000" b="1" dirty="0">
+                <a:latin typeface="Arial" panose="020B0604020202020204" pitchFamily="34" charset="0"/>
+                <a:cs typeface="Arial" panose="020B0604020202020204" pitchFamily="34" charset="0"/>
+              </a:rPr>
+              <a:t> </a:t>
+            </a:r>
+            <a:r>
+              <a:rPr lang="de-DE" sz="1000" b="1" dirty="0" err="1">
+                <a:latin typeface="Arial" panose="020B0604020202020204" pitchFamily="34" charset="0"/>
+                <a:cs typeface="Arial" panose="020B0604020202020204" pitchFamily="34" charset="0"/>
+              </a:rPr>
+              <a:t>the</a:t>
+            </a:r>
+            <a:r>
+              <a:rPr lang="de-DE" sz="1000" b="1" dirty="0">
+                <a:latin typeface="Arial" panose="020B0604020202020204" pitchFamily="34" charset="0"/>
+                <a:cs typeface="Arial" panose="020B0604020202020204" pitchFamily="34" charset="0"/>
+              </a:rPr>
+              <a:t> TNM </a:t>
+            </a:r>
+            <a:r>
+              <a:rPr lang="de-DE" sz="1000" b="1" dirty="0" err="1">
+                <a:latin typeface="Arial" panose="020B0604020202020204" pitchFamily="34" charset="0"/>
+                <a:cs typeface="Arial" panose="020B0604020202020204" pitchFamily="34" charset="0"/>
+              </a:rPr>
+              <a:t>classification</a:t>
+            </a:r>
+            <a:r>
+              <a:rPr lang="de-DE" sz="1000" b="1" dirty="0">
+                <a:latin typeface="Arial" panose="020B0604020202020204" pitchFamily="34" charset="0"/>
+                <a:cs typeface="Arial" panose="020B0604020202020204" pitchFamily="34" charset="0"/>
+              </a:rPr>
+              <a:t> </a:t>
+            </a:r>
+            <a:r>
+              <a:rPr lang="de-DE" sz="1000" b="1" dirty="0" err="1">
+                <a:latin typeface="Arial" panose="020B0604020202020204" pitchFamily="34" charset="0"/>
+                <a:cs typeface="Arial" panose="020B0604020202020204" pitchFamily="34" charset="0"/>
+              </a:rPr>
+              <a:t>for</a:t>
+            </a:r>
+            <a:r>
+              <a:rPr lang="de-DE" sz="1000" b="1" dirty="0">
+                <a:latin typeface="Arial" panose="020B0604020202020204" pitchFamily="34" charset="0"/>
+                <a:cs typeface="Arial" panose="020B0604020202020204" pitchFamily="34" charset="0"/>
+              </a:rPr>
+              <a:t> </a:t>
+            </a:r>
+            <a:r>
+              <a:rPr lang="de-DE" sz="1000" b="1" dirty="0" err="1">
+                <a:latin typeface="Arial" panose="020B0604020202020204" pitchFamily="34" charset="0"/>
+                <a:cs typeface="Arial" panose="020B0604020202020204" pitchFamily="34" charset="0"/>
+              </a:rPr>
+              <a:t>prognostication</a:t>
+            </a:r>
+            <a:r>
+              <a:rPr lang="de-DE" sz="1000" b="1" dirty="0">
                 <a:latin typeface="Arial" panose="020B0604020202020204" pitchFamily="34" charset="0"/>
                 <a:cs typeface="Arial" panose="020B0604020202020204" pitchFamily="34" charset="0"/>
               </a:rPr>
               <a:t> in </a:t>
             </a:r>
             <a:r>
-              <a:rPr lang="de-DE" sz="1200" b="1" dirty="0" err="1">
+              <a:rPr lang="de-DE" sz="1000" b="1" dirty="0" err="1">
                 <a:latin typeface="Arial" panose="020B0604020202020204" pitchFamily="34" charset="0"/>
                 <a:cs typeface="Arial" panose="020B0604020202020204" pitchFamily="34" charset="0"/>
               </a:rPr>
               <a:t>the</a:t>
             </a:r>
             <a:r>
-              <a:rPr lang="de-DE" sz="1200" b="1" dirty="0">
+              <a:rPr lang="de-DE" sz="1000" b="1" dirty="0">
                 <a:latin typeface="Arial" panose="020B0604020202020204" pitchFamily="34" charset="0"/>
                 <a:cs typeface="Arial" panose="020B0604020202020204" pitchFamily="34" charset="0"/>
               </a:rPr>
               <a:t> TCGA </a:t>
             </a:r>
             <a:r>
-              <a:rPr lang="de-DE" sz="1200" b="1" dirty="0" err="1">
+              <a:rPr lang="de-DE" sz="1000" b="1" dirty="0" err="1">
                 <a:latin typeface="Arial" panose="020B0604020202020204" pitchFamily="34" charset="0"/>
                 <a:cs typeface="Arial" panose="020B0604020202020204" pitchFamily="34" charset="0"/>
               </a:rPr>
               <a:t>dataset</a:t>
             </a:r>
-            <a:endParaRPr lang="de-DE" sz="1200" b="1" dirty="0">
+            <a:endParaRPr lang="de-DE" sz="1000" b="1" dirty="0">
               <a:latin typeface="Arial" panose="020B0604020202020204" pitchFamily="34" charset="0"/>
               <a:cs typeface="Arial" panose="020B0604020202020204" pitchFamily="34" charset="0"/>
             </a:endParaRPr>
           </a:p>
           <a:p>
-            <a:pPr marL="228600" indent="-214313">
+            <a:pPr marL="161460" indent="-151369">
               <a:lnSpc>
                 <a:spcPct val="150000"/>
               </a:lnSpc>
@@ -4251,112 +4651,112 @@
               <a:buChar char="•"/>
             </a:pPr>
             <a:r>
-              <a:rPr lang="de-DE" sz="1200" b="1" dirty="0" err="1">
+              <a:rPr lang="de-DE" sz="1000" b="1" dirty="0" err="1">
                 <a:latin typeface="Arial" panose="020B0604020202020204" pitchFamily="34" charset="0"/>
                 <a:cs typeface="Arial" panose="020B0604020202020204" pitchFamily="34" charset="0"/>
               </a:rPr>
               <a:t>Compare</a:t>
             </a:r>
             <a:r>
-              <a:rPr lang="de-DE" sz="1200" b="1" dirty="0">
-                <a:latin typeface="Arial" panose="020B0604020202020204" pitchFamily="34" charset="0"/>
-                <a:cs typeface="Arial" panose="020B0604020202020204" pitchFamily="34" charset="0"/>
-              </a:rPr>
-              <a:t> </a:t>
-            </a:r>
-            <a:r>
-              <a:rPr lang="de-DE" sz="1200" b="1" dirty="0" err="1">
+              <a:rPr lang="de-DE" sz="1000" b="1" dirty="0">
+                <a:latin typeface="Arial" panose="020B0604020202020204" pitchFamily="34" charset="0"/>
+                <a:cs typeface="Arial" panose="020B0604020202020204" pitchFamily="34" charset="0"/>
+              </a:rPr>
+              <a:t> </a:t>
+            </a:r>
+            <a:r>
+              <a:rPr lang="de-DE" sz="1000" b="1" dirty="0" err="1">
                 <a:latin typeface="Arial" panose="020B0604020202020204" pitchFamily="34" charset="0"/>
                 <a:cs typeface="Arial" panose="020B0604020202020204" pitchFamily="34" charset="0"/>
               </a:rPr>
               <a:t>survival</a:t>
             </a:r>
             <a:r>
-              <a:rPr lang="de-DE" sz="1200" b="1" dirty="0">
-                <a:latin typeface="Arial" panose="020B0604020202020204" pitchFamily="34" charset="0"/>
-                <a:cs typeface="Arial" panose="020B0604020202020204" pitchFamily="34" charset="0"/>
-              </a:rPr>
-              <a:t> </a:t>
-            </a:r>
-            <a:r>
-              <a:rPr lang="de-DE" sz="1200" b="1" dirty="0" err="1">
+              <a:rPr lang="de-DE" sz="1000" b="1" dirty="0">
+                <a:latin typeface="Arial" panose="020B0604020202020204" pitchFamily="34" charset="0"/>
+                <a:cs typeface="Arial" panose="020B0604020202020204" pitchFamily="34" charset="0"/>
+              </a:rPr>
+              <a:t> </a:t>
+            </a:r>
+            <a:r>
+              <a:rPr lang="de-DE" sz="1000" b="1" dirty="0" err="1">
                 <a:latin typeface="Arial" panose="020B0604020202020204" pitchFamily="34" charset="0"/>
                 <a:cs typeface="Arial" panose="020B0604020202020204" pitchFamily="34" charset="0"/>
               </a:rPr>
               <a:t>between</a:t>
             </a:r>
             <a:r>
-              <a:rPr lang="de-DE" sz="1200" b="1" dirty="0">
-                <a:latin typeface="Arial" panose="020B0604020202020204" pitchFamily="34" charset="0"/>
-                <a:cs typeface="Arial" panose="020B0604020202020204" pitchFamily="34" charset="0"/>
-              </a:rPr>
-              <a:t> </a:t>
-            </a:r>
-            <a:r>
-              <a:rPr lang="de-DE" sz="1200" b="1" dirty="0" err="1">
+              <a:rPr lang="de-DE" sz="1000" b="1" dirty="0">
+                <a:latin typeface="Arial" panose="020B0604020202020204" pitchFamily="34" charset="0"/>
+                <a:cs typeface="Arial" panose="020B0604020202020204" pitchFamily="34" charset="0"/>
+              </a:rPr>
+              <a:t> </a:t>
+            </a:r>
+            <a:r>
+              <a:rPr lang="de-DE" sz="1000" b="1" dirty="0" err="1">
                 <a:latin typeface="Arial" panose="020B0604020202020204" pitchFamily="34" charset="0"/>
                 <a:cs typeface="Arial" panose="020B0604020202020204" pitchFamily="34" charset="0"/>
               </a:rPr>
               <a:t>neoadjuvant</a:t>
             </a:r>
             <a:r>
-              <a:rPr lang="de-DE" sz="1200" b="1" dirty="0">
-                <a:latin typeface="Arial" panose="020B0604020202020204" pitchFamily="34" charset="0"/>
-                <a:cs typeface="Arial" panose="020B0604020202020204" pitchFamily="34" charset="0"/>
-              </a:rPr>
-              <a:t> </a:t>
-            </a:r>
-            <a:r>
-              <a:rPr lang="de-DE" sz="1200" b="1" dirty="0" err="1">
+              <a:rPr lang="de-DE" sz="1000" b="1" dirty="0">
+                <a:latin typeface="Arial" panose="020B0604020202020204" pitchFamily="34" charset="0"/>
+                <a:cs typeface="Arial" panose="020B0604020202020204" pitchFamily="34" charset="0"/>
+              </a:rPr>
+              <a:t> </a:t>
+            </a:r>
+            <a:r>
+              <a:rPr lang="de-DE" sz="1000" b="1" dirty="0" err="1">
                 <a:latin typeface="Arial" panose="020B0604020202020204" pitchFamily="34" charset="0"/>
                 <a:cs typeface="Arial" panose="020B0604020202020204" pitchFamily="34" charset="0"/>
               </a:rPr>
               <a:t>and</a:t>
             </a:r>
             <a:r>
-              <a:rPr lang="de-DE" sz="1200" b="1" dirty="0">
-                <a:latin typeface="Arial" panose="020B0604020202020204" pitchFamily="34" charset="0"/>
-                <a:cs typeface="Arial" panose="020B0604020202020204" pitchFamily="34" charset="0"/>
-              </a:rPr>
-              <a:t> </a:t>
-            </a:r>
-            <a:r>
-              <a:rPr lang="de-DE" sz="1200" b="1" dirty="0" err="1">
+              <a:rPr lang="de-DE" sz="1000" b="1" dirty="0">
+                <a:latin typeface="Arial" panose="020B0604020202020204" pitchFamily="34" charset="0"/>
+                <a:cs typeface="Arial" panose="020B0604020202020204" pitchFamily="34" charset="0"/>
+              </a:rPr>
+              <a:t> </a:t>
+            </a:r>
+            <a:r>
+              <a:rPr lang="de-DE" sz="1000" b="1" dirty="0" err="1">
                 <a:latin typeface="Arial" panose="020B0604020202020204" pitchFamily="34" charset="0"/>
                 <a:cs typeface="Arial" panose="020B0604020202020204" pitchFamily="34" charset="0"/>
               </a:rPr>
               <a:t>adjuvantly</a:t>
             </a:r>
             <a:r>
-              <a:rPr lang="de-DE" sz="1200" b="1" dirty="0">
-                <a:latin typeface="Arial" panose="020B0604020202020204" pitchFamily="34" charset="0"/>
-                <a:cs typeface="Arial" panose="020B0604020202020204" pitchFamily="34" charset="0"/>
-              </a:rPr>
-              <a:t> </a:t>
-            </a:r>
-            <a:r>
-              <a:rPr lang="de-DE" sz="1200" b="1" dirty="0" err="1">
+              <a:rPr lang="de-DE" sz="1000" b="1" dirty="0">
+                <a:latin typeface="Arial" panose="020B0604020202020204" pitchFamily="34" charset="0"/>
+                <a:cs typeface="Arial" panose="020B0604020202020204" pitchFamily="34" charset="0"/>
+              </a:rPr>
+              <a:t> </a:t>
+            </a:r>
+            <a:r>
+              <a:rPr lang="de-DE" sz="1000" b="1" dirty="0" err="1">
                 <a:latin typeface="Arial" panose="020B0604020202020204" pitchFamily="34" charset="0"/>
                 <a:cs typeface="Arial" panose="020B0604020202020204" pitchFamily="34" charset="0"/>
               </a:rPr>
               <a:t>treated</a:t>
             </a:r>
             <a:r>
-              <a:rPr lang="de-DE" sz="1200" b="1" dirty="0">
-                <a:latin typeface="Arial" panose="020B0604020202020204" pitchFamily="34" charset="0"/>
-                <a:cs typeface="Arial" panose="020B0604020202020204" pitchFamily="34" charset="0"/>
-              </a:rPr>
-              <a:t> </a:t>
-            </a:r>
-            <a:r>
-              <a:rPr lang="de-DE" sz="1200" b="1" dirty="0" err="1">
+              <a:rPr lang="de-DE" sz="1000" b="1" dirty="0">
+                <a:latin typeface="Arial" panose="020B0604020202020204" pitchFamily="34" charset="0"/>
+                <a:cs typeface="Arial" panose="020B0604020202020204" pitchFamily="34" charset="0"/>
+              </a:rPr>
+              <a:t> </a:t>
+            </a:r>
+            <a:r>
+              <a:rPr lang="de-DE" sz="1000" b="1" dirty="0" err="1">
                 <a:latin typeface="Arial" panose="020B0604020202020204" pitchFamily="34" charset="0"/>
                 <a:cs typeface="Arial" panose="020B0604020202020204" pitchFamily="34" charset="0"/>
               </a:rPr>
               <a:t>locally-advanced</a:t>
             </a:r>
             <a:r>
-              <a:rPr lang="de-DE" sz="1200" b="1" dirty="0">
+              <a:rPr lang="de-DE" sz="1000" b="1" dirty="0">
                 <a:latin typeface="Arial" panose="020B0604020202020204" pitchFamily="34" charset="0"/>
                 <a:cs typeface="Arial" panose="020B0604020202020204" pitchFamily="34" charset="0"/>
               </a:rPr>
@@ -4364,7 +4764,7 @@
             </a:r>
           </a:p>
           <a:p>
-            <a:pPr marL="228600" indent="-214313">
+            <a:pPr marL="161460" indent="-151369">
               <a:lnSpc>
                 <a:spcPct val="150000"/>
               </a:lnSpc>
@@ -4372,56 +4772,56 @@
               <a:buChar char="•"/>
             </a:pPr>
             <a:r>
-              <a:rPr lang="de-DE" sz="1200" b="1" dirty="0" err="1">
+              <a:rPr lang="de-DE" sz="1000" b="1" dirty="0" err="1">
                 <a:latin typeface="Arial" panose="020B0604020202020204" pitchFamily="34" charset="0"/>
                 <a:cs typeface="Arial" panose="020B0604020202020204" pitchFamily="34" charset="0"/>
               </a:rPr>
               <a:t>Prognostic</a:t>
             </a:r>
             <a:r>
-              <a:rPr lang="de-DE" sz="1200" b="1" dirty="0">
-                <a:latin typeface="Arial" panose="020B0604020202020204" pitchFamily="34" charset="0"/>
-                <a:cs typeface="Arial" panose="020B0604020202020204" pitchFamily="34" charset="0"/>
-              </a:rPr>
-              <a:t> </a:t>
-            </a:r>
-            <a:r>
-              <a:rPr lang="de-DE" sz="1200" b="1" dirty="0" err="1">
+              <a:rPr lang="de-DE" sz="1000" b="1" dirty="0">
+                <a:latin typeface="Arial" panose="020B0604020202020204" pitchFamily="34" charset="0"/>
+                <a:cs typeface="Arial" panose="020B0604020202020204" pitchFamily="34" charset="0"/>
+              </a:rPr>
+              <a:t> </a:t>
+            </a:r>
+            <a:r>
+              <a:rPr lang="de-DE" sz="1000" b="1" dirty="0" err="1">
                 <a:latin typeface="Arial" panose="020B0604020202020204" pitchFamily="34" charset="0"/>
                 <a:cs typeface="Arial" panose="020B0604020202020204" pitchFamily="34" charset="0"/>
               </a:rPr>
               <a:t>biomarkers</a:t>
             </a:r>
             <a:r>
-              <a:rPr lang="de-DE" sz="1200" b="1" dirty="0">
+              <a:rPr lang="de-DE" sz="1000" b="1" dirty="0">
                 <a:latin typeface="Arial" panose="020B0604020202020204" pitchFamily="34" charset="0"/>
                 <a:cs typeface="Arial" panose="020B0604020202020204" pitchFamily="34" charset="0"/>
               </a:rPr>
               <a:t> in </a:t>
             </a:r>
             <a:r>
-              <a:rPr lang="de-DE" sz="1200" b="1" dirty="0" err="1">
+              <a:rPr lang="de-DE" sz="1000" b="1" dirty="0" err="1">
                 <a:latin typeface="Arial" panose="020B0604020202020204" pitchFamily="34" charset="0"/>
                 <a:cs typeface="Arial" panose="020B0604020202020204" pitchFamily="34" charset="0"/>
               </a:rPr>
               <a:t>neoadjuvantly</a:t>
             </a:r>
             <a:r>
-              <a:rPr lang="de-DE" sz="1200" b="1" dirty="0">
-                <a:latin typeface="Arial" panose="020B0604020202020204" pitchFamily="34" charset="0"/>
-                <a:cs typeface="Arial" panose="020B0604020202020204" pitchFamily="34" charset="0"/>
-              </a:rPr>
-              <a:t> </a:t>
-            </a:r>
-            <a:r>
-              <a:rPr lang="de-DE" sz="1200" b="1" dirty="0" err="1">
+              <a:rPr lang="de-DE" sz="1000" b="1" dirty="0">
+                <a:latin typeface="Arial" panose="020B0604020202020204" pitchFamily="34" charset="0"/>
+                <a:cs typeface="Arial" panose="020B0604020202020204" pitchFamily="34" charset="0"/>
+              </a:rPr>
+              <a:t> </a:t>
+            </a:r>
+            <a:r>
+              <a:rPr lang="de-DE" sz="1000" b="1" dirty="0" err="1">
                 <a:latin typeface="Arial" panose="020B0604020202020204" pitchFamily="34" charset="0"/>
                 <a:cs typeface="Arial" panose="020B0604020202020204" pitchFamily="34" charset="0"/>
               </a:rPr>
               <a:t>treated</a:t>
             </a:r>
             <a:r>
-              <a:rPr lang="de-DE" sz="1200" b="1" dirty="0">
+              <a:rPr lang="de-DE" sz="1000" b="1" dirty="0">
                 <a:latin typeface="Arial" panose="020B0604020202020204" pitchFamily="34" charset="0"/>
                 <a:cs typeface="Arial" panose="020B0604020202020204" pitchFamily="34" charset="0"/>
               </a:rPr>
@@ -4430,6 +4830,4724 @@
           </a:p>
         </p:txBody>
       </p:sp>
+      <p:sp>
+        <p:nvSpPr>
+          <p:cNvPr id="7" name="Textfeld 6">
+            <a:extLst>
+              <a:ext uri="{FF2B5EF4-FFF2-40B4-BE49-F238E27FC236}">
+                <a16:creationId xmlns:a16="http://schemas.microsoft.com/office/drawing/2014/main" id="{ECE602E0-88E1-A64B-BF16-9216CA1D43D4}"/>
+              </a:ext>
+            </a:extLst>
+          </p:cNvPr>
+          <p:cNvSpPr txBox="1"/>
+          <p:nvPr/>
+        </p:nvSpPr>
+        <p:spPr>
+          <a:xfrm>
+            <a:off x="5683256" y="2100998"/>
+            <a:ext cx="4094020" cy="2185214"/>
+          </a:xfrm>
+          <a:prstGeom prst="rect">
+            <a:avLst/>
+          </a:prstGeom>
+          <a:noFill/>
+        </p:spPr>
+        <p:txBody>
+          <a:bodyPr wrap="square" rtlCol="0">
+            <a:spAutoFit/>
+          </a:bodyPr>
+          <a:lstStyle/>
+          <a:p>
+            <a:r>
+              <a:rPr lang="de-DE" sz="1400" b="1" dirty="0" err="1">
+                <a:latin typeface="Arial" panose="020B0604020202020204" pitchFamily="34" charset="0"/>
+                <a:cs typeface="Arial" panose="020B0604020202020204" pitchFamily="34" charset="0"/>
+              </a:rPr>
+              <a:t>Results</a:t>
+            </a:r>
+            <a:endParaRPr lang="de-DE" sz="1400" b="1" dirty="0">
+              <a:latin typeface="Arial" panose="020B0604020202020204" pitchFamily="34" charset="0"/>
+              <a:cs typeface="Arial" panose="020B0604020202020204" pitchFamily="34" charset="0"/>
+            </a:endParaRPr>
+          </a:p>
+          <a:p>
+            <a:r>
+              <a:rPr lang="de-DE" sz="1200" b="1" dirty="0">
+                <a:latin typeface="Arial" panose="020B0604020202020204" pitchFamily="34" charset="0"/>
+                <a:cs typeface="Arial" panose="020B0604020202020204" pitchFamily="34" charset="0"/>
+              </a:rPr>
+              <a:t>TCGA </a:t>
+            </a:r>
+            <a:r>
+              <a:rPr lang="de-DE" sz="1200" b="1" dirty="0" err="1">
+                <a:latin typeface="Arial" panose="020B0604020202020204" pitchFamily="34" charset="0"/>
+                <a:cs typeface="Arial" panose="020B0604020202020204" pitchFamily="34" charset="0"/>
+              </a:rPr>
+              <a:t>dataset</a:t>
+            </a:r>
+            <a:endParaRPr lang="de-DE" sz="1200" b="1" dirty="0">
+              <a:latin typeface="Arial" panose="020B0604020202020204" pitchFamily="34" charset="0"/>
+              <a:cs typeface="Arial" panose="020B0604020202020204" pitchFamily="34" charset="0"/>
+            </a:endParaRPr>
+          </a:p>
+          <a:p>
+            <a:r>
+              <a:rPr lang="de-DE" sz="1000" dirty="0">
+                <a:latin typeface="Arial" panose="020B0604020202020204" pitchFamily="34" charset="0"/>
+                <a:cs typeface="Arial" panose="020B0604020202020204" pitchFamily="34" charset="0"/>
+              </a:rPr>
+              <a:t>The TCGA </a:t>
+            </a:r>
+            <a:r>
+              <a:rPr lang="de-DE" sz="1000" dirty="0" err="1">
+                <a:latin typeface="Arial" panose="020B0604020202020204" pitchFamily="34" charset="0"/>
+                <a:cs typeface="Arial" panose="020B0604020202020204" pitchFamily="34" charset="0"/>
+              </a:rPr>
+              <a:t>dataset</a:t>
+            </a:r>
+            <a:r>
+              <a:rPr lang="de-DE" sz="1000" dirty="0">
+                <a:latin typeface="Arial" panose="020B0604020202020204" pitchFamily="34" charset="0"/>
+                <a:cs typeface="Arial" panose="020B0604020202020204" pitchFamily="34" charset="0"/>
+              </a:rPr>
+              <a:t> </a:t>
+            </a:r>
+            <a:r>
+              <a:rPr lang="de-DE" sz="1000" dirty="0" err="1">
+                <a:latin typeface="Arial" panose="020B0604020202020204" pitchFamily="34" charset="0"/>
+                <a:cs typeface="Arial" panose="020B0604020202020204" pitchFamily="34" charset="0"/>
+              </a:rPr>
+              <a:t>consists</a:t>
+            </a:r>
+            <a:r>
+              <a:rPr lang="de-DE" sz="1000" dirty="0">
+                <a:latin typeface="Arial" panose="020B0604020202020204" pitchFamily="34" charset="0"/>
+                <a:cs typeface="Arial" panose="020B0604020202020204" pitchFamily="34" charset="0"/>
+              </a:rPr>
+              <a:t> </a:t>
+            </a:r>
+            <a:r>
+              <a:rPr lang="de-DE" sz="1000" dirty="0" err="1">
+                <a:latin typeface="Arial" panose="020B0604020202020204" pitchFamily="34" charset="0"/>
+                <a:cs typeface="Arial" panose="020B0604020202020204" pitchFamily="34" charset="0"/>
+              </a:rPr>
+              <a:t>of</a:t>
+            </a:r>
+            <a:r>
+              <a:rPr lang="de-DE" sz="1000" dirty="0">
+                <a:latin typeface="Arial" panose="020B0604020202020204" pitchFamily="34" charset="0"/>
+                <a:cs typeface="Arial" panose="020B0604020202020204" pitchFamily="34" charset="0"/>
+              </a:rPr>
+              <a:t> 984 </a:t>
+            </a:r>
+            <a:r>
+              <a:rPr lang="de-DE" sz="1000" dirty="0" err="1">
+                <a:latin typeface="Arial" panose="020B0604020202020204" pitchFamily="34" charset="0"/>
+                <a:cs typeface="Arial" panose="020B0604020202020204" pitchFamily="34" charset="0"/>
+              </a:rPr>
+              <a:t>patients</a:t>
+            </a:r>
+            <a:r>
+              <a:rPr lang="de-DE" sz="1000" dirty="0">
+                <a:latin typeface="Arial" panose="020B0604020202020204" pitchFamily="34" charset="0"/>
+                <a:cs typeface="Arial" panose="020B0604020202020204" pitchFamily="34" charset="0"/>
+              </a:rPr>
+              <a:t> after </a:t>
+            </a:r>
+            <a:r>
+              <a:rPr lang="de-DE" sz="1000" dirty="0" err="1">
+                <a:latin typeface="Arial" panose="020B0604020202020204" pitchFamily="34" charset="0"/>
+                <a:cs typeface="Arial" panose="020B0604020202020204" pitchFamily="34" charset="0"/>
+              </a:rPr>
+              <a:t>removing</a:t>
+            </a:r>
+            <a:r>
+              <a:rPr lang="de-DE" sz="1000" dirty="0">
+                <a:latin typeface="Arial" panose="020B0604020202020204" pitchFamily="34" charset="0"/>
+                <a:cs typeface="Arial" panose="020B0604020202020204" pitchFamily="34" charset="0"/>
+              </a:rPr>
+              <a:t> </a:t>
+            </a:r>
+            <a:r>
+              <a:rPr lang="de-DE" sz="1000" dirty="0" err="1">
+                <a:latin typeface="Arial" panose="020B0604020202020204" pitchFamily="34" charset="0"/>
+                <a:cs typeface="Arial" panose="020B0604020202020204" pitchFamily="34" charset="0"/>
+              </a:rPr>
+              <a:t>patients</a:t>
+            </a:r>
+            <a:r>
+              <a:rPr lang="de-DE" sz="1000" dirty="0">
+                <a:latin typeface="Arial" panose="020B0604020202020204" pitchFamily="34" charset="0"/>
+                <a:cs typeface="Arial" panose="020B0604020202020204" pitchFamily="34" charset="0"/>
+              </a:rPr>
+              <a:t> </a:t>
+            </a:r>
+            <a:r>
+              <a:rPr lang="de-DE" sz="1000" dirty="0" err="1">
+                <a:latin typeface="Arial" panose="020B0604020202020204" pitchFamily="34" charset="0"/>
+                <a:cs typeface="Arial" panose="020B0604020202020204" pitchFamily="34" charset="0"/>
+              </a:rPr>
+              <a:t>without</a:t>
+            </a:r>
+            <a:r>
+              <a:rPr lang="de-DE" sz="1000" dirty="0">
+                <a:latin typeface="Arial" panose="020B0604020202020204" pitchFamily="34" charset="0"/>
+                <a:cs typeface="Arial" panose="020B0604020202020204" pitchFamily="34" charset="0"/>
+              </a:rPr>
+              <a:t> </a:t>
+            </a:r>
+            <a:r>
+              <a:rPr lang="de-DE" sz="1000" dirty="0" err="1">
+                <a:latin typeface="Arial" panose="020B0604020202020204" pitchFamily="34" charset="0"/>
+                <a:cs typeface="Arial" panose="020B0604020202020204" pitchFamily="34" charset="0"/>
+              </a:rPr>
+              <a:t>any</a:t>
+            </a:r>
+            <a:r>
+              <a:rPr lang="de-DE" sz="1000" dirty="0">
+                <a:latin typeface="Arial" panose="020B0604020202020204" pitchFamily="34" charset="0"/>
+                <a:cs typeface="Arial" panose="020B0604020202020204" pitchFamily="34" charset="0"/>
+              </a:rPr>
+              <a:t> </a:t>
+            </a:r>
+            <a:r>
+              <a:rPr lang="de-DE" sz="1000" dirty="0" err="1">
+                <a:latin typeface="Arial" panose="020B0604020202020204" pitchFamily="34" charset="0"/>
+                <a:cs typeface="Arial" panose="020B0604020202020204" pitchFamily="34" charset="0"/>
+              </a:rPr>
+              <a:t>information</a:t>
+            </a:r>
+            <a:r>
+              <a:rPr lang="de-DE" sz="1000" dirty="0">
+                <a:latin typeface="Arial" panose="020B0604020202020204" pitchFamily="34" charset="0"/>
+                <a:cs typeface="Arial" panose="020B0604020202020204" pitchFamily="34" charset="0"/>
+              </a:rPr>
+              <a:t> </a:t>
+            </a:r>
+            <a:r>
+              <a:rPr lang="de-DE" sz="1000" dirty="0" err="1">
+                <a:latin typeface="Arial" panose="020B0604020202020204" pitchFamily="34" charset="0"/>
+                <a:cs typeface="Arial" panose="020B0604020202020204" pitchFamily="34" charset="0"/>
+              </a:rPr>
+              <a:t>about</a:t>
+            </a:r>
+            <a:r>
+              <a:rPr lang="de-DE" sz="1000" dirty="0">
+                <a:latin typeface="Arial" panose="020B0604020202020204" pitchFamily="34" charset="0"/>
+                <a:cs typeface="Arial" panose="020B0604020202020204" pitchFamily="34" charset="0"/>
+              </a:rPr>
+              <a:t> </a:t>
+            </a:r>
+            <a:r>
+              <a:rPr lang="de-DE" sz="1000" dirty="0" err="1">
+                <a:latin typeface="Arial" panose="020B0604020202020204" pitchFamily="34" charset="0"/>
+                <a:cs typeface="Arial" panose="020B0604020202020204" pitchFamily="34" charset="0"/>
+              </a:rPr>
+              <a:t>the</a:t>
+            </a:r>
+            <a:r>
+              <a:rPr lang="de-DE" sz="1000" dirty="0">
+                <a:latin typeface="Arial" panose="020B0604020202020204" pitchFamily="34" charset="0"/>
+                <a:cs typeface="Arial" panose="020B0604020202020204" pitchFamily="34" charset="0"/>
+              </a:rPr>
+              <a:t> </a:t>
+            </a:r>
+            <a:r>
+              <a:rPr lang="de-DE" sz="1000" dirty="0" err="1">
+                <a:latin typeface="Arial" panose="020B0604020202020204" pitchFamily="34" charset="0"/>
+                <a:cs typeface="Arial" panose="020B0604020202020204" pitchFamily="34" charset="0"/>
+              </a:rPr>
+              <a:t>survival</a:t>
+            </a:r>
+            <a:r>
+              <a:rPr lang="de-DE" sz="1000" dirty="0">
+                <a:latin typeface="Arial" panose="020B0604020202020204" pitchFamily="34" charset="0"/>
+                <a:cs typeface="Arial" panose="020B0604020202020204" pitchFamily="34" charset="0"/>
+              </a:rPr>
+              <a:t> </a:t>
+            </a:r>
+            <a:r>
+              <a:rPr lang="de-DE" sz="1000" dirty="0" err="1">
+                <a:latin typeface="Arial" panose="020B0604020202020204" pitchFamily="34" charset="0"/>
+                <a:cs typeface="Arial" panose="020B0604020202020204" pitchFamily="34" charset="0"/>
+              </a:rPr>
+              <a:t>state</a:t>
+            </a:r>
+            <a:r>
+              <a:rPr lang="de-DE" sz="1000" dirty="0">
+                <a:latin typeface="Arial" panose="020B0604020202020204" pitchFamily="34" charset="0"/>
+                <a:cs typeface="Arial" panose="020B0604020202020204" pitchFamily="34" charset="0"/>
+              </a:rPr>
+              <a:t> </a:t>
+            </a:r>
+            <a:r>
+              <a:rPr lang="de-DE" sz="1000" dirty="0" err="1">
+                <a:latin typeface="Arial" panose="020B0604020202020204" pitchFamily="34" charset="0"/>
+                <a:cs typeface="Arial" panose="020B0604020202020204" pitchFamily="34" charset="0"/>
+              </a:rPr>
+              <a:t>or</a:t>
+            </a:r>
+            <a:r>
+              <a:rPr lang="de-DE" sz="1000" dirty="0">
+                <a:latin typeface="Arial" panose="020B0604020202020204" pitchFamily="34" charset="0"/>
+                <a:cs typeface="Arial" panose="020B0604020202020204" pitchFamily="34" charset="0"/>
+              </a:rPr>
+              <a:t> </a:t>
+            </a:r>
+            <a:r>
+              <a:rPr lang="de-DE" sz="1000" dirty="0" err="1">
+                <a:latin typeface="Arial" panose="020B0604020202020204" pitchFamily="34" charset="0"/>
+                <a:cs typeface="Arial" panose="020B0604020202020204" pitchFamily="34" charset="0"/>
+              </a:rPr>
+              <a:t>pathologic</a:t>
+            </a:r>
+            <a:r>
+              <a:rPr lang="de-DE" sz="1000" dirty="0">
+                <a:latin typeface="Arial" panose="020B0604020202020204" pitchFamily="34" charset="0"/>
+                <a:cs typeface="Arial" panose="020B0604020202020204" pitchFamily="34" charset="0"/>
+              </a:rPr>
+              <a:t> </a:t>
+            </a:r>
+            <a:r>
+              <a:rPr lang="de-DE" sz="1000" dirty="0" err="1">
+                <a:latin typeface="Arial" panose="020B0604020202020204" pitchFamily="34" charset="0"/>
+                <a:cs typeface="Arial" panose="020B0604020202020204" pitchFamily="34" charset="0"/>
+              </a:rPr>
+              <a:t>tumor</a:t>
+            </a:r>
+            <a:r>
+              <a:rPr lang="de-DE" sz="1000" dirty="0">
+                <a:latin typeface="Arial" panose="020B0604020202020204" pitchFamily="34" charset="0"/>
+                <a:cs typeface="Arial" panose="020B0604020202020204" pitchFamily="34" charset="0"/>
+              </a:rPr>
+              <a:t> </a:t>
+            </a:r>
+            <a:r>
+              <a:rPr lang="de-DE" sz="1000" dirty="0" err="1">
+                <a:latin typeface="Arial" panose="020B0604020202020204" pitchFamily="34" charset="0"/>
+                <a:cs typeface="Arial" panose="020B0604020202020204" pitchFamily="34" charset="0"/>
+              </a:rPr>
+              <a:t>stage</a:t>
+            </a:r>
+            <a:r>
+              <a:rPr lang="de-DE" sz="1000" dirty="0">
+                <a:latin typeface="Arial" panose="020B0604020202020204" pitchFamily="34" charset="0"/>
+                <a:cs typeface="Arial" panose="020B0604020202020204" pitchFamily="34" charset="0"/>
+              </a:rPr>
+              <a:t>. </a:t>
+            </a:r>
+            <a:r>
+              <a:rPr lang="de-DE" sz="1000" dirty="0" err="1">
+                <a:latin typeface="Arial" panose="020B0604020202020204" pitchFamily="34" charset="0"/>
+                <a:cs typeface="Arial" panose="020B0604020202020204" pitchFamily="34" charset="0"/>
+              </a:rPr>
+              <a:t>Because</a:t>
+            </a:r>
+            <a:r>
+              <a:rPr lang="de-DE" sz="1000" dirty="0">
+                <a:latin typeface="Arial" panose="020B0604020202020204" pitchFamily="34" charset="0"/>
+                <a:cs typeface="Arial" panose="020B0604020202020204" pitchFamily="34" charset="0"/>
+              </a:rPr>
+              <a:t> </a:t>
+            </a:r>
+            <a:r>
+              <a:rPr lang="de-DE" sz="1000" dirty="0" err="1">
+                <a:latin typeface="Arial" panose="020B0604020202020204" pitchFamily="34" charset="0"/>
+                <a:cs typeface="Arial" panose="020B0604020202020204" pitchFamily="34" charset="0"/>
+              </a:rPr>
+              <a:t>we</a:t>
+            </a:r>
+            <a:r>
+              <a:rPr lang="de-DE" sz="1000" dirty="0">
+                <a:latin typeface="Arial" panose="020B0604020202020204" pitchFamily="34" charset="0"/>
+                <a:cs typeface="Arial" panose="020B0604020202020204" pitchFamily="34" charset="0"/>
+              </a:rPr>
+              <a:t> </a:t>
+            </a:r>
+            <a:r>
+              <a:rPr lang="de-DE" sz="1000" dirty="0" err="1">
+                <a:latin typeface="Arial" panose="020B0604020202020204" pitchFamily="34" charset="0"/>
+                <a:cs typeface="Arial" panose="020B0604020202020204" pitchFamily="34" charset="0"/>
+              </a:rPr>
+              <a:t>are</a:t>
+            </a:r>
+            <a:r>
+              <a:rPr lang="de-DE" sz="1000" dirty="0">
+                <a:latin typeface="Arial" panose="020B0604020202020204" pitchFamily="34" charset="0"/>
+                <a:cs typeface="Arial" panose="020B0604020202020204" pitchFamily="34" charset="0"/>
+              </a:rPr>
+              <a:t> </a:t>
+            </a:r>
+            <a:r>
+              <a:rPr lang="de-DE" sz="1000" dirty="0" err="1">
+                <a:latin typeface="Arial" panose="020B0604020202020204" pitchFamily="34" charset="0"/>
+                <a:cs typeface="Arial" panose="020B0604020202020204" pitchFamily="34" charset="0"/>
+              </a:rPr>
+              <a:t>interesting</a:t>
+            </a:r>
+            <a:r>
+              <a:rPr lang="de-DE" sz="1000" dirty="0">
+                <a:latin typeface="Arial" panose="020B0604020202020204" pitchFamily="34" charset="0"/>
+                <a:cs typeface="Arial" panose="020B0604020202020204" pitchFamily="34" charset="0"/>
+              </a:rPr>
+              <a:t> in </a:t>
+            </a:r>
+            <a:r>
+              <a:rPr lang="de-DE" sz="1000" dirty="0" err="1">
+                <a:latin typeface="Arial" panose="020B0604020202020204" pitchFamily="34" charset="0"/>
+                <a:cs typeface="Arial" panose="020B0604020202020204" pitchFamily="34" charset="0"/>
+              </a:rPr>
+              <a:t>the</a:t>
+            </a:r>
+            <a:r>
+              <a:rPr lang="de-DE" sz="1000" dirty="0">
+                <a:latin typeface="Arial" panose="020B0604020202020204" pitchFamily="34" charset="0"/>
+                <a:cs typeface="Arial" panose="020B0604020202020204" pitchFamily="34" charset="0"/>
+              </a:rPr>
+              <a:t> </a:t>
+            </a:r>
+            <a:r>
+              <a:rPr lang="de-DE" sz="1000" dirty="0" err="1">
+                <a:latin typeface="Arial" panose="020B0604020202020204" pitchFamily="34" charset="0"/>
+                <a:cs typeface="Arial" panose="020B0604020202020204" pitchFamily="34" charset="0"/>
+              </a:rPr>
+              <a:t>prognostic</a:t>
+            </a:r>
+            <a:r>
+              <a:rPr lang="de-DE" sz="1000" dirty="0">
+                <a:latin typeface="Arial" panose="020B0604020202020204" pitchFamily="34" charset="0"/>
+                <a:cs typeface="Arial" panose="020B0604020202020204" pitchFamily="34" charset="0"/>
+              </a:rPr>
+              <a:t> </a:t>
+            </a:r>
+            <a:r>
+              <a:rPr lang="de-DE" sz="1000" dirty="0" err="1">
+                <a:latin typeface="Arial" panose="020B0604020202020204" pitchFamily="34" charset="0"/>
+                <a:cs typeface="Arial" panose="020B0604020202020204" pitchFamily="34" charset="0"/>
+              </a:rPr>
+              <a:t>importance</a:t>
+            </a:r>
+            <a:r>
+              <a:rPr lang="de-DE" sz="1000" dirty="0">
+                <a:latin typeface="Arial" panose="020B0604020202020204" pitchFamily="34" charset="0"/>
+                <a:cs typeface="Arial" panose="020B0604020202020204" pitchFamily="34" charset="0"/>
+              </a:rPr>
+              <a:t> </a:t>
+            </a:r>
+            <a:r>
+              <a:rPr lang="de-DE" sz="1000" dirty="0" err="1">
+                <a:latin typeface="Arial" panose="020B0604020202020204" pitchFamily="34" charset="0"/>
+                <a:cs typeface="Arial" panose="020B0604020202020204" pitchFamily="34" charset="0"/>
+              </a:rPr>
+              <a:t>of</a:t>
+            </a:r>
+            <a:r>
+              <a:rPr lang="de-DE" sz="1000" dirty="0">
+                <a:latin typeface="Arial" panose="020B0604020202020204" pitchFamily="34" charset="0"/>
+                <a:cs typeface="Arial" panose="020B0604020202020204" pitchFamily="34" charset="0"/>
+              </a:rPr>
+              <a:t> </a:t>
+            </a:r>
+            <a:r>
+              <a:rPr lang="de-DE" sz="1000" dirty="0" err="1">
+                <a:latin typeface="Arial" panose="020B0604020202020204" pitchFamily="34" charset="0"/>
+                <a:cs typeface="Arial" panose="020B0604020202020204" pitchFamily="34" charset="0"/>
+              </a:rPr>
+              <a:t>the</a:t>
+            </a:r>
+            <a:r>
+              <a:rPr lang="de-DE" sz="1000" dirty="0">
+                <a:latin typeface="Arial" panose="020B0604020202020204" pitchFamily="34" charset="0"/>
+                <a:cs typeface="Arial" panose="020B0604020202020204" pitchFamily="34" charset="0"/>
+              </a:rPr>
+              <a:t> </a:t>
+            </a:r>
+            <a:r>
+              <a:rPr lang="de-DE" sz="1000" dirty="0" err="1">
+                <a:latin typeface="Arial" panose="020B0604020202020204" pitchFamily="34" charset="0"/>
+                <a:cs typeface="Arial" panose="020B0604020202020204" pitchFamily="34" charset="0"/>
+              </a:rPr>
+              <a:t>rough</a:t>
+            </a:r>
+            <a:r>
+              <a:rPr lang="de-DE" sz="1000" dirty="0">
+                <a:latin typeface="Arial" panose="020B0604020202020204" pitchFamily="34" charset="0"/>
+                <a:cs typeface="Arial" panose="020B0604020202020204" pitchFamily="34" charset="0"/>
+              </a:rPr>
+              <a:t> </a:t>
+            </a:r>
+            <a:r>
+              <a:rPr lang="de-DE" sz="1000" dirty="0" err="1">
+                <a:latin typeface="Arial" panose="020B0604020202020204" pitchFamily="34" charset="0"/>
+                <a:cs typeface="Arial" panose="020B0604020202020204" pitchFamily="34" charset="0"/>
+              </a:rPr>
+              <a:t>stages</a:t>
+            </a:r>
+            <a:r>
+              <a:rPr lang="de-DE" sz="1000" dirty="0">
+                <a:latin typeface="Arial" panose="020B0604020202020204" pitchFamily="34" charset="0"/>
+                <a:cs typeface="Arial" panose="020B0604020202020204" pitchFamily="34" charset="0"/>
+              </a:rPr>
+              <a:t>, </a:t>
+            </a:r>
+            <a:r>
+              <a:rPr lang="de-DE" sz="1000" dirty="0" err="1">
+                <a:latin typeface="Arial" panose="020B0604020202020204" pitchFamily="34" charset="0"/>
+                <a:cs typeface="Arial" panose="020B0604020202020204" pitchFamily="34" charset="0"/>
+              </a:rPr>
+              <a:t>we</a:t>
+            </a:r>
+            <a:r>
+              <a:rPr lang="de-DE" sz="1000" dirty="0">
+                <a:latin typeface="Arial" panose="020B0604020202020204" pitchFamily="34" charset="0"/>
+                <a:cs typeface="Arial" panose="020B0604020202020204" pitchFamily="34" charset="0"/>
+              </a:rPr>
+              <a:t> </a:t>
+            </a:r>
+            <a:r>
+              <a:rPr lang="de-DE" sz="1000" dirty="0" err="1">
+                <a:latin typeface="Arial" panose="020B0604020202020204" pitchFamily="34" charset="0"/>
+                <a:cs typeface="Arial" panose="020B0604020202020204" pitchFamily="34" charset="0"/>
+              </a:rPr>
+              <a:t>further</a:t>
+            </a:r>
+            <a:r>
+              <a:rPr lang="de-DE" sz="1000" dirty="0">
+                <a:latin typeface="Arial" panose="020B0604020202020204" pitchFamily="34" charset="0"/>
+                <a:cs typeface="Arial" panose="020B0604020202020204" pitchFamily="34" charset="0"/>
+              </a:rPr>
+              <a:t> </a:t>
+            </a:r>
+            <a:r>
+              <a:rPr lang="de-DE" sz="1000" dirty="0" err="1">
+                <a:latin typeface="Arial" panose="020B0604020202020204" pitchFamily="34" charset="0"/>
+                <a:cs typeface="Arial" panose="020B0604020202020204" pitchFamily="34" charset="0"/>
+              </a:rPr>
+              <a:t>reduced</a:t>
+            </a:r>
+            <a:r>
+              <a:rPr lang="de-DE" sz="1000" dirty="0">
+                <a:latin typeface="Arial" panose="020B0604020202020204" pitchFamily="34" charset="0"/>
+                <a:cs typeface="Arial" panose="020B0604020202020204" pitchFamily="34" charset="0"/>
+              </a:rPr>
+              <a:t> </a:t>
+            </a:r>
+            <a:r>
+              <a:rPr lang="de-DE" sz="1000" dirty="0" err="1">
+                <a:latin typeface="Arial" panose="020B0604020202020204" pitchFamily="34" charset="0"/>
+                <a:cs typeface="Arial" panose="020B0604020202020204" pitchFamily="34" charset="0"/>
+              </a:rPr>
+              <a:t>the</a:t>
+            </a:r>
+            <a:r>
+              <a:rPr lang="de-DE" sz="1000" dirty="0">
+                <a:latin typeface="Arial" panose="020B0604020202020204" pitchFamily="34" charset="0"/>
+                <a:cs typeface="Arial" panose="020B0604020202020204" pitchFamily="34" charset="0"/>
+              </a:rPr>
+              <a:t> </a:t>
+            </a:r>
+            <a:r>
+              <a:rPr lang="de-DE" sz="1000" dirty="0" err="1">
+                <a:latin typeface="Arial" panose="020B0604020202020204" pitchFamily="34" charset="0"/>
+                <a:cs typeface="Arial" panose="020B0604020202020204" pitchFamily="34" charset="0"/>
+              </a:rPr>
+              <a:t>complexity</a:t>
+            </a:r>
+            <a:r>
+              <a:rPr lang="de-DE" sz="1000" dirty="0">
+                <a:latin typeface="Arial" panose="020B0604020202020204" pitchFamily="34" charset="0"/>
+                <a:cs typeface="Arial" panose="020B0604020202020204" pitchFamily="34" charset="0"/>
+              </a:rPr>
+              <a:t> </a:t>
+            </a:r>
+            <a:r>
+              <a:rPr lang="de-DE" sz="1000" dirty="0" err="1">
+                <a:latin typeface="Arial" panose="020B0604020202020204" pitchFamily="34" charset="0"/>
+                <a:cs typeface="Arial" panose="020B0604020202020204" pitchFamily="34" charset="0"/>
+              </a:rPr>
+              <a:t>to</a:t>
+            </a:r>
+            <a:r>
+              <a:rPr lang="de-DE" sz="1000" dirty="0">
+                <a:latin typeface="Arial" panose="020B0604020202020204" pitchFamily="34" charset="0"/>
+                <a:cs typeface="Arial" panose="020B0604020202020204" pitchFamily="34" charset="0"/>
+              </a:rPr>
+              <a:t> </a:t>
+            </a:r>
+            <a:r>
+              <a:rPr lang="de-DE" sz="1000" dirty="0" err="1">
+                <a:latin typeface="Arial" panose="020B0604020202020204" pitchFamily="34" charset="0"/>
+                <a:cs typeface="Arial" panose="020B0604020202020204" pitchFamily="34" charset="0"/>
+              </a:rPr>
+              <a:t>group</a:t>
+            </a:r>
+            <a:r>
+              <a:rPr lang="de-DE" sz="1000" dirty="0">
+                <a:latin typeface="Arial" panose="020B0604020202020204" pitchFamily="34" charset="0"/>
+                <a:cs typeface="Arial" panose="020B0604020202020204" pitchFamily="34" charset="0"/>
+              </a:rPr>
+              <a:t> </a:t>
+            </a:r>
+            <a:r>
+              <a:rPr lang="de-DE" sz="1000" dirty="0" err="1">
+                <a:latin typeface="Arial" panose="020B0604020202020204" pitchFamily="34" charset="0"/>
+                <a:cs typeface="Arial" panose="020B0604020202020204" pitchFamily="34" charset="0"/>
+              </a:rPr>
+              <a:t>patients</a:t>
+            </a:r>
+            <a:r>
+              <a:rPr lang="de-DE" sz="1000" dirty="0">
+                <a:latin typeface="Arial" panose="020B0604020202020204" pitchFamily="34" charset="0"/>
+                <a:cs typeface="Arial" panose="020B0604020202020204" pitchFamily="34" charset="0"/>
+              </a:rPr>
+              <a:t> in </a:t>
+            </a:r>
+            <a:r>
+              <a:rPr lang="de-DE" sz="1000" dirty="0" err="1">
+                <a:latin typeface="Arial" panose="020B0604020202020204" pitchFamily="34" charset="0"/>
+                <a:cs typeface="Arial" panose="020B0604020202020204" pitchFamily="34" charset="0"/>
+              </a:rPr>
+              <a:t>four</a:t>
+            </a:r>
+            <a:r>
+              <a:rPr lang="de-DE" sz="1000" dirty="0">
+                <a:latin typeface="Arial" panose="020B0604020202020204" pitchFamily="34" charset="0"/>
+                <a:cs typeface="Arial" panose="020B0604020202020204" pitchFamily="34" charset="0"/>
+              </a:rPr>
+              <a:t> </a:t>
+            </a:r>
+            <a:r>
+              <a:rPr lang="de-DE" sz="1000" dirty="0" err="1">
+                <a:latin typeface="Arial" panose="020B0604020202020204" pitchFamily="34" charset="0"/>
+                <a:cs typeface="Arial" panose="020B0604020202020204" pitchFamily="34" charset="0"/>
+              </a:rPr>
+              <a:t>stages</a:t>
+            </a:r>
+            <a:r>
+              <a:rPr lang="de-DE" sz="1000" dirty="0">
+                <a:latin typeface="Arial" panose="020B0604020202020204" pitchFamily="34" charset="0"/>
+                <a:cs typeface="Arial" panose="020B0604020202020204" pitchFamily="34" charset="0"/>
+              </a:rPr>
+              <a:t>: I, II, III, IV.</a:t>
+            </a:r>
+          </a:p>
+          <a:p>
+            <a:r>
+              <a:rPr lang="de-DE" sz="1000" dirty="0">
+                <a:latin typeface="Arial" panose="020B0604020202020204" pitchFamily="34" charset="0"/>
+                <a:cs typeface="Arial" panose="020B0604020202020204" pitchFamily="34" charset="0"/>
+              </a:rPr>
+              <a:t>Median OS </a:t>
+            </a:r>
+            <a:r>
+              <a:rPr lang="de-DE" sz="1000" dirty="0" err="1">
+                <a:latin typeface="Arial" panose="020B0604020202020204" pitchFamily="34" charset="0"/>
+                <a:cs typeface="Arial" panose="020B0604020202020204" pitchFamily="34" charset="0"/>
+              </a:rPr>
+              <a:t>of</a:t>
+            </a:r>
+            <a:r>
+              <a:rPr lang="de-DE" sz="1000" dirty="0">
+                <a:latin typeface="Arial" panose="020B0604020202020204" pitchFamily="34" charset="0"/>
+                <a:cs typeface="Arial" panose="020B0604020202020204" pitchFamily="34" charset="0"/>
+              </a:rPr>
+              <a:t> </a:t>
+            </a:r>
+            <a:r>
+              <a:rPr lang="de-DE" sz="1000" dirty="0" err="1">
+                <a:latin typeface="Arial" panose="020B0604020202020204" pitchFamily="34" charset="0"/>
+                <a:cs typeface="Arial" panose="020B0604020202020204" pitchFamily="34" charset="0"/>
+              </a:rPr>
+              <a:t>the</a:t>
+            </a:r>
+            <a:r>
+              <a:rPr lang="de-DE" sz="1000" dirty="0">
+                <a:latin typeface="Arial" panose="020B0604020202020204" pitchFamily="34" charset="0"/>
+                <a:cs typeface="Arial" panose="020B0604020202020204" pitchFamily="34" charset="0"/>
+              </a:rPr>
+              <a:t> TCGA </a:t>
+            </a:r>
+            <a:r>
+              <a:rPr lang="de-DE" sz="1000" dirty="0" err="1">
+                <a:latin typeface="Arial" panose="020B0604020202020204" pitchFamily="34" charset="0"/>
+                <a:cs typeface="Arial" panose="020B0604020202020204" pitchFamily="34" charset="0"/>
+              </a:rPr>
+              <a:t>cohort</a:t>
+            </a:r>
+            <a:r>
+              <a:rPr lang="de-DE" sz="1000" dirty="0">
+                <a:latin typeface="Arial" panose="020B0604020202020204" pitchFamily="34" charset="0"/>
+                <a:cs typeface="Arial" panose="020B0604020202020204" pitchFamily="34" charset="0"/>
+              </a:rPr>
+              <a:t> was 1357 </a:t>
+            </a:r>
+            <a:r>
+              <a:rPr lang="de-DE" sz="1000" dirty="0" err="1">
+                <a:latin typeface="Arial" panose="020B0604020202020204" pitchFamily="34" charset="0"/>
+                <a:cs typeface="Arial" panose="020B0604020202020204" pitchFamily="34" charset="0"/>
+              </a:rPr>
+              <a:t>days</a:t>
+            </a:r>
+            <a:r>
+              <a:rPr lang="de-DE" sz="1000" dirty="0">
+                <a:latin typeface="Arial" panose="020B0604020202020204" pitchFamily="34" charset="0"/>
+                <a:cs typeface="Arial" panose="020B0604020202020204" pitchFamily="34" charset="0"/>
+              </a:rPr>
+              <a:t> (95% CI 1161 – 1640). After an initial </a:t>
+            </a:r>
+            <a:r>
+              <a:rPr lang="de-DE" sz="1000" dirty="0" err="1">
+                <a:latin typeface="Arial" panose="020B0604020202020204" pitchFamily="34" charset="0"/>
+                <a:cs typeface="Arial" panose="020B0604020202020204" pitchFamily="34" charset="0"/>
+              </a:rPr>
+              <a:t>analysis</a:t>
+            </a:r>
+            <a:r>
+              <a:rPr lang="de-DE" sz="1000" dirty="0">
+                <a:latin typeface="Arial" panose="020B0604020202020204" pitchFamily="34" charset="0"/>
+                <a:cs typeface="Arial" panose="020B0604020202020204" pitchFamily="34" charset="0"/>
+              </a:rPr>
+              <a:t>, </a:t>
+            </a:r>
+            <a:r>
+              <a:rPr lang="de-DE" sz="1000" dirty="0" err="1">
+                <a:latin typeface="Arial" panose="020B0604020202020204" pitchFamily="34" charset="0"/>
+                <a:cs typeface="Arial" panose="020B0604020202020204" pitchFamily="34" charset="0"/>
+              </a:rPr>
+              <a:t>we</a:t>
+            </a:r>
+            <a:r>
+              <a:rPr lang="de-DE" sz="1000" dirty="0">
+                <a:latin typeface="Arial" panose="020B0604020202020204" pitchFamily="34" charset="0"/>
+                <a:cs typeface="Arial" panose="020B0604020202020204" pitchFamily="34" charset="0"/>
+              </a:rPr>
+              <a:t> </a:t>
+            </a:r>
+            <a:r>
+              <a:rPr lang="de-DE" sz="1000" dirty="0" err="1">
+                <a:latin typeface="Arial" panose="020B0604020202020204" pitchFamily="34" charset="0"/>
+                <a:cs typeface="Arial" panose="020B0604020202020204" pitchFamily="34" charset="0"/>
+              </a:rPr>
+              <a:t>only</a:t>
+            </a:r>
+            <a:r>
+              <a:rPr lang="de-DE" sz="1000" dirty="0">
+                <a:latin typeface="Arial" panose="020B0604020202020204" pitchFamily="34" charset="0"/>
+                <a:cs typeface="Arial" panose="020B0604020202020204" pitchFamily="34" charset="0"/>
+              </a:rPr>
+              <a:t> </a:t>
+            </a:r>
+            <a:r>
+              <a:rPr lang="de-DE" sz="1000" dirty="0" err="1">
+                <a:latin typeface="Arial" panose="020B0604020202020204" pitchFamily="34" charset="0"/>
+                <a:cs typeface="Arial" panose="020B0604020202020204" pitchFamily="34" charset="0"/>
+              </a:rPr>
+              <a:t>included</a:t>
+            </a:r>
+            <a:r>
+              <a:rPr lang="de-DE" sz="1000" dirty="0">
+                <a:latin typeface="Arial" panose="020B0604020202020204" pitchFamily="34" charset="0"/>
+                <a:cs typeface="Arial" panose="020B0604020202020204" pitchFamily="34" charset="0"/>
+              </a:rPr>
+              <a:t> </a:t>
+            </a:r>
+            <a:r>
+              <a:rPr lang="de-DE" sz="1000" dirty="0" err="1">
+                <a:latin typeface="Arial" panose="020B0604020202020204" pitchFamily="34" charset="0"/>
+                <a:cs typeface="Arial" panose="020B0604020202020204" pitchFamily="34" charset="0"/>
+              </a:rPr>
+              <a:t>stage</a:t>
+            </a:r>
+            <a:r>
+              <a:rPr lang="de-DE" sz="1000" dirty="0">
+                <a:latin typeface="Arial" panose="020B0604020202020204" pitchFamily="34" charset="0"/>
+                <a:cs typeface="Arial" panose="020B0604020202020204" pitchFamily="34" charset="0"/>
+              </a:rPr>
+              <a:t> I – III </a:t>
+            </a:r>
+            <a:r>
+              <a:rPr lang="de-DE" sz="1000" dirty="0" err="1">
+                <a:latin typeface="Arial" panose="020B0604020202020204" pitchFamily="34" charset="0"/>
+                <a:cs typeface="Arial" panose="020B0604020202020204" pitchFamily="34" charset="0"/>
+              </a:rPr>
+              <a:t>for</a:t>
+            </a:r>
+            <a:r>
+              <a:rPr lang="de-DE" sz="1000" dirty="0">
+                <a:latin typeface="Arial" panose="020B0604020202020204" pitchFamily="34" charset="0"/>
+                <a:cs typeface="Arial" panose="020B0604020202020204" pitchFamily="34" charset="0"/>
+              </a:rPr>
+              <a:t> </a:t>
+            </a:r>
+            <a:r>
+              <a:rPr lang="de-DE" sz="1000" dirty="0" err="1">
+                <a:latin typeface="Arial" panose="020B0604020202020204" pitchFamily="34" charset="0"/>
+                <a:cs typeface="Arial" panose="020B0604020202020204" pitchFamily="34" charset="0"/>
+              </a:rPr>
+              <a:t>analyses</a:t>
+            </a:r>
+            <a:r>
+              <a:rPr lang="de-DE" sz="1000" dirty="0">
+                <a:latin typeface="Arial" panose="020B0604020202020204" pitchFamily="34" charset="0"/>
+                <a:cs typeface="Arial" panose="020B0604020202020204" pitchFamily="34" charset="0"/>
+              </a:rPr>
+              <a:t> </a:t>
+            </a:r>
+            <a:r>
+              <a:rPr lang="de-DE" sz="1000" dirty="0" err="1">
+                <a:latin typeface="Arial" panose="020B0604020202020204" pitchFamily="34" charset="0"/>
+                <a:cs typeface="Arial" panose="020B0604020202020204" pitchFamily="34" charset="0"/>
+              </a:rPr>
+              <a:t>because</a:t>
+            </a:r>
+            <a:r>
+              <a:rPr lang="de-DE" sz="1000" dirty="0">
+                <a:latin typeface="Arial" panose="020B0604020202020204" pitchFamily="34" charset="0"/>
+                <a:cs typeface="Arial" panose="020B0604020202020204" pitchFamily="34" charset="0"/>
+              </a:rPr>
+              <a:t> </a:t>
+            </a:r>
+            <a:r>
+              <a:rPr lang="de-DE" sz="1000" dirty="0" err="1">
+                <a:latin typeface="Arial" panose="020B0604020202020204" pitchFamily="34" charset="0"/>
+                <a:cs typeface="Arial" panose="020B0604020202020204" pitchFamily="34" charset="0"/>
+              </a:rPr>
+              <a:t>of</a:t>
+            </a:r>
+            <a:r>
+              <a:rPr lang="de-DE" sz="1000" dirty="0">
+                <a:latin typeface="Arial" panose="020B0604020202020204" pitchFamily="34" charset="0"/>
+                <a:cs typeface="Arial" panose="020B0604020202020204" pitchFamily="34" charset="0"/>
+              </a:rPr>
+              <a:t> </a:t>
+            </a:r>
+            <a:r>
+              <a:rPr lang="de-DE" sz="1000" dirty="0" err="1">
+                <a:latin typeface="Arial" panose="020B0604020202020204" pitchFamily="34" charset="0"/>
+                <a:cs typeface="Arial" panose="020B0604020202020204" pitchFamily="34" charset="0"/>
+              </a:rPr>
+              <a:t>the</a:t>
+            </a:r>
+            <a:r>
+              <a:rPr lang="de-DE" sz="1000" dirty="0">
+                <a:latin typeface="Arial" panose="020B0604020202020204" pitchFamily="34" charset="0"/>
+                <a:cs typeface="Arial" panose="020B0604020202020204" pitchFamily="34" charset="0"/>
+              </a:rPr>
+              <a:t> </a:t>
+            </a:r>
+            <a:r>
+              <a:rPr lang="de-DE" sz="1000" dirty="0" err="1">
+                <a:latin typeface="Arial" panose="020B0604020202020204" pitchFamily="34" charset="0"/>
+                <a:cs typeface="Arial" panose="020B0604020202020204" pitchFamily="34" charset="0"/>
+              </a:rPr>
+              <a:t>reduced</a:t>
+            </a:r>
+            <a:r>
+              <a:rPr lang="de-DE" sz="1000" dirty="0">
+                <a:latin typeface="Arial" panose="020B0604020202020204" pitchFamily="34" charset="0"/>
+                <a:cs typeface="Arial" panose="020B0604020202020204" pitchFamily="34" charset="0"/>
+              </a:rPr>
+              <a:t> </a:t>
+            </a:r>
+            <a:r>
+              <a:rPr lang="de-DE" sz="1000" dirty="0" err="1">
+                <a:latin typeface="Arial" panose="020B0604020202020204" pitchFamily="34" charset="0"/>
+                <a:cs typeface="Arial" panose="020B0604020202020204" pitchFamily="34" charset="0"/>
+              </a:rPr>
+              <a:t>number</a:t>
+            </a:r>
+            <a:r>
+              <a:rPr lang="de-DE" sz="1000" dirty="0">
+                <a:latin typeface="Arial" panose="020B0604020202020204" pitchFamily="34" charset="0"/>
+                <a:cs typeface="Arial" panose="020B0604020202020204" pitchFamily="34" charset="0"/>
+              </a:rPr>
+              <a:t> </a:t>
+            </a:r>
+            <a:r>
+              <a:rPr lang="de-DE" sz="1000" dirty="0" err="1">
+                <a:latin typeface="Arial" panose="020B0604020202020204" pitchFamily="34" charset="0"/>
+                <a:cs typeface="Arial" panose="020B0604020202020204" pitchFamily="34" charset="0"/>
+              </a:rPr>
+              <a:t>of</a:t>
+            </a:r>
+            <a:r>
+              <a:rPr lang="de-DE" sz="1000" dirty="0">
+                <a:latin typeface="Arial" panose="020B0604020202020204" pitchFamily="34" charset="0"/>
+                <a:cs typeface="Arial" panose="020B0604020202020204" pitchFamily="34" charset="0"/>
+              </a:rPr>
+              <a:t> </a:t>
+            </a:r>
+            <a:r>
+              <a:rPr lang="de-DE" sz="1000" dirty="0" err="1">
+                <a:latin typeface="Arial" panose="020B0604020202020204" pitchFamily="34" charset="0"/>
+                <a:cs typeface="Arial" panose="020B0604020202020204" pitchFamily="34" charset="0"/>
+              </a:rPr>
+              <a:t>patients</a:t>
+            </a:r>
+            <a:r>
+              <a:rPr lang="de-DE" sz="1000" dirty="0">
+                <a:latin typeface="Arial" panose="020B0604020202020204" pitchFamily="34" charset="0"/>
+                <a:cs typeface="Arial" panose="020B0604020202020204" pitchFamily="34" charset="0"/>
+              </a:rPr>
+              <a:t> </a:t>
+            </a:r>
+            <a:r>
+              <a:rPr lang="de-DE" sz="1000" dirty="0" err="1">
+                <a:latin typeface="Arial" panose="020B0604020202020204" pitchFamily="34" charset="0"/>
+                <a:cs typeface="Arial" panose="020B0604020202020204" pitchFamily="34" charset="0"/>
+              </a:rPr>
+              <a:t>with</a:t>
+            </a:r>
+            <a:r>
+              <a:rPr lang="de-DE" sz="1000" dirty="0">
+                <a:latin typeface="Arial" panose="020B0604020202020204" pitchFamily="34" charset="0"/>
+                <a:cs typeface="Arial" panose="020B0604020202020204" pitchFamily="34" charset="0"/>
+              </a:rPr>
+              <a:t> </a:t>
+            </a:r>
+            <a:r>
+              <a:rPr lang="de-DE" sz="1000" dirty="0" err="1">
+                <a:latin typeface="Arial" panose="020B0604020202020204" pitchFamily="34" charset="0"/>
+                <a:cs typeface="Arial" panose="020B0604020202020204" pitchFamily="34" charset="0"/>
+              </a:rPr>
+              <a:t>stage</a:t>
+            </a:r>
+            <a:r>
+              <a:rPr lang="de-DE" sz="1000" dirty="0">
+                <a:latin typeface="Arial" panose="020B0604020202020204" pitchFamily="34" charset="0"/>
+                <a:cs typeface="Arial" panose="020B0604020202020204" pitchFamily="34" charset="0"/>
+              </a:rPr>
+              <a:t> IV. Overall, </a:t>
+            </a:r>
+            <a:r>
+              <a:rPr lang="de-DE" sz="1000" dirty="0" err="1">
+                <a:latin typeface="Arial" panose="020B0604020202020204" pitchFamily="34" charset="0"/>
+                <a:cs typeface="Arial" panose="020B0604020202020204" pitchFamily="34" charset="0"/>
+              </a:rPr>
+              <a:t>the</a:t>
+            </a:r>
+            <a:r>
+              <a:rPr lang="de-DE" sz="1000" dirty="0">
+                <a:latin typeface="Arial" panose="020B0604020202020204" pitchFamily="34" charset="0"/>
+                <a:cs typeface="Arial" panose="020B0604020202020204" pitchFamily="34" charset="0"/>
+              </a:rPr>
+              <a:t> TNM </a:t>
+            </a:r>
+            <a:r>
+              <a:rPr lang="de-DE" sz="1000" dirty="0" err="1">
+                <a:latin typeface="Arial" panose="020B0604020202020204" pitchFamily="34" charset="0"/>
+                <a:cs typeface="Arial" panose="020B0604020202020204" pitchFamily="34" charset="0"/>
+              </a:rPr>
+              <a:t>stages</a:t>
+            </a:r>
+            <a:r>
+              <a:rPr lang="de-DE" sz="1000" dirty="0">
+                <a:latin typeface="Arial" panose="020B0604020202020204" pitchFamily="34" charset="0"/>
+                <a:cs typeface="Arial" panose="020B0604020202020204" pitchFamily="34" charset="0"/>
+              </a:rPr>
+              <a:t> </a:t>
+            </a:r>
+            <a:r>
+              <a:rPr lang="de-DE" sz="1000" dirty="0" err="1">
+                <a:latin typeface="Arial" panose="020B0604020202020204" pitchFamily="34" charset="0"/>
+                <a:cs typeface="Arial" panose="020B0604020202020204" pitchFamily="34" charset="0"/>
+              </a:rPr>
+              <a:t>are</a:t>
+            </a:r>
+            <a:r>
+              <a:rPr lang="de-DE" sz="1000" dirty="0">
+                <a:latin typeface="Arial" panose="020B0604020202020204" pitchFamily="34" charset="0"/>
+                <a:cs typeface="Arial" panose="020B0604020202020204" pitchFamily="34" charset="0"/>
+              </a:rPr>
+              <a:t> </a:t>
+            </a:r>
+            <a:r>
+              <a:rPr lang="de-DE" sz="1000" dirty="0" err="1">
+                <a:latin typeface="Arial" panose="020B0604020202020204" pitchFamily="34" charset="0"/>
+                <a:cs typeface="Arial" panose="020B0604020202020204" pitchFamily="34" charset="0"/>
+              </a:rPr>
+              <a:t>prognostic</a:t>
+            </a:r>
+            <a:r>
+              <a:rPr lang="de-DE" sz="1000" dirty="0">
+                <a:latin typeface="Arial" panose="020B0604020202020204" pitchFamily="34" charset="0"/>
+                <a:cs typeface="Arial" panose="020B0604020202020204" pitchFamily="34" charset="0"/>
+              </a:rPr>
+              <a:t> at p &lt; 0.001 </a:t>
+            </a:r>
+            <a:r>
+              <a:rPr lang="de-DE" sz="1000" dirty="0" err="1">
+                <a:latin typeface="Arial" panose="020B0604020202020204" pitchFamily="34" charset="0"/>
+                <a:cs typeface="Arial" panose="020B0604020202020204" pitchFamily="34" charset="0"/>
+              </a:rPr>
+              <a:t>with</a:t>
+            </a:r>
+            <a:r>
+              <a:rPr lang="de-DE" sz="1000" dirty="0">
+                <a:latin typeface="Arial" panose="020B0604020202020204" pitchFamily="34" charset="0"/>
+                <a:cs typeface="Arial" panose="020B0604020202020204" pitchFamily="34" charset="0"/>
+              </a:rPr>
+              <a:t> </a:t>
+            </a:r>
+            <a:r>
+              <a:rPr lang="de-DE" sz="1000" dirty="0" err="1">
+                <a:latin typeface="Arial" panose="020B0604020202020204" pitchFamily="34" charset="0"/>
+                <a:cs typeface="Arial" panose="020B0604020202020204" pitchFamily="34" charset="0"/>
+              </a:rPr>
+              <a:t>stage</a:t>
+            </a:r>
+            <a:r>
+              <a:rPr lang="de-DE" sz="1000" dirty="0">
+                <a:latin typeface="Arial" panose="020B0604020202020204" pitchFamily="34" charset="0"/>
+                <a:cs typeface="Arial" panose="020B0604020202020204" pitchFamily="34" charset="0"/>
+              </a:rPr>
+              <a:t> I </a:t>
+            </a:r>
+            <a:r>
+              <a:rPr lang="de-DE" sz="1000" dirty="0" err="1">
+                <a:latin typeface="Arial" panose="020B0604020202020204" pitchFamily="34" charset="0"/>
+                <a:cs typeface="Arial" panose="020B0604020202020204" pitchFamily="34" charset="0"/>
+              </a:rPr>
+              <a:t>having</a:t>
+            </a:r>
+            <a:r>
+              <a:rPr lang="de-DE" sz="1000" dirty="0">
+                <a:latin typeface="Arial" panose="020B0604020202020204" pitchFamily="34" charset="0"/>
+                <a:cs typeface="Arial" panose="020B0604020202020204" pitchFamily="34" charset="0"/>
+              </a:rPr>
+              <a:t> </a:t>
+            </a:r>
+            <a:r>
+              <a:rPr lang="de-DE" sz="1000" dirty="0" err="1">
+                <a:latin typeface="Arial" panose="020B0604020202020204" pitchFamily="34" charset="0"/>
+                <a:cs typeface="Arial" panose="020B0604020202020204" pitchFamily="34" charset="0"/>
+              </a:rPr>
+              <a:t>the</a:t>
+            </a:r>
+            <a:r>
+              <a:rPr lang="de-DE" sz="1000" dirty="0">
+                <a:latin typeface="Arial" panose="020B0604020202020204" pitchFamily="34" charset="0"/>
+                <a:cs typeface="Arial" panose="020B0604020202020204" pitchFamily="34" charset="0"/>
+              </a:rPr>
+              <a:t> </a:t>
+            </a:r>
+            <a:r>
+              <a:rPr lang="de-DE" sz="1000" dirty="0" err="1">
+                <a:latin typeface="Arial" panose="020B0604020202020204" pitchFamily="34" charset="0"/>
+                <a:cs typeface="Arial" panose="020B0604020202020204" pitchFamily="34" charset="0"/>
+              </a:rPr>
+              <a:t>highest</a:t>
+            </a:r>
+            <a:r>
+              <a:rPr lang="de-DE" sz="1000" dirty="0">
+                <a:latin typeface="Arial" panose="020B0604020202020204" pitchFamily="34" charset="0"/>
+                <a:cs typeface="Arial" panose="020B0604020202020204" pitchFamily="34" charset="0"/>
+              </a:rPr>
+              <a:t> </a:t>
+            </a:r>
+            <a:r>
+              <a:rPr lang="de-DE" sz="1000" dirty="0" err="1">
+                <a:latin typeface="Arial" panose="020B0604020202020204" pitchFamily="34" charset="0"/>
+                <a:cs typeface="Arial" panose="020B0604020202020204" pitchFamily="34" charset="0"/>
+              </a:rPr>
+              <a:t>and</a:t>
+            </a:r>
+            <a:r>
+              <a:rPr lang="de-DE" sz="1000" dirty="0">
+                <a:latin typeface="Arial" panose="020B0604020202020204" pitchFamily="34" charset="0"/>
+                <a:cs typeface="Arial" panose="020B0604020202020204" pitchFamily="34" charset="0"/>
+              </a:rPr>
+              <a:t> </a:t>
+            </a:r>
+            <a:r>
+              <a:rPr lang="de-DE" sz="1000" dirty="0" err="1">
+                <a:latin typeface="Arial" panose="020B0604020202020204" pitchFamily="34" charset="0"/>
+                <a:cs typeface="Arial" panose="020B0604020202020204" pitchFamily="34" charset="0"/>
+              </a:rPr>
+              <a:t>stage</a:t>
+            </a:r>
+            <a:r>
+              <a:rPr lang="de-DE" sz="1000" dirty="0">
+                <a:latin typeface="Arial" panose="020B0604020202020204" pitchFamily="34" charset="0"/>
+                <a:cs typeface="Arial" panose="020B0604020202020204" pitchFamily="34" charset="0"/>
+              </a:rPr>
+              <a:t> III </a:t>
+            </a:r>
+            <a:r>
+              <a:rPr lang="de-DE" sz="1000" dirty="0" err="1">
+                <a:latin typeface="Arial" panose="020B0604020202020204" pitchFamily="34" charset="0"/>
+                <a:cs typeface="Arial" panose="020B0604020202020204" pitchFamily="34" charset="0"/>
+              </a:rPr>
+              <a:t>having</a:t>
+            </a:r>
+            <a:r>
+              <a:rPr lang="de-DE" sz="1000" dirty="0">
+                <a:latin typeface="Arial" panose="020B0604020202020204" pitchFamily="34" charset="0"/>
+                <a:cs typeface="Arial" panose="020B0604020202020204" pitchFamily="34" charset="0"/>
+              </a:rPr>
+              <a:t> </a:t>
+            </a:r>
+            <a:r>
+              <a:rPr lang="de-DE" sz="1000" dirty="0" err="1">
+                <a:latin typeface="Arial" panose="020B0604020202020204" pitchFamily="34" charset="0"/>
+                <a:cs typeface="Arial" panose="020B0604020202020204" pitchFamily="34" charset="0"/>
+              </a:rPr>
+              <a:t>the</a:t>
+            </a:r>
+            <a:r>
+              <a:rPr lang="de-DE" sz="1000" dirty="0">
+                <a:latin typeface="Arial" panose="020B0604020202020204" pitchFamily="34" charset="0"/>
+                <a:cs typeface="Arial" panose="020B0604020202020204" pitchFamily="34" charset="0"/>
+              </a:rPr>
+              <a:t> </a:t>
+            </a:r>
+            <a:r>
+              <a:rPr lang="de-DE" sz="1000" dirty="0" err="1">
+                <a:latin typeface="Arial" panose="020B0604020202020204" pitchFamily="34" charset="0"/>
+                <a:cs typeface="Arial" panose="020B0604020202020204" pitchFamily="34" charset="0"/>
+              </a:rPr>
+              <a:t>lowest</a:t>
+            </a:r>
+            <a:r>
+              <a:rPr lang="de-DE" sz="1000" dirty="0">
+                <a:latin typeface="Arial" panose="020B0604020202020204" pitchFamily="34" charset="0"/>
+                <a:cs typeface="Arial" panose="020B0604020202020204" pitchFamily="34" charset="0"/>
+              </a:rPr>
+              <a:t> median OS (</a:t>
+            </a:r>
+            <a:r>
+              <a:rPr lang="de-DE" sz="1000" dirty="0" err="1">
+                <a:latin typeface="Arial" panose="020B0604020202020204" pitchFamily="34" charset="0"/>
+                <a:cs typeface="Arial" panose="020B0604020202020204" pitchFamily="34" charset="0"/>
+              </a:rPr>
+              <a:t>stage</a:t>
+            </a:r>
+            <a:r>
+              <a:rPr lang="de-DE" sz="1000" dirty="0">
+                <a:latin typeface="Arial" panose="020B0604020202020204" pitchFamily="34" charset="0"/>
+                <a:cs typeface="Arial" panose="020B0604020202020204" pitchFamily="34" charset="0"/>
+              </a:rPr>
+              <a:t> I    </a:t>
+            </a:r>
+            <a:r>
+              <a:rPr lang="de-DE" sz="1000" dirty="0" err="1">
+                <a:latin typeface="Arial" panose="020B0604020202020204" pitchFamily="34" charset="0"/>
+                <a:cs typeface="Arial" panose="020B0604020202020204" pitchFamily="34" charset="0"/>
+              </a:rPr>
+              <a:t>stage</a:t>
+            </a:r>
+            <a:r>
+              <a:rPr lang="de-DE" sz="1000" dirty="0">
+                <a:latin typeface="Arial" panose="020B0604020202020204" pitchFamily="34" charset="0"/>
+                <a:cs typeface="Arial" panose="020B0604020202020204" pitchFamily="34" charset="0"/>
+              </a:rPr>
+              <a:t> II     </a:t>
+            </a:r>
+            <a:r>
+              <a:rPr lang="de-DE" sz="1000" dirty="0" err="1">
+                <a:latin typeface="Arial" panose="020B0604020202020204" pitchFamily="34" charset="0"/>
+                <a:cs typeface="Arial" panose="020B0604020202020204" pitchFamily="34" charset="0"/>
+              </a:rPr>
+              <a:t>stage</a:t>
+            </a:r>
+            <a:r>
+              <a:rPr lang="de-DE" sz="1000" dirty="0">
+                <a:latin typeface="Arial" panose="020B0604020202020204" pitchFamily="34" charset="0"/>
+                <a:cs typeface="Arial" panose="020B0604020202020204" pitchFamily="34" charset="0"/>
+              </a:rPr>
+              <a:t> III.      )</a:t>
+            </a:r>
+          </a:p>
+        </p:txBody>
+      </p:sp>
+      <p:grpSp>
+        <p:nvGrpSpPr>
+          <p:cNvPr id="17" name="Gruppieren 16">
+            <a:extLst>
+              <a:ext uri="{FF2B5EF4-FFF2-40B4-BE49-F238E27FC236}">
+                <a16:creationId xmlns:a16="http://schemas.microsoft.com/office/drawing/2014/main" id="{55DF27C2-E550-F946-AC54-4AF23A3E55D0}"/>
+              </a:ext>
+            </a:extLst>
+          </p:cNvPr>
+          <p:cNvGrpSpPr/>
+          <p:nvPr/>
+        </p:nvGrpSpPr>
+        <p:grpSpPr>
+          <a:xfrm>
+            <a:off x="183505" y="2370193"/>
+            <a:ext cx="5378725" cy="4154984"/>
+            <a:chOff x="183505" y="2370193"/>
+            <a:chExt cx="5378725" cy="4154984"/>
+          </a:xfrm>
+        </p:grpSpPr>
+        <p:sp>
+          <p:nvSpPr>
+            <p:cNvPr id="2" name="Textfeld 1">
+              <a:extLst>
+                <a:ext uri="{FF2B5EF4-FFF2-40B4-BE49-F238E27FC236}">
+                  <a16:creationId xmlns:a16="http://schemas.microsoft.com/office/drawing/2014/main" id="{01F2DA58-5FBD-954F-85D4-A1E769E479C1}"/>
+                </a:ext>
+              </a:extLst>
+            </p:cNvPr>
+            <p:cNvSpPr txBox="1"/>
+            <p:nvPr/>
+          </p:nvSpPr>
+          <p:spPr>
+            <a:xfrm>
+              <a:off x="183505" y="2370193"/>
+              <a:ext cx="2734506" cy="4154984"/>
+            </a:xfrm>
+            <a:prstGeom prst="rect">
+              <a:avLst/>
+            </a:prstGeom>
+            <a:noFill/>
+          </p:spPr>
+          <p:txBody>
+            <a:bodyPr wrap="square" rtlCol="0">
+              <a:spAutoFit/>
+            </a:bodyPr>
+            <a:lstStyle/>
+            <a:p>
+              <a:r>
+                <a:rPr lang="de-DE" sz="1400" b="1" dirty="0" err="1">
+                  <a:latin typeface="Arial" panose="020B0604020202020204" pitchFamily="34" charset="0"/>
+                  <a:cs typeface="Arial" panose="020B0604020202020204" pitchFamily="34" charset="0"/>
+                </a:rPr>
+                <a:t>Methods</a:t>
+              </a:r>
+              <a:endParaRPr lang="de-DE" sz="1400" b="1" dirty="0">
+                <a:latin typeface="Arial" panose="020B0604020202020204" pitchFamily="34" charset="0"/>
+                <a:cs typeface="Arial" panose="020B0604020202020204" pitchFamily="34" charset="0"/>
+              </a:endParaRPr>
+            </a:p>
+            <a:p>
+              <a:r>
+                <a:rPr lang="de-DE" sz="1000" dirty="0" err="1">
+                  <a:latin typeface="Arial" panose="020B0604020202020204" pitchFamily="34" charset="0"/>
+                  <a:cs typeface="Arial" panose="020B0604020202020204" pitchFamily="34" charset="0"/>
+                </a:rPr>
+                <a:t>For</a:t>
+              </a:r>
+              <a:r>
+                <a:rPr lang="de-DE" sz="1000" dirty="0">
+                  <a:latin typeface="Arial" panose="020B0604020202020204" pitchFamily="34" charset="0"/>
+                  <a:cs typeface="Arial" panose="020B0604020202020204" pitchFamily="34" charset="0"/>
+                </a:rPr>
+                <a:t> </a:t>
+              </a:r>
+              <a:r>
+                <a:rPr lang="de-DE" sz="1000" dirty="0" err="1">
+                  <a:latin typeface="Arial" panose="020B0604020202020204" pitchFamily="34" charset="0"/>
+                  <a:cs typeface="Arial" panose="020B0604020202020204" pitchFamily="34" charset="0"/>
+                </a:rPr>
+                <a:t>the</a:t>
+              </a:r>
+              <a:r>
+                <a:rPr lang="de-DE" sz="1000" dirty="0">
+                  <a:latin typeface="Arial" panose="020B0604020202020204" pitchFamily="34" charset="0"/>
+                  <a:cs typeface="Arial" panose="020B0604020202020204" pitchFamily="34" charset="0"/>
+                </a:rPr>
+                <a:t> </a:t>
+              </a:r>
+              <a:r>
+                <a:rPr lang="de-DE" sz="1000" dirty="0" err="1">
+                  <a:latin typeface="Arial" panose="020B0604020202020204" pitchFamily="34" charset="0"/>
+                  <a:cs typeface="Arial" panose="020B0604020202020204" pitchFamily="34" charset="0"/>
+                </a:rPr>
+                <a:t>analysis</a:t>
+              </a:r>
+              <a:r>
+                <a:rPr lang="de-DE" sz="1000" dirty="0">
+                  <a:latin typeface="Arial" panose="020B0604020202020204" pitchFamily="34" charset="0"/>
+                  <a:cs typeface="Arial" panose="020B0604020202020204" pitchFamily="34" charset="0"/>
+                </a:rPr>
+                <a:t>, </a:t>
+              </a:r>
+              <a:r>
+                <a:rPr lang="de-DE" sz="1000" dirty="0" err="1">
+                  <a:latin typeface="Arial" panose="020B0604020202020204" pitchFamily="34" charset="0"/>
+                  <a:cs typeface="Arial" panose="020B0604020202020204" pitchFamily="34" charset="0"/>
+                </a:rPr>
+                <a:t>we</a:t>
+              </a:r>
+              <a:r>
+                <a:rPr lang="de-DE" sz="1000" dirty="0">
+                  <a:latin typeface="Arial" panose="020B0604020202020204" pitchFamily="34" charset="0"/>
+                  <a:cs typeface="Arial" panose="020B0604020202020204" pitchFamily="34" charset="0"/>
+                </a:rPr>
+                <a:t> </a:t>
+              </a:r>
+              <a:r>
+                <a:rPr lang="de-DE" sz="1000" dirty="0" err="1">
+                  <a:latin typeface="Arial" panose="020B0604020202020204" pitchFamily="34" charset="0"/>
+                  <a:cs typeface="Arial" panose="020B0604020202020204" pitchFamily="34" charset="0"/>
+                </a:rPr>
+                <a:t>worked</a:t>
+              </a:r>
+              <a:r>
+                <a:rPr lang="de-DE" sz="1000" dirty="0">
+                  <a:latin typeface="Arial" panose="020B0604020202020204" pitchFamily="34" charset="0"/>
+                  <a:cs typeface="Arial" panose="020B0604020202020204" pitchFamily="34" charset="0"/>
+                </a:rPr>
+                <a:t> </a:t>
+              </a:r>
+              <a:r>
+                <a:rPr lang="de-DE" sz="1000" dirty="0" err="1">
+                  <a:latin typeface="Arial" panose="020B0604020202020204" pitchFamily="34" charset="0"/>
+                  <a:cs typeface="Arial" panose="020B0604020202020204" pitchFamily="34" charset="0"/>
+                </a:rPr>
+                <a:t>with</a:t>
+              </a:r>
+              <a:r>
+                <a:rPr lang="de-DE" sz="1000" dirty="0">
+                  <a:latin typeface="Arial" panose="020B0604020202020204" pitchFamily="34" charset="0"/>
+                  <a:cs typeface="Arial" panose="020B0604020202020204" pitchFamily="34" charset="0"/>
+                </a:rPr>
+                <a:t> 2 </a:t>
+              </a:r>
+              <a:r>
+                <a:rPr lang="de-DE" sz="1000" dirty="0" err="1">
+                  <a:latin typeface="Arial" panose="020B0604020202020204" pitchFamily="34" charset="0"/>
+                  <a:cs typeface="Arial" panose="020B0604020202020204" pitchFamily="34" charset="0"/>
+                </a:rPr>
+                <a:t>datasets</a:t>
+              </a:r>
+              <a:r>
+                <a:rPr lang="de-DE" sz="1000" dirty="0">
+                  <a:latin typeface="Arial" panose="020B0604020202020204" pitchFamily="34" charset="0"/>
+                  <a:cs typeface="Arial" panose="020B0604020202020204" pitchFamily="34" charset="0"/>
+                </a:rPr>
+                <a:t>.</a:t>
+              </a:r>
+            </a:p>
+            <a:p>
+              <a:r>
+                <a:rPr lang="de-DE" sz="1000" dirty="0">
+                  <a:latin typeface="Arial" panose="020B0604020202020204" pitchFamily="34" charset="0"/>
+                  <a:cs typeface="Arial" panose="020B0604020202020204" pitchFamily="34" charset="0"/>
+                </a:rPr>
+                <a:t>The TCGA </a:t>
+              </a:r>
+              <a:r>
+                <a:rPr lang="de-DE" sz="1000" dirty="0" err="1">
+                  <a:latin typeface="Arial" panose="020B0604020202020204" pitchFamily="34" charset="0"/>
+                  <a:cs typeface="Arial" panose="020B0604020202020204" pitchFamily="34" charset="0"/>
+                </a:rPr>
+                <a:t>dataset</a:t>
+              </a:r>
+              <a:r>
+                <a:rPr lang="de-DE" sz="1000" dirty="0">
+                  <a:latin typeface="Arial" panose="020B0604020202020204" pitchFamily="34" charset="0"/>
+                  <a:cs typeface="Arial" panose="020B0604020202020204" pitchFamily="34" charset="0"/>
+                </a:rPr>
+                <a:t> </a:t>
+              </a:r>
+              <a:r>
+                <a:rPr lang="de-DE" sz="1000" dirty="0" err="1">
+                  <a:latin typeface="Arial" panose="020B0604020202020204" pitchFamily="34" charset="0"/>
+                  <a:cs typeface="Arial" panose="020B0604020202020204" pitchFamily="34" charset="0"/>
+                </a:rPr>
+                <a:t>consists</a:t>
+              </a:r>
+              <a:r>
+                <a:rPr lang="de-DE" sz="1000" dirty="0">
+                  <a:latin typeface="Arial" panose="020B0604020202020204" pitchFamily="34" charset="0"/>
+                  <a:cs typeface="Arial" panose="020B0604020202020204" pitchFamily="34" charset="0"/>
+                </a:rPr>
+                <a:t> </a:t>
+              </a:r>
+              <a:r>
+                <a:rPr lang="de-DE" sz="1000" dirty="0" err="1">
+                  <a:latin typeface="Arial" panose="020B0604020202020204" pitchFamily="34" charset="0"/>
+                  <a:cs typeface="Arial" panose="020B0604020202020204" pitchFamily="34" charset="0"/>
+                </a:rPr>
+                <a:t>of</a:t>
+              </a:r>
+              <a:r>
+                <a:rPr lang="de-DE" sz="1000" dirty="0">
+                  <a:latin typeface="Arial" panose="020B0604020202020204" pitchFamily="34" charset="0"/>
+                  <a:cs typeface="Arial" panose="020B0604020202020204" pitchFamily="34" charset="0"/>
+                </a:rPr>
+                <a:t> </a:t>
+              </a:r>
+              <a:r>
+                <a:rPr lang="de-DE" sz="1000" dirty="0" err="1">
+                  <a:latin typeface="Arial" panose="020B0604020202020204" pitchFamily="34" charset="0"/>
+                  <a:cs typeface="Arial" panose="020B0604020202020204" pitchFamily="34" charset="0"/>
+                </a:rPr>
+                <a:t>publicly</a:t>
+              </a:r>
+              <a:r>
+                <a:rPr lang="de-DE" sz="1000" dirty="0">
+                  <a:latin typeface="Arial" panose="020B0604020202020204" pitchFamily="34" charset="0"/>
+                  <a:cs typeface="Arial" panose="020B0604020202020204" pitchFamily="34" charset="0"/>
+                </a:rPr>
+                <a:t> </a:t>
+              </a:r>
+              <a:r>
+                <a:rPr lang="de-DE" sz="1000" dirty="0" err="1">
+                  <a:latin typeface="Arial" panose="020B0604020202020204" pitchFamily="34" charset="0"/>
+                  <a:cs typeface="Arial" panose="020B0604020202020204" pitchFamily="34" charset="0"/>
+                </a:rPr>
+                <a:t>available</a:t>
+              </a:r>
+              <a:r>
+                <a:rPr lang="de-DE" sz="1000" dirty="0">
+                  <a:latin typeface="Arial" panose="020B0604020202020204" pitchFamily="34" charset="0"/>
+                  <a:cs typeface="Arial" panose="020B0604020202020204" pitchFamily="34" charset="0"/>
+                </a:rPr>
+                <a:t> </a:t>
+              </a:r>
+              <a:r>
+                <a:rPr lang="de-DE" sz="1000" dirty="0" err="1">
+                  <a:latin typeface="Arial" panose="020B0604020202020204" pitchFamily="34" charset="0"/>
+                  <a:cs typeface="Arial" panose="020B0604020202020204" pitchFamily="34" charset="0"/>
+                </a:rPr>
+                <a:t>clinical</a:t>
+              </a:r>
+              <a:r>
+                <a:rPr lang="de-DE" sz="1000" dirty="0">
+                  <a:latin typeface="Arial" panose="020B0604020202020204" pitchFamily="34" charset="0"/>
+                  <a:cs typeface="Arial" panose="020B0604020202020204" pitchFamily="34" charset="0"/>
+                </a:rPr>
+                <a:t>, </a:t>
+              </a:r>
+              <a:r>
+                <a:rPr lang="de-DE" sz="1000" dirty="0" err="1">
+                  <a:latin typeface="Arial" panose="020B0604020202020204" pitchFamily="34" charset="0"/>
+                  <a:cs typeface="Arial" panose="020B0604020202020204" pitchFamily="34" charset="0"/>
+                </a:rPr>
+                <a:t>pathological</a:t>
+              </a:r>
+              <a:r>
+                <a:rPr lang="de-DE" sz="1000" dirty="0">
+                  <a:latin typeface="Arial" panose="020B0604020202020204" pitchFamily="34" charset="0"/>
+                  <a:cs typeface="Arial" panose="020B0604020202020204" pitchFamily="34" charset="0"/>
+                </a:rPr>
+                <a:t> </a:t>
+              </a:r>
+              <a:r>
+                <a:rPr lang="de-DE" sz="1000" dirty="0" err="1">
+                  <a:latin typeface="Arial" panose="020B0604020202020204" pitchFamily="34" charset="0"/>
+                  <a:cs typeface="Arial" panose="020B0604020202020204" pitchFamily="34" charset="0"/>
+                </a:rPr>
+                <a:t>and</a:t>
+              </a:r>
+              <a:r>
+                <a:rPr lang="de-DE" sz="1000" dirty="0">
+                  <a:latin typeface="Arial" panose="020B0604020202020204" pitchFamily="34" charset="0"/>
+                  <a:cs typeface="Arial" panose="020B0604020202020204" pitchFamily="34" charset="0"/>
+                </a:rPr>
+                <a:t> </a:t>
+              </a:r>
+              <a:r>
+                <a:rPr lang="de-DE" sz="1000" dirty="0" err="1">
+                  <a:latin typeface="Arial" panose="020B0604020202020204" pitchFamily="34" charset="0"/>
+                  <a:cs typeface="Arial" panose="020B0604020202020204" pitchFamily="34" charset="0"/>
+                </a:rPr>
+                <a:t>molecular</a:t>
+              </a:r>
+              <a:r>
+                <a:rPr lang="de-DE" sz="1000" dirty="0">
+                  <a:latin typeface="Arial" panose="020B0604020202020204" pitchFamily="34" charset="0"/>
+                  <a:cs typeface="Arial" panose="020B0604020202020204" pitchFamily="34" charset="0"/>
+                </a:rPr>
+                <a:t> </a:t>
+              </a:r>
+              <a:r>
+                <a:rPr lang="de-DE" sz="1000" dirty="0" err="1">
+                  <a:latin typeface="Arial" panose="020B0604020202020204" pitchFamily="34" charset="0"/>
+                  <a:cs typeface="Arial" panose="020B0604020202020204" pitchFamily="34" charset="0"/>
+                </a:rPr>
+                <a:t>data</a:t>
+              </a:r>
+              <a:r>
+                <a:rPr lang="de-DE" sz="1000" dirty="0">
+                  <a:latin typeface="Arial" panose="020B0604020202020204" pitchFamily="34" charset="0"/>
+                  <a:cs typeface="Arial" panose="020B0604020202020204" pitchFamily="34" charset="0"/>
+                </a:rPr>
+                <a:t> on </a:t>
+              </a:r>
+              <a:r>
+                <a:rPr lang="de-DE" sz="1000" dirty="0" err="1">
+                  <a:latin typeface="Arial" panose="020B0604020202020204" pitchFamily="34" charset="0"/>
+                  <a:cs typeface="Arial" panose="020B0604020202020204" pitchFamily="34" charset="0"/>
+                </a:rPr>
+                <a:t>patients</a:t>
+              </a:r>
+              <a:r>
+                <a:rPr lang="de-DE" sz="1000" dirty="0">
+                  <a:latin typeface="Arial" panose="020B0604020202020204" pitchFamily="34" charset="0"/>
+                  <a:cs typeface="Arial" panose="020B0604020202020204" pitchFamily="34" charset="0"/>
+                </a:rPr>
+                <a:t> </a:t>
+              </a:r>
+              <a:r>
+                <a:rPr lang="de-DE" sz="1000" dirty="0" err="1">
+                  <a:latin typeface="Arial" panose="020B0604020202020204" pitchFamily="34" charset="0"/>
+                  <a:cs typeface="Arial" panose="020B0604020202020204" pitchFamily="34" charset="0"/>
+                </a:rPr>
+                <a:t>suffering</a:t>
+              </a:r>
+              <a:r>
+                <a:rPr lang="de-DE" sz="1000" dirty="0">
+                  <a:latin typeface="Arial" panose="020B0604020202020204" pitchFamily="34" charset="0"/>
+                  <a:cs typeface="Arial" panose="020B0604020202020204" pitchFamily="34" charset="0"/>
+                </a:rPr>
+                <a:t> </a:t>
+              </a:r>
+              <a:r>
+                <a:rPr lang="de-DE" sz="1000" dirty="0" err="1">
+                  <a:latin typeface="Arial" panose="020B0604020202020204" pitchFamily="34" charset="0"/>
+                  <a:cs typeface="Arial" panose="020B0604020202020204" pitchFamily="34" charset="0"/>
+                </a:rPr>
+                <a:t>from</a:t>
+              </a:r>
+              <a:r>
+                <a:rPr lang="de-DE" sz="1000" dirty="0">
+                  <a:latin typeface="Arial" panose="020B0604020202020204" pitchFamily="34" charset="0"/>
+                  <a:cs typeface="Arial" panose="020B0604020202020204" pitchFamily="34" charset="0"/>
+                </a:rPr>
+                <a:t> </a:t>
+              </a:r>
+              <a:r>
+                <a:rPr lang="de-DE" sz="1000" dirty="0" err="1">
+                  <a:latin typeface="Arial" panose="020B0604020202020204" pitchFamily="34" charset="0"/>
+                  <a:cs typeface="Arial" panose="020B0604020202020204" pitchFamily="34" charset="0"/>
+                </a:rPr>
+                <a:t>malignant</a:t>
+              </a:r>
+              <a:r>
+                <a:rPr lang="de-DE" sz="1000" dirty="0">
+                  <a:latin typeface="Arial" panose="020B0604020202020204" pitchFamily="34" charset="0"/>
+                  <a:cs typeface="Arial" panose="020B0604020202020204" pitchFamily="34" charset="0"/>
+                </a:rPr>
+                <a:t> </a:t>
+              </a:r>
+              <a:r>
+                <a:rPr lang="de-DE" sz="1000" dirty="0" err="1">
+                  <a:latin typeface="Arial" panose="020B0604020202020204" pitchFamily="34" charset="0"/>
+                  <a:cs typeface="Arial" panose="020B0604020202020204" pitchFamily="34" charset="0"/>
+                </a:rPr>
+                <a:t>tumors</a:t>
+              </a:r>
+              <a:r>
+                <a:rPr lang="de-DE" sz="1000" dirty="0">
+                  <a:latin typeface="Arial" panose="020B0604020202020204" pitchFamily="34" charset="0"/>
+                  <a:cs typeface="Arial" panose="020B0604020202020204" pitchFamily="34" charset="0"/>
+                </a:rPr>
+                <a:t>. </a:t>
+              </a:r>
+              <a:r>
+                <a:rPr lang="de-DE" sz="1000" dirty="0" err="1">
+                  <a:latin typeface="Arial" panose="020B0604020202020204" pitchFamily="34" charset="0"/>
+                  <a:cs typeface="Arial" panose="020B0604020202020204" pitchFamily="34" charset="0"/>
+                </a:rPr>
+                <a:t>We</a:t>
+              </a:r>
+              <a:r>
+                <a:rPr lang="de-DE" sz="1000" dirty="0">
+                  <a:latin typeface="Arial" panose="020B0604020202020204" pitchFamily="34" charset="0"/>
+                  <a:cs typeface="Arial" panose="020B0604020202020204" pitchFamily="34" charset="0"/>
+                </a:rPr>
+                <a:t> </a:t>
+              </a:r>
+              <a:r>
+                <a:rPr lang="de-DE" sz="1000" dirty="0" err="1">
+                  <a:latin typeface="Arial" panose="020B0604020202020204" pitchFamily="34" charset="0"/>
+                  <a:cs typeface="Arial" panose="020B0604020202020204" pitchFamily="34" charset="0"/>
+                </a:rPr>
+                <a:t>concentrated</a:t>
+              </a:r>
+              <a:r>
+                <a:rPr lang="de-DE" sz="1000" dirty="0">
+                  <a:latin typeface="Arial" panose="020B0604020202020204" pitchFamily="34" charset="0"/>
+                  <a:cs typeface="Arial" panose="020B0604020202020204" pitchFamily="34" charset="0"/>
+                </a:rPr>
+                <a:t> on </a:t>
+              </a:r>
+              <a:r>
+                <a:rPr lang="de-DE" sz="1000" dirty="0" err="1">
+                  <a:latin typeface="Arial" panose="020B0604020202020204" pitchFamily="34" charset="0"/>
+                  <a:cs typeface="Arial" panose="020B0604020202020204" pitchFamily="34" charset="0"/>
+                </a:rPr>
+                <a:t>patients</a:t>
+              </a:r>
+              <a:r>
+                <a:rPr lang="de-DE" sz="1000" dirty="0">
+                  <a:latin typeface="Arial" panose="020B0604020202020204" pitchFamily="34" charset="0"/>
+                  <a:cs typeface="Arial" panose="020B0604020202020204" pitchFamily="34" charset="0"/>
+                </a:rPr>
+                <a:t> </a:t>
+              </a:r>
+              <a:r>
+                <a:rPr lang="de-DE" sz="1000" dirty="0" err="1">
+                  <a:latin typeface="Arial" panose="020B0604020202020204" pitchFamily="34" charset="0"/>
+                  <a:cs typeface="Arial" panose="020B0604020202020204" pitchFamily="34" charset="0"/>
+                </a:rPr>
+                <a:t>with</a:t>
+              </a:r>
+              <a:r>
+                <a:rPr lang="de-DE" sz="1000" dirty="0">
+                  <a:latin typeface="Arial" panose="020B0604020202020204" pitchFamily="34" charset="0"/>
+                  <a:cs typeface="Arial" panose="020B0604020202020204" pitchFamily="34" charset="0"/>
+                </a:rPr>
+                <a:t> </a:t>
+              </a:r>
+              <a:r>
+                <a:rPr lang="de-DE" sz="1000" dirty="0" err="1">
+                  <a:latin typeface="Arial" panose="020B0604020202020204" pitchFamily="34" charset="0"/>
+                  <a:cs typeface="Arial" panose="020B0604020202020204" pitchFamily="34" charset="0"/>
+                </a:rPr>
+                <a:t>lung</a:t>
+              </a:r>
+              <a:r>
+                <a:rPr lang="de-DE" sz="1000" dirty="0">
+                  <a:latin typeface="Arial" panose="020B0604020202020204" pitchFamily="34" charset="0"/>
+                  <a:cs typeface="Arial" panose="020B0604020202020204" pitchFamily="34" charset="0"/>
+                </a:rPr>
+                <a:t> </a:t>
+              </a:r>
+              <a:r>
+                <a:rPr lang="de-DE" sz="1000" dirty="0" err="1">
+                  <a:latin typeface="Arial" panose="020B0604020202020204" pitchFamily="34" charset="0"/>
+                  <a:cs typeface="Arial" panose="020B0604020202020204" pitchFamily="34" charset="0"/>
+                </a:rPr>
+                <a:t>cancer</a:t>
+              </a:r>
+              <a:r>
+                <a:rPr lang="de-DE" sz="1000" dirty="0">
+                  <a:latin typeface="Arial" panose="020B0604020202020204" pitchFamily="34" charset="0"/>
+                  <a:cs typeface="Arial" panose="020B0604020202020204" pitchFamily="34" charset="0"/>
+                </a:rPr>
+                <a:t> </a:t>
+              </a:r>
+              <a:r>
+                <a:rPr lang="de-DE" sz="1000" dirty="0" err="1">
+                  <a:latin typeface="Arial" panose="020B0604020202020204" pitchFamily="34" charset="0"/>
+                  <a:cs typeface="Arial" panose="020B0604020202020204" pitchFamily="34" charset="0"/>
+                </a:rPr>
+                <a:t>and</a:t>
+              </a:r>
+              <a:r>
+                <a:rPr lang="de-DE" sz="1000" dirty="0">
+                  <a:latin typeface="Arial" panose="020B0604020202020204" pitchFamily="34" charset="0"/>
+                  <a:cs typeface="Arial" panose="020B0604020202020204" pitchFamily="34" charset="0"/>
+                </a:rPr>
+                <a:t> </a:t>
+              </a:r>
+              <a:r>
+                <a:rPr lang="de-DE" sz="1000" dirty="0" err="1">
+                  <a:latin typeface="Arial" panose="020B0604020202020204" pitchFamily="34" charset="0"/>
+                  <a:cs typeface="Arial" panose="020B0604020202020204" pitchFamily="34" charset="0"/>
+                </a:rPr>
+                <a:t>specifically</a:t>
+              </a:r>
+              <a:r>
+                <a:rPr lang="de-DE" sz="1000" dirty="0">
+                  <a:latin typeface="Arial" panose="020B0604020202020204" pitchFamily="34" charset="0"/>
+                  <a:cs typeface="Arial" panose="020B0604020202020204" pitchFamily="34" charset="0"/>
+                </a:rPr>
+                <a:t> </a:t>
+              </a:r>
+              <a:r>
+                <a:rPr lang="de-DE" sz="1000" dirty="0" err="1">
+                  <a:latin typeface="Arial" panose="020B0604020202020204" pitchFamily="34" charset="0"/>
+                  <a:cs typeface="Arial" panose="020B0604020202020204" pitchFamily="34" charset="0"/>
+                </a:rPr>
+                <a:t>included</a:t>
+              </a:r>
+              <a:r>
+                <a:rPr lang="de-DE" sz="1000" dirty="0">
+                  <a:latin typeface="Arial" panose="020B0604020202020204" pitchFamily="34" charset="0"/>
+                  <a:cs typeface="Arial" panose="020B0604020202020204" pitchFamily="34" charset="0"/>
+                </a:rPr>
+                <a:t> </a:t>
+              </a:r>
+              <a:r>
+                <a:rPr lang="de-DE" sz="1000" dirty="0" err="1">
+                  <a:latin typeface="Arial" panose="020B0604020202020204" pitchFamily="34" charset="0"/>
+                  <a:cs typeface="Arial" panose="020B0604020202020204" pitchFamily="34" charset="0"/>
+                </a:rPr>
+                <a:t>only</a:t>
+              </a:r>
+              <a:r>
+                <a:rPr lang="de-DE" sz="1000" dirty="0">
+                  <a:latin typeface="Arial" panose="020B0604020202020204" pitchFamily="34" charset="0"/>
+                  <a:cs typeface="Arial" panose="020B0604020202020204" pitchFamily="34" charset="0"/>
+                </a:rPr>
+                <a:t> </a:t>
+              </a:r>
+              <a:r>
+                <a:rPr lang="de-DE" sz="1000" dirty="0" err="1">
+                  <a:latin typeface="Arial" panose="020B0604020202020204" pitchFamily="34" charset="0"/>
+                  <a:cs typeface="Arial" panose="020B0604020202020204" pitchFamily="34" charset="0"/>
+                </a:rPr>
+                <a:t>those</a:t>
+              </a:r>
+              <a:r>
+                <a:rPr lang="de-DE" sz="1000" dirty="0">
+                  <a:latin typeface="Arial" panose="020B0604020202020204" pitchFamily="34" charset="0"/>
+                  <a:cs typeface="Arial" panose="020B0604020202020204" pitchFamily="34" charset="0"/>
+                </a:rPr>
+                <a:t> </a:t>
+              </a:r>
+              <a:r>
+                <a:rPr lang="de-DE" sz="1000" dirty="0" err="1">
+                  <a:latin typeface="Arial" panose="020B0604020202020204" pitchFamily="34" charset="0"/>
+                  <a:cs typeface="Arial" panose="020B0604020202020204" pitchFamily="34" charset="0"/>
+                </a:rPr>
+                <a:t>with</a:t>
+              </a:r>
+              <a:r>
+                <a:rPr lang="de-DE" sz="1000" dirty="0">
+                  <a:latin typeface="Arial" panose="020B0604020202020204" pitchFamily="34" charset="0"/>
+                  <a:cs typeface="Arial" panose="020B0604020202020204" pitchFamily="34" charset="0"/>
+                </a:rPr>
+                <a:t> LUAD </a:t>
+              </a:r>
+              <a:r>
+                <a:rPr lang="de-DE" sz="1000" dirty="0" err="1">
+                  <a:latin typeface="Arial" panose="020B0604020202020204" pitchFamily="34" charset="0"/>
+                  <a:cs typeface="Arial" panose="020B0604020202020204" pitchFamily="34" charset="0"/>
+                </a:rPr>
+                <a:t>or</a:t>
+              </a:r>
+              <a:r>
+                <a:rPr lang="de-DE" sz="1000" dirty="0">
+                  <a:latin typeface="Arial" panose="020B0604020202020204" pitchFamily="34" charset="0"/>
+                  <a:cs typeface="Arial" panose="020B0604020202020204" pitchFamily="34" charset="0"/>
+                </a:rPr>
+                <a:t> LUSC. The </a:t>
+              </a:r>
+              <a:r>
+                <a:rPr lang="de-DE" sz="1000" dirty="0" err="1">
+                  <a:latin typeface="Arial" panose="020B0604020202020204" pitchFamily="34" charset="0"/>
+                  <a:cs typeface="Arial" panose="020B0604020202020204" pitchFamily="34" charset="0"/>
+                </a:rPr>
+                <a:t>data</a:t>
+              </a:r>
+              <a:r>
+                <a:rPr lang="de-DE" sz="1000" dirty="0">
+                  <a:latin typeface="Arial" panose="020B0604020202020204" pitchFamily="34" charset="0"/>
+                  <a:cs typeface="Arial" panose="020B0604020202020204" pitchFamily="34" charset="0"/>
+                </a:rPr>
+                <a:t> was </a:t>
+              </a:r>
+              <a:r>
+                <a:rPr lang="de-DE" sz="1000" dirty="0" err="1">
+                  <a:latin typeface="Arial" panose="020B0604020202020204" pitchFamily="34" charset="0"/>
+                  <a:cs typeface="Arial" panose="020B0604020202020204" pitchFamily="34" charset="0"/>
+                </a:rPr>
+                <a:t>gathered</a:t>
+              </a:r>
+              <a:r>
+                <a:rPr lang="de-DE" sz="1000" dirty="0">
+                  <a:latin typeface="Arial" panose="020B0604020202020204" pitchFamily="34" charset="0"/>
+                  <a:cs typeface="Arial" panose="020B0604020202020204" pitchFamily="34" charset="0"/>
+                </a:rPr>
+                <a:t> via </a:t>
+              </a:r>
+              <a:r>
+                <a:rPr lang="de-DE" sz="1000" i="1" dirty="0" err="1">
+                  <a:latin typeface="Arial" panose="020B0604020202020204" pitchFamily="34" charset="0"/>
+                  <a:cs typeface="Arial" panose="020B0604020202020204" pitchFamily="34" charset="0"/>
+                </a:rPr>
+                <a:t>python</a:t>
+              </a:r>
+              <a:r>
+                <a:rPr lang="de-DE" sz="1000" dirty="0">
+                  <a:latin typeface="Arial" panose="020B0604020202020204" pitchFamily="34" charset="0"/>
+                  <a:cs typeface="Arial" panose="020B0604020202020204" pitchFamily="34" charset="0"/>
+                </a:rPr>
+                <a:t> </a:t>
+              </a:r>
+              <a:r>
+                <a:rPr lang="de-DE" sz="1000" dirty="0" err="1">
+                  <a:latin typeface="Arial" panose="020B0604020202020204" pitchFamily="34" charset="0"/>
+                  <a:cs typeface="Arial" panose="020B0604020202020204" pitchFamily="34" charset="0"/>
+                </a:rPr>
+                <a:t>using</a:t>
+              </a:r>
+              <a:r>
+                <a:rPr lang="de-DE" sz="1000" dirty="0">
+                  <a:latin typeface="Arial" panose="020B0604020202020204" pitchFamily="34" charset="0"/>
+                  <a:cs typeface="Arial" panose="020B0604020202020204" pitchFamily="34" charset="0"/>
+                </a:rPr>
+                <a:t> a </a:t>
+              </a:r>
+              <a:r>
+                <a:rPr lang="de-DE" sz="1000" dirty="0" err="1">
+                  <a:latin typeface="Arial" panose="020B0604020202020204" pitchFamily="34" charset="0"/>
+                  <a:cs typeface="Arial" panose="020B0604020202020204" pitchFamily="34" charset="0"/>
+                </a:rPr>
+                <a:t>request</a:t>
+              </a:r>
+              <a:r>
+                <a:rPr lang="de-DE" sz="1000" dirty="0">
+                  <a:latin typeface="Arial" panose="020B0604020202020204" pitchFamily="34" charset="0"/>
+                  <a:cs typeface="Arial" panose="020B0604020202020204" pitchFamily="34" charset="0"/>
+                </a:rPr>
+                <a:t> </a:t>
+              </a:r>
+              <a:r>
+                <a:rPr lang="de-DE" sz="1000" dirty="0" err="1">
+                  <a:latin typeface="Arial" panose="020B0604020202020204" pitchFamily="34" charset="0"/>
+                  <a:cs typeface="Arial" panose="020B0604020202020204" pitchFamily="34" charset="0"/>
+                </a:rPr>
+                <a:t>script</a:t>
+              </a:r>
+              <a:r>
+                <a:rPr lang="de-DE" sz="1000" dirty="0">
+                  <a:latin typeface="Arial" panose="020B0604020202020204" pitchFamily="34" charset="0"/>
+                  <a:cs typeface="Arial" panose="020B0604020202020204" pitchFamily="34" charset="0"/>
+                </a:rPr>
+                <a:t>.</a:t>
+              </a:r>
+            </a:p>
+            <a:p>
+              <a:r>
+                <a:rPr lang="de-DE" sz="1000" dirty="0">
+                  <a:latin typeface="Arial" panose="020B0604020202020204" pitchFamily="34" charset="0"/>
+                  <a:cs typeface="Arial" panose="020B0604020202020204" pitchFamily="34" charset="0"/>
+                </a:rPr>
+                <a:t>The </a:t>
+              </a:r>
+              <a:r>
+                <a:rPr lang="de-DE" sz="1000" dirty="0" err="1">
+                  <a:latin typeface="Arial" panose="020B0604020202020204" pitchFamily="34" charset="0"/>
+                  <a:cs typeface="Arial" panose="020B0604020202020204" pitchFamily="34" charset="0"/>
+                </a:rPr>
+                <a:t>Bernese</a:t>
+              </a:r>
+              <a:r>
+                <a:rPr lang="de-DE" sz="1000" dirty="0">
+                  <a:latin typeface="Arial" panose="020B0604020202020204" pitchFamily="34" charset="0"/>
+                  <a:cs typeface="Arial" panose="020B0604020202020204" pitchFamily="34" charset="0"/>
+                </a:rPr>
+                <a:t> </a:t>
+              </a:r>
+              <a:r>
+                <a:rPr lang="de-DE" sz="1000" dirty="0" err="1">
+                  <a:latin typeface="Arial" panose="020B0604020202020204" pitchFamily="34" charset="0"/>
+                  <a:cs typeface="Arial" panose="020B0604020202020204" pitchFamily="34" charset="0"/>
+                </a:rPr>
+                <a:t>dataset</a:t>
+              </a:r>
+              <a:r>
+                <a:rPr lang="de-DE" sz="1000" dirty="0">
+                  <a:latin typeface="Arial" panose="020B0604020202020204" pitchFamily="34" charset="0"/>
+                  <a:cs typeface="Arial" panose="020B0604020202020204" pitchFamily="34" charset="0"/>
+                </a:rPr>
+                <a:t> </a:t>
+              </a:r>
+              <a:r>
+                <a:rPr lang="de-DE" sz="1000" dirty="0" err="1">
+                  <a:latin typeface="Arial" panose="020B0604020202020204" pitchFamily="34" charset="0"/>
+                  <a:cs typeface="Arial" panose="020B0604020202020204" pitchFamily="34" charset="0"/>
+                </a:rPr>
+                <a:t>consists</a:t>
+              </a:r>
+              <a:r>
+                <a:rPr lang="de-DE" sz="1000" dirty="0">
+                  <a:latin typeface="Arial" panose="020B0604020202020204" pitchFamily="34" charset="0"/>
+                  <a:cs typeface="Arial" panose="020B0604020202020204" pitchFamily="34" charset="0"/>
+                </a:rPr>
+                <a:t> </a:t>
+              </a:r>
+              <a:r>
+                <a:rPr lang="de-DE" sz="1000" dirty="0" err="1">
+                  <a:latin typeface="Arial" panose="020B0604020202020204" pitchFamily="34" charset="0"/>
+                  <a:cs typeface="Arial" panose="020B0604020202020204" pitchFamily="34" charset="0"/>
+                </a:rPr>
+                <a:t>of</a:t>
+              </a:r>
+              <a:r>
+                <a:rPr lang="de-DE" sz="1000" dirty="0">
+                  <a:latin typeface="Arial" panose="020B0604020202020204" pitchFamily="34" charset="0"/>
+                  <a:cs typeface="Arial" panose="020B0604020202020204" pitchFamily="34" charset="0"/>
+                </a:rPr>
+                <a:t> a </a:t>
+              </a:r>
+              <a:r>
+                <a:rPr lang="de-DE" sz="1000" dirty="0" err="1">
+                  <a:latin typeface="Arial" panose="020B0604020202020204" pitchFamily="34" charset="0"/>
+                  <a:cs typeface="Arial" panose="020B0604020202020204" pitchFamily="34" charset="0"/>
+                </a:rPr>
+                <a:t>study</a:t>
+              </a:r>
+              <a:r>
+                <a:rPr lang="de-DE" sz="1000" dirty="0">
+                  <a:latin typeface="Arial" panose="020B0604020202020204" pitchFamily="34" charset="0"/>
+                  <a:cs typeface="Arial" panose="020B0604020202020204" pitchFamily="34" charset="0"/>
+                </a:rPr>
+                <a:t> </a:t>
+              </a:r>
+              <a:r>
+                <a:rPr lang="de-DE" sz="1000" dirty="0" err="1">
+                  <a:latin typeface="Arial" panose="020B0604020202020204" pitchFamily="34" charset="0"/>
+                  <a:cs typeface="Arial" panose="020B0604020202020204" pitchFamily="34" charset="0"/>
+                </a:rPr>
+                <a:t>cohort</a:t>
+              </a:r>
+              <a:r>
+                <a:rPr lang="de-DE" sz="1000" dirty="0">
+                  <a:latin typeface="Arial" panose="020B0604020202020204" pitchFamily="34" charset="0"/>
+                  <a:cs typeface="Arial" panose="020B0604020202020204" pitchFamily="34" charset="0"/>
+                </a:rPr>
+                <a:t> </a:t>
+              </a:r>
+              <a:r>
+                <a:rPr lang="de-DE" sz="1000" dirty="0" err="1">
+                  <a:latin typeface="Arial" panose="020B0604020202020204" pitchFamily="34" charset="0"/>
+                  <a:cs typeface="Arial" panose="020B0604020202020204" pitchFamily="34" charset="0"/>
+                </a:rPr>
+                <a:t>of</a:t>
+              </a:r>
+              <a:r>
+                <a:rPr lang="de-DE" sz="1000" dirty="0">
+                  <a:latin typeface="Arial" panose="020B0604020202020204" pitchFamily="34" charset="0"/>
+                  <a:cs typeface="Arial" panose="020B0604020202020204" pitchFamily="34" charset="0"/>
+                </a:rPr>
+                <a:t> </a:t>
+              </a:r>
+              <a:r>
+                <a:rPr lang="de-DE" sz="1000" dirty="0" err="1">
+                  <a:latin typeface="Arial" panose="020B0604020202020204" pitchFamily="34" charset="0"/>
+                  <a:cs typeface="Arial" panose="020B0604020202020204" pitchFamily="34" charset="0"/>
+                </a:rPr>
+                <a:t>resected</a:t>
+              </a:r>
+              <a:r>
+                <a:rPr lang="de-DE" sz="1000" dirty="0">
+                  <a:latin typeface="Arial" panose="020B0604020202020204" pitchFamily="34" charset="0"/>
+                  <a:cs typeface="Arial" panose="020B0604020202020204" pitchFamily="34" charset="0"/>
+                </a:rPr>
+                <a:t> NSCLC after </a:t>
+              </a:r>
+              <a:r>
+                <a:rPr lang="de-DE" sz="1000" dirty="0" err="1">
+                  <a:latin typeface="Arial" panose="020B0604020202020204" pitchFamily="34" charset="0"/>
+                  <a:cs typeface="Arial" panose="020B0604020202020204" pitchFamily="34" charset="0"/>
+                </a:rPr>
+                <a:t>systemic</a:t>
+              </a:r>
+              <a:r>
+                <a:rPr lang="de-DE" sz="1000" dirty="0">
+                  <a:latin typeface="Arial" panose="020B0604020202020204" pitchFamily="34" charset="0"/>
+                  <a:cs typeface="Arial" panose="020B0604020202020204" pitchFamily="34" charset="0"/>
+                </a:rPr>
+                <a:t> </a:t>
+              </a:r>
+              <a:r>
+                <a:rPr lang="de-DE" sz="1000" dirty="0" err="1">
+                  <a:latin typeface="Arial" panose="020B0604020202020204" pitchFamily="34" charset="0"/>
+                  <a:cs typeface="Arial" panose="020B0604020202020204" pitchFamily="34" charset="0"/>
+                </a:rPr>
+                <a:t>therapy</a:t>
+              </a:r>
+              <a:r>
+                <a:rPr lang="de-DE" sz="1000" dirty="0">
+                  <a:latin typeface="Arial" panose="020B0604020202020204" pitchFamily="34" charset="0"/>
+                  <a:cs typeface="Arial" panose="020B0604020202020204" pitchFamily="34" charset="0"/>
+                </a:rPr>
+                <a:t> </a:t>
+              </a:r>
+              <a:r>
+                <a:rPr lang="de-DE" sz="1000" dirty="0" err="1">
+                  <a:latin typeface="Arial" panose="020B0604020202020204" pitchFamily="34" charset="0"/>
+                  <a:cs typeface="Arial" panose="020B0604020202020204" pitchFamily="34" charset="0"/>
+                </a:rPr>
+                <a:t>and</a:t>
+              </a:r>
+              <a:r>
+                <a:rPr lang="de-DE" sz="1000" dirty="0">
+                  <a:latin typeface="Arial" panose="020B0604020202020204" pitchFamily="34" charset="0"/>
+                  <a:cs typeface="Arial" panose="020B0604020202020204" pitchFamily="34" charset="0"/>
+                </a:rPr>
+                <a:t> a </a:t>
+              </a:r>
+              <a:r>
+                <a:rPr lang="de-DE" sz="1000" dirty="0" err="1">
+                  <a:latin typeface="Arial" panose="020B0604020202020204" pitchFamily="34" charset="0"/>
+                  <a:cs typeface="Arial" panose="020B0604020202020204" pitchFamily="34" charset="0"/>
+                </a:rPr>
+                <a:t>control</a:t>
+              </a:r>
+              <a:r>
+                <a:rPr lang="de-DE" sz="1000" dirty="0">
+                  <a:latin typeface="Arial" panose="020B0604020202020204" pitchFamily="34" charset="0"/>
+                  <a:cs typeface="Arial" panose="020B0604020202020204" pitchFamily="34" charset="0"/>
+                </a:rPr>
+                <a:t> </a:t>
+              </a:r>
+              <a:r>
+                <a:rPr lang="de-DE" sz="1000" dirty="0" err="1">
+                  <a:latin typeface="Arial" panose="020B0604020202020204" pitchFamily="34" charset="0"/>
+                  <a:cs typeface="Arial" panose="020B0604020202020204" pitchFamily="34" charset="0"/>
+                </a:rPr>
+                <a:t>cohort</a:t>
+              </a:r>
+              <a:r>
+                <a:rPr lang="de-DE" sz="1000" dirty="0">
+                  <a:latin typeface="Arial" panose="020B0604020202020204" pitchFamily="34" charset="0"/>
+                  <a:cs typeface="Arial" panose="020B0604020202020204" pitchFamily="34" charset="0"/>
+                </a:rPr>
+                <a:t> </a:t>
+              </a:r>
+              <a:r>
+                <a:rPr lang="de-DE" sz="1000" dirty="0" err="1">
+                  <a:latin typeface="Arial" panose="020B0604020202020204" pitchFamily="34" charset="0"/>
+                  <a:cs typeface="Arial" panose="020B0604020202020204" pitchFamily="34" charset="0"/>
+                </a:rPr>
+                <a:t>of</a:t>
+              </a:r>
+              <a:r>
+                <a:rPr lang="de-DE" sz="1000" dirty="0">
+                  <a:latin typeface="Arial" panose="020B0604020202020204" pitchFamily="34" charset="0"/>
+                  <a:cs typeface="Arial" panose="020B0604020202020204" pitchFamily="34" charset="0"/>
+                </a:rPr>
+                <a:t> </a:t>
+              </a:r>
+              <a:r>
+                <a:rPr lang="de-DE" sz="1000" dirty="0" err="1">
+                  <a:latin typeface="Arial" panose="020B0604020202020204" pitchFamily="34" charset="0"/>
+                  <a:cs typeface="Arial" panose="020B0604020202020204" pitchFamily="34" charset="0"/>
+                </a:rPr>
+                <a:t>primary</a:t>
+              </a:r>
+              <a:r>
+                <a:rPr lang="de-DE" sz="1000" dirty="0">
+                  <a:latin typeface="Arial" panose="020B0604020202020204" pitchFamily="34" charset="0"/>
+                  <a:cs typeface="Arial" panose="020B0604020202020204" pitchFamily="34" charset="0"/>
+                </a:rPr>
+                <a:t> </a:t>
+              </a:r>
+              <a:r>
+                <a:rPr lang="de-DE" sz="1000" dirty="0" err="1">
+                  <a:latin typeface="Arial" panose="020B0604020202020204" pitchFamily="34" charset="0"/>
+                  <a:cs typeface="Arial" panose="020B0604020202020204" pitchFamily="34" charset="0"/>
+                </a:rPr>
+                <a:t>resected</a:t>
+              </a:r>
+              <a:r>
+                <a:rPr lang="de-DE" sz="1000" dirty="0">
+                  <a:latin typeface="Arial" panose="020B0604020202020204" pitchFamily="34" charset="0"/>
+                  <a:cs typeface="Arial" panose="020B0604020202020204" pitchFamily="34" charset="0"/>
+                </a:rPr>
+                <a:t> </a:t>
+              </a:r>
+              <a:r>
+                <a:rPr lang="de-DE" sz="1000" dirty="0" err="1">
+                  <a:latin typeface="Arial" panose="020B0604020202020204" pitchFamily="34" charset="0"/>
+                  <a:cs typeface="Arial" panose="020B0604020202020204" pitchFamily="34" charset="0"/>
+                </a:rPr>
+                <a:t>matched</a:t>
+              </a:r>
+              <a:r>
+                <a:rPr lang="de-DE" sz="1000" dirty="0">
+                  <a:latin typeface="Arial" panose="020B0604020202020204" pitchFamily="34" charset="0"/>
+                  <a:cs typeface="Arial" panose="020B0604020202020204" pitchFamily="34" charset="0"/>
+                </a:rPr>
+                <a:t> LUAD </a:t>
+              </a:r>
+              <a:r>
+                <a:rPr lang="de-DE" sz="1000" dirty="0" err="1">
+                  <a:latin typeface="Arial" panose="020B0604020202020204" pitchFamily="34" charset="0"/>
+                  <a:cs typeface="Arial" panose="020B0604020202020204" pitchFamily="34" charset="0"/>
+                </a:rPr>
+                <a:t>and</a:t>
+              </a:r>
+              <a:r>
+                <a:rPr lang="de-DE" sz="1000" dirty="0">
+                  <a:latin typeface="Arial" panose="020B0604020202020204" pitchFamily="34" charset="0"/>
+                  <a:cs typeface="Arial" panose="020B0604020202020204" pitchFamily="34" charset="0"/>
+                </a:rPr>
+                <a:t> LUSC. </a:t>
+              </a:r>
+              <a:r>
+                <a:rPr lang="de-DE" sz="1000" dirty="0" err="1">
+                  <a:latin typeface="Arial" panose="020B0604020202020204" pitchFamily="34" charset="0"/>
+                  <a:cs typeface="Arial" panose="020B0604020202020204" pitchFamily="34" charset="0"/>
+                </a:rPr>
+                <a:t>Patients</a:t>
+              </a:r>
+              <a:r>
+                <a:rPr lang="de-DE" sz="1000" dirty="0">
+                  <a:latin typeface="Arial" panose="020B0604020202020204" pitchFamily="34" charset="0"/>
+                  <a:cs typeface="Arial" panose="020B0604020202020204" pitchFamily="34" charset="0"/>
+                </a:rPr>
+                <a:t> </a:t>
+              </a:r>
+              <a:r>
+                <a:rPr lang="de-DE" sz="1000" dirty="0" err="1">
+                  <a:latin typeface="Arial" panose="020B0604020202020204" pitchFamily="34" charset="0"/>
+                  <a:cs typeface="Arial" panose="020B0604020202020204" pitchFamily="34" charset="0"/>
+                </a:rPr>
+                <a:t>were</a:t>
+              </a:r>
+              <a:r>
+                <a:rPr lang="de-DE" sz="1000" dirty="0">
+                  <a:latin typeface="Arial" panose="020B0604020202020204" pitchFamily="34" charset="0"/>
+                  <a:cs typeface="Arial" panose="020B0604020202020204" pitchFamily="34" charset="0"/>
+                </a:rPr>
+                <a:t> </a:t>
+              </a:r>
+              <a:r>
+                <a:rPr lang="de-DE" sz="1000" dirty="0" err="1">
+                  <a:latin typeface="Arial" panose="020B0604020202020204" pitchFamily="34" charset="0"/>
+                  <a:cs typeface="Arial" panose="020B0604020202020204" pitchFamily="34" charset="0"/>
+                </a:rPr>
+                <a:t>resected</a:t>
+              </a:r>
+              <a:r>
+                <a:rPr lang="de-DE" sz="1000" dirty="0">
+                  <a:latin typeface="Arial" panose="020B0604020202020204" pitchFamily="34" charset="0"/>
+                  <a:cs typeface="Arial" panose="020B0604020202020204" pitchFamily="34" charset="0"/>
+                </a:rPr>
+                <a:t> </a:t>
+              </a:r>
+              <a:r>
+                <a:rPr lang="de-DE" sz="1000" dirty="0" err="1">
+                  <a:latin typeface="Arial" panose="020B0604020202020204" pitchFamily="34" charset="0"/>
+                  <a:cs typeface="Arial" panose="020B0604020202020204" pitchFamily="34" charset="0"/>
+                </a:rPr>
+                <a:t>between</a:t>
+              </a:r>
+              <a:r>
+                <a:rPr lang="de-DE" sz="1000" dirty="0">
+                  <a:latin typeface="Arial" panose="020B0604020202020204" pitchFamily="34" charset="0"/>
+                  <a:cs typeface="Arial" panose="020B0604020202020204" pitchFamily="34" charset="0"/>
+                </a:rPr>
+                <a:t> 2000 </a:t>
+              </a:r>
+              <a:r>
+                <a:rPr lang="de-DE" sz="1000" dirty="0" err="1">
+                  <a:latin typeface="Arial" panose="020B0604020202020204" pitchFamily="34" charset="0"/>
+                  <a:cs typeface="Arial" panose="020B0604020202020204" pitchFamily="34" charset="0"/>
+                </a:rPr>
+                <a:t>and</a:t>
+              </a:r>
+              <a:r>
+                <a:rPr lang="de-DE" sz="1000" dirty="0">
+                  <a:latin typeface="Arial" panose="020B0604020202020204" pitchFamily="34" charset="0"/>
+                  <a:cs typeface="Arial" panose="020B0604020202020204" pitchFamily="34" charset="0"/>
+                </a:rPr>
+                <a:t> 2016 at </a:t>
+              </a:r>
+              <a:r>
+                <a:rPr lang="de-DE" sz="1000" dirty="0" err="1">
+                  <a:latin typeface="Arial" panose="020B0604020202020204" pitchFamily="34" charset="0"/>
+                  <a:cs typeface="Arial" panose="020B0604020202020204" pitchFamily="34" charset="0"/>
+                </a:rPr>
+                <a:t>the</a:t>
+              </a:r>
+              <a:r>
+                <a:rPr lang="de-DE" sz="1000" dirty="0">
+                  <a:latin typeface="Arial" panose="020B0604020202020204" pitchFamily="34" charset="0"/>
+                  <a:cs typeface="Arial" panose="020B0604020202020204" pitchFamily="34" charset="0"/>
+                </a:rPr>
+                <a:t> Inselspital Bern </a:t>
+              </a:r>
+              <a:r>
+                <a:rPr lang="de-DE" sz="1000" dirty="0" err="1">
+                  <a:latin typeface="Arial" panose="020B0604020202020204" pitchFamily="34" charset="0"/>
+                  <a:cs typeface="Arial" panose="020B0604020202020204" pitchFamily="34" charset="0"/>
+                </a:rPr>
+                <a:t>were</a:t>
+              </a:r>
+              <a:r>
+                <a:rPr lang="de-DE" sz="1000" dirty="0">
+                  <a:latin typeface="Arial" panose="020B0604020202020204" pitchFamily="34" charset="0"/>
+                  <a:cs typeface="Arial" panose="020B0604020202020204" pitchFamily="34" charset="0"/>
+                </a:rPr>
+                <a:t> </a:t>
+              </a:r>
+              <a:r>
+                <a:rPr lang="de-DE" sz="1000" dirty="0" err="1">
+                  <a:latin typeface="Arial" panose="020B0604020202020204" pitchFamily="34" charset="0"/>
+                  <a:cs typeface="Arial" panose="020B0604020202020204" pitchFamily="34" charset="0"/>
+                </a:rPr>
+                <a:t>included</a:t>
+              </a:r>
+              <a:r>
+                <a:rPr lang="de-DE" sz="1000" dirty="0">
+                  <a:latin typeface="Arial" panose="020B0604020202020204" pitchFamily="34" charset="0"/>
+                  <a:cs typeface="Arial" panose="020B0604020202020204" pitchFamily="34" charset="0"/>
+                </a:rPr>
+                <a:t>. Extensive </a:t>
+              </a:r>
+              <a:r>
+                <a:rPr lang="de-DE" sz="1000" dirty="0" err="1">
+                  <a:latin typeface="Arial" panose="020B0604020202020204" pitchFamily="34" charset="0"/>
+                  <a:cs typeface="Arial" panose="020B0604020202020204" pitchFamily="34" charset="0"/>
+                </a:rPr>
+                <a:t>clinical</a:t>
+              </a:r>
+              <a:r>
+                <a:rPr lang="de-DE" sz="1000" dirty="0">
+                  <a:latin typeface="Arial" panose="020B0604020202020204" pitchFamily="34" charset="0"/>
+                  <a:cs typeface="Arial" panose="020B0604020202020204" pitchFamily="34" charset="0"/>
+                </a:rPr>
+                <a:t>, </a:t>
+              </a:r>
+              <a:r>
+                <a:rPr lang="de-DE" sz="1000" dirty="0" err="1">
+                  <a:latin typeface="Arial" panose="020B0604020202020204" pitchFamily="34" charset="0"/>
+                  <a:cs typeface="Arial" panose="020B0604020202020204" pitchFamily="34" charset="0"/>
+                </a:rPr>
+                <a:t>pathological</a:t>
+              </a:r>
+              <a:r>
+                <a:rPr lang="de-DE" sz="1000" dirty="0">
+                  <a:latin typeface="Arial" panose="020B0604020202020204" pitchFamily="34" charset="0"/>
+                  <a:cs typeface="Arial" panose="020B0604020202020204" pitchFamily="34" charset="0"/>
+                </a:rPr>
+                <a:t> </a:t>
+              </a:r>
+              <a:r>
+                <a:rPr lang="de-DE" sz="1000" dirty="0" err="1">
+                  <a:latin typeface="Arial" panose="020B0604020202020204" pitchFamily="34" charset="0"/>
+                  <a:cs typeface="Arial" panose="020B0604020202020204" pitchFamily="34" charset="0"/>
+                </a:rPr>
+                <a:t>and</a:t>
+              </a:r>
+              <a:r>
+                <a:rPr lang="de-DE" sz="1000" dirty="0">
+                  <a:latin typeface="Arial" panose="020B0604020202020204" pitchFamily="34" charset="0"/>
+                  <a:cs typeface="Arial" panose="020B0604020202020204" pitchFamily="34" charset="0"/>
+                </a:rPr>
+                <a:t> follow-</a:t>
+              </a:r>
+              <a:r>
+                <a:rPr lang="de-DE" sz="1000" dirty="0" err="1">
+                  <a:latin typeface="Arial" panose="020B0604020202020204" pitchFamily="34" charset="0"/>
+                  <a:cs typeface="Arial" panose="020B0604020202020204" pitchFamily="34" charset="0"/>
+                </a:rPr>
+                <a:t>up</a:t>
+              </a:r>
+              <a:r>
+                <a:rPr lang="de-DE" sz="1000" dirty="0">
+                  <a:latin typeface="Arial" panose="020B0604020202020204" pitchFamily="34" charset="0"/>
+                  <a:cs typeface="Arial" panose="020B0604020202020204" pitchFamily="34" charset="0"/>
+                </a:rPr>
+                <a:t> </a:t>
+              </a:r>
+              <a:r>
+                <a:rPr lang="de-DE" sz="1000" dirty="0" err="1">
+                  <a:latin typeface="Arial" panose="020B0604020202020204" pitchFamily="34" charset="0"/>
+                  <a:cs typeface="Arial" panose="020B0604020202020204" pitchFamily="34" charset="0"/>
+                </a:rPr>
+                <a:t>information</a:t>
+              </a:r>
+              <a:r>
+                <a:rPr lang="de-DE" sz="1000" dirty="0">
+                  <a:latin typeface="Arial" panose="020B0604020202020204" pitchFamily="34" charset="0"/>
+                  <a:cs typeface="Arial" panose="020B0604020202020204" pitchFamily="34" charset="0"/>
+                </a:rPr>
+                <a:t> </a:t>
+              </a:r>
+              <a:r>
+                <a:rPr lang="de-DE" sz="1000" dirty="0" err="1">
+                  <a:latin typeface="Arial" panose="020B0604020202020204" pitchFamily="34" charset="0"/>
+                  <a:cs typeface="Arial" panose="020B0604020202020204" pitchFamily="34" charset="0"/>
+                </a:rPr>
+                <a:t>were</a:t>
+              </a:r>
+              <a:r>
+                <a:rPr lang="de-DE" sz="1000" dirty="0">
+                  <a:latin typeface="Arial" panose="020B0604020202020204" pitchFamily="34" charset="0"/>
+                  <a:cs typeface="Arial" panose="020B0604020202020204" pitchFamily="34" charset="0"/>
+                </a:rPr>
+                <a:t> </a:t>
+              </a:r>
+              <a:r>
+                <a:rPr lang="de-DE" sz="1000" dirty="0" err="1">
+                  <a:latin typeface="Arial" panose="020B0604020202020204" pitchFamily="34" charset="0"/>
+                  <a:cs typeface="Arial" panose="020B0604020202020204" pitchFamily="34" charset="0"/>
+                </a:rPr>
+                <a:t>assembled</a:t>
+              </a:r>
+              <a:r>
+                <a:rPr lang="de-DE" sz="1000" dirty="0">
+                  <a:latin typeface="Arial" panose="020B0604020202020204" pitchFamily="34" charset="0"/>
+                  <a:cs typeface="Arial" panose="020B0604020202020204" pitchFamily="34" charset="0"/>
+                </a:rPr>
+                <a:t> </a:t>
+              </a:r>
+              <a:r>
+                <a:rPr lang="de-DE" sz="1000" dirty="0" err="1">
+                  <a:latin typeface="Arial" panose="020B0604020202020204" pitchFamily="34" charset="0"/>
+                  <a:cs typeface="Arial" panose="020B0604020202020204" pitchFamily="34" charset="0"/>
+                </a:rPr>
+                <a:t>by</a:t>
+              </a:r>
+              <a:r>
+                <a:rPr lang="de-DE" sz="1000" dirty="0">
+                  <a:latin typeface="Arial" panose="020B0604020202020204" pitchFamily="34" charset="0"/>
+                  <a:cs typeface="Arial" panose="020B0604020202020204" pitchFamily="34" charset="0"/>
+                </a:rPr>
+                <a:t> </a:t>
+              </a:r>
+              <a:r>
+                <a:rPr lang="de-DE" sz="1000" dirty="0" err="1">
+                  <a:latin typeface="Arial" panose="020B0604020202020204" pitchFamily="34" charset="0"/>
+                  <a:cs typeface="Arial" panose="020B0604020202020204" pitchFamily="34" charset="0"/>
+                </a:rPr>
+                <a:t>contacting</a:t>
+              </a:r>
+              <a:r>
+                <a:rPr lang="de-DE" sz="1000" dirty="0">
+                  <a:latin typeface="Arial" panose="020B0604020202020204" pitchFamily="34" charset="0"/>
+                  <a:cs typeface="Arial" panose="020B0604020202020204" pitchFamily="34" charset="0"/>
+                </a:rPr>
+                <a:t> </a:t>
+              </a:r>
+              <a:r>
+                <a:rPr lang="de-DE" sz="1000" dirty="0" err="1">
+                  <a:latin typeface="Arial" panose="020B0604020202020204" pitchFamily="34" charset="0"/>
+                  <a:cs typeface="Arial" panose="020B0604020202020204" pitchFamily="34" charset="0"/>
+                </a:rPr>
+                <a:t>the</a:t>
+              </a:r>
+              <a:r>
+                <a:rPr lang="de-DE" sz="1000" dirty="0">
+                  <a:latin typeface="Arial" panose="020B0604020202020204" pitchFamily="34" charset="0"/>
+                  <a:cs typeface="Arial" panose="020B0604020202020204" pitchFamily="34" charset="0"/>
+                </a:rPr>
+                <a:t> </a:t>
+              </a:r>
+              <a:r>
+                <a:rPr lang="de-DE" sz="1000" dirty="0" err="1">
+                  <a:latin typeface="Arial" panose="020B0604020202020204" pitchFamily="34" charset="0"/>
+                  <a:cs typeface="Arial" panose="020B0604020202020204" pitchFamily="34" charset="0"/>
+                </a:rPr>
+                <a:t>clinical</a:t>
+              </a:r>
+              <a:r>
+                <a:rPr lang="de-DE" sz="1000" dirty="0">
+                  <a:latin typeface="Arial" panose="020B0604020202020204" pitchFamily="34" charset="0"/>
+                  <a:cs typeface="Arial" panose="020B0604020202020204" pitchFamily="34" charset="0"/>
+                </a:rPr>
+                <a:t> </a:t>
+              </a:r>
+              <a:r>
+                <a:rPr lang="de-DE" sz="1000" dirty="0" err="1">
+                  <a:latin typeface="Arial" panose="020B0604020202020204" pitchFamily="34" charset="0"/>
+                  <a:cs typeface="Arial" panose="020B0604020202020204" pitchFamily="34" charset="0"/>
+                </a:rPr>
+                <a:t>and</a:t>
+              </a:r>
+              <a:r>
+                <a:rPr lang="de-DE" sz="1000" dirty="0">
+                  <a:latin typeface="Arial" panose="020B0604020202020204" pitchFamily="34" charset="0"/>
+                  <a:cs typeface="Arial" panose="020B0604020202020204" pitchFamily="34" charset="0"/>
+                </a:rPr>
+                <a:t> </a:t>
+              </a:r>
+              <a:r>
+                <a:rPr lang="de-DE" sz="1000" dirty="0" err="1">
+                  <a:latin typeface="Arial" panose="020B0604020202020204" pitchFamily="34" charset="0"/>
+                  <a:cs typeface="Arial" panose="020B0604020202020204" pitchFamily="34" charset="0"/>
+                </a:rPr>
+                <a:t>pathological</a:t>
+              </a:r>
+              <a:r>
+                <a:rPr lang="de-DE" sz="1000" dirty="0">
+                  <a:latin typeface="Arial" panose="020B0604020202020204" pitchFamily="34" charset="0"/>
+                  <a:cs typeface="Arial" panose="020B0604020202020204" pitchFamily="34" charset="0"/>
+                </a:rPr>
+                <a:t> </a:t>
+              </a:r>
+              <a:r>
+                <a:rPr lang="de-DE" sz="1000" dirty="0" err="1">
+                  <a:latin typeface="Arial" panose="020B0604020202020204" pitchFamily="34" charset="0"/>
+                  <a:cs typeface="Arial" panose="020B0604020202020204" pitchFamily="34" charset="0"/>
+                </a:rPr>
+                <a:t>stuff</a:t>
+              </a:r>
+              <a:r>
+                <a:rPr lang="de-DE" sz="1000" dirty="0">
+                  <a:latin typeface="Arial" panose="020B0604020202020204" pitchFamily="34" charset="0"/>
+                  <a:cs typeface="Arial" panose="020B0604020202020204" pitchFamily="34" charset="0"/>
+                </a:rPr>
+                <a:t> </a:t>
+              </a:r>
+              <a:r>
+                <a:rPr lang="de-DE" sz="1000" dirty="0" err="1">
+                  <a:latin typeface="Arial" panose="020B0604020202020204" pitchFamily="34" charset="0"/>
+                  <a:cs typeface="Arial" panose="020B0604020202020204" pitchFamily="34" charset="0"/>
+                </a:rPr>
+                <a:t>as</a:t>
+              </a:r>
+              <a:r>
+                <a:rPr lang="de-DE" sz="1000" dirty="0">
+                  <a:latin typeface="Arial" panose="020B0604020202020204" pitchFamily="34" charset="0"/>
+                  <a:cs typeface="Arial" panose="020B0604020202020204" pitchFamily="34" charset="0"/>
+                </a:rPr>
+                <a:t> </a:t>
+              </a:r>
+              <a:r>
+                <a:rPr lang="de-DE" sz="1000" dirty="0" err="1">
+                  <a:latin typeface="Arial" panose="020B0604020202020204" pitchFamily="34" charset="0"/>
+                  <a:cs typeface="Arial" panose="020B0604020202020204" pitchFamily="34" charset="0"/>
+                </a:rPr>
+                <a:t>well</a:t>
+              </a:r>
+              <a:r>
+                <a:rPr lang="de-DE" sz="1000" dirty="0">
+                  <a:latin typeface="Arial" panose="020B0604020202020204" pitchFamily="34" charset="0"/>
+                  <a:cs typeface="Arial" panose="020B0604020202020204" pitchFamily="34" charset="0"/>
+                </a:rPr>
+                <a:t> </a:t>
+              </a:r>
+              <a:r>
+                <a:rPr lang="de-DE" sz="1000" dirty="0" err="1">
+                  <a:latin typeface="Arial" panose="020B0604020202020204" pitchFamily="34" charset="0"/>
+                  <a:cs typeface="Arial" panose="020B0604020202020204" pitchFamily="34" charset="0"/>
+                </a:rPr>
+                <a:t>as</a:t>
+              </a:r>
+              <a:r>
+                <a:rPr lang="de-DE" sz="1000" dirty="0">
+                  <a:latin typeface="Arial" panose="020B0604020202020204" pitchFamily="34" charset="0"/>
+                  <a:cs typeface="Arial" panose="020B0604020202020204" pitchFamily="34" charset="0"/>
+                </a:rPr>
+                <a:t> </a:t>
+              </a:r>
+              <a:r>
+                <a:rPr lang="de-DE" sz="1000" dirty="0" err="1">
+                  <a:latin typeface="Arial" panose="020B0604020202020204" pitchFamily="34" charset="0"/>
+                  <a:cs typeface="Arial" panose="020B0604020202020204" pitchFamily="34" charset="0"/>
+                </a:rPr>
+                <a:t>the</a:t>
+              </a:r>
+              <a:r>
+                <a:rPr lang="de-DE" sz="1000" dirty="0">
+                  <a:latin typeface="Arial" panose="020B0604020202020204" pitchFamily="34" charset="0"/>
+                  <a:cs typeface="Arial" panose="020B0604020202020204" pitchFamily="34" charset="0"/>
+                </a:rPr>
+                <a:t> </a:t>
+              </a:r>
+              <a:r>
+                <a:rPr lang="de-DE" sz="1000" dirty="0" err="1">
+                  <a:latin typeface="Arial" panose="020B0604020202020204" pitchFamily="34" charset="0"/>
+                  <a:cs typeface="Arial" panose="020B0604020202020204" pitchFamily="34" charset="0"/>
+                </a:rPr>
+                <a:t>cantonal</a:t>
+              </a:r>
+              <a:r>
+                <a:rPr lang="de-DE" sz="1000" dirty="0">
+                  <a:latin typeface="Arial" panose="020B0604020202020204" pitchFamily="34" charset="0"/>
+                  <a:cs typeface="Arial" panose="020B0604020202020204" pitchFamily="34" charset="0"/>
+                </a:rPr>
+                <a:t> </a:t>
+              </a:r>
+              <a:r>
+                <a:rPr lang="de-DE" sz="1000" dirty="0" err="1">
+                  <a:latin typeface="Arial" panose="020B0604020202020204" pitchFamily="34" charset="0"/>
+                  <a:cs typeface="Arial" panose="020B0604020202020204" pitchFamily="34" charset="0"/>
+                </a:rPr>
+                <a:t>cancer</a:t>
+              </a:r>
+              <a:r>
+                <a:rPr lang="de-DE" sz="1000" dirty="0">
+                  <a:latin typeface="Arial" panose="020B0604020202020204" pitchFamily="34" charset="0"/>
+                  <a:cs typeface="Arial" panose="020B0604020202020204" pitchFamily="34" charset="0"/>
+                </a:rPr>
+                <a:t> </a:t>
+              </a:r>
+              <a:r>
+                <a:rPr lang="de-DE" sz="1000" dirty="0" err="1">
+                  <a:latin typeface="Arial" panose="020B0604020202020204" pitchFamily="34" charset="0"/>
+                  <a:cs typeface="Arial" panose="020B0604020202020204" pitchFamily="34" charset="0"/>
+                </a:rPr>
+                <a:t>registry</a:t>
+              </a:r>
+              <a:r>
+                <a:rPr lang="de-DE" sz="1000" dirty="0">
+                  <a:latin typeface="Arial" panose="020B0604020202020204" pitchFamily="34" charset="0"/>
+                  <a:cs typeface="Arial" panose="020B0604020202020204" pitchFamily="34" charset="0"/>
+                </a:rPr>
+                <a:t>.</a:t>
+              </a:r>
+            </a:p>
+            <a:p>
+              <a:r>
+                <a:rPr lang="de-DE" sz="1000" dirty="0" err="1">
+                  <a:latin typeface="Arial" panose="020B0604020202020204" pitchFamily="34" charset="0"/>
+                  <a:cs typeface="Arial" panose="020B0604020202020204" pitchFamily="34" charset="0"/>
+                </a:rPr>
+                <a:t>For</a:t>
+              </a:r>
+              <a:r>
+                <a:rPr lang="de-DE" sz="1000" dirty="0">
+                  <a:latin typeface="Arial" panose="020B0604020202020204" pitchFamily="34" charset="0"/>
+                  <a:cs typeface="Arial" panose="020B0604020202020204" pitchFamily="34" charset="0"/>
+                </a:rPr>
+                <a:t> </a:t>
+              </a:r>
+              <a:r>
+                <a:rPr lang="de-DE" sz="1000" dirty="0" err="1">
+                  <a:latin typeface="Arial" panose="020B0604020202020204" pitchFamily="34" charset="0"/>
+                  <a:cs typeface="Arial" panose="020B0604020202020204" pitchFamily="34" charset="0"/>
+                </a:rPr>
+                <a:t>the</a:t>
+              </a:r>
+              <a:r>
+                <a:rPr lang="de-DE" sz="1000" dirty="0">
+                  <a:latin typeface="Arial" panose="020B0604020202020204" pitchFamily="34" charset="0"/>
+                  <a:cs typeface="Arial" panose="020B0604020202020204" pitchFamily="34" charset="0"/>
+                </a:rPr>
+                <a:t> </a:t>
+              </a:r>
+              <a:r>
+                <a:rPr lang="de-DE" sz="1000" dirty="0" err="1">
+                  <a:latin typeface="Arial" panose="020B0604020202020204" pitchFamily="34" charset="0"/>
+                  <a:cs typeface="Arial" panose="020B0604020202020204" pitchFamily="34" charset="0"/>
+                </a:rPr>
+                <a:t>survival</a:t>
+              </a:r>
+              <a:r>
+                <a:rPr lang="de-DE" sz="1000" dirty="0">
+                  <a:latin typeface="Arial" panose="020B0604020202020204" pitchFamily="34" charset="0"/>
+                  <a:cs typeface="Arial" panose="020B0604020202020204" pitchFamily="34" charset="0"/>
+                </a:rPr>
+                <a:t> </a:t>
+              </a:r>
+              <a:r>
+                <a:rPr lang="de-DE" sz="1000" dirty="0" err="1">
+                  <a:latin typeface="Arial" panose="020B0604020202020204" pitchFamily="34" charset="0"/>
+                  <a:cs typeface="Arial" panose="020B0604020202020204" pitchFamily="34" charset="0"/>
+                </a:rPr>
+                <a:t>analyses</a:t>
+              </a:r>
+              <a:r>
+                <a:rPr lang="de-DE" sz="1000" dirty="0">
+                  <a:latin typeface="Arial" panose="020B0604020202020204" pitchFamily="34" charset="0"/>
+                  <a:cs typeface="Arial" panose="020B0604020202020204" pitchFamily="34" charset="0"/>
+                </a:rPr>
+                <a:t>, </a:t>
+              </a:r>
+              <a:r>
+                <a:rPr lang="de-DE" sz="1000" dirty="0" err="1">
+                  <a:latin typeface="Arial" panose="020B0604020202020204" pitchFamily="34" charset="0"/>
+                  <a:cs typeface="Arial" panose="020B0604020202020204" pitchFamily="34" charset="0"/>
+                </a:rPr>
+                <a:t>we</a:t>
+              </a:r>
+              <a:r>
+                <a:rPr lang="de-DE" sz="1000" dirty="0">
+                  <a:latin typeface="Arial" panose="020B0604020202020204" pitchFamily="34" charset="0"/>
+                  <a:cs typeface="Arial" panose="020B0604020202020204" pitchFamily="34" charset="0"/>
+                </a:rPr>
+                <a:t> </a:t>
+              </a:r>
+              <a:r>
+                <a:rPr lang="de-DE" sz="1000" dirty="0" err="1">
+                  <a:latin typeface="Arial" panose="020B0604020202020204" pitchFamily="34" charset="0"/>
+                  <a:cs typeface="Arial" panose="020B0604020202020204" pitchFamily="34" charset="0"/>
+                </a:rPr>
+                <a:t>were</a:t>
+              </a:r>
+              <a:r>
+                <a:rPr lang="de-DE" sz="1000" dirty="0">
+                  <a:latin typeface="Arial" panose="020B0604020202020204" pitchFamily="34" charset="0"/>
+                  <a:cs typeface="Arial" panose="020B0604020202020204" pitchFamily="34" charset="0"/>
+                </a:rPr>
+                <a:t> </a:t>
+              </a:r>
+              <a:r>
+                <a:rPr lang="de-DE" sz="1000" dirty="0" err="1">
+                  <a:latin typeface="Arial" panose="020B0604020202020204" pitchFamily="34" charset="0"/>
+                  <a:cs typeface="Arial" panose="020B0604020202020204" pitchFamily="34" charset="0"/>
+                </a:rPr>
+                <a:t>interested</a:t>
+              </a:r>
+              <a:r>
+                <a:rPr lang="de-DE" sz="1000" dirty="0">
+                  <a:latin typeface="Arial" panose="020B0604020202020204" pitchFamily="34" charset="0"/>
+                  <a:cs typeface="Arial" panose="020B0604020202020204" pitchFamily="34" charset="0"/>
+                </a:rPr>
+                <a:t> in </a:t>
+              </a:r>
+              <a:r>
+                <a:rPr lang="de-DE" sz="1000" dirty="0" err="1">
+                  <a:latin typeface="Arial" panose="020B0604020202020204" pitchFamily="34" charset="0"/>
+                  <a:cs typeface="Arial" panose="020B0604020202020204" pitchFamily="34" charset="0"/>
+                </a:rPr>
+                <a:t>overall</a:t>
+              </a:r>
+              <a:r>
+                <a:rPr lang="de-DE" sz="1000" dirty="0">
+                  <a:latin typeface="Arial" panose="020B0604020202020204" pitchFamily="34" charset="0"/>
+                  <a:cs typeface="Arial" panose="020B0604020202020204" pitchFamily="34" charset="0"/>
+                </a:rPr>
+                <a:t> </a:t>
+              </a:r>
+              <a:r>
+                <a:rPr lang="de-DE" sz="1000" dirty="0" err="1">
+                  <a:latin typeface="Arial" panose="020B0604020202020204" pitchFamily="34" charset="0"/>
+                  <a:cs typeface="Arial" panose="020B0604020202020204" pitchFamily="34" charset="0"/>
+                </a:rPr>
+                <a:t>survival</a:t>
+              </a:r>
+              <a:r>
+                <a:rPr lang="de-DE" sz="1000" dirty="0">
+                  <a:latin typeface="Arial" panose="020B0604020202020204" pitchFamily="34" charset="0"/>
+                  <a:cs typeface="Arial" panose="020B0604020202020204" pitchFamily="34" charset="0"/>
+                </a:rPr>
+                <a:t> (OS, </a:t>
+              </a:r>
+              <a:r>
+                <a:rPr lang="de-DE" sz="1000" dirty="0" err="1">
+                  <a:latin typeface="Arial" panose="020B0604020202020204" pitchFamily="34" charset="0"/>
+                  <a:cs typeface="Arial" panose="020B0604020202020204" pitchFamily="34" charset="0"/>
+                </a:rPr>
+                <a:t>duration</a:t>
+              </a:r>
+              <a:r>
+                <a:rPr lang="de-DE" sz="1000" dirty="0">
+                  <a:latin typeface="Arial" panose="020B0604020202020204" pitchFamily="34" charset="0"/>
+                  <a:cs typeface="Arial" panose="020B0604020202020204" pitchFamily="34" charset="0"/>
+                </a:rPr>
+                <a:t> </a:t>
+              </a:r>
+              <a:r>
+                <a:rPr lang="de-DE" sz="1000" dirty="0" err="1">
+                  <a:latin typeface="Arial" panose="020B0604020202020204" pitchFamily="34" charset="0"/>
+                  <a:cs typeface="Arial" panose="020B0604020202020204" pitchFamily="34" charset="0"/>
+                </a:rPr>
+                <a:t>from</a:t>
+              </a:r>
+              <a:r>
+                <a:rPr lang="de-DE" sz="1000" dirty="0">
+                  <a:latin typeface="Arial" panose="020B0604020202020204" pitchFamily="34" charset="0"/>
+                  <a:cs typeface="Arial" panose="020B0604020202020204" pitchFamily="34" charset="0"/>
+                </a:rPr>
+                <a:t> </a:t>
+              </a:r>
+              <a:r>
+                <a:rPr lang="de-DE" sz="1000" dirty="0" err="1">
+                  <a:latin typeface="Arial" panose="020B0604020202020204" pitchFamily="34" charset="0"/>
+                  <a:cs typeface="Arial" panose="020B0604020202020204" pitchFamily="34" charset="0"/>
+                </a:rPr>
+                <a:t>diagnosis</a:t>
+              </a:r>
+              <a:r>
+                <a:rPr lang="de-DE" sz="1000" dirty="0">
+                  <a:latin typeface="Arial" panose="020B0604020202020204" pitchFamily="34" charset="0"/>
+                  <a:cs typeface="Arial" panose="020B0604020202020204" pitchFamily="34" charset="0"/>
+                </a:rPr>
+                <a:t> </a:t>
+              </a:r>
+              <a:r>
+                <a:rPr lang="de-DE" sz="1000" dirty="0" err="1">
+                  <a:latin typeface="Arial" panose="020B0604020202020204" pitchFamily="34" charset="0"/>
+                  <a:cs typeface="Arial" panose="020B0604020202020204" pitchFamily="34" charset="0"/>
+                </a:rPr>
+                <a:t>to</a:t>
+              </a:r>
+              <a:r>
+                <a:rPr lang="de-DE" sz="1000" dirty="0">
+                  <a:latin typeface="Arial" panose="020B0604020202020204" pitchFamily="34" charset="0"/>
+                  <a:cs typeface="Arial" panose="020B0604020202020204" pitchFamily="34" charset="0"/>
+                </a:rPr>
+                <a:t> </a:t>
+              </a:r>
+              <a:r>
+                <a:rPr lang="de-DE" sz="1000" dirty="0" err="1">
+                  <a:latin typeface="Arial" panose="020B0604020202020204" pitchFamily="34" charset="0"/>
+                  <a:cs typeface="Arial" panose="020B0604020202020204" pitchFamily="34" charset="0"/>
+                </a:rPr>
+                <a:t>death</a:t>
+              </a:r>
+              <a:r>
+                <a:rPr lang="de-DE" sz="1000" dirty="0">
+                  <a:latin typeface="Arial" panose="020B0604020202020204" pitchFamily="34" charset="0"/>
+                  <a:cs typeface="Arial" panose="020B0604020202020204" pitchFamily="34" charset="0"/>
+                </a:rPr>
+                <a:t> </a:t>
+              </a:r>
+              <a:r>
+                <a:rPr lang="de-DE" sz="1000" dirty="0" err="1">
+                  <a:latin typeface="Arial" panose="020B0604020202020204" pitchFamily="34" charset="0"/>
+                  <a:cs typeface="Arial" panose="020B0604020202020204" pitchFamily="34" charset="0"/>
+                </a:rPr>
+                <a:t>or</a:t>
+              </a:r>
+              <a:r>
+                <a:rPr lang="de-DE" sz="1000" dirty="0">
+                  <a:latin typeface="Arial" panose="020B0604020202020204" pitchFamily="34" charset="0"/>
+                  <a:cs typeface="Arial" panose="020B0604020202020204" pitchFamily="34" charset="0"/>
+                </a:rPr>
+                <a:t> lost </a:t>
+              </a:r>
+              <a:r>
+                <a:rPr lang="de-DE" sz="1000" dirty="0" err="1">
+                  <a:latin typeface="Arial" panose="020B0604020202020204" pitchFamily="34" charset="0"/>
+                  <a:cs typeface="Arial" panose="020B0604020202020204" pitchFamily="34" charset="0"/>
+                </a:rPr>
+                <a:t>to</a:t>
+              </a:r>
+              <a:r>
+                <a:rPr lang="de-DE" sz="1000" dirty="0">
+                  <a:latin typeface="Arial" panose="020B0604020202020204" pitchFamily="34" charset="0"/>
+                  <a:cs typeface="Arial" panose="020B0604020202020204" pitchFamily="34" charset="0"/>
+                </a:rPr>
+                <a:t> follow-</a:t>
+              </a:r>
+              <a:r>
+                <a:rPr lang="de-DE" sz="1000" dirty="0" err="1">
+                  <a:latin typeface="Arial" panose="020B0604020202020204" pitchFamily="34" charset="0"/>
+                  <a:cs typeface="Arial" panose="020B0604020202020204" pitchFamily="34" charset="0"/>
+                </a:rPr>
+                <a:t>up</a:t>
+              </a:r>
+              <a:r>
+                <a:rPr lang="de-DE" sz="1000" dirty="0">
+                  <a:latin typeface="Arial" panose="020B0604020202020204" pitchFamily="34" charset="0"/>
+                  <a:cs typeface="Arial" panose="020B0604020202020204" pitchFamily="34" charset="0"/>
+                </a:rPr>
+                <a:t>). </a:t>
+              </a:r>
+              <a:r>
+                <a:rPr lang="de-DE" sz="1000" dirty="0" err="1">
+                  <a:latin typeface="Arial" panose="020B0604020202020204" pitchFamily="34" charset="0"/>
+                  <a:cs typeface="Arial" panose="020B0604020202020204" pitchFamily="34" charset="0"/>
+                </a:rPr>
+                <a:t>We</a:t>
+              </a:r>
+              <a:r>
+                <a:rPr lang="de-DE" sz="1000" dirty="0">
+                  <a:latin typeface="Arial" panose="020B0604020202020204" pitchFamily="34" charset="0"/>
+                  <a:cs typeface="Arial" panose="020B0604020202020204" pitchFamily="34" charset="0"/>
+                </a:rPr>
+                <a:t> </a:t>
+              </a:r>
+              <a:r>
+                <a:rPr lang="de-DE" sz="1000" dirty="0" err="1">
+                  <a:latin typeface="Arial" panose="020B0604020202020204" pitchFamily="34" charset="0"/>
+                  <a:cs typeface="Arial" panose="020B0604020202020204" pitchFamily="34" charset="0"/>
+                </a:rPr>
+                <a:t>used</a:t>
+              </a:r>
+              <a:r>
+                <a:rPr lang="de-DE" sz="1000" dirty="0">
+                  <a:latin typeface="Arial" panose="020B0604020202020204" pitchFamily="34" charset="0"/>
+                  <a:cs typeface="Arial" panose="020B0604020202020204" pitchFamily="34" charset="0"/>
+                </a:rPr>
+                <a:t> Kaplan-Meier </a:t>
+              </a:r>
+              <a:r>
+                <a:rPr lang="de-DE" sz="1000" dirty="0" err="1">
+                  <a:latin typeface="Arial" panose="020B0604020202020204" pitchFamily="34" charset="0"/>
+                  <a:cs typeface="Arial" panose="020B0604020202020204" pitchFamily="34" charset="0"/>
+                </a:rPr>
+                <a:t>plots</a:t>
+              </a:r>
+              <a:r>
+                <a:rPr lang="de-DE" sz="1000" dirty="0">
+                  <a:latin typeface="Arial" panose="020B0604020202020204" pitchFamily="34" charset="0"/>
+                  <a:cs typeface="Arial" panose="020B0604020202020204" pitchFamily="34" charset="0"/>
+                </a:rPr>
+                <a:t> </a:t>
+              </a:r>
+              <a:r>
+                <a:rPr lang="de-DE" sz="1000" dirty="0" err="1">
+                  <a:latin typeface="Arial" panose="020B0604020202020204" pitchFamily="34" charset="0"/>
+                  <a:cs typeface="Arial" panose="020B0604020202020204" pitchFamily="34" charset="0"/>
+                </a:rPr>
+                <a:t>to</a:t>
+              </a:r>
+              <a:r>
+                <a:rPr lang="de-DE" sz="1000" dirty="0">
+                  <a:latin typeface="Arial" panose="020B0604020202020204" pitchFamily="34" charset="0"/>
+                  <a:cs typeface="Arial" panose="020B0604020202020204" pitchFamily="34" charset="0"/>
+                </a:rPr>
+                <a:t> </a:t>
+              </a:r>
+              <a:r>
+                <a:rPr lang="de-DE" sz="1000" dirty="0" err="1">
+                  <a:latin typeface="Arial" panose="020B0604020202020204" pitchFamily="34" charset="0"/>
+                  <a:cs typeface="Arial" panose="020B0604020202020204" pitchFamily="34" charset="0"/>
+                </a:rPr>
+                <a:t>depict</a:t>
+              </a:r>
+              <a:r>
+                <a:rPr lang="de-DE" sz="1000" dirty="0">
+                  <a:latin typeface="Arial" panose="020B0604020202020204" pitchFamily="34" charset="0"/>
+                  <a:cs typeface="Arial" panose="020B0604020202020204" pitchFamily="34" charset="0"/>
+                </a:rPr>
+                <a:t> </a:t>
+              </a:r>
+              <a:r>
+                <a:rPr lang="de-DE" sz="1000" dirty="0" err="1">
+                  <a:latin typeface="Arial" panose="020B0604020202020204" pitchFamily="34" charset="0"/>
+                  <a:cs typeface="Arial" panose="020B0604020202020204" pitchFamily="34" charset="0"/>
+                </a:rPr>
+                <a:t>the</a:t>
+              </a:r>
+              <a:r>
+                <a:rPr lang="de-DE" sz="1000" dirty="0">
+                  <a:latin typeface="Arial" panose="020B0604020202020204" pitchFamily="34" charset="0"/>
+                  <a:cs typeface="Arial" panose="020B0604020202020204" pitchFamily="34" charset="0"/>
+                </a:rPr>
+                <a:t> </a:t>
+              </a:r>
+              <a:r>
+                <a:rPr lang="de-DE" sz="1000" dirty="0" err="1">
+                  <a:latin typeface="Arial" panose="020B0604020202020204" pitchFamily="34" charset="0"/>
+                  <a:cs typeface="Arial" panose="020B0604020202020204" pitchFamily="34" charset="0"/>
+                </a:rPr>
+                <a:t>survival</a:t>
+              </a:r>
+              <a:r>
+                <a:rPr lang="de-DE" sz="1000" dirty="0">
+                  <a:latin typeface="Arial" panose="020B0604020202020204" pitchFamily="34" charset="0"/>
+                  <a:cs typeface="Arial" panose="020B0604020202020204" pitchFamily="34" charset="0"/>
+                </a:rPr>
+                <a:t> </a:t>
+              </a:r>
+              <a:r>
+                <a:rPr lang="de-DE" sz="1000" dirty="0" err="1">
+                  <a:latin typeface="Arial" panose="020B0604020202020204" pitchFamily="34" charset="0"/>
+                  <a:cs typeface="Arial" panose="020B0604020202020204" pitchFamily="34" charset="0"/>
+                </a:rPr>
+                <a:t>curves</a:t>
+              </a:r>
+              <a:r>
+                <a:rPr lang="de-DE" sz="1000" dirty="0">
+                  <a:latin typeface="Arial" panose="020B0604020202020204" pitchFamily="34" charset="0"/>
+                  <a:cs typeface="Arial" panose="020B0604020202020204" pitchFamily="34" charset="0"/>
+                </a:rPr>
+                <a:t> </a:t>
+              </a:r>
+              <a:r>
+                <a:rPr lang="de-DE" sz="1000" dirty="0" err="1">
+                  <a:latin typeface="Arial" panose="020B0604020202020204" pitchFamily="34" charset="0"/>
+                  <a:cs typeface="Arial" panose="020B0604020202020204" pitchFamily="34" charset="0"/>
+                </a:rPr>
+                <a:t>and</a:t>
+              </a:r>
+              <a:r>
+                <a:rPr lang="de-DE" sz="1000" dirty="0">
+                  <a:latin typeface="Arial" panose="020B0604020202020204" pitchFamily="34" charset="0"/>
+                  <a:cs typeface="Arial" panose="020B0604020202020204" pitchFamily="34" charset="0"/>
+                </a:rPr>
+                <a:t> </a:t>
+              </a:r>
+              <a:r>
+                <a:rPr lang="de-DE" sz="1000" dirty="0" err="1">
+                  <a:latin typeface="Arial" panose="020B0604020202020204" pitchFamily="34" charset="0"/>
+                  <a:cs typeface="Arial" panose="020B0604020202020204" pitchFamily="34" charset="0"/>
+                </a:rPr>
+                <a:t>logrank</a:t>
+              </a:r>
+              <a:r>
+                <a:rPr lang="de-DE" sz="1000" dirty="0">
+                  <a:latin typeface="Arial" panose="020B0604020202020204" pitchFamily="34" charset="0"/>
+                  <a:cs typeface="Arial" panose="020B0604020202020204" pitchFamily="34" charset="0"/>
+                </a:rPr>
+                <a:t> </a:t>
+              </a:r>
+              <a:r>
+                <a:rPr lang="de-DE" sz="1000" dirty="0" err="1">
+                  <a:latin typeface="Arial" panose="020B0604020202020204" pitchFamily="34" charset="0"/>
+                  <a:cs typeface="Arial" panose="020B0604020202020204" pitchFamily="34" charset="0"/>
+                </a:rPr>
+                <a:t>test</a:t>
+              </a:r>
+              <a:r>
+                <a:rPr lang="de-DE" sz="1000" dirty="0">
+                  <a:latin typeface="Arial" panose="020B0604020202020204" pitchFamily="34" charset="0"/>
+                  <a:cs typeface="Arial" panose="020B0604020202020204" pitchFamily="34" charset="0"/>
+                </a:rPr>
+                <a:t> </a:t>
+              </a:r>
+              <a:r>
+                <a:rPr lang="de-DE" sz="1000" dirty="0" err="1">
+                  <a:latin typeface="Arial" panose="020B0604020202020204" pitchFamily="34" charset="0"/>
+                  <a:cs typeface="Arial" panose="020B0604020202020204" pitchFamily="34" charset="0"/>
+                </a:rPr>
+                <a:t>for</a:t>
+              </a:r>
+              <a:r>
+                <a:rPr lang="de-DE" sz="1000" dirty="0">
+                  <a:latin typeface="Arial" panose="020B0604020202020204" pitchFamily="34" charset="0"/>
+                  <a:cs typeface="Arial" panose="020B0604020202020204" pitchFamily="34" charset="0"/>
+                </a:rPr>
+                <a:t> </a:t>
+              </a:r>
+              <a:r>
+                <a:rPr lang="de-DE" sz="1000" dirty="0" err="1">
+                  <a:latin typeface="Arial" panose="020B0604020202020204" pitchFamily="34" charset="0"/>
+                  <a:cs typeface="Arial" panose="020B0604020202020204" pitchFamily="34" charset="0"/>
+                </a:rPr>
+                <a:t>univariate</a:t>
+              </a:r>
+              <a:r>
+                <a:rPr lang="de-DE" sz="1000" dirty="0">
+                  <a:latin typeface="Arial" panose="020B0604020202020204" pitchFamily="34" charset="0"/>
+                  <a:cs typeface="Arial" panose="020B0604020202020204" pitchFamily="34" charset="0"/>
+                </a:rPr>
+                <a:t> </a:t>
+              </a:r>
+              <a:r>
+                <a:rPr lang="de-DE" sz="1000" dirty="0" err="1">
+                  <a:latin typeface="Arial" panose="020B0604020202020204" pitchFamily="34" charset="0"/>
+                  <a:cs typeface="Arial" panose="020B0604020202020204" pitchFamily="34" charset="0"/>
+                </a:rPr>
+                <a:t>respectively</a:t>
+              </a:r>
+              <a:r>
+                <a:rPr lang="de-DE" sz="1000" dirty="0">
+                  <a:latin typeface="Arial" panose="020B0604020202020204" pitchFamily="34" charset="0"/>
+                  <a:cs typeface="Arial" panose="020B0604020202020204" pitchFamily="34" charset="0"/>
+                </a:rPr>
+                <a:t> </a:t>
+              </a:r>
+              <a:r>
+                <a:rPr lang="de-DE" sz="1000" dirty="0" err="1">
+                  <a:latin typeface="Arial" panose="020B0604020202020204" pitchFamily="34" charset="0"/>
+                  <a:cs typeface="Arial" panose="020B0604020202020204" pitchFamily="34" charset="0"/>
+                </a:rPr>
+                <a:t>cox</a:t>
+              </a:r>
+              <a:r>
+                <a:rPr lang="de-DE" sz="1000" dirty="0">
+                  <a:latin typeface="Arial" panose="020B0604020202020204" pitchFamily="34" charset="0"/>
+                  <a:cs typeface="Arial" panose="020B0604020202020204" pitchFamily="34" charset="0"/>
+                </a:rPr>
+                <a:t> </a:t>
+              </a:r>
+              <a:r>
+                <a:rPr lang="de-DE" sz="1000" dirty="0" err="1">
+                  <a:latin typeface="Arial" panose="020B0604020202020204" pitchFamily="34" charset="0"/>
+                  <a:cs typeface="Arial" panose="020B0604020202020204" pitchFamily="34" charset="0"/>
+                </a:rPr>
+                <a:t>regression</a:t>
+              </a:r>
+              <a:r>
+                <a:rPr lang="de-DE" sz="1000" dirty="0">
+                  <a:latin typeface="Arial" panose="020B0604020202020204" pitchFamily="34" charset="0"/>
+                  <a:cs typeface="Arial" panose="020B0604020202020204" pitchFamily="34" charset="0"/>
+                </a:rPr>
+                <a:t> </a:t>
+              </a:r>
+              <a:r>
+                <a:rPr lang="de-DE" sz="1000" dirty="0" err="1">
+                  <a:latin typeface="Arial" panose="020B0604020202020204" pitchFamily="34" charset="0"/>
+                  <a:cs typeface="Arial" panose="020B0604020202020204" pitchFamily="34" charset="0"/>
+                </a:rPr>
+                <a:t>for</a:t>
+              </a:r>
+              <a:r>
+                <a:rPr lang="de-DE" sz="1000" dirty="0">
+                  <a:latin typeface="Arial" panose="020B0604020202020204" pitchFamily="34" charset="0"/>
+                  <a:cs typeface="Arial" panose="020B0604020202020204" pitchFamily="34" charset="0"/>
+                </a:rPr>
+                <a:t> multivariable </a:t>
+              </a:r>
+              <a:r>
+                <a:rPr lang="de-DE" sz="1000" dirty="0" err="1">
+                  <a:latin typeface="Arial" panose="020B0604020202020204" pitchFamily="34" charset="0"/>
+                  <a:cs typeface="Arial" panose="020B0604020202020204" pitchFamily="34" charset="0"/>
+                </a:rPr>
+                <a:t>analyses</a:t>
+              </a:r>
+              <a:r>
+                <a:rPr lang="de-DE" sz="1000" dirty="0">
+                  <a:latin typeface="Arial" panose="020B0604020202020204" pitchFamily="34" charset="0"/>
+                  <a:cs typeface="Arial" panose="020B0604020202020204" pitchFamily="34" charset="0"/>
+                </a:rPr>
+                <a:t>.</a:t>
+              </a:r>
+            </a:p>
+          </p:txBody>
+        </p:sp>
+        <p:grpSp>
+          <p:nvGrpSpPr>
+            <p:cNvPr id="9" name="Gruppieren 8">
+              <a:extLst>
+                <a:ext uri="{FF2B5EF4-FFF2-40B4-BE49-F238E27FC236}">
+                  <a16:creationId xmlns:a16="http://schemas.microsoft.com/office/drawing/2014/main" id="{25BB5C52-D29D-E644-97A0-884162696EFF}"/>
+                </a:ext>
+              </a:extLst>
+            </p:cNvPr>
+            <p:cNvGrpSpPr/>
+            <p:nvPr/>
+          </p:nvGrpSpPr>
+          <p:grpSpPr>
+            <a:xfrm>
+              <a:off x="3000731" y="2391382"/>
+              <a:ext cx="2561499" cy="4075953"/>
+              <a:chOff x="4166354" y="3192602"/>
+              <a:chExt cx="2234446" cy="3555534"/>
+            </a:xfrm>
+          </p:grpSpPr>
+          <p:pic>
+            <p:nvPicPr>
+              <p:cNvPr id="6" name="Grafik 5">
+                <a:extLst>
+                  <a:ext uri="{FF2B5EF4-FFF2-40B4-BE49-F238E27FC236}">
+                    <a16:creationId xmlns:a16="http://schemas.microsoft.com/office/drawing/2014/main" id="{F40590B3-2E6D-0649-871F-1E7527D4433C}"/>
+                  </a:ext>
+                </a:extLst>
+              </p:cNvPr>
+              <p:cNvPicPr>
+                <a:picLocks noChangeAspect="1"/>
+              </p:cNvPicPr>
+              <p:nvPr/>
+            </p:nvPicPr>
+            <p:blipFill>
+              <a:blip r:embed="rId2"/>
+              <a:stretch>
+                <a:fillRect/>
+              </a:stretch>
+            </p:blipFill>
+            <p:spPr>
+              <a:xfrm>
+                <a:off x="4166354" y="3192602"/>
+                <a:ext cx="2234446" cy="3367597"/>
+              </a:xfrm>
+              <a:prstGeom prst="rect">
+                <a:avLst/>
+              </a:prstGeom>
+            </p:spPr>
+          </p:pic>
+          <p:sp>
+            <p:nvSpPr>
+              <p:cNvPr id="8" name="Textfeld 7">
+                <a:extLst>
+                  <a:ext uri="{FF2B5EF4-FFF2-40B4-BE49-F238E27FC236}">
+                    <a16:creationId xmlns:a16="http://schemas.microsoft.com/office/drawing/2014/main" id="{CC012824-5E91-3E49-A4FF-7FE528C5850E}"/>
+                  </a:ext>
+                </a:extLst>
+              </p:cNvPr>
+              <p:cNvSpPr txBox="1"/>
+              <p:nvPr/>
+            </p:nvSpPr>
+            <p:spPr>
+              <a:xfrm>
+                <a:off x="4166354" y="6560200"/>
+                <a:ext cx="2151736" cy="187936"/>
+              </a:xfrm>
+              <a:prstGeom prst="rect">
+                <a:avLst/>
+              </a:prstGeom>
+              <a:noFill/>
+            </p:spPr>
+            <p:txBody>
+              <a:bodyPr wrap="square" rtlCol="0">
+                <a:spAutoFit/>
+              </a:bodyPr>
+              <a:lstStyle/>
+              <a:p>
+                <a:r>
+                  <a:rPr lang="de-DE" sz="800" b="1" dirty="0" err="1">
+                    <a:latin typeface="Arial" panose="020B0604020202020204" pitchFamily="34" charset="0"/>
+                    <a:cs typeface="Arial" panose="020B0604020202020204" pitchFamily="34" charset="0"/>
+                  </a:rPr>
+                  <a:t>Figure</a:t>
+                </a:r>
+                <a:r>
+                  <a:rPr lang="de-DE" sz="800" b="1" dirty="0">
+                    <a:latin typeface="Arial" panose="020B0604020202020204" pitchFamily="34" charset="0"/>
+                    <a:cs typeface="Arial" panose="020B0604020202020204" pitchFamily="34" charset="0"/>
+                  </a:rPr>
+                  <a:t> 1: </a:t>
+                </a:r>
+                <a:r>
+                  <a:rPr lang="de-DE" sz="800" dirty="0">
+                    <a:latin typeface="Arial" panose="020B0604020202020204" pitchFamily="34" charset="0"/>
+                    <a:cs typeface="Arial" panose="020B0604020202020204" pitchFamily="34" charset="0"/>
+                  </a:rPr>
+                  <a:t>Data </a:t>
+                </a:r>
+                <a:r>
+                  <a:rPr lang="de-DE" sz="800" dirty="0" err="1">
+                    <a:latin typeface="Arial" panose="020B0604020202020204" pitchFamily="34" charset="0"/>
+                    <a:cs typeface="Arial" panose="020B0604020202020204" pitchFamily="34" charset="0"/>
+                  </a:rPr>
+                  <a:t>acquisition</a:t>
+                </a:r>
+                <a:r>
+                  <a:rPr lang="de-DE" sz="800" dirty="0">
+                    <a:latin typeface="Arial" panose="020B0604020202020204" pitchFamily="34" charset="0"/>
+                    <a:cs typeface="Arial" panose="020B0604020202020204" pitchFamily="34" charset="0"/>
+                  </a:rPr>
+                  <a:t> </a:t>
+                </a:r>
+                <a:r>
+                  <a:rPr lang="de-DE" sz="800" dirty="0" err="1">
+                    <a:latin typeface="Arial" panose="020B0604020202020204" pitchFamily="34" charset="0"/>
+                    <a:cs typeface="Arial" panose="020B0604020202020204" pitchFamily="34" charset="0"/>
+                  </a:rPr>
+                  <a:t>and</a:t>
+                </a:r>
+                <a:r>
+                  <a:rPr lang="de-DE" sz="800" dirty="0">
+                    <a:latin typeface="Arial" panose="020B0604020202020204" pitchFamily="34" charset="0"/>
+                    <a:cs typeface="Arial" panose="020B0604020202020204" pitchFamily="34" charset="0"/>
+                  </a:rPr>
+                  <a:t> </a:t>
+                </a:r>
+                <a:r>
+                  <a:rPr lang="de-DE" sz="800" dirty="0" err="1">
+                    <a:latin typeface="Arial" panose="020B0604020202020204" pitchFamily="34" charset="0"/>
+                    <a:cs typeface="Arial" panose="020B0604020202020204" pitchFamily="34" charset="0"/>
+                  </a:rPr>
+                  <a:t>processing</a:t>
+                </a:r>
+                <a:r>
+                  <a:rPr lang="de-DE" sz="800" dirty="0">
+                    <a:latin typeface="Arial" panose="020B0604020202020204" pitchFamily="34" charset="0"/>
+                    <a:cs typeface="Arial" panose="020B0604020202020204" pitchFamily="34" charset="0"/>
+                  </a:rPr>
+                  <a:t>.</a:t>
+                </a:r>
+                <a:endParaRPr lang="de-DE" sz="800" b="1" dirty="0">
+                  <a:latin typeface="Arial" panose="020B0604020202020204" pitchFamily="34" charset="0"/>
+                  <a:cs typeface="Arial" panose="020B0604020202020204" pitchFamily="34" charset="0"/>
+                </a:endParaRPr>
+              </a:p>
+            </p:txBody>
+          </p:sp>
+        </p:grpSp>
+      </p:grpSp>
+      <p:grpSp>
+        <p:nvGrpSpPr>
+          <p:cNvPr id="13" name="Gruppieren 12">
+            <a:extLst>
+              <a:ext uri="{FF2B5EF4-FFF2-40B4-BE49-F238E27FC236}">
+                <a16:creationId xmlns:a16="http://schemas.microsoft.com/office/drawing/2014/main" id="{29EAB195-7496-CA42-9C1E-AAE3FE7ED546}"/>
+              </a:ext>
+            </a:extLst>
+          </p:cNvPr>
+          <p:cNvGrpSpPr/>
+          <p:nvPr/>
+        </p:nvGrpSpPr>
+        <p:grpSpPr>
+          <a:xfrm>
+            <a:off x="9644845" y="2098551"/>
+            <a:ext cx="3474023" cy="2323611"/>
+            <a:chOff x="6803756" y="5254705"/>
+            <a:chExt cx="3626603" cy="2425666"/>
+          </a:xfrm>
+        </p:grpSpPr>
+        <p:pic>
+          <p:nvPicPr>
+            <p:cNvPr id="11" name="Grafik 10">
+              <a:extLst>
+                <a:ext uri="{FF2B5EF4-FFF2-40B4-BE49-F238E27FC236}">
+                  <a16:creationId xmlns:a16="http://schemas.microsoft.com/office/drawing/2014/main" id="{CE49A81E-F234-5B44-A443-4E987AD66C96}"/>
+                </a:ext>
+              </a:extLst>
+            </p:cNvPr>
+            <p:cNvPicPr>
+              <a:picLocks noChangeAspect="1"/>
+            </p:cNvPicPr>
+            <p:nvPr/>
+          </p:nvPicPr>
+          <p:blipFill>
+            <a:blip r:embed="rId3"/>
+            <a:stretch>
+              <a:fillRect/>
+            </a:stretch>
+          </p:blipFill>
+          <p:spPr>
+            <a:xfrm>
+              <a:off x="6803756" y="5254705"/>
+              <a:ext cx="3301139" cy="2200759"/>
+            </a:xfrm>
+            <a:prstGeom prst="rect">
+              <a:avLst/>
+            </a:prstGeom>
+          </p:spPr>
+        </p:pic>
+        <p:sp>
+          <p:nvSpPr>
+            <p:cNvPr id="12" name="Textfeld 11">
+              <a:extLst>
+                <a:ext uri="{FF2B5EF4-FFF2-40B4-BE49-F238E27FC236}">
+                  <a16:creationId xmlns:a16="http://schemas.microsoft.com/office/drawing/2014/main" id="{E93F5E75-B79B-C348-9AF2-9381253B71E5}"/>
+                </a:ext>
+              </a:extLst>
+            </p:cNvPr>
+            <p:cNvSpPr txBox="1"/>
+            <p:nvPr/>
+          </p:nvSpPr>
+          <p:spPr>
+            <a:xfrm>
+              <a:off x="6803756" y="7455465"/>
+              <a:ext cx="3626603" cy="224906"/>
+            </a:xfrm>
+            <a:prstGeom prst="rect">
+              <a:avLst/>
+            </a:prstGeom>
+            <a:noFill/>
+          </p:spPr>
+          <p:txBody>
+            <a:bodyPr wrap="square" rtlCol="0">
+              <a:spAutoFit/>
+            </a:bodyPr>
+            <a:lstStyle/>
+            <a:p>
+              <a:r>
+                <a:rPr lang="de-DE" sz="800" b="1" dirty="0" err="1">
+                  <a:latin typeface="Arial" panose="020B0604020202020204" pitchFamily="34" charset="0"/>
+                  <a:cs typeface="Arial" panose="020B0604020202020204" pitchFamily="34" charset="0"/>
+                </a:rPr>
+                <a:t>Figure</a:t>
+              </a:r>
+              <a:r>
+                <a:rPr lang="de-DE" sz="800" b="1" dirty="0">
+                  <a:latin typeface="Arial" panose="020B0604020202020204" pitchFamily="34" charset="0"/>
+                  <a:cs typeface="Arial" panose="020B0604020202020204" pitchFamily="34" charset="0"/>
+                </a:rPr>
+                <a:t> 2: </a:t>
+              </a:r>
+              <a:r>
+                <a:rPr lang="de-DE" sz="800" dirty="0">
+                  <a:latin typeface="Arial" panose="020B0604020202020204" pitchFamily="34" charset="0"/>
+                  <a:cs typeface="Arial" panose="020B0604020202020204" pitchFamily="34" charset="0"/>
+                </a:rPr>
+                <a:t>TNM </a:t>
+              </a:r>
+              <a:r>
+                <a:rPr lang="de-DE" sz="800" dirty="0" err="1">
+                  <a:latin typeface="Arial" panose="020B0604020202020204" pitchFamily="34" charset="0"/>
+                  <a:cs typeface="Arial" panose="020B0604020202020204" pitchFamily="34" charset="0"/>
+                </a:rPr>
+                <a:t>stage</a:t>
+              </a:r>
+              <a:r>
+                <a:rPr lang="de-DE" sz="800" dirty="0">
+                  <a:latin typeface="Arial" panose="020B0604020202020204" pitchFamily="34" charset="0"/>
+                  <a:cs typeface="Arial" panose="020B0604020202020204" pitchFamily="34" charset="0"/>
+                </a:rPr>
+                <a:t> </a:t>
+              </a:r>
+              <a:r>
+                <a:rPr lang="de-DE" sz="800" dirty="0" err="1">
+                  <a:latin typeface="Arial" panose="020B0604020202020204" pitchFamily="34" charset="0"/>
+                  <a:cs typeface="Arial" panose="020B0604020202020204" pitchFamily="34" charset="0"/>
+                </a:rPr>
+                <a:t>dependent</a:t>
+              </a:r>
+              <a:r>
+                <a:rPr lang="de-DE" sz="800" dirty="0">
+                  <a:latin typeface="Arial" panose="020B0604020202020204" pitchFamily="34" charset="0"/>
+                  <a:cs typeface="Arial" panose="020B0604020202020204" pitchFamily="34" charset="0"/>
+                </a:rPr>
+                <a:t> OS in </a:t>
+              </a:r>
+              <a:r>
+                <a:rPr lang="de-DE" sz="800" dirty="0" err="1">
+                  <a:latin typeface="Arial" panose="020B0604020202020204" pitchFamily="34" charset="0"/>
+                  <a:cs typeface="Arial" panose="020B0604020202020204" pitchFamily="34" charset="0"/>
+                </a:rPr>
+                <a:t>the</a:t>
+              </a:r>
+              <a:r>
+                <a:rPr lang="de-DE" sz="800" dirty="0">
+                  <a:latin typeface="Arial" panose="020B0604020202020204" pitchFamily="34" charset="0"/>
+                  <a:cs typeface="Arial" panose="020B0604020202020204" pitchFamily="34" charset="0"/>
+                </a:rPr>
+                <a:t> TCGA </a:t>
+              </a:r>
+              <a:r>
+                <a:rPr lang="de-DE" sz="800" dirty="0" err="1">
+                  <a:latin typeface="Arial" panose="020B0604020202020204" pitchFamily="34" charset="0"/>
+                  <a:cs typeface="Arial" panose="020B0604020202020204" pitchFamily="34" charset="0"/>
+                </a:rPr>
+                <a:t>cohort</a:t>
+              </a:r>
+              <a:r>
+                <a:rPr lang="de-DE" sz="800" dirty="0">
+                  <a:latin typeface="Arial" panose="020B0604020202020204" pitchFamily="34" charset="0"/>
+                  <a:cs typeface="Arial" panose="020B0604020202020204" pitchFamily="34" charset="0"/>
+                </a:rPr>
+                <a:t>.</a:t>
+              </a:r>
+              <a:endParaRPr lang="de-DE" sz="800" b="1" dirty="0">
+                <a:latin typeface="Arial" panose="020B0604020202020204" pitchFamily="34" charset="0"/>
+                <a:cs typeface="Arial" panose="020B0604020202020204" pitchFamily="34" charset="0"/>
+              </a:endParaRPr>
+            </a:p>
+          </p:txBody>
+        </p:sp>
+      </p:grpSp>
+      <p:sp>
+        <p:nvSpPr>
+          <p:cNvPr id="16" name="Textfeld 15">
+            <a:extLst>
+              <a:ext uri="{FF2B5EF4-FFF2-40B4-BE49-F238E27FC236}">
+                <a16:creationId xmlns:a16="http://schemas.microsoft.com/office/drawing/2014/main" id="{CC8BC499-1829-D94B-BEB0-87E599E96985}"/>
+              </a:ext>
+            </a:extLst>
+          </p:cNvPr>
+          <p:cNvSpPr txBox="1"/>
+          <p:nvPr/>
+        </p:nvSpPr>
+        <p:spPr>
+          <a:xfrm>
+            <a:off x="5683256" y="4424609"/>
+            <a:ext cx="3961589" cy="1969770"/>
+          </a:xfrm>
+          <a:prstGeom prst="rect">
+            <a:avLst/>
+          </a:prstGeom>
+          <a:noFill/>
+        </p:spPr>
+        <p:txBody>
+          <a:bodyPr wrap="square" rtlCol="0">
+            <a:spAutoFit/>
+          </a:bodyPr>
+          <a:lstStyle/>
+          <a:p>
+            <a:r>
+              <a:rPr lang="de-DE" sz="1200" b="1" dirty="0" err="1">
+                <a:latin typeface="Arial" panose="020B0604020202020204" pitchFamily="34" charset="0"/>
+                <a:cs typeface="Arial" panose="020B0604020202020204" pitchFamily="34" charset="0"/>
+              </a:rPr>
+              <a:t>Bernese</a:t>
+            </a:r>
+            <a:r>
+              <a:rPr lang="de-DE" sz="1200" b="1" dirty="0">
+                <a:latin typeface="Arial" panose="020B0604020202020204" pitchFamily="34" charset="0"/>
+                <a:cs typeface="Arial" panose="020B0604020202020204" pitchFamily="34" charset="0"/>
+              </a:rPr>
+              <a:t> </a:t>
+            </a:r>
+            <a:r>
+              <a:rPr lang="de-DE" sz="1200" b="1" dirty="0" err="1">
+                <a:latin typeface="Arial" panose="020B0604020202020204" pitchFamily="34" charset="0"/>
+                <a:cs typeface="Arial" panose="020B0604020202020204" pitchFamily="34" charset="0"/>
+              </a:rPr>
+              <a:t>Cohort</a:t>
+            </a:r>
+            <a:r>
+              <a:rPr lang="de-DE" sz="1200" b="1" dirty="0">
+                <a:latin typeface="Arial" panose="020B0604020202020204" pitchFamily="34" charset="0"/>
+                <a:cs typeface="Arial" panose="020B0604020202020204" pitchFamily="34" charset="0"/>
+              </a:rPr>
+              <a:t> – </a:t>
+            </a:r>
+            <a:r>
+              <a:rPr lang="de-DE" sz="1200" b="1" dirty="0" err="1">
+                <a:latin typeface="Arial" panose="020B0604020202020204" pitchFamily="34" charset="0"/>
+                <a:cs typeface="Arial" panose="020B0604020202020204" pitchFamily="34" charset="0"/>
+              </a:rPr>
+              <a:t>Comparison</a:t>
+            </a:r>
+            <a:endParaRPr lang="de-DE" sz="1200" b="1" dirty="0">
+              <a:latin typeface="Arial" panose="020B0604020202020204" pitchFamily="34" charset="0"/>
+              <a:cs typeface="Arial" panose="020B0604020202020204" pitchFamily="34" charset="0"/>
+            </a:endParaRPr>
+          </a:p>
+          <a:p>
+            <a:r>
+              <a:rPr lang="de-DE" sz="1000" dirty="0" err="1">
+                <a:latin typeface="Arial" panose="020B0604020202020204" pitchFamily="34" charset="0"/>
+                <a:cs typeface="Arial" panose="020B0604020202020204" pitchFamily="34" charset="0"/>
+              </a:rPr>
+              <a:t>There</a:t>
+            </a:r>
+            <a:r>
+              <a:rPr lang="de-DE" sz="1000" dirty="0">
+                <a:latin typeface="Arial" panose="020B0604020202020204" pitchFamily="34" charset="0"/>
+                <a:cs typeface="Arial" panose="020B0604020202020204" pitchFamily="34" charset="0"/>
+              </a:rPr>
+              <a:t> </a:t>
+            </a:r>
+            <a:r>
+              <a:rPr lang="de-DE" sz="1000" dirty="0" err="1">
+                <a:latin typeface="Arial" panose="020B0604020202020204" pitchFamily="34" charset="0"/>
+                <a:cs typeface="Arial" panose="020B0604020202020204" pitchFamily="34" charset="0"/>
+              </a:rPr>
+              <a:t>are</a:t>
+            </a:r>
+            <a:r>
+              <a:rPr lang="de-DE" sz="1000" dirty="0">
+                <a:latin typeface="Arial" panose="020B0604020202020204" pitchFamily="34" charset="0"/>
+                <a:cs typeface="Arial" panose="020B0604020202020204" pitchFamily="34" charset="0"/>
+              </a:rPr>
+              <a:t> </a:t>
+            </a:r>
+            <a:r>
+              <a:rPr lang="de-DE" sz="1000" dirty="0" err="1">
+                <a:latin typeface="Arial" panose="020B0604020202020204" pitchFamily="34" charset="0"/>
+                <a:cs typeface="Arial" panose="020B0604020202020204" pitchFamily="34" charset="0"/>
+              </a:rPr>
+              <a:t>currently</a:t>
+            </a:r>
+            <a:r>
+              <a:rPr lang="de-DE" sz="1000" dirty="0">
+                <a:latin typeface="Arial" panose="020B0604020202020204" pitchFamily="34" charset="0"/>
+                <a:cs typeface="Arial" panose="020B0604020202020204" pitchFamily="34" charset="0"/>
+              </a:rPr>
+              <a:t> </a:t>
+            </a:r>
+            <a:r>
+              <a:rPr lang="de-DE" sz="1000" dirty="0" err="1">
+                <a:latin typeface="Arial" panose="020B0604020202020204" pitchFamily="34" charset="0"/>
+                <a:cs typeface="Arial" panose="020B0604020202020204" pitchFamily="34" charset="0"/>
+              </a:rPr>
+              <a:t>no</a:t>
+            </a:r>
+            <a:r>
+              <a:rPr lang="de-DE" sz="1000" dirty="0">
+                <a:latin typeface="Arial" panose="020B0604020202020204" pitchFamily="34" charset="0"/>
+                <a:cs typeface="Arial" panose="020B0604020202020204" pitchFamily="34" charset="0"/>
+              </a:rPr>
+              <a:t> </a:t>
+            </a:r>
+            <a:r>
+              <a:rPr lang="de-DE" sz="1000" dirty="0" err="1">
+                <a:latin typeface="Arial" panose="020B0604020202020204" pitchFamily="34" charset="0"/>
+                <a:cs typeface="Arial" panose="020B0604020202020204" pitchFamily="34" charset="0"/>
+              </a:rPr>
+              <a:t>recommendation</a:t>
+            </a:r>
+            <a:r>
+              <a:rPr lang="de-DE" sz="1000" dirty="0">
+                <a:latin typeface="Arial" panose="020B0604020202020204" pitchFamily="34" charset="0"/>
+                <a:cs typeface="Arial" panose="020B0604020202020204" pitchFamily="34" charset="0"/>
+              </a:rPr>
+              <a:t> </a:t>
+            </a:r>
+            <a:r>
+              <a:rPr lang="de-DE" sz="1000" dirty="0" err="1">
+                <a:latin typeface="Arial" panose="020B0604020202020204" pitchFamily="34" charset="0"/>
+                <a:cs typeface="Arial" panose="020B0604020202020204" pitchFamily="34" charset="0"/>
+              </a:rPr>
+              <a:t>whether</a:t>
+            </a:r>
+            <a:r>
+              <a:rPr lang="de-DE" sz="1000" dirty="0">
+                <a:latin typeface="Arial" panose="020B0604020202020204" pitchFamily="34" charset="0"/>
+                <a:cs typeface="Arial" panose="020B0604020202020204" pitchFamily="34" charset="0"/>
+              </a:rPr>
+              <a:t> </a:t>
+            </a:r>
+            <a:r>
+              <a:rPr lang="de-DE" sz="1000" dirty="0" err="1">
+                <a:latin typeface="Arial" panose="020B0604020202020204" pitchFamily="34" charset="0"/>
+                <a:cs typeface="Arial" panose="020B0604020202020204" pitchFamily="34" charset="0"/>
+              </a:rPr>
+              <a:t>to</a:t>
+            </a:r>
+            <a:r>
+              <a:rPr lang="de-DE" sz="1000" dirty="0">
+                <a:latin typeface="Arial" panose="020B0604020202020204" pitchFamily="34" charset="0"/>
+                <a:cs typeface="Arial" panose="020B0604020202020204" pitchFamily="34" charset="0"/>
+              </a:rPr>
+              <a:t> </a:t>
+            </a:r>
+            <a:r>
+              <a:rPr lang="de-DE" sz="1000" dirty="0" err="1">
+                <a:latin typeface="Arial" panose="020B0604020202020204" pitchFamily="34" charset="0"/>
+                <a:cs typeface="Arial" panose="020B0604020202020204" pitchFamily="34" charset="0"/>
+              </a:rPr>
+              <a:t>use</a:t>
+            </a:r>
+            <a:r>
+              <a:rPr lang="de-DE" sz="1000" dirty="0">
+                <a:latin typeface="Arial" panose="020B0604020202020204" pitchFamily="34" charset="0"/>
+                <a:cs typeface="Arial" panose="020B0604020202020204" pitchFamily="34" charset="0"/>
+              </a:rPr>
+              <a:t> </a:t>
+            </a:r>
+            <a:r>
+              <a:rPr lang="de-DE" sz="1000" dirty="0" err="1">
+                <a:latin typeface="Arial" panose="020B0604020202020204" pitchFamily="34" charset="0"/>
+                <a:cs typeface="Arial" panose="020B0604020202020204" pitchFamily="34" charset="0"/>
+              </a:rPr>
+              <a:t>chemotherapy</a:t>
+            </a:r>
+            <a:r>
+              <a:rPr lang="de-DE" sz="1000" dirty="0">
+                <a:latin typeface="Arial" panose="020B0604020202020204" pitchFamily="34" charset="0"/>
+                <a:cs typeface="Arial" panose="020B0604020202020204" pitchFamily="34" charset="0"/>
+              </a:rPr>
+              <a:t> in </a:t>
+            </a:r>
+            <a:r>
+              <a:rPr lang="de-DE" sz="1000" dirty="0" err="1">
+                <a:latin typeface="Arial" panose="020B0604020202020204" pitchFamily="34" charset="0"/>
+                <a:cs typeface="Arial" panose="020B0604020202020204" pitchFamily="34" charset="0"/>
+              </a:rPr>
+              <a:t>the</a:t>
+            </a:r>
+            <a:r>
+              <a:rPr lang="de-DE" sz="1000" dirty="0">
+                <a:latin typeface="Arial" panose="020B0604020202020204" pitchFamily="34" charset="0"/>
+                <a:cs typeface="Arial" panose="020B0604020202020204" pitchFamily="34" charset="0"/>
+              </a:rPr>
+              <a:t> </a:t>
+            </a:r>
+            <a:r>
+              <a:rPr lang="de-DE" sz="1000" dirty="0" err="1">
+                <a:latin typeface="Arial" panose="020B0604020202020204" pitchFamily="34" charset="0"/>
+                <a:cs typeface="Arial" panose="020B0604020202020204" pitchFamily="34" charset="0"/>
+              </a:rPr>
+              <a:t>neoadjuvant</a:t>
+            </a:r>
+            <a:r>
+              <a:rPr lang="de-DE" sz="1000" dirty="0">
+                <a:latin typeface="Arial" panose="020B0604020202020204" pitchFamily="34" charset="0"/>
+                <a:cs typeface="Arial" panose="020B0604020202020204" pitchFamily="34" charset="0"/>
+              </a:rPr>
+              <a:t> </a:t>
+            </a:r>
+            <a:r>
+              <a:rPr lang="de-DE" sz="1000" dirty="0" err="1">
+                <a:latin typeface="Arial" panose="020B0604020202020204" pitchFamily="34" charset="0"/>
+                <a:cs typeface="Arial" panose="020B0604020202020204" pitchFamily="34" charset="0"/>
+              </a:rPr>
+              <a:t>or</a:t>
+            </a:r>
+            <a:r>
+              <a:rPr lang="de-DE" sz="1000" dirty="0">
+                <a:latin typeface="Arial" panose="020B0604020202020204" pitchFamily="34" charset="0"/>
+                <a:cs typeface="Arial" panose="020B0604020202020204" pitchFamily="34" charset="0"/>
+              </a:rPr>
+              <a:t> </a:t>
+            </a:r>
+            <a:r>
+              <a:rPr lang="de-DE" sz="1000" dirty="0" err="1">
+                <a:latin typeface="Arial" panose="020B0604020202020204" pitchFamily="34" charset="0"/>
+                <a:cs typeface="Arial" panose="020B0604020202020204" pitchFamily="34" charset="0"/>
+              </a:rPr>
+              <a:t>adjuvant</a:t>
+            </a:r>
+            <a:r>
+              <a:rPr lang="de-DE" sz="1000" dirty="0">
+                <a:latin typeface="Arial" panose="020B0604020202020204" pitchFamily="34" charset="0"/>
+                <a:cs typeface="Arial" panose="020B0604020202020204" pitchFamily="34" charset="0"/>
+              </a:rPr>
+              <a:t> </a:t>
+            </a:r>
+            <a:r>
+              <a:rPr lang="de-DE" sz="1000" dirty="0" err="1">
+                <a:latin typeface="Arial" panose="020B0604020202020204" pitchFamily="34" charset="0"/>
+                <a:cs typeface="Arial" panose="020B0604020202020204" pitchFamily="34" charset="0"/>
+              </a:rPr>
+              <a:t>setting</a:t>
+            </a:r>
+            <a:r>
+              <a:rPr lang="de-DE" sz="1000" dirty="0">
+                <a:latin typeface="Arial" panose="020B0604020202020204" pitchFamily="34" charset="0"/>
+                <a:cs typeface="Arial" panose="020B0604020202020204" pitchFamily="34" charset="0"/>
+              </a:rPr>
+              <a:t> </a:t>
+            </a:r>
+            <a:r>
+              <a:rPr lang="de-DE" sz="1000" dirty="0" err="1">
+                <a:latin typeface="Arial" panose="020B0604020202020204" pitchFamily="34" charset="0"/>
+                <a:cs typeface="Arial" panose="020B0604020202020204" pitchFamily="34" charset="0"/>
+              </a:rPr>
+              <a:t>because</a:t>
+            </a:r>
+            <a:r>
+              <a:rPr lang="de-DE" sz="1000" dirty="0">
+                <a:latin typeface="Arial" panose="020B0604020202020204" pitchFamily="34" charset="0"/>
+                <a:cs typeface="Arial" panose="020B0604020202020204" pitchFamily="34" charset="0"/>
+              </a:rPr>
+              <a:t> </a:t>
+            </a:r>
+            <a:r>
+              <a:rPr lang="de-DE" sz="1000" dirty="0" err="1">
+                <a:latin typeface="Arial" panose="020B0604020202020204" pitchFamily="34" charset="0"/>
+                <a:cs typeface="Arial" panose="020B0604020202020204" pitchFamily="34" charset="0"/>
+              </a:rPr>
+              <a:t>the</a:t>
+            </a:r>
+            <a:r>
+              <a:rPr lang="de-DE" sz="1000" dirty="0">
+                <a:latin typeface="Arial" panose="020B0604020202020204" pitchFamily="34" charset="0"/>
+                <a:cs typeface="Arial" panose="020B0604020202020204" pitchFamily="34" charset="0"/>
+              </a:rPr>
+              <a:t> OS </a:t>
+            </a:r>
+            <a:r>
+              <a:rPr lang="de-DE" sz="1000" dirty="0" err="1">
+                <a:latin typeface="Arial" panose="020B0604020202020204" pitchFamily="34" charset="0"/>
+                <a:cs typeface="Arial" panose="020B0604020202020204" pitchFamily="34" charset="0"/>
+              </a:rPr>
+              <a:t>seems</a:t>
+            </a:r>
+            <a:r>
+              <a:rPr lang="de-DE" sz="1000" dirty="0">
+                <a:latin typeface="Arial" panose="020B0604020202020204" pitchFamily="34" charset="0"/>
+                <a:cs typeface="Arial" panose="020B0604020202020204" pitchFamily="34" charset="0"/>
+              </a:rPr>
+              <a:t> not </a:t>
+            </a:r>
+            <a:r>
+              <a:rPr lang="de-DE" sz="1000" dirty="0" err="1">
+                <a:latin typeface="Arial" panose="020B0604020202020204" pitchFamily="34" charset="0"/>
+                <a:cs typeface="Arial" panose="020B0604020202020204" pitchFamily="34" charset="0"/>
+              </a:rPr>
+              <a:t>to</a:t>
+            </a:r>
+            <a:r>
+              <a:rPr lang="de-DE" sz="1000" dirty="0">
+                <a:latin typeface="Arial" panose="020B0604020202020204" pitchFamily="34" charset="0"/>
+                <a:cs typeface="Arial" panose="020B0604020202020204" pitchFamily="34" charset="0"/>
+              </a:rPr>
+              <a:t> </a:t>
+            </a:r>
+            <a:r>
+              <a:rPr lang="de-DE" sz="1000" dirty="0" err="1">
+                <a:latin typeface="Arial" panose="020B0604020202020204" pitchFamily="34" charset="0"/>
+                <a:cs typeface="Arial" panose="020B0604020202020204" pitchFamily="34" charset="0"/>
+              </a:rPr>
+              <a:t>be</a:t>
+            </a:r>
+            <a:r>
+              <a:rPr lang="de-DE" sz="1000" dirty="0">
+                <a:latin typeface="Arial" panose="020B0604020202020204" pitchFamily="34" charset="0"/>
+                <a:cs typeface="Arial" panose="020B0604020202020204" pitchFamily="34" charset="0"/>
+              </a:rPr>
+              <a:t> different. </a:t>
+            </a:r>
+            <a:r>
+              <a:rPr lang="de-DE" sz="1000" dirty="0" err="1">
+                <a:latin typeface="Arial" panose="020B0604020202020204" pitchFamily="34" charset="0"/>
+                <a:cs typeface="Arial" panose="020B0604020202020204" pitchFamily="34" charset="0"/>
+              </a:rPr>
+              <a:t>We</a:t>
+            </a:r>
+            <a:r>
+              <a:rPr lang="de-DE" sz="1000" dirty="0">
+                <a:latin typeface="Arial" panose="020B0604020202020204" pitchFamily="34" charset="0"/>
+                <a:cs typeface="Arial" panose="020B0604020202020204" pitchFamily="34" charset="0"/>
+              </a:rPr>
+              <a:t> </a:t>
+            </a:r>
+            <a:r>
+              <a:rPr lang="de-DE" sz="1000" dirty="0" err="1">
+                <a:latin typeface="Arial" panose="020B0604020202020204" pitchFamily="34" charset="0"/>
+                <a:cs typeface="Arial" panose="020B0604020202020204" pitchFamily="34" charset="0"/>
+              </a:rPr>
+              <a:t>wanted</a:t>
+            </a:r>
+            <a:r>
+              <a:rPr lang="de-DE" sz="1000" dirty="0">
+                <a:latin typeface="Arial" panose="020B0604020202020204" pitchFamily="34" charset="0"/>
+                <a:cs typeface="Arial" panose="020B0604020202020204" pitchFamily="34" charset="0"/>
+              </a:rPr>
+              <a:t> </a:t>
+            </a:r>
+            <a:r>
+              <a:rPr lang="de-DE" sz="1000" dirty="0" err="1">
+                <a:latin typeface="Arial" panose="020B0604020202020204" pitchFamily="34" charset="0"/>
+                <a:cs typeface="Arial" panose="020B0604020202020204" pitchFamily="34" charset="0"/>
+              </a:rPr>
+              <a:t>to</a:t>
+            </a:r>
+            <a:r>
+              <a:rPr lang="de-DE" sz="1000" dirty="0">
+                <a:latin typeface="Arial" panose="020B0604020202020204" pitchFamily="34" charset="0"/>
+                <a:cs typeface="Arial" panose="020B0604020202020204" pitchFamily="34" charset="0"/>
+              </a:rPr>
+              <a:t> </a:t>
+            </a:r>
+            <a:r>
+              <a:rPr lang="de-DE" sz="1000" dirty="0" err="1">
+                <a:latin typeface="Arial" panose="020B0604020202020204" pitchFamily="34" charset="0"/>
+                <a:cs typeface="Arial" panose="020B0604020202020204" pitchFamily="34" charset="0"/>
+              </a:rPr>
+              <a:t>compare</a:t>
+            </a:r>
+            <a:r>
+              <a:rPr lang="de-DE" sz="1000" dirty="0">
+                <a:latin typeface="Arial" panose="020B0604020202020204" pitchFamily="34" charset="0"/>
+                <a:cs typeface="Arial" panose="020B0604020202020204" pitchFamily="34" charset="0"/>
+              </a:rPr>
+              <a:t> </a:t>
+            </a:r>
+            <a:r>
+              <a:rPr lang="de-DE" sz="1000" dirty="0" err="1">
+                <a:latin typeface="Arial" panose="020B0604020202020204" pitchFamily="34" charset="0"/>
+                <a:cs typeface="Arial" panose="020B0604020202020204" pitchFamily="34" charset="0"/>
+              </a:rPr>
+              <a:t>the</a:t>
+            </a:r>
+            <a:r>
+              <a:rPr lang="de-DE" sz="1000" dirty="0">
+                <a:latin typeface="Arial" panose="020B0604020202020204" pitchFamily="34" charset="0"/>
+                <a:cs typeface="Arial" panose="020B0604020202020204" pitchFamily="34" charset="0"/>
+              </a:rPr>
+              <a:t> OS </a:t>
+            </a:r>
+            <a:r>
+              <a:rPr lang="de-DE" sz="1000" dirty="0" err="1">
+                <a:latin typeface="Arial" panose="020B0604020202020204" pitchFamily="34" charset="0"/>
+                <a:cs typeface="Arial" panose="020B0604020202020204" pitchFamily="34" charset="0"/>
+              </a:rPr>
+              <a:t>of</a:t>
+            </a:r>
+            <a:r>
+              <a:rPr lang="de-DE" sz="1000" dirty="0">
+                <a:latin typeface="Arial" panose="020B0604020202020204" pitchFamily="34" charset="0"/>
+                <a:cs typeface="Arial" panose="020B0604020202020204" pitchFamily="34" charset="0"/>
+              </a:rPr>
+              <a:t> </a:t>
+            </a:r>
+            <a:r>
+              <a:rPr lang="de-DE" sz="1000" dirty="0" err="1">
+                <a:latin typeface="Arial" panose="020B0604020202020204" pitchFamily="34" charset="0"/>
+                <a:cs typeface="Arial" panose="020B0604020202020204" pitchFamily="34" charset="0"/>
+              </a:rPr>
+              <a:t>our</a:t>
+            </a:r>
+            <a:r>
+              <a:rPr lang="de-DE" sz="1000" dirty="0">
+                <a:latin typeface="Arial" panose="020B0604020202020204" pitchFamily="34" charset="0"/>
+                <a:cs typeface="Arial" panose="020B0604020202020204" pitchFamily="34" charset="0"/>
+              </a:rPr>
+              <a:t> </a:t>
+            </a:r>
+            <a:r>
+              <a:rPr lang="de-DE" sz="1000" dirty="0" err="1">
+                <a:latin typeface="Arial" panose="020B0604020202020204" pitchFamily="34" charset="0"/>
+                <a:cs typeface="Arial" panose="020B0604020202020204" pitchFamily="34" charset="0"/>
+              </a:rPr>
+              <a:t>study</a:t>
+            </a:r>
+            <a:r>
+              <a:rPr lang="de-DE" sz="1000" dirty="0">
+                <a:latin typeface="Arial" panose="020B0604020202020204" pitchFamily="34" charset="0"/>
+                <a:cs typeface="Arial" panose="020B0604020202020204" pitchFamily="34" charset="0"/>
+              </a:rPr>
+              <a:t> </a:t>
+            </a:r>
+            <a:r>
+              <a:rPr lang="de-DE" sz="1000" dirty="0" err="1">
+                <a:latin typeface="Arial" panose="020B0604020202020204" pitchFamily="34" charset="0"/>
+                <a:cs typeface="Arial" panose="020B0604020202020204" pitchFamily="34" charset="0"/>
+              </a:rPr>
+              <a:t>and</a:t>
+            </a:r>
+            <a:r>
+              <a:rPr lang="de-DE" sz="1000" dirty="0">
+                <a:latin typeface="Arial" panose="020B0604020202020204" pitchFamily="34" charset="0"/>
+                <a:cs typeface="Arial" panose="020B0604020202020204" pitchFamily="34" charset="0"/>
+              </a:rPr>
+              <a:t> </a:t>
+            </a:r>
+            <a:r>
+              <a:rPr lang="de-DE" sz="1000" dirty="0" err="1">
+                <a:latin typeface="Arial" panose="020B0604020202020204" pitchFamily="34" charset="0"/>
+                <a:cs typeface="Arial" panose="020B0604020202020204" pitchFamily="34" charset="0"/>
+              </a:rPr>
+              <a:t>control</a:t>
+            </a:r>
+            <a:r>
+              <a:rPr lang="de-DE" sz="1000" dirty="0">
+                <a:latin typeface="Arial" panose="020B0604020202020204" pitchFamily="34" charset="0"/>
+                <a:cs typeface="Arial" panose="020B0604020202020204" pitchFamily="34" charset="0"/>
+              </a:rPr>
+              <a:t> </a:t>
+            </a:r>
+            <a:r>
+              <a:rPr lang="de-DE" sz="1000" dirty="0" err="1">
+                <a:latin typeface="Arial" panose="020B0604020202020204" pitchFamily="34" charset="0"/>
+                <a:cs typeface="Arial" panose="020B0604020202020204" pitchFamily="34" charset="0"/>
+              </a:rPr>
+              <a:t>cohort</a:t>
+            </a:r>
+            <a:r>
+              <a:rPr lang="de-DE" sz="1000" dirty="0">
+                <a:latin typeface="Arial" panose="020B0604020202020204" pitchFamily="34" charset="0"/>
+                <a:cs typeface="Arial" panose="020B0604020202020204" pitchFamily="34" charset="0"/>
+              </a:rPr>
+              <a:t>. In </a:t>
+            </a:r>
+            <a:r>
+              <a:rPr lang="de-DE" sz="1000" dirty="0" err="1">
+                <a:latin typeface="Arial" panose="020B0604020202020204" pitchFamily="34" charset="0"/>
+                <a:cs typeface="Arial" panose="020B0604020202020204" pitchFamily="34" charset="0"/>
+              </a:rPr>
+              <a:t>order</a:t>
+            </a:r>
+            <a:r>
+              <a:rPr lang="de-DE" sz="1000" dirty="0">
+                <a:latin typeface="Arial" panose="020B0604020202020204" pitchFamily="34" charset="0"/>
+                <a:cs typeface="Arial" panose="020B0604020202020204" pitchFamily="34" charset="0"/>
+              </a:rPr>
+              <a:t> </a:t>
+            </a:r>
+            <a:r>
+              <a:rPr lang="de-DE" sz="1000" dirty="0" err="1">
+                <a:latin typeface="Arial" panose="020B0604020202020204" pitchFamily="34" charset="0"/>
+                <a:cs typeface="Arial" panose="020B0604020202020204" pitchFamily="34" charset="0"/>
+              </a:rPr>
+              <a:t>to</a:t>
+            </a:r>
+            <a:r>
+              <a:rPr lang="de-DE" sz="1000" dirty="0">
+                <a:latin typeface="Arial" panose="020B0604020202020204" pitchFamily="34" charset="0"/>
+                <a:cs typeface="Arial" panose="020B0604020202020204" pitchFamily="34" charset="0"/>
+              </a:rPr>
+              <a:t> </a:t>
+            </a:r>
+            <a:r>
+              <a:rPr lang="de-DE" sz="1000" dirty="0" err="1">
+                <a:latin typeface="Arial" panose="020B0604020202020204" pitchFamily="34" charset="0"/>
+                <a:cs typeface="Arial" panose="020B0604020202020204" pitchFamily="34" charset="0"/>
+              </a:rPr>
+              <a:t>account</a:t>
+            </a:r>
+            <a:r>
+              <a:rPr lang="de-DE" sz="1000" dirty="0">
+                <a:latin typeface="Arial" panose="020B0604020202020204" pitchFamily="34" charset="0"/>
+                <a:cs typeface="Arial" panose="020B0604020202020204" pitchFamily="34" charset="0"/>
+              </a:rPr>
+              <a:t> </a:t>
+            </a:r>
+            <a:r>
+              <a:rPr lang="de-DE" sz="1000" dirty="0" err="1">
+                <a:latin typeface="Arial" panose="020B0604020202020204" pitchFamily="34" charset="0"/>
+                <a:cs typeface="Arial" panose="020B0604020202020204" pitchFamily="34" charset="0"/>
+              </a:rPr>
+              <a:t>for</a:t>
+            </a:r>
+            <a:r>
+              <a:rPr lang="de-DE" sz="1000" dirty="0">
+                <a:latin typeface="Arial" panose="020B0604020202020204" pitchFamily="34" charset="0"/>
+                <a:cs typeface="Arial" panose="020B0604020202020204" pitchFamily="34" charset="0"/>
+              </a:rPr>
+              <a:t> potential </a:t>
+            </a:r>
+            <a:r>
+              <a:rPr lang="de-DE" sz="1000" dirty="0" err="1">
+                <a:latin typeface="Arial" panose="020B0604020202020204" pitchFamily="34" charset="0"/>
+                <a:cs typeface="Arial" panose="020B0604020202020204" pitchFamily="34" charset="0"/>
+              </a:rPr>
+              <a:t>confounders</a:t>
+            </a:r>
+            <a:r>
+              <a:rPr lang="de-DE" sz="1000" dirty="0">
+                <a:latin typeface="Arial" panose="020B0604020202020204" pitchFamily="34" charset="0"/>
+                <a:cs typeface="Arial" panose="020B0604020202020204" pitchFamily="34" charset="0"/>
+              </a:rPr>
+              <a:t>, </a:t>
+            </a:r>
+            <a:r>
+              <a:rPr lang="de-DE" sz="1000" dirty="0" err="1">
+                <a:latin typeface="Arial" panose="020B0604020202020204" pitchFamily="34" charset="0"/>
+                <a:cs typeface="Arial" panose="020B0604020202020204" pitchFamily="34" charset="0"/>
+              </a:rPr>
+              <a:t>we</a:t>
+            </a:r>
+            <a:r>
+              <a:rPr lang="de-DE" sz="1000" dirty="0">
+                <a:latin typeface="Arial" panose="020B0604020202020204" pitchFamily="34" charset="0"/>
+                <a:cs typeface="Arial" panose="020B0604020202020204" pitchFamily="34" charset="0"/>
+              </a:rPr>
+              <a:t> </a:t>
+            </a:r>
+            <a:r>
+              <a:rPr lang="de-DE" sz="1000" dirty="0" err="1">
+                <a:latin typeface="Arial" panose="020B0604020202020204" pitchFamily="34" charset="0"/>
+                <a:cs typeface="Arial" panose="020B0604020202020204" pitchFamily="34" charset="0"/>
+              </a:rPr>
+              <a:t>checked</a:t>
+            </a:r>
+            <a:r>
+              <a:rPr lang="de-DE" sz="1000" dirty="0">
+                <a:latin typeface="Arial" panose="020B0604020202020204" pitchFamily="34" charset="0"/>
+                <a:cs typeface="Arial" panose="020B0604020202020204" pitchFamily="34" charset="0"/>
+              </a:rPr>
+              <a:t> </a:t>
+            </a:r>
+            <a:r>
+              <a:rPr lang="de-DE" sz="1000" dirty="0" err="1">
+                <a:latin typeface="Arial" panose="020B0604020202020204" pitchFamily="34" charset="0"/>
+                <a:cs typeface="Arial" panose="020B0604020202020204" pitchFamily="34" charset="0"/>
+              </a:rPr>
+              <a:t>for</a:t>
+            </a:r>
+            <a:r>
+              <a:rPr lang="de-DE" sz="1000" dirty="0">
+                <a:latin typeface="Arial" panose="020B0604020202020204" pitchFamily="34" charset="0"/>
+                <a:cs typeface="Arial" panose="020B0604020202020204" pitchFamily="34" charset="0"/>
+              </a:rPr>
+              <a:t> </a:t>
+            </a:r>
+            <a:r>
+              <a:rPr lang="de-DE" sz="1000" dirty="0" err="1">
+                <a:latin typeface="Arial" panose="020B0604020202020204" pitchFamily="34" charset="0"/>
+                <a:cs typeface="Arial" panose="020B0604020202020204" pitchFamily="34" charset="0"/>
+              </a:rPr>
+              <a:t>any</a:t>
+            </a:r>
+            <a:r>
+              <a:rPr lang="de-DE" sz="1000" dirty="0">
+                <a:latin typeface="Arial" panose="020B0604020202020204" pitchFamily="34" charset="0"/>
+                <a:cs typeface="Arial" panose="020B0604020202020204" pitchFamily="34" charset="0"/>
+              </a:rPr>
+              <a:t> </a:t>
+            </a:r>
+            <a:r>
+              <a:rPr lang="de-DE" sz="1000" dirty="0" err="1">
+                <a:latin typeface="Arial" panose="020B0604020202020204" pitchFamily="34" charset="0"/>
+                <a:cs typeface="Arial" panose="020B0604020202020204" pitchFamily="34" charset="0"/>
+              </a:rPr>
+              <a:t>differences</a:t>
+            </a:r>
+            <a:r>
+              <a:rPr lang="de-DE" sz="1000" dirty="0">
+                <a:latin typeface="Arial" panose="020B0604020202020204" pitchFamily="34" charset="0"/>
+                <a:cs typeface="Arial" panose="020B0604020202020204" pitchFamily="34" charset="0"/>
+              </a:rPr>
+              <a:t> </a:t>
+            </a:r>
+            <a:r>
+              <a:rPr lang="de-DE" sz="1000" dirty="0" err="1">
+                <a:latin typeface="Arial" panose="020B0604020202020204" pitchFamily="34" charset="0"/>
+                <a:cs typeface="Arial" panose="020B0604020202020204" pitchFamily="34" charset="0"/>
+              </a:rPr>
+              <a:t>between</a:t>
+            </a:r>
+            <a:r>
+              <a:rPr lang="de-DE" sz="1000" dirty="0">
+                <a:latin typeface="Arial" panose="020B0604020202020204" pitchFamily="34" charset="0"/>
+                <a:cs typeface="Arial" panose="020B0604020202020204" pitchFamily="34" charset="0"/>
+              </a:rPr>
+              <a:t> </a:t>
+            </a:r>
+            <a:r>
+              <a:rPr lang="de-DE" sz="1000" dirty="0" err="1">
+                <a:latin typeface="Arial" panose="020B0604020202020204" pitchFamily="34" charset="0"/>
+                <a:cs typeface="Arial" panose="020B0604020202020204" pitchFamily="34" charset="0"/>
+              </a:rPr>
+              <a:t>the</a:t>
+            </a:r>
+            <a:r>
+              <a:rPr lang="de-DE" sz="1000" dirty="0">
+                <a:latin typeface="Arial" panose="020B0604020202020204" pitchFamily="34" charset="0"/>
+                <a:cs typeface="Arial" panose="020B0604020202020204" pitchFamily="34" charset="0"/>
+              </a:rPr>
+              <a:t> </a:t>
+            </a:r>
+            <a:r>
+              <a:rPr lang="de-DE" sz="1000" dirty="0" err="1">
+                <a:latin typeface="Arial" panose="020B0604020202020204" pitchFamily="34" charset="0"/>
+                <a:cs typeface="Arial" panose="020B0604020202020204" pitchFamily="34" charset="0"/>
+              </a:rPr>
+              <a:t>groups</a:t>
+            </a:r>
+            <a:r>
+              <a:rPr lang="de-DE" sz="1000" dirty="0">
+                <a:latin typeface="Arial" panose="020B0604020202020204" pitchFamily="34" charset="0"/>
+                <a:cs typeface="Arial" panose="020B0604020202020204" pitchFamily="34" charset="0"/>
+              </a:rPr>
+              <a:t>. </a:t>
+            </a:r>
+            <a:r>
+              <a:rPr lang="de-DE" sz="1000" dirty="0" err="1">
+                <a:latin typeface="Arial" panose="020B0604020202020204" pitchFamily="34" charset="0"/>
+                <a:cs typeface="Arial" panose="020B0604020202020204" pitchFamily="34" charset="0"/>
+              </a:rPr>
+              <a:t>There</a:t>
+            </a:r>
+            <a:r>
+              <a:rPr lang="de-DE" sz="1000" dirty="0">
+                <a:latin typeface="Arial" panose="020B0604020202020204" pitchFamily="34" charset="0"/>
+                <a:cs typeface="Arial" panose="020B0604020202020204" pitchFamily="34" charset="0"/>
+              </a:rPr>
+              <a:t> was </a:t>
+            </a:r>
+            <a:r>
+              <a:rPr lang="de-DE" sz="1000" dirty="0" err="1">
+                <a:latin typeface="Arial" panose="020B0604020202020204" pitchFamily="34" charset="0"/>
+                <a:cs typeface="Arial" panose="020B0604020202020204" pitchFamily="34" charset="0"/>
+              </a:rPr>
+              <a:t>no</a:t>
+            </a:r>
+            <a:r>
+              <a:rPr lang="de-DE" sz="1000" dirty="0">
+                <a:latin typeface="Arial" panose="020B0604020202020204" pitchFamily="34" charset="0"/>
+                <a:cs typeface="Arial" panose="020B0604020202020204" pitchFamily="34" charset="0"/>
+              </a:rPr>
+              <a:t> </a:t>
+            </a:r>
+            <a:r>
+              <a:rPr lang="de-DE" sz="1000" dirty="0" err="1">
+                <a:latin typeface="Arial" panose="020B0604020202020204" pitchFamily="34" charset="0"/>
+                <a:cs typeface="Arial" panose="020B0604020202020204" pitchFamily="34" charset="0"/>
+              </a:rPr>
+              <a:t>difference</a:t>
+            </a:r>
+            <a:r>
+              <a:rPr lang="de-DE" sz="1000" dirty="0">
+                <a:latin typeface="Arial" panose="020B0604020202020204" pitchFamily="34" charset="0"/>
+                <a:cs typeface="Arial" panose="020B0604020202020204" pitchFamily="34" charset="0"/>
+              </a:rPr>
+              <a:t> in </a:t>
+            </a:r>
+            <a:r>
+              <a:rPr lang="de-DE" sz="1000" dirty="0" err="1">
+                <a:latin typeface="Arial" panose="020B0604020202020204" pitchFamily="34" charset="0"/>
+                <a:cs typeface="Arial" panose="020B0604020202020204" pitchFamily="34" charset="0"/>
+              </a:rPr>
+              <a:t>age</a:t>
+            </a:r>
+            <a:r>
+              <a:rPr lang="de-DE" sz="1000" dirty="0">
+                <a:latin typeface="Arial" panose="020B0604020202020204" pitchFamily="34" charset="0"/>
+                <a:cs typeface="Arial" panose="020B0604020202020204" pitchFamily="34" charset="0"/>
+              </a:rPr>
+              <a:t>, </a:t>
+            </a:r>
+            <a:r>
+              <a:rPr lang="de-DE" sz="1000" dirty="0" err="1">
+                <a:latin typeface="Arial" panose="020B0604020202020204" pitchFamily="34" charset="0"/>
+                <a:cs typeface="Arial" panose="020B0604020202020204" pitchFamily="34" charset="0"/>
+              </a:rPr>
+              <a:t>smoking</a:t>
+            </a:r>
+            <a:r>
+              <a:rPr lang="de-DE" sz="1000" dirty="0">
+                <a:latin typeface="Arial" panose="020B0604020202020204" pitchFamily="34" charset="0"/>
+                <a:cs typeface="Arial" panose="020B0604020202020204" pitchFamily="34" charset="0"/>
+              </a:rPr>
+              <a:t> </a:t>
+            </a:r>
+            <a:r>
+              <a:rPr lang="de-DE" sz="1000" dirty="0" err="1">
+                <a:latin typeface="Arial" panose="020B0604020202020204" pitchFamily="34" charset="0"/>
+                <a:cs typeface="Arial" panose="020B0604020202020204" pitchFamily="34" charset="0"/>
+              </a:rPr>
+              <a:t>habits</a:t>
+            </a:r>
+            <a:r>
+              <a:rPr lang="de-DE" sz="1000" dirty="0">
+                <a:latin typeface="Arial" panose="020B0604020202020204" pitchFamily="34" charset="0"/>
+                <a:cs typeface="Arial" panose="020B0604020202020204" pitchFamily="34" charset="0"/>
+              </a:rPr>
+              <a:t>, </a:t>
+            </a:r>
+            <a:r>
+              <a:rPr lang="de-DE" sz="1000" dirty="0" err="1">
+                <a:latin typeface="Arial" panose="020B0604020202020204" pitchFamily="34" charset="0"/>
+                <a:cs typeface="Arial" panose="020B0604020202020204" pitchFamily="34" charset="0"/>
+              </a:rPr>
+              <a:t>completeness</a:t>
+            </a:r>
+            <a:r>
+              <a:rPr lang="de-DE" sz="1000" dirty="0">
+                <a:latin typeface="Arial" panose="020B0604020202020204" pitchFamily="34" charset="0"/>
+                <a:cs typeface="Arial" panose="020B0604020202020204" pitchFamily="34" charset="0"/>
+              </a:rPr>
+              <a:t> </a:t>
+            </a:r>
+            <a:r>
+              <a:rPr lang="de-DE" sz="1000" dirty="0" err="1">
+                <a:latin typeface="Arial" panose="020B0604020202020204" pitchFamily="34" charset="0"/>
+                <a:cs typeface="Arial" panose="020B0604020202020204" pitchFamily="34" charset="0"/>
+              </a:rPr>
+              <a:t>of</a:t>
+            </a:r>
+            <a:r>
+              <a:rPr lang="de-DE" sz="1000" dirty="0">
+                <a:latin typeface="Arial" panose="020B0604020202020204" pitchFamily="34" charset="0"/>
+                <a:cs typeface="Arial" panose="020B0604020202020204" pitchFamily="34" charset="0"/>
+              </a:rPr>
+              <a:t> </a:t>
+            </a:r>
+            <a:r>
+              <a:rPr lang="de-DE" sz="1000" dirty="0" err="1">
+                <a:latin typeface="Arial" panose="020B0604020202020204" pitchFamily="34" charset="0"/>
+                <a:cs typeface="Arial" panose="020B0604020202020204" pitchFamily="34" charset="0"/>
+              </a:rPr>
+              <a:t>resection</a:t>
+            </a:r>
+            <a:r>
+              <a:rPr lang="de-DE" sz="1000" dirty="0">
+                <a:latin typeface="Arial" panose="020B0604020202020204" pitchFamily="34" charset="0"/>
+                <a:cs typeface="Arial" panose="020B0604020202020204" pitchFamily="34" charset="0"/>
+              </a:rPr>
+              <a:t> </a:t>
+            </a:r>
+            <a:r>
+              <a:rPr lang="de-DE" sz="1000" dirty="0" err="1">
+                <a:latin typeface="Arial" panose="020B0604020202020204" pitchFamily="34" charset="0"/>
+                <a:cs typeface="Arial" panose="020B0604020202020204" pitchFamily="34" charset="0"/>
+              </a:rPr>
+              <a:t>or</a:t>
+            </a:r>
+            <a:r>
+              <a:rPr lang="de-DE" sz="1000" dirty="0">
+                <a:latin typeface="Arial" panose="020B0604020202020204" pitchFamily="34" charset="0"/>
+                <a:cs typeface="Arial" panose="020B0604020202020204" pitchFamily="34" charset="0"/>
+              </a:rPr>
+              <a:t> type </a:t>
+            </a:r>
+            <a:r>
+              <a:rPr lang="de-DE" sz="1000" dirty="0" err="1">
+                <a:latin typeface="Arial" panose="020B0604020202020204" pitchFamily="34" charset="0"/>
+                <a:cs typeface="Arial" panose="020B0604020202020204" pitchFamily="34" charset="0"/>
+              </a:rPr>
+              <a:t>of</a:t>
+            </a:r>
+            <a:r>
+              <a:rPr lang="de-DE" sz="1000" dirty="0">
+                <a:latin typeface="Arial" panose="020B0604020202020204" pitchFamily="34" charset="0"/>
+                <a:cs typeface="Arial" panose="020B0604020202020204" pitchFamily="34" charset="0"/>
+              </a:rPr>
+              <a:t> </a:t>
+            </a:r>
+            <a:r>
+              <a:rPr lang="de-DE" sz="1000" dirty="0" err="1">
+                <a:latin typeface="Arial" panose="020B0604020202020204" pitchFamily="34" charset="0"/>
+                <a:cs typeface="Arial" panose="020B0604020202020204" pitchFamily="34" charset="0"/>
+              </a:rPr>
+              <a:t>resection</a:t>
+            </a:r>
+            <a:r>
+              <a:rPr lang="de-DE" sz="1000" dirty="0">
+                <a:latin typeface="Arial" panose="020B0604020202020204" pitchFamily="34" charset="0"/>
+                <a:cs typeface="Arial" panose="020B0604020202020204" pitchFamily="34" charset="0"/>
+              </a:rPr>
+              <a:t>. </a:t>
+            </a:r>
+            <a:r>
+              <a:rPr lang="de-DE" sz="1000" dirty="0" err="1">
+                <a:latin typeface="Arial" panose="020B0604020202020204" pitchFamily="34" charset="0"/>
+                <a:cs typeface="Arial" panose="020B0604020202020204" pitchFamily="34" charset="0"/>
+              </a:rPr>
+              <a:t>However</a:t>
+            </a:r>
+            <a:r>
+              <a:rPr lang="de-DE" sz="1000" dirty="0">
+                <a:latin typeface="Arial" panose="020B0604020202020204" pitchFamily="34" charset="0"/>
+                <a:cs typeface="Arial" panose="020B0604020202020204" pitchFamily="34" charset="0"/>
+              </a:rPr>
+              <a:t>, </a:t>
+            </a:r>
+            <a:r>
+              <a:rPr lang="de-DE" sz="1000" dirty="0" err="1">
+                <a:latin typeface="Arial" panose="020B0604020202020204" pitchFamily="34" charset="0"/>
+                <a:cs typeface="Arial" panose="020B0604020202020204" pitchFamily="34" charset="0"/>
+              </a:rPr>
+              <a:t>adjuvant</a:t>
+            </a:r>
+            <a:r>
+              <a:rPr lang="de-DE" sz="1000" dirty="0">
+                <a:latin typeface="Arial" panose="020B0604020202020204" pitchFamily="34" charset="0"/>
+                <a:cs typeface="Arial" panose="020B0604020202020204" pitchFamily="34" charset="0"/>
+              </a:rPr>
+              <a:t> </a:t>
+            </a:r>
+            <a:r>
+              <a:rPr lang="de-DE" sz="1000" dirty="0" err="1">
+                <a:latin typeface="Arial" panose="020B0604020202020204" pitchFamily="34" charset="0"/>
+                <a:cs typeface="Arial" panose="020B0604020202020204" pitchFamily="34" charset="0"/>
+              </a:rPr>
+              <a:t>therapy</a:t>
+            </a:r>
+            <a:r>
+              <a:rPr lang="de-DE" sz="1000" dirty="0">
+                <a:latin typeface="Arial" panose="020B0604020202020204" pitchFamily="34" charset="0"/>
+                <a:cs typeface="Arial" panose="020B0604020202020204" pitchFamily="34" charset="0"/>
+              </a:rPr>
+              <a:t> was </a:t>
+            </a:r>
+            <a:r>
+              <a:rPr lang="de-DE" sz="1000" dirty="0" err="1">
+                <a:latin typeface="Arial" panose="020B0604020202020204" pitchFamily="34" charset="0"/>
+                <a:cs typeface="Arial" panose="020B0604020202020204" pitchFamily="34" charset="0"/>
+              </a:rPr>
+              <a:t>more</a:t>
+            </a:r>
+            <a:r>
+              <a:rPr lang="de-DE" sz="1000" dirty="0">
+                <a:latin typeface="Arial" panose="020B0604020202020204" pitchFamily="34" charset="0"/>
+                <a:cs typeface="Arial" panose="020B0604020202020204" pitchFamily="34" charset="0"/>
+              </a:rPr>
+              <a:t> </a:t>
+            </a:r>
+            <a:r>
+              <a:rPr lang="de-DE" sz="1000" dirty="0" err="1">
+                <a:latin typeface="Arial" panose="020B0604020202020204" pitchFamily="34" charset="0"/>
+                <a:cs typeface="Arial" panose="020B0604020202020204" pitchFamily="34" charset="0"/>
+              </a:rPr>
+              <a:t>often</a:t>
+            </a:r>
+            <a:r>
+              <a:rPr lang="de-DE" sz="1000" dirty="0">
+                <a:latin typeface="Arial" panose="020B0604020202020204" pitchFamily="34" charset="0"/>
+                <a:cs typeface="Arial" panose="020B0604020202020204" pitchFamily="34" charset="0"/>
+              </a:rPr>
+              <a:t> </a:t>
+            </a:r>
+            <a:r>
+              <a:rPr lang="de-DE" sz="1000" dirty="0" err="1">
+                <a:latin typeface="Arial" panose="020B0604020202020204" pitchFamily="34" charset="0"/>
+                <a:cs typeface="Arial" panose="020B0604020202020204" pitchFamily="34" charset="0"/>
+              </a:rPr>
+              <a:t>used</a:t>
+            </a:r>
+            <a:r>
+              <a:rPr lang="de-DE" sz="1000" dirty="0">
+                <a:latin typeface="Arial" panose="020B0604020202020204" pitchFamily="34" charset="0"/>
+                <a:cs typeface="Arial" panose="020B0604020202020204" pitchFamily="34" charset="0"/>
+              </a:rPr>
+              <a:t> in </a:t>
+            </a:r>
+            <a:r>
+              <a:rPr lang="de-DE" sz="1000" dirty="0" err="1">
+                <a:latin typeface="Arial" panose="020B0604020202020204" pitchFamily="34" charset="0"/>
+                <a:cs typeface="Arial" panose="020B0604020202020204" pitchFamily="34" charset="0"/>
+              </a:rPr>
+              <a:t>the</a:t>
+            </a:r>
+            <a:r>
+              <a:rPr lang="de-DE" sz="1000" dirty="0">
+                <a:latin typeface="Arial" panose="020B0604020202020204" pitchFamily="34" charset="0"/>
+                <a:cs typeface="Arial" panose="020B0604020202020204" pitchFamily="34" charset="0"/>
+              </a:rPr>
+              <a:t> </a:t>
+            </a:r>
+            <a:r>
+              <a:rPr lang="de-DE" sz="1000" dirty="0" err="1">
+                <a:latin typeface="Arial" panose="020B0604020202020204" pitchFamily="34" charset="0"/>
+                <a:cs typeface="Arial" panose="020B0604020202020204" pitchFamily="34" charset="0"/>
+              </a:rPr>
+              <a:t>control</a:t>
+            </a:r>
+            <a:r>
+              <a:rPr lang="de-DE" sz="1000" dirty="0">
+                <a:latin typeface="Arial" panose="020B0604020202020204" pitchFamily="34" charset="0"/>
+                <a:cs typeface="Arial" panose="020B0604020202020204" pitchFamily="34" charset="0"/>
+              </a:rPr>
+              <a:t> </a:t>
+            </a:r>
+            <a:r>
+              <a:rPr lang="de-DE" sz="1000" dirty="0" err="1">
+                <a:latin typeface="Arial" panose="020B0604020202020204" pitchFamily="34" charset="0"/>
+                <a:cs typeface="Arial" panose="020B0604020202020204" pitchFamily="34" charset="0"/>
+              </a:rPr>
+              <a:t>cohort</a:t>
+            </a:r>
+            <a:r>
+              <a:rPr lang="de-DE" sz="1000" dirty="0">
+                <a:latin typeface="Arial" panose="020B0604020202020204" pitchFamily="34" charset="0"/>
+                <a:cs typeface="Arial" panose="020B0604020202020204" pitchFamily="34" charset="0"/>
+              </a:rPr>
+              <a:t> </a:t>
+            </a:r>
+            <a:r>
+              <a:rPr lang="de-DE" sz="1000" dirty="0" err="1">
+                <a:latin typeface="Arial" panose="020B0604020202020204" pitchFamily="34" charset="0"/>
+                <a:cs typeface="Arial" panose="020B0604020202020204" pitchFamily="34" charset="0"/>
+              </a:rPr>
+              <a:t>and</a:t>
+            </a:r>
+            <a:r>
+              <a:rPr lang="de-DE" sz="1000" dirty="0">
+                <a:latin typeface="Arial" panose="020B0604020202020204" pitchFamily="34" charset="0"/>
+                <a:cs typeface="Arial" panose="020B0604020202020204" pitchFamily="34" charset="0"/>
+              </a:rPr>
+              <a:t> </a:t>
+            </a:r>
+            <a:r>
+              <a:rPr lang="de-DE" sz="1000" dirty="0" err="1">
+                <a:latin typeface="Arial" panose="020B0604020202020204" pitchFamily="34" charset="0"/>
+                <a:cs typeface="Arial" panose="020B0604020202020204" pitchFamily="34" charset="0"/>
+              </a:rPr>
+              <a:t>the</a:t>
+            </a:r>
+            <a:r>
+              <a:rPr lang="de-DE" sz="1000" dirty="0">
+                <a:latin typeface="Arial" panose="020B0604020202020204" pitchFamily="34" charset="0"/>
+                <a:cs typeface="Arial" panose="020B0604020202020204" pitchFamily="34" charset="0"/>
+              </a:rPr>
+              <a:t> </a:t>
+            </a:r>
+            <a:r>
+              <a:rPr lang="de-DE" sz="1000" dirty="0" err="1">
+                <a:latin typeface="Arial" panose="020B0604020202020204" pitchFamily="34" charset="0"/>
+                <a:cs typeface="Arial" panose="020B0604020202020204" pitchFamily="34" charset="0"/>
+              </a:rPr>
+              <a:t>pT-denominator</a:t>
+            </a:r>
+            <a:r>
+              <a:rPr lang="de-DE" sz="1000" dirty="0">
+                <a:latin typeface="Arial" panose="020B0604020202020204" pitchFamily="34" charset="0"/>
+                <a:cs typeface="Arial" panose="020B0604020202020204" pitchFamily="34" charset="0"/>
+              </a:rPr>
+              <a:t> </a:t>
+            </a:r>
+            <a:r>
+              <a:rPr lang="de-DE" sz="1000" dirty="0" err="1">
+                <a:latin typeface="Arial" panose="020B0604020202020204" pitchFamily="34" charset="0"/>
+                <a:cs typeface="Arial" panose="020B0604020202020204" pitchFamily="34" charset="0"/>
+              </a:rPr>
+              <a:t>and</a:t>
+            </a:r>
+            <a:r>
+              <a:rPr lang="de-DE" sz="1000" dirty="0">
+                <a:latin typeface="Arial" panose="020B0604020202020204" pitchFamily="34" charset="0"/>
+                <a:cs typeface="Arial" panose="020B0604020202020204" pitchFamily="34" charset="0"/>
+              </a:rPr>
+              <a:t> </a:t>
+            </a:r>
+            <a:r>
+              <a:rPr lang="de-DE" sz="1000" dirty="0" err="1">
+                <a:latin typeface="Arial" panose="020B0604020202020204" pitchFamily="34" charset="0"/>
+                <a:cs typeface="Arial" panose="020B0604020202020204" pitchFamily="34" charset="0"/>
+              </a:rPr>
+              <a:t>tumor</a:t>
+            </a:r>
+            <a:r>
+              <a:rPr lang="de-DE" sz="1000" dirty="0">
+                <a:latin typeface="Arial" panose="020B0604020202020204" pitchFamily="34" charset="0"/>
+                <a:cs typeface="Arial" panose="020B0604020202020204" pitchFamily="34" charset="0"/>
+              </a:rPr>
+              <a:t> </a:t>
+            </a:r>
+            <a:r>
+              <a:rPr lang="de-DE" sz="1000" dirty="0" err="1">
+                <a:latin typeface="Arial" panose="020B0604020202020204" pitchFamily="34" charset="0"/>
+                <a:cs typeface="Arial" panose="020B0604020202020204" pitchFamily="34" charset="0"/>
+              </a:rPr>
+              <a:t>bed</a:t>
+            </a:r>
+            <a:r>
+              <a:rPr lang="de-DE" sz="1000" dirty="0">
+                <a:latin typeface="Arial" panose="020B0604020202020204" pitchFamily="34" charset="0"/>
+                <a:cs typeface="Arial" panose="020B0604020202020204" pitchFamily="34" charset="0"/>
+              </a:rPr>
+              <a:t> </a:t>
+            </a:r>
+            <a:r>
+              <a:rPr lang="de-DE" sz="1000" dirty="0" err="1">
+                <a:latin typeface="Arial" panose="020B0604020202020204" pitchFamily="34" charset="0"/>
+                <a:cs typeface="Arial" panose="020B0604020202020204" pitchFamily="34" charset="0"/>
+              </a:rPr>
+              <a:t>size</a:t>
+            </a:r>
+            <a:r>
+              <a:rPr lang="de-DE" sz="1000" dirty="0">
+                <a:latin typeface="Arial" panose="020B0604020202020204" pitchFamily="34" charset="0"/>
+                <a:cs typeface="Arial" panose="020B0604020202020204" pitchFamily="34" charset="0"/>
+              </a:rPr>
+              <a:t> </a:t>
+            </a:r>
+            <a:r>
+              <a:rPr lang="de-DE" sz="1000" dirty="0" err="1">
+                <a:latin typeface="Arial" panose="020B0604020202020204" pitchFamily="34" charset="0"/>
+                <a:cs typeface="Arial" panose="020B0604020202020204" pitchFamily="34" charset="0"/>
+              </a:rPr>
+              <a:t>were</a:t>
+            </a:r>
+            <a:r>
+              <a:rPr lang="de-DE" sz="1000" dirty="0">
+                <a:latin typeface="Arial" panose="020B0604020202020204" pitchFamily="34" charset="0"/>
+                <a:cs typeface="Arial" panose="020B0604020202020204" pitchFamily="34" charset="0"/>
+              </a:rPr>
+              <a:t> </a:t>
+            </a:r>
+            <a:r>
+              <a:rPr lang="de-DE" sz="1000" dirty="0" err="1">
+                <a:latin typeface="Arial" panose="020B0604020202020204" pitchFamily="34" charset="0"/>
+                <a:cs typeface="Arial" panose="020B0604020202020204" pitchFamily="34" charset="0"/>
+              </a:rPr>
+              <a:t>bigger</a:t>
+            </a:r>
+            <a:r>
+              <a:rPr lang="de-DE" sz="1000" dirty="0">
+                <a:latin typeface="Arial" panose="020B0604020202020204" pitchFamily="34" charset="0"/>
+                <a:cs typeface="Arial" panose="020B0604020202020204" pitchFamily="34" charset="0"/>
+              </a:rPr>
+              <a:t>.</a:t>
+            </a:r>
+          </a:p>
+          <a:p>
+            <a:r>
+              <a:rPr lang="de-DE" sz="1000" dirty="0">
+                <a:latin typeface="Arial" panose="020B0604020202020204" pitchFamily="34" charset="0"/>
+                <a:cs typeface="Arial" panose="020B0604020202020204" pitchFamily="34" charset="0"/>
+              </a:rPr>
+              <a:t>A OS </a:t>
+            </a:r>
+            <a:r>
+              <a:rPr lang="de-DE" sz="1000" dirty="0" err="1">
+                <a:latin typeface="Arial" panose="020B0604020202020204" pitchFamily="34" charset="0"/>
+                <a:cs typeface="Arial" panose="020B0604020202020204" pitchFamily="34" charset="0"/>
+              </a:rPr>
+              <a:t>comparison</a:t>
+            </a:r>
+            <a:r>
+              <a:rPr lang="de-DE" sz="1000" dirty="0">
+                <a:latin typeface="Arial" panose="020B0604020202020204" pitchFamily="34" charset="0"/>
+                <a:cs typeface="Arial" panose="020B0604020202020204" pitchFamily="34" charset="0"/>
+              </a:rPr>
+              <a:t> </a:t>
+            </a:r>
+            <a:r>
+              <a:rPr lang="de-DE" sz="1000" dirty="0" err="1">
+                <a:latin typeface="Arial" panose="020B0604020202020204" pitchFamily="34" charset="0"/>
+                <a:cs typeface="Arial" panose="020B0604020202020204" pitchFamily="34" charset="0"/>
+              </a:rPr>
+              <a:t>between</a:t>
+            </a:r>
+            <a:r>
+              <a:rPr lang="de-DE" sz="1000" dirty="0">
+                <a:latin typeface="Arial" panose="020B0604020202020204" pitchFamily="34" charset="0"/>
+                <a:cs typeface="Arial" panose="020B0604020202020204" pitchFamily="34" charset="0"/>
+              </a:rPr>
+              <a:t> </a:t>
+            </a:r>
+            <a:r>
+              <a:rPr lang="de-DE" sz="1000" dirty="0" err="1">
+                <a:latin typeface="Arial" panose="020B0604020202020204" pitchFamily="34" charset="0"/>
+                <a:cs typeface="Arial" panose="020B0604020202020204" pitchFamily="34" charset="0"/>
+              </a:rPr>
+              <a:t>the</a:t>
+            </a:r>
+            <a:r>
+              <a:rPr lang="de-DE" sz="1000" dirty="0">
+                <a:latin typeface="Arial" panose="020B0604020202020204" pitchFamily="34" charset="0"/>
+                <a:cs typeface="Arial" panose="020B0604020202020204" pitchFamily="34" charset="0"/>
+              </a:rPr>
+              <a:t> </a:t>
+            </a:r>
+            <a:r>
+              <a:rPr lang="de-DE" sz="1000" dirty="0" err="1">
+                <a:latin typeface="Arial" panose="020B0604020202020204" pitchFamily="34" charset="0"/>
+                <a:cs typeface="Arial" panose="020B0604020202020204" pitchFamily="34" charset="0"/>
+              </a:rPr>
+              <a:t>cohorts</a:t>
+            </a:r>
+            <a:r>
+              <a:rPr lang="de-DE" sz="1000" dirty="0">
+                <a:latin typeface="Arial" panose="020B0604020202020204" pitchFamily="34" charset="0"/>
+                <a:cs typeface="Arial" panose="020B0604020202020204" pitchFamily="34" charset="0"/>
+              </a:rPr>
+              <a:t> </a:t>
+            </a:r>
+            <a:r>
+              <a:rPr lang="de-DE" sz="1000" dirty="0" err="1">
+                <a:latin typeface="Arial" panose="020B0604020202020204" pitchFamily="34" charset="0"/>
+                <a:cs typeface="Arial" panose="020B0604020202020204" pitchFamily="34" charset="0"/>
+              </a:rPr>
+              <a:t>did</a:t>
+            </a:r>
+            <a:r>
+              <a:rPr lang="de-DE" sz="1000" dirty="0">
+                <a:latin typeface="Arial" panose="020B0604020202020204" pitchFamily="34" charset="0"/>
+                <a:cs typeface="Arial" panose="020B0604020202020204" pitchFamily="34" charset="0"/>
+              </a:rPr>
+              <a:t> not </a:t>
+            </a:r>
+            <a:r>
+              <a:rPr lang="de-DE" sz="1000" dirty="0" err="1">
+                <a:latin typeface="Arial" panose="020B0604020202020204" pitchFamily="34" charset="0"/>
+                <a:cs typeface="Arial" panose="020B0604020202020204" pitchFamily="34" charset="0"/>
+              </a:rPr>
+              <a:t>result</a:t>
+            </a:r>
+            <a:r>
+              <a:rPr lang="de-DE" sz="1000" dirty="0">
+                <a:latin typeface="Arial" panose="020B0604020202020204" pitchFamily="34" charset="0"/>
+                <a:cs typeface="Arial" panose="020B0604020202020204" pitchFamily="34" charset="0"/>
+              </a:rPr>
+              <a:t> in a </a:t>
+            </a:r>
+            <a:r>
+              <a:rPr lang="de-DE" sz="1000" dirty="0" err="1">
+                <a:latin typeface="Arial" panose="020B0604020202020204" pitchFamily="34" charset="0"/>
+                <a:cs typeface="Arial" panose="020B0604020202020204" pitchFamily="34" charset="0"/>
+              </a:rPr>
+              <a:t>significant</a:t>
+            </a:r>
+            <a:r>
+              <a:rPr lang="de-DE" sz="1000" dirty="0">
+                <a:latin typeface="Arial" panose="020B0604020202020204" pitchFamily="34" charset="0"/>
+                <a:cs typeface="Arial" panose="020B0604020202020204" pitchFamily="34" charset="0"/>
+              </a:rPr>
+              <a:t> </a:t>
+            </a:r>
+            <a:r>
+              <a:rPr lang="de-DE" sz="1000" dirty="0" err="1">
+                <a:latin typeface="Arial" panose="020B0604020202020204" pitchFamily="34" charset="0"/>
+                <a:cs typeface="Arial" panose="020B0604020202020204" pitchFamily="34" charset="0"/>
+              </a:rPr>
+              <a:t>difference</a:t>
+            </a:r>
+            <a:r>
+              <a:rPr lang="de-DE" sz="1000" dirty="0">
+                <a:latin typeface="Arial" panose="020B0604020202020204" pitchFamily="34" charset="0"/>
+                <a:cs typeface="Arial" panose="020B0604020202020204" pitchFamily="34" charset="0"/>
+              </a:rPr>
+              <a:t> (</a:t>
+            </a:r>
+            <a:r>
+              <a:rPr lang="de-DE" sz="1000" dirty="0" err="1">
+                <a:latin typeface="Arial" panose="020B0604020202020204" pitchFamily="34" charset="0"/>
+                <a:cs typeface="Arial" panose="020B0604020202020204" pitchFamily="34" charset="0"/>
+              </a:rPr>
+              <a:t>study</a:t>
+            </a:r>
+            <a:r>
+              <a:rPr lang="de-DE" sz="1000" dirty="0">
+                <a:latin typeface="Arial" panose="020B0604020202020204" pitchFamily="34" charset="0"/>
+                <a:cs typeface="Arial" panose="020B0604020202020204" pitchFamily="34" charset="0"/>
+              </a:rPr>
+              <a:t> </a:t>
+            </a:r>
+            <a:r>
+              <a:rPr lang="de-DE" sz="1000" dirty="0" err="1">
+                <a:latin typeface="Arial" panose="020B0604020202020204" pitchFamily="34" charset="0"/>
+                <a:cs typeface="Arial" panose="020B0604020202020204" pitchFamily="34" charset="0"/>
+              </a:rPr>
+              <a:t>cohort</a:t>
+            </a:r>
+            <a:r>
+              <a:rPr lang="de-DE" sz="1000" dirty="0">
+                <a:latin typeface="Arial" panose="020B0604020202020204" pitchFamily="34" charset="0"/>
+                <a:cs typeface="Arial" panose="020B0604020202020204" pitchFamily="34" charset="0"/>
+              </a:rPr>
+              <a:t>     </a:t>
+            </a:r>
+            <a:r>
+              <a:rPr lang="de-DE" sz="1000" dirty="0" err="1">
+                <a:latin typeface="Arial" panose="020B0604020202020204" pitchFamily="34" charset="0"/>
+                <a:cs typeface="Arial" panose="020B0604020202020204" pitchFamily="34" charset="0"/>
+              </a:rPr>
+              <a:t>control</a:t>
+            </a:r>
+            <a:r>
+              <a:rPr lang="de-DE" sz="1000" dirty="0">
+                <a:latin typeface="Arial" panose="020B0604020202020204" pitchFamily="34" charset="0"/>
+                <a:cs typeface="Arial" panose="020B0604020202020204" pitchFamily="34" charset="0"/>
+              </a:rPr>
+              <a:t> </a:t>
+            </a:r>
+            <a:r>
+              <a:rPr lang="de-DE" sz="1000" dirty="0" err="1">
+                <a:latin typeface="Arial" panose="020B0604020202020204" pitchFamily="34" charset="0"/>
+                <a:cs typeface="Arial" panose="020B0604020202020204" pitchFamily="34" charset="0"/>
+              </a:rPr>
+              <a:t>cohort</a:t>
+            </a:r>
+            <a:r>
+              <a:rPr lang="de-DE" sz="1000" dirty="0">
+                <a:latin typeface="Arial" panose="020B0604020202020204" pitchFamily="34" charset="0"/>
+                <a:cs typeface="Arial" panose="020B0604020202020204" pitchFamily="34" charset="0"/>
+              </a:rPr>
+              <a:t>       ).</a:t>
+            </a:r>
+          </a:p>
+        </p:txBody>
+      </p:sp>
+      <p:grpSp>
+        <p:nvGrpSpPr>
+          <p:cNvPr id="23" name="Gruppieren 22">
+            <a:extLst>
+              <a:ext uri="{FF2B5EF4-FFF2-40B4-BE49-F238E27FC236}">
+                <a16:creationId xmlns:a16="http://schemas.microsoft.com/office/drawing/2014/main" id="{2B2865C5-1E5B-8B44-82A6-ED22FA687B09}"/>
+              </a:ext>
+            </a:extLst>
+          </p:cNvPr>
+          <p:cNvGrpSpPr/>
+          <p:nvPr/>
+        </p:nvGrpSpPr>
+        <p:grpSpPr>
+          <a:xfrm>
+            <a:off x="9631397" y="4422162"/>
+            <a:ext cx="3474023" cy="2325044"/>
+            <a:chOff x="9637200" y="4422162"/>
+            <a:chExt cx="3474023" cy="2325044"/>
+          </a:xfrm>
+        </p:grpSpPr>
+        <p:pic>
+          <p:nvPicPr>
+            <p:cNvPr id="21" name="Grafik 20">
+              <a:extLst>
+                <a:ext uri="{FF2B5EF4-FFF2-40B4-BE49-F238E27FC236}">
+                  <a16:creationId xmlns:a16="http://schemas.microsoft.com/office/drawing/2014/main" id="{28FBC39D-2EEE-D649-9C72-701FC16BCA18}"/>
+                </a:ext>
+              </a:extLst>
+            </p:cNvPr>
+            <p:cNvPicPr>
+              <a:picLocks noChangeAspect="1"/>
+            </p:cNvPicPr>
+            <p:nvPr/>
+          </p:nvPicPr>
+          <p:blipFill>
+            <a:blip r:embed="rId4"/>
+            <a:stretch>
+              <a:fillRect/>
+            </a:stretch>
+          </p:blipFill>
+          <p:spPr>
+            <a:xfrm>
+              <a:off x="9637200" y="4422162"/>
+              <a:ext cx="3164400" cy="2109600"/>
+            </a:xfrm>
+            <a:prstGeom prst="rect">
+              <a:avLst/>
+            </a:prstGeom>
+          </p:spPr>
+        </p:pic>
+        <p:sp>
+          <p:nvSpPr>
+            <p:cNvPr id="22" name="Textfeld 21">
+              <a:extLst>
+                <a:ext uri="{FF2B5EF4-FFF2-40B4-BE49-F238E27FC236}">
+                  <a16:creationId xmlns:a16="http://schemas.microsoft.com/office/drawing/2014/main" id="{D9E5CC40-F381-5F4C-85EC-0F7AAE9D2949}"/>
+                </a:ext>
+              </a:extLst>
+            </p:cNvPr>
+            <p:cNvSpPr txBox="1"/>
+            <p:nvPr/>
+          </p:nvSpPr>
+          <p:spPr>
+            <a:xfrm>
+              <a:off x="9637200" y="6531762"/>
+              <a:ext cx="3474023" cy="215444"/>
+            </a:xfrm>
+            <a:prstGeom prst="rect">
+              <a:avLst/>
+            </a:prstGeom>
+            <a:noFill/>
+          </p:spPr>
+          <p:txBody>
+            <a:bodyPr wrap="square" rtlCol="0">
+              <a:spAutoFit/>
+            </a:bodyPr>
+            <a:lstStyle/>
+            <a:p>
+              <a:r>
+                <a:rPr lang="de-DE" sz="800" b="1" dirty="0" err="1">
+                  <a:latin typeface="Arial" panose="020B0604020202020204" pitchFamily="34" charset="0"/>
+                  <a:cs typeface="Arial" panose="020B0604020202020204" pitchFamily="34" charset="0"/>
+                </a:rPr>
+                <a:t>Figure</a:t>
+              </a:r>
+              <a:r>
+                <a:rPr lang="de-DE" sz="800" b="1" dirty="0">
+                  <a:latin typeface="Arial" panose="020B0604020202020204" pitchFamily="34" charset="0"/>
+                  <a:cs typeface="Arial" panose="020B0604020202020204" pitchFamily="34" charset="0"/>
+                </a:rPr>
+                <a:t> 3: </a:t>
+              </a:r>
+              <a:r>
+                <a:rPr lang="de-DE" sz="800" dirty="0" err="1">
+                  <a:latin typeface="Arial" panose="020B0604020202020204" pitchFamily="34" charset="0"/>
+                  <a:cs typeface="Arial" panose="020B0604020202020204" pitchFamily="34" charset="0"/>
+                </a:rPr>
+                <a:t>Comparison</a:t>
+              </a:r>
+              <a:r>
+                <a:rPr lang="de-DE" sz="800" dirty="0">
+                  <a:latin typeface="Arial" panose="020B0604020202020204" pitchFamily="34" charset="0"/>
+                  <a:cs typeface="Arial" panose="020B0604020202020204" pitchFamily="34" charset="0"/>
+                </a:rPr>
+                <a:t> </a:t>
+              </a:r>
+              <a:r>
+                <a:rPr lang="de-DE" sz="800" dirty="0" err="1">
+                  <a:latin typeface="Arial" panose="020B0604020202020204" pitchFamily="34" charset="0"/>
+                  <a:cs typeface="Arial" panose="020B0604020202020204" pitchFamily="34" charset="0"/>
+                </a:rPr>
+                <a:t>of</a:t>
+              </a:r>
+              <a:r>
+                <a:rPr lang="de-DE" sz="800" dirty="0">
+                  <a:latin typeface="Arial" panose="020B0604020202020204" pitchFamily="34" charset="0"/>
+                  <a:cs typeface="Arial" panose="020B0604020202020204" pitchFamily="34" charset="0"/>
+                </a:rPr>
+                <a:t> OS </a:t>
+              </a:r>
+              <a:r>
+                <a:rPr lang="de-DE" sz="800" dirty="0" err="1">
+                  <a:latin typeface="Arial" panose="020B0604020202020204" pitchFamily="34" charset="0"/>
+                  <a:cs typeface="Arial" panose="020B0604020202020204" pitchFamily="34" charset="0"/>
+                </a:rPr>
+                <a:t>between</a:t>
+              </a:r>
+              <a:r>
+                <a:rPr lang="de-DE" sz="800" dirty="0">
+                  <a:latin typeface="Arial" panose="020B0604020202020204" pitchFamily="34" charset="0"/>
+                  <a:cs typeface="Arial" panose="020B0604020202020204" pitchFamily="34" charset="0"/>
+                </a:rPr>
+                <a:t> </a:t>
+              </a:r>
+              <a:r>
+                <a:rPr lang="de-DE" sz="800" dirty="0" err="1">
+                  <a:latin typeface="Arial" panose="020B0604020202020204" pitchFamily="34" charset="0"/>
+                  <a:cs typeface="Arial" panose="020B0604020202020204" pitchFamily="34" charset="0"/>
+                </a:rPr>
+                <a:t>study</a:t>
+              </a:r>
+              <a:r>
+                <a:rPr lang="de-DE" sz="800" dirty="0">
+                  <a:latin typeface="Arial" panose="020B0604020202020204" pitchFamily="34" charset="0"/>
+                  <a:cs typeface="Arial" panose="020B0604020202020204" pitchFamily="34" charset="0"/>
+                </a:rPr>
+                <a:t> </a:t>
+              </a:r>
+              <a:r>
+                <a:rPr lang="de-DE" sz="800" dirty="0" err="1">
+                  <a:latin typeface="Arial" panose="020B0604020202020204" pitchFamily="34" charset="0"/>
+                  <a:cs typeface="Arial" panose="020B0604020202020204" pitchFamily="34" charset="0"/>
+                </a:rPr>
+                <a:t>and</a:t>
+              </a:r>
+              <a:r>
+                <a:rPr lang="de-DE" sz="800" dirty="0">
+                  <a:latin typeface="Arial" panose="020B0604020202020204" pitchFamily="34" charset="0"/>
+                  <a:cs typeface="Arial" panose="020B0604020202020204" pitchFamily="34" charset="0"/>
+                </a:rPr>
+                <a:t> </a:t>
+              </a:r>
+              <a:r>
+                <a:rPr lang="de-DE" sz="800" dirty="0" err="1">
+                  <a:latin typeface="Arial" panose="020B0604020202020204" pitchFamily="34" charset="0"/>
+                  <a:cs typeface="Arial" panose="020B0604020202020204" pitchFamily="34" charset="0"/>
+                </a:rPr>
+                <a:t>control</a:t>
+              </a:r>
+              <a:r>
+                <a:rPr lang="de-DE" sz="800" dirty="0">
+                  <a:latin typeface="Arial" panose="020B0604020202020204" pitchFamily="34" charset="0"/>
+                  <a:cs typeface="Arial" panose="020B0604020202020204" pitchFamily="34" charset="0"/>
+                </a:rPr>
+                <a:t> </a:t>
+              </a:r>
+              <a:r>
+                <a:rPr lang="de-DE" sz="800" dirty="0" err="1">
+                  <a:latin typeface="Arial" panose="020B0604020202020204" pitchFamily="34" charset="0"/>
+                  <a:cs typeface="Arial" panose="020B0604020202020204" pitchFamily="34" charset="0"/>
+                </a:rPr>
+                <a:t>cohort</a:t>
+              </a:r>
+              <a:r>
+                <a:rPr lang="de-DE" sz="800" dirty="0">
+                  <a:latin typeface="Arial" panose="020B0604020202020204" pitchFamily="34" charset="0"/>
+                  <a:cs typeface="Arial" panose="020B0604020202020204" pitchFamily="34" charset="0"/>
+                </a:rPr>
+                <a:t>.</a:t>
+              </a:r>
+              <a:endParaRPr lang="de-DE" sz="800" b="1" dirty="0">
+                <a:latin typeface="Arial" panose="020B0604020202020204" pitchFamily="34" charset="0"/>
+                <a:cs typeface="Arial" panose="020B0604020202020204" pitchFamily="34" charset="0"/>
+              </a:endParaRPr>
+            </a:p>
+          </p:txBody>
+        </p:sp>
+      </p:grpSp>
     </p:spTree>
     <p:extLst>
       <p:ext uri="{BB962C8B-B14F-4D97-AF65-F5344CB8AC3E}">

--- a/DOC_PosterModule2.pptx
+++ b/DOC_PosterModule2.pptx
@@ -4,6 +4,9 @@
   <p:sldMasterIdLst>
     <p:sldMasterId id="2147483696" r:id="rId1"/>
   </p:sldMasterIdLst>
+  <p:notesMasterIdLst>
+    <p:notesMasterId r:id="rId3"/>
+  </p:notesMasterIdLst>
   <p:sldIdLst>
     <p:sldId id="256" r:id="rId2"/>
   </p:sldIdLst>
@@ -110,6 +113,439 @@
     </p:ext>
   </p:extLst>
 </p:presentation>
+</file>
+
+<file path=ppt/notesMasters/notesMaster1.xml><?xml version="1.0" encoding="utf-8"?>
+<p:notesMaster xmlns:a="http://schemas.openxmlformats.org/drawingml/2006/main" xmlns:r="http://schemas.openxmlformats.org/officeDocument/2006/relationships" xmlns:p="http://schemas.openxmlformats.org/presentationml/2006/main">
+  <p:cSld>
+    <p:bg>
+      <p:bgRef idx="1001">
+        <a:schemeClr val="bg1"/>
+      </p:bgRef>
+    </p:bg>
+    <p:spTree>
+      <p:nvGrpSpPr>
+        <p:cNvPr id="1" name=""/>
+        <p:cNvGrpSpPr/>
+        <p:nvPr/>
+      </p:nvGrpSpPr>
+      <p:grpSpPr>
+        <a:xfrm>
+          <a:off x="0" y="0"/>
+          <a:ext cx="0" cy="0"/>
+          <a:chOff x="0" y="0"/>
+          <a:chExt cx="0" cy="0"/>
+        </a:xfrm>
+      </p:grpSpPr>
+      <p:sp>
+        <p:nvSpPr>
+          <p:cNvPr id="2" name="Kopfzeilenplatzhalter 1"/>
+          <p:cNvSpPr>
+            <a:spLocks noGrp="1"/>
+          </p:cNvSpPr>
+          <p:nvPr>
+            <p:ph type="hdr" sz="quarter"/>
+          </p:nvPr>
+        </p:nvSpPr>
+        <p:spPr>
+          <a:xfrm>
+            <a:off x="0" y="0"/>
+            <a:ext cx="2971800" cy="458788"/>
+          </a:xfrm>
+          <a:prstGeom prst="rect">
+            <a:avLst/>
+          </a:prstGeom>
+        </p:spPr>
+        <p:txBody>
+          <a:bodyPr vert="horz" lIns="91440" tIns="45720" rIns="91440" bIns="45720" rtlCol="0"/>
+          <a:lstStyle>
+            <a:lvl1pPr algn="l">
+              <a:defRPr sz="1200"/>
+            </a:lvl1pPr>
+          </a:lstStyle>
+          <a:p>
+            <a:endParaRPr lang="de-DE"/>
+          </a:p>
+        </p:txBody>
+      </p:sp>
+      <p:sp>
+        <p:nvSpPr>
+          <p:cNvPr id="3" name="Datumsplatzhalter 2"/>
+          <p:cNvSpPr>
+            <a:spLocks noGrp="1"/>
+          </p:cNvSpPr>
+          <p:nvPr>
+            <p:ph type="dt" idx="1"/>
+          </p:nvPr>
+        </p:nvSpPr>
+        <p:spPr>
+          <a:xfrm>
+            <a:off x="3884613" y="0"/>
+            <a:ext cx="2971800" cy="458788"/>
+          </a:xfrm>
+          <a:prstGeom prst="rect">
+            <a:avLst/>
+          </a:prstGeom>
+        </p:spPr>
+        <p:txBody>
+          <a:bodyPr vert="horz" lIns="91440" tIns="45720" rIns="91440" bIns="45720" rtlCol="0"/>
+          <a:lstStyle>
+            <a:lvl1pPr algn="r">
+              <a:defRPr sz="1200"/>
+            </a:lvl1pPr>
+          </a:lstStyle>
+          <a:p>
+            <a:fld id="{739D5D26-BCE9-A345-BE0E-03ED0B2C0CFA}" type="datetimeFigureOut">
+              <a:rPr lang="de-DE" smtClean="0"/>
+              <a:t>21.06.21</a:t>
+            </a:fld>
+            <a:endParaRPr lang="de-DE"/>
+          </a:p>
+        </p:txBody>
+      </p:sp>
+      <p:sp>
+        <p:nvSpPr>
+          <p:cNvPr id="4" name="Folienbildplatzhalter 3"/>
+          <p:cNvSpPr>
+            <a:spLocks noGrp="1" noRot="1" noChangeAspect="1"/>
+          </p:cNvSpPr>
+          <p:nvPr>
+            <p:ph type="sldImg" idx="2"/>
+          </p:nvPr>
+        </p:nvSpPr>
+        <p:spPr>
+          <a:xfrm>
+            <a:off x="1371600" y="1143000"/>
+            <a:ext cx="4114800" cy="3086100"/>
+          </a:xfrm>
+          <a:prstGeom prst="rect">
+            <a:avLst/>
+          </a:prstGeom>
+          <a:noFill/>
+          <a:ln w="12700">
+            <a:solidFill>
+              <a:prstClr val="black"/>
+            </a:solidFill>
+          </a:ln>
+        </p:spPr>
+        <p:txBody>
+          <a:bodyPr vert="horz" lIns="91440" tIns="45720" rIns="91440" bIns="45720" rtlCol="0" anchor="ctr"/>
+          <a:lstStyle/>
+          <a:p>
+            <a:endParaRPr lang="de-DE"/>
+          </a:p>
+        </p:txBody>
+      </p:sp>
+      <p:sp>
+        <p:nvSpPr>
+          <p:cNvPr id="5" name="Notizenplatzhalter 4"/>
+          <p:cNvSpPr>
+            <a:spLocks noGrp="1"/>
+          </p:cNvSpPr>
+          <p:nvPr>
+            <p:ph type="body" sz="quarter" idx="3"/>
+          </p:nvPr>
+        </p:nvSpPr>
+        <p:spPr>
+          <a:xfrm>
+            <a:off x="685800" y="4400550"/>
+            <a:ext cx="5486400" cy="3600450"/>
+          </a:xfrm>
+          <a:prstGeom prst="rect">
+            <a:avLst/>
+          </a:prstGeom>
+        </p:spPr>
+        <p:txBody>
+          <a:bodyPr vert="horz" lIns="91440" tIns="45720" rIns="91440" bIns="45720" rtlCol="0"/>
+          <a:lstStyle/>
+          <a:p>
+            <a:pPr lvl="0"/>
+            <a:r>
+              <a:rPr lang="de-DE"/>
+              <a:t>Mastertextformat bearbeiten</a:t>
+            </a:r>
+          </a:p>
+          <a:p>
+            <a:pPr lvl="1"/>
+            <a:r>
+              <a:rPr lang="de-DE"/>
+              <a:t>Zweite Ebene</a:t>
+            </a:r>
+          </a:p>
+          <a:p>
+            <a:pPr lvl="2"/>
+            <a:r>
+              <a:rPr lang="de-DE"/>
+              <a:t>Dritte Ebene</a:t>
+            </a:r>
+          </a:p>
+          <a:p>
+            <a:pPr lvl="3"/>
+            <a:r>
+              <a:rPr lang="de-DE"/>
+              <a:t>Vierte Ebene</a:t>
+            </a:r>
+          </a:p>
+          <a:p>
+            <a:pPr lvl="4"/>
+            <a:r>
+              <a:rPr lang="de-DE"/>
+              <a:t>Fünfte Ebene</a:t>
+            </a:r>
+          </a:p>
+        </p:txBody>
+      </p:sp>
+      <p:sp>
+        <p:nvSpPr>
+          <p:cNvPr id="6" name="Fußzeilenplatzhalter 5"/>
+          <p:cNvSpPr>
+            <a:spLocks noGrp="1"/>
+          </p:cNvSpPr>
+          <p:nvPr>
+            <p:ph type="ftr" sz="quarter" idx="4"/>
+          </p:nvPr>
+        </p:nvSpPr>
+        <p:spPr>
+          <a:xfrm>
+            <a:off x="0" y="8685213"/>
+            <a:ext cx="2971800" cy="458787"/>
+          </a:xfrm>
+          <a:prstGeom prst="rect">
+            <a:avLst/>
+          </a:prstGeom>
+        </p:spPr>
+        <p:txBody>
+          <a:bodyPr vert="horz" lIns="91440" tIns="45720" rIns="91440" bIns="45720" rtlCol="0" anchor="b"/>
+          <a:lstStyle>
+            <a:lvl1pPr algn="l">
+              <a:defRPr sz="1200"/>
+            </a:lvl1pPr>
+          </a:lstStyle>
+          <a:p>
+            <a:endParaRPr lang="de-DE"/>
+          </a:p>
+        </p:txBody>
+      </p:sp>
+      <p:sp>
+        <p:nvSpPr>
+          <p:cNvPr id="7" name="Foliennummernplatzhalter 6"/>
+          <p:cNvSpPr>
+            <a:spLocks noGrp="1"/>
+          </p:cNvSpPr>
+          <p:nvPr>
+            <p:ph type="sldNum" sz="quarter" idx="5"/>
+          </p:nvPr>
+        </p:nvSpPr>
+        <p:spPr>
+          <a:xfrm>
+            <a:off x="3884613" y="8685213"/>
+            <a:ext cx="2971800" cy="458787"/>
+          </a:xfrm>
+          <a:prstGeom prst="rect">
+            <a:avLst/>
+          </a:prstGeom>
+        </p:spPr>
+        <p:txBody>
+          <a:bodyPr vert="horz" lIns="91440" tIns="45720" rIns="91440" bIns="45720" rtlCol="0" anchor="b"/>
+          <a:lstStyle>
+            <a:lvl1pPr algn="r">
+              <a:defRPr sz="1200"/>
+            </a:lvl1pPr>
+          </a:lstStyle>
+          <a:p>
+            <a:fld id="{8DC05440-719B-974E-888F-84DC752C8893}" type="slidenum">
+              <a:rPr lang="de-DE" smtClean="0"/>
+              <a:t>‹Nr.›</a:t>
+            </a:fld>
+            <a:endParaRPr lang="de-DE"/>
+          </a:p>
+        </p:txBody>
+      </p:sp>
+    </p:spTree>
+    <p:extLst>
+      <p:ext uri="{BB962C8B-B14F-4D97-AF65-F5344CB8AC3E}">
+        <p14:creationId xmlns:p14="http://schemas.microsoft.com/office/powerpoint/2010/main" val="3791414837"/>
+      </p:ext>
+    </p:extLst>
+  </p:cSld>
+  <p:clrMap bg1="lt1" tx1="dk1" bg2="lt2" tx2="dk2" accent1="accent1" accent2="accent2" accent3="accent3" accent4="accent4" accent5="accent5" accent6="accent6" hlink="hlink" folHlink="folHlink"/>
+  <p:notesStyle>
+    <a:lvl1pPr marL="0" algn="l" defTabSz="914126" rtl="0" eaLnBrk="1" latinLnBrk="0" hangingPunct="1">
+      <a:defRPr sz="1199" kern="1200">
+        <a:solidFill>
+          <a:schemeClr val="tx1"/>
+        </a:solidFill>
+        <a:latin typeface="+mn-lt"/>
+        <a:ea typeface="+mn-ea"/>
+        <a:cs typeface="+mn-cs"/>
+      </a:defRPr>
+    </a:lvl1pPr>
+    <a:lvl2pPr marL="457063" algn="l" defTabSz="914126" rtl="0" eaLnBrk="1" latinLnBrk="0" hangingPunct="1">
+      <a:defRPr sz="1199" kern="1200">
+        <a:solidFill>
+          <a:schemeClr val="tx1"/>
+        </a:solidFill>
+        <a:latin typeface="+mn-lt"/>
+        <a:ea typeface="+mn-ea"/>
+        <a:cs typeface="+mn-cs"/>
+      </a:defRPr>
+    </a:lvl2pPr>
+    <a:lvl3pPr marL="914126" algn="l" defTabSz="914126" rtl="0" eaLnBrk="1" latinLnBrk="0" hangingPunct="1">
+      <a:defRPr sz="1199" kern="1200">
+        <a:solidFill>
+          <a:schemeClr val="tx1"/>
+        </a:solidFill>
+        <a:latin typeface="+mn-lt"/>
+        <a:ea typeface="+mn-ea"/>
+        <a:cs typeface="+mn-cs"/>
+      </a:defRPr>
+    </a:lvl3pPr>
+    <a:lvl4pPr marL="1371189" algn="l" defTabSz="914126" rtl="0" eaLnBrk="1" latinLnBrk="0" hangingPunct="1">
+      <a:defRPr sz="1199" kern="1200">
+        <a:solidFill>
+          <a:schemeClr val="tx1"/>
+        </a:solidFill>
+        <a:latin typeface="+mn-lt"/>
+        <a:ea typeface="+mn-ea"/>
+        <a:cs typeface="+mn-cs"/>
+      </a:defRPr>
+    </a:lvl4pPr>
+    <a:lvl5pPr marL="1828252" algn="l" defTabSz="914126" rtl="0" eaLnBrk="1" latinLnBrk="0" hangingPunct="1">
+      <a:defRPr sz="1199" kern="1200">
+        <a:solidFill>
+          <a:schemeClr val="tx1"/>
+        </a:solidFill>
+        <a:latin typeface="+mn-lt"/>
+        <a:ea typeface="+mn-ea"/>
+        <a:cs typeface="+mn-cs"/>
+      </a:defRPr>
+    </a:lvl5pPr>
+    <a:lvl6pPr marL="2285315" algn="l" defTabSz="914126" rtl="0" eaLnBrk="1" latinLnBrk="0" hangingPunct="1">
+      <a:defRPr sz="1199" kern="1200">
+        <a:solidFill>
+          <a:schemeClr val="tx1"/>
+        </a:solidFill>
+        <a:latin typeface="+mn-lt"/>
+        <a:ea typeface="+mn-ea"/>
+        <a:cs typeface="+mn-cs"/>
+      </a:defRPr>
+    </a:lvl6pPr>
+    <a:lvl7pPr marL="2742377" algn="l" defTabSz="914126" rtl="0" eaLnBrk="1" latinLnBrk="0" hangingPunct="1">
+      <a:defRPr sz="1199" kern="1200">
+        <a:solidFill>
+          <a:schemeClr val="tx1"/>
+        </a:solidFill>
+        <a:latin typeface="+mn-lt"/>
+        <a:ea typeface="+mn-ea"/>
+        <a:cs typeface="+mn-cs"/>
+      </a:defRPr>
+    </a:lvl7pPr>
+    <a:lvl8pPr marL="3199440" algn="l" defTabSz="914126" rtl="0" eaLnBrk="1" latinLnBrk="0" hangingPunct="1">
+      <a:defRPr sz="1199" kern="1200">
+        <a:solidFill>
+          <a:schemeClr val="tx1"/>
+        </a:solidFill>
+        <a:latin typeface="+mn-lt"/>
+        <a:ea typeface="+mn-ea"/>
+        <a:cs typeface="+mn-cs"/>
+      </a:defRPr>
+    </a:lvl8pPr>
+    <a:lvl9pPr marL="3656503" algn="l" defTabSz="914126" rtl="0" eaLnBrk="1" latinLnBrk="0" hangingPunct="1">
+      <a:defRPr sz="1199" kern="1200">
+        <a:solidFill>
+          <a:schemeClr val="tx1"/>
+        </a:solidFill>
+        <a:latin typeface="+mn-lt"/>
+        <a:ea typeface="+mn-ea"/>
+        <a:cs typeface="+mn-cs"/>
+      </a:defRPr>
+    </a:lvl9pPr>
+  </p:notesStyle>
+</p:notesMaster>
+</file>
+
+<file path=ppt/notesSlides/notesSlide1.xml><?xml version="1.0" encoding="utf-8"?>
+<p:notes xmlns:a="http://schemas.openxmlformats.org/drawingml/2006/main" xmlns:r="http://schemas.openxmlformats.org/officeDocument/2006/relationships" xmlns:p="http://schemas.openxmlformats.org/presentationml/2006/main">
+  <p:cSld>
+    <p:spTree>
+      <p:nvGrpSpPr>
+        <p:cNvPr id="1" name=""/>
+        <p:cNvGrpSpPr/>
+        <p:nvPr/>
+      </p:nvGrpSpPr>
+      <p:grpSpPr>
+        <a:xfrm>
+          <a:off x="0" y="0"/>
+          <a:ext cx="0" cy="0"/>
+          <a:chOff x="0" y="0"/>
+          <a:chExt cx="0" cy="0"/>
+        </a:xfrm>
+      </p:grpSpPr>
+      <p:sp>
+        <p:nvSpPr>
+          <p:cNvPr id="2" name="Folienbildplatzhalter 1"/>
+          <p:cNvSpPr>
+            <a:spLocks noGrp="1" noRot="1" noChangeAspect="1"/>
+          </p:cNvSpPr>
+          <p:nvPr>
+            <p:ph type="sldImg"/>
+          </p:nvPr>
+        </p:nvSpPr>
+        <p:spPr/>
+      </p:sp>
+      <p:sp>
+        <p:nvSpPr>
+          <p:cNvPr id="3" name="Notizenplatzhalter 2"/>
+          <p:cNvSpPr>
+            <a:spLocks noGrp="1"/>
+          </p:cNvSpPr>
+          <p:nvPr>
+            <p:ph type="body" idx="1"/>
+          </p:nvPr>
+        </p:nvSpPr>
+        <p:spPr/>
+        <p:txBody>
+          <a:bodyPr/>
+          <a:lstStyle/>
+          <a:p>
+            <a:endParaRPr lang="de-DE" dirty="0"/>
+          </a:p>
+        </p:txBody>
+      </p:sp>
+      <p:sp>
+        <p:nvSpPr>
+          <p:cNvPr id="4" name="Foliennummernplatzhalter 3"/>
+          <p:cNvSpPr>
+            <a:spLocks noGrp="1"/>
+          </p:cNvSpPr>
+          <p:nvPr>
+            <p:ph type="sldNum" sz="quarter" idx="5"/>
+          </p:nvPr>
+        </p:nvSpPr>
+        <p:spPr/>
+        <p:txBody>
+          <a:bodyPr/>
+          <a:lstStyle/>
+          <a:p>
+            <a:fld id="{8DC05440-719B-974E-888F-84DC752C8893}" type="slidenum">
+              <a:rPr lang="de-DE" smtClean="0"/>
+              <a:t>1</a:t>
+            </a:fld>
+            <a:endParaRPr lang="de-DE"/>
+          </a:p>
+        </p:txBody>
+      </p:sp>
+    </p:spTree>
+    <p:extLst>
+      <p:ext uri="{BB962C8B-B14F-4D97-AF65-F5344CB8AC3E}">
+        <p14:creationId xmlns:p14="http://schemas.microsoft.com/office/powerpoint/2010/main" val="3305481067"/>
+      </p:ext>
+    </p:extLst>
+  </p:cSld>
+  <p:clrMapOvr>
+    <a:masterClrMapping/>
+  </p:clrMapOvr>
+</p:notes>
 </file>
 
 <file path=ppt/slideLayouts/slideLayout1.xml><?xml version="1.0" encoding="utf-8"?>
@@ -3520,34 +3956,6 @@
                 <a:latin typeface="Arial" panose="020B0604020202020204" pitchFamily="34" charset="0"/>
                 <a:cs typeface="Arial" panose="020B0604020202020204" pitchFamily="34" charset="0"/>
               </a:rPr>
-              <a:t> in </a:t>
-            </a:r>
-            <a:r>
-              <a:rPr lang="de-DE" sz="1000" dirty="0" err="1">
-                <a:latin typeface="Arial" panose="020B0604020202020204" pitchFamily="34" charset="0"/>
-                <a:cs typeface="Arial" panose="020B0604020202020204" pitchFamily="34" charset="0"/>
-              </a:rPr>
-              <a:t>this</a:t>
-            </a:r>
-            <a:r>
-              <a:rPr lang="de-DE" sz="1000" dirty="0">
-                <a:latin typeface="Arial" panose="020B0604020202020204" pitchFamily="34" charset="0"/>
-                <a:cs typeface="Arial" panose="020B0604020202020204" pitchFamily="34" charset="0"/>
-              </a:rPr>
-              <a:t> </a:t>
-            </a:r>
-            <a:r>
-              <a:rPr lang="de-DE" sz="1000" dirty="0" err="1">
-                <a:latin typeface="Arial" panose="020B0604020202020204" pitchFamily="34" charset="0"/>
-                <a:cs typeface="Arial" panose="020B0604020202020204" pitchFamily="34" charset="0"/>
-              </a:rPr>
-              <a:t>category</a:t>
-            </a:r>
-            <a:r>
-              <a:rPr lang="de-DE" sz="1000" dirty="0">
-                <a:latin typeface="Arial" panose="020B0604020202020204" pitchFamily="34" charset="0"/>
-                <a:cs typeface="Arial" panose="020B0604020202020204" pitchFamily="34" charset="0"/>
-              </a:rPr>
               <a:t> </a:t>
             </a:r>
             <a:r>
@@ -3744,21 +4152,7 @@
                 <a:latin typeface="Arial" panose="020B0604020202020204" pitchFamily="34" charset="0"/>
                 <a:cs typeface="Arial" panose="020B0604020202020204" pitchFamily="34" charset="0"/>
               </a:rPr>
-              <a:t> </a:t>
-            </a:r>
-            <a:r>
-              <a:rPr lang="de-DE" sz="1000" dirty="0" err="1">
-                <a:latin typeface="Arial" panose="020B0604020202020204" pitchFamily="34" charset="0"/>
-                <a:cs typeface="Arial" panose="020B0604020202020204" pitchFamily="34" charset="0"/>
-              </a:rPr>
-              <a:t>is</a:t>
-            </a:r>
-            <a:r>
-              <a:rPr lang="de-DE" sz="1000" dirty="0">
-                <a:latin typeface="Arial" panose="020B0604020202020204" pitchFamily="34" charset="0"/>
-                <a:cs typeface="Arial" panose="020B0604020202020204" pitchFamily="34" charset="0"/>
-              </a:rPr>
-              <a:t> </a:t>
+              <a:t> lies in </a:t>
             </a:r>
             <a:r>
               <a:rPr lang="de-DE" sz="1000" dirty="0" err="1">
@@ -4845,7 +5239,7 @@
         <p:spPr>
           <a:xfrm>
             <a:off x="5683256" y="2100998"/>
-            <a:ext cx="4094020" cy="2185214"/>
+            <a:ext cx="4094020" cy="2339102"/>
           </a:xfrm>
           <a:prstGeom prst="rect">
             <a:avLst/>
@@ -4959,7 +5353,7 @@
                 <a:latin typeface="Arial" panose="020B0604020202020204" pitchFamily="34" charset="0"/>
                 <a:cs typeface="Arial" panose="020B0604020202020204" pitchFamily="34" charset="0"/>
               </a:rPr>
-              <a:t>removing</a:t>
+              <a:t>excluding</a:t>
             </a:r>
             <a:r>
               <a:rPr lang="de-DE" sz="1000" dirty="0">
@@ -5183,7 +5577,7 @@
                 <a:latin typeface="Arial" panose="020B0604020202020204" pitchFamily="34" charset="0"/>
                 <a:cs typeface="Arial" panose="020B0604020202020204" pitchFamily="34" charset="0"/>
               </a:rPr>
-              <a:t>interesting</a:t>
+              <a:t>interested</a:t>
             </a:r>
             <a:r>
               <a:rPr lang="de-DE" sz="1000" dirty="0">
@@ -5365,21 +5759,21 @@
                 <a:latin typeface="Arial" panose="020B0604020202020204" pitchFamily="34" charset="0"/>
                 <a:cs typeface="Arial" panose="020B0604020202020204" pitchFamily="34" charset="0"/>
               </a:rPr>
-              <a:t>to</a:t>
-            </a:r>
-            <a:r>
-              <a:rPr lang="de-DE" sz="1000" dirty="0">
-                <a:latin typeface="Arial" panose="020B0604020202020204" pitchFamily="34" charset="0"/>
-                <a:cs typeface="Arial" panose="020B0604020202020204" pitchFamily="34" charset="0"/>
-              </a:rPr>
-              <a:t> </a:t>
-            </a:r>
-            <a:r>
-              <a:rPr lang="de-DE" sz="1000" dirty="0" err="1">
-                <a:latin typeface="Arial" panose="020B0604020202020204" pitchFamily="34" charset="0"/>
-                <a:cs typeface="Arial" panose="020B0604020202020204" pitchFamily="34" charset="0"/>
-              </a:rPr>
-              <a:t>group</a:t>
+              <a:t>and</a:t>
+            </a:r>
+            <a:r>
+              <a:rPr lang="de-DE" sz="1000" dirty="0">
+                <a:latin typeface="Arial" panose="020B0604020202020204" pitchFamily="34" charset="0"/>
+                <a:cs typeface="Arial" panose="020B0604020202020204" pitchFamily="34" charset="0"/>
+              </a:rPr>
+              <a:t> </a:t>
+            </a:r>
+            <a:r>
+              <a:rPr lang="de-DE" sz="1000" dirty="0" err="1">
+                <a:latin typeface="Arial" panose="020B0604020202020204" pitchFamily="34" charset="0"/>
+                <a:cs typeface="Arial" panose="020B0604020202020204" pitchFamily="34" charset="0"/>
+              </a:rPr>
+              <a:t>grouped</a:t>
             </a:r>
             <a:r>
               <a:rPr lang="de-DE" sz="1000" dirty="0">
@@ -5927,7 +6321,21 @@
                 <a:latin typeface="Arial" panose="020B0604020202020204" pitchFamily="34" charset="0"/>
                 <a:cs typeface="Arial" panose="020B0604020202020204" pitchFamily="34" charset="0"/>
               </a:rPr>
-              <a:t> I    </a:t>
+              <a:t> I 1874 </a:t>
+            </a:r>
+            <a:r>
+              <a:rPr lang="de-DE" sz="1000" dirty="0" err="1">
+                <a:latin typeface="Arial" panose="020B0604020202020204" pitchFamily="34" charset="0"/>
+                <a:cs typeface="Arial" panose="020B0604020202020204" pitchFamily="34" charset="0"/>
+              </a:rPr>
+              <a:t>days</a:t>
+            </a:r>
+            <a:r>
+              <a:rPr lang="de-DE" sz="1000" dirty="0">
+                <a:latin typeface="Arial" panose="020B0604020202020204" pitchFamily="34" charset="0"/>
+                <a:cs typeface="Arial" panose="020B0604020202020204" pitchFamily="34" charset="0"/>
+              </a:rPr>
+              <a:t> [1622 – 2318]; </a:t>
             </a:r>
             <a:r>
               <a:rPr lang="de-DE" sz="1000" dirty="0" err="1">
@@ -5941,7 +6349,21 @@
                 <a:latin typeface="Arial" panose="020B0604020202020204" pitchFamily="34" charset="0"/>
                 <a:cs typeface="Arial" panose="020B0604020202020204" pitchFamily="34" charset="0"/>
               </a:rPr>
-              <a:t> II     </a:t>
+              <a:t> II 1091 </a:t>
+            </a:r>
+            <a:r>
+              <a:rPr lang="de-DE" sz="1000" dirty="0" err="1">
+                <a:latin typeface="Arial" panose="020B0604020202020204" pitchFamily="34" charset="0"/>
+                <a:cs typeface="Arial" panose="020B0604020202020204" pitchFamily="34" charset="0"/>
+              </a:rPr>
+              <a:t>days</a:t>
+            </a:r>
+            <a:r>
+              <a:rPr lang="de-DE" sz="1000" dirty="0">
+                <a:latin typeface="Arial" panose="020B0604020202020204" pitchFamily="34" charset="0"/>
+                <a:cs typeface="Arial" panose="020B0604020202020204" pitchFamily="34" charset="0"/>
+              </a:rPr>
+              <a:t> [899 – 1492]; </a:t>
             </a:r>
             <a:r>
               <a:rPr lang="de-DE" sz="1000" dirty="0" err="1">
@@ -5955,7 +6377,21 @@
                 <a:latin typeface="Arial" panose="020B0604020202020204" pitchFamily="34" charset="0"/>
                 <a:cs typeface="Arial" panose="020B0604020202020204" pitchFamily="34" charset="0"/>
               </a:rPr>
-              <a:t> III.      )</a:t>
+              <a:t> III 740 </a:t>
+            </a:r>
+            <a:r>
+              <a:rPr lang="de-DE" sz="1000" dirty="0" err="1">
+                <a:latin typeface="Arial" panose="020B0604020202020204" pitchFamily="34" charset="0"/>
+                <a:cs typeface="Arial" panose="020B0604020202020204" pitchFamily="34" charset="0"/>
+              </a:rPr>
+              <a:t>days</a:t>
+            </a:r>
+            <a:r>
+              <a:rPr lang="de-DE" sz="1000" dirty="0">
+                <a:latin typeface="Arial" panose="020B0604020202020204" pitchFamily="34" charset="0"/>
+                <a:cs typeface="Arial" panose="020B0604020202020204" pitchFamily="34" charset="0"/>
+              </a:rPr>
+              <a:t> [519 – 1057]).</a:t>
             </a:r>
           </a:p>
         </p:txBody>
@@ -6884,20 +7320,6 @@
                   <a:latin typeface="Arial" panose="020B0604020202020204" pitchFamily="34" charset="0"/>
                   <a:cs typeface="Arial" panose="020B0604020202020204" pitchFamily="34" charset="0"/>
                 </a:rPr>
-                <a:t>were</a:t>
-              </a:r>
-              <a:r>
-                <a:rPr lang="de-DE" sz="1000" dirty="0">
-                  <a:latin typeface="Arial" panose="020B0604020202020204" pitchFamily="34" charset="0"/>
-                  <a:cs typeface="Arial" panose="020B0604020202020204" pitchFamily="34" charset="0"/>
-                </a:rPr>
-                <a:t> </a:t>
-              </a:r>
-              <a:r>
-                <a:rPr lang="de-DE" sz="1000" dirty="0" err="1">
-                  <a:latin typeface="Arial" panose="020B0604020202020204" pitchFamily="34" charset="0"/>
-                  <a:cs typeface="Arial" panose="020B0604020202020204" pitchFamily="34" charset="0"/>
-                </a:rPr>
                 <a:t>resected</a:t>
               </a:r>
               <a:r>
@@ -7677,21 +8099,7 @@
                   <a:latin typeface="Arial" panose="020B0604020202020204" pitchFamily="34" charset="0"/>
                   <a:cs typeface="Arial" panose="020B0604020202020204" pitchFamily="34" charset="0"/>
                 </a:rPr>
-                <a:t> </a:t>
-              </a:r>
-              <a:r>
-                <a:rPr lang="de-DE" sz="1000" dirty="0" err="1">
-                  <a:latin typeface="Arial" panose="020B0604020202020204" pitchFamily="34" charset="0"/>
-                  <a:cs typeface="Arial" panose="020B0604020202020204" pitchFamily="34" charset="0"/>
-                </a:rPr>
-                <a:t>univariate</a:t>
-              </a:r>
-              <a:r>
-                <a:rPr lang="de-DE" sz="1000" dirty="0">
-                  <a:latin typeface="Arial" panose="020B0604020202020204" pitchFamily="34" charset="0"/>
-                  <a:cs typeface="Arial" panose="020B0604020202020204" pitchFamily="34" charset="0"/>
-                </a:rPr>
-                <a:t> </a:t>
+                <a:t> univariable </a:t>
               </a:r>
               <a:r>
                 <a:rPr lang="de-DE" sz="1000" dirty="0" err="1">
@@ -7801,7 +8209,7 @@
               <p:nvPr/>
             </p:nvPicPr>
             <p:blipFill>
-              <a:blip r:embed="rId2"/>
+              <a:blip r:embed="rId3"/>
               <a:stretch>
                 <a:fillRect/>
               </a:stretch>
@@ -7951,7 +8359,7 @@
             <p:nvPr/>
           </p:nvPicPr>
           <p:blipFill>
-            <a:blip r:embed="rId3"/>
+            <a:blip r:embed="rId4"/>
             <a:stretch>
               <a:fillRect/>
             </a:stretch>
@@ -8094,7 +8502,7 @@
         <p:spPr>
           <a:xfrm>
             <a:off x="5683256" y="4424609"/>
-            <a:ext cx="3961589" cy="1969770"/>
+            <a:ext cx="3961589" cy="2123658"/>
           </a:xfrm>
           <a:prstGeom prst="rect">
             <a:avLst/>
@@ -9317,7 +9725,21 @@
                 <a:latin typeface="Arial" panose="020B0604020202020204" pitchFamily="34" charset="0"/>
                 <a:cs typeface="Arial" panose="020B0604020202020204" pitchFamily="34" charset="0"/>
               </a:rPr>
-              <a:t>     </a:t>
+              <a:t> 36.86 </a:t>
+            </a:r>
+            <a:r>
+              <a:rPr lang="de-DE" sz="1000" dirty="0" err="1">
+                <a:latin typeface="Arial" panose="020B0604020202020204" pitchFamily="34" charset="0"/>
+                <a:cs typeface="Arial" panose="020B0604020202020204" pitchFamily="34" charset="0"/>
+              </a:rPr>
+              <a:t>months</a:t>
+            </a:r>
+            <a:r>
+              <a:rPr lang="de-DE" sz="1000" dirty="0">
+                <a:latin typeface="Arial" panose="020B0604020202020204" pitchFamily="34" charset="0"/>
+                <a:cs typeface="Arial" panose="020B0604020202020204" pitchFamily="34" charset="0"/>
+              </a:rPr>
+              <a:t> [28.22 – 82.69]; </a:t>
             </a:r>
             <a:r>
               <a:rPr lang="de-DE" sz="1000" dirty="0" err="1">
@@ -9345,7 +9767,21 @@
                 <a:latin typeface="Arial" panose="020B0604020202020204" pitchFamily="34" charset="0"/>
                 <a:cs typeface="Arial" panose="020B0604020202020204" pitchFamily="34" charset="0"/>
               </a:rPr>
-              <a:t>       ).</a:t>
+              <a:t> 34.83 </a:t>
+            </a:r>
+            <a:r>
+              <a:rPr lang="de-DE" sz="1000" dirty="0" err="1">
+                <a:latin typeface="Arial" panose="020B0604020202020204" pitchFamily="34" charset="0"/>
+                <a:cs typeface="Arial" panose="020B0604020202020204" pitchFamily="34" charset="0"/>
+              </a:rPr>
+              <a:t>months</a:t>
+            </a:r>
+            <a:r>
+              <a:rPr lang="de-DE" sz="1000" dirty="0">
+                <a:latin typeface="Arial" panose="020B0604020202020204" pitchFamily="34" charset="0"/>
+                <a:cs typeface="Arial" panose="020B0604020202020204" pitchFamily="34" charset="0"/>
+              </a:rPr>
+              <a:t> [20.14 – 51.38]).</a:t>
             </a:r>
           </a:p>
         </p:txBody>
@@ -9385,7 +9821,7 @@
             <p:nvPr/>
           </p:nvPicPr>
           <p:blipFill>
-            <a:blip r:embed="rId4"/>
+            <a:blip r:embed="rId5"/>
             <a:stretch>
               <a:fillRect/>
             </a:stretch>
@@ -9548,6 +9984,1724 @@
           </p:txBody>
         </p:sp>
       </p:grpSp>
+      <p:sp>
+        <p:nvSpPr>
+          <p:cNvPr id="24" name="Textfeld 23">
+            <a:extLst>
+              <a:ext uri="{FF2B5EF4-FFF2-40B4-BE49-F238E27FC236}">
+                <a16:creationId xmlns:a16="http://schemas.microsoft.com/office/drawing/2014/main" id="{922F551F-3B3F-5F4A-AF35-5CD0FAEA9E6D}"/>
+              </a:ext>
+            </a:extLst>
+          </p:cNvPr>
+          <p:cNvSpPr txBox="1"/>
+          <p:nvPr/>
+        </p:nvSpPr>
+        <p:spPr>
+          <a:xfrm>
+            <a:off x="183505" y="6747206"/>
+            <a:ext cx="5733201" cy="1200329"/>
+          </a:xfrm>
+          <a:prstGeom prst="rect">
+            <a:avLst/>
+          </a:prstGeom>
+          <a:noFill/>
+        </p:spPr>
+        <p:txBody>
+          <a:bodyPr wrap="square" rtlCol="0">
+            <a:spAutoFit/>
+          </a:bodyPr>
+          <a:lstStyle/>
+          <a:p>
+            <a:r>
+              <a:rPr lang="de-DE" sz="1200" b="1" dirty="0" err="1">
+                <a:latin typeface="Arial" panose="020B0604020202020204" pitchFamily="34" charset="0"/>
+                <a:cs typeface="Arial" panose="020B0604020202020204" pitchFamily="34" charset="0"/>
+              </a:rPr>
+              <a:t>Prognostic</a:t>
+            </a:r>
+            <a:r>
+              <a:rPr lang="de-DE" sz="1200" b="1" dirty="0">
+                <a:latin typeface="Arial" panose="020B0604020202020204" pitchFamily="34" charset="0"/>
+                <a:cs typeface="Arial" panose="020B0604020202020204" pitchFamily="34" charset="0"/>
+              </a:rPr>
+              <a:t> </a:t>
+            </a:r>
+            <a:r>
+              <a:rPr lang="de-DE" sz="1200" b="1" dirty="0" err="1">
+                <a:latin typeface="Arial" panose="020B0604020202020204" pitchFamily="34" charset="0"/>
+                <a:cs typeface="Arial" panose="020B0604020202020204" pitchFamily="34" charset="0"/>
+              </a:rPr>
+              <a:t>markers</a:t>
+            </a:r>
+            <a:r>
+              <a:rPr lang="de-DE" sz="1200" b="1" dirty="0">
+                <a:latin typeface="Arial" panose="020B0604020202020204" pitchFamily="34" charset="0"/>
+                <a:cs typeface="Arial" panose="020B0604020202020204" pitchFamily="34" charset="0"/>
+              </a:rPr>
+              <a:t> in </a:t>
+            </a:r>
+            <a:r>
+              <a:rPr lang="de-DE" sz="1200" b="1" dirty="0" err="1">
+                <a:latin typeface="Arial" panose="020B0604020202020204" pitchFamily="34" charset="0"/>
+                <a:cs typeface="Arial" panose="020B0604020202020204" pitchFamily="34" charset="0"/>
+              </a:rPr>
+              <a:t>neoadjuvant</a:t>
+            </a:r>
+            <a:r>
+              <a:rPr lang="de-DE" sz="1200" b="1" dirty="0">
+                <a:latin typeface="Arial" panose="020B0604020202020204" pitchFamily="34" charset="0"/>
+                <a:cs typeface="Arial" panose="020B0604020202020204" pitchFamily="34" charset="0"/>
+              </a:rPr>
+              <a:t> NSCLC</a:t>
+            </a:r>
+          </a:p>
+          <a:p>
+            <a:r>
+              <a:rPr lang="de-DE" sz="1000" dirty="0" err="1">
+                <a:latin typeface="Arial" panose="020B0604020202020204" pitchFamily="34" charset="0"/>
+                <a:cs typeface="Arial" panose="020B0604020202020204" pitchFamily="34" charset="0"/>
+              </a:rPr>
+              <a:t>Finally</a:t>
+            </a:r>
+            <a:r>
+              <a:rPr lang="de-DE" sz="1000" dirty="0">
+                <a:latin typeface="Arial" panose="020B0604020202020204" pitchFamily="34" charset="0"/>
+                <a:cs typeface="Arial" panose="020B0604020202020204" pitchFamily="34" charset="0"/>
+              </a:rPr>
+              <a:t>, </a:t>
+            </a:r>
+            <a:r>
+              <a:rPr lang="de-DE" sz="1000" dirty="0" err="1">
+                <a:latin typeface="Arial" panose="020B0604020202020204" pitchFamily="34" charset="0"/>
+                <a:cs typeface="Arial" panose="020B0604020202020204" pitchFamily="34" charset="0"/>
+              </a:rPr>
+              <a:t>we</a:t>
+            </a:r>
+            <a:r>
+              <a:rPr lang="de-DE" sz="1000" dirty="0">
+                <a:latin typeface="Arial" panose="020B0604020202020204" pitchFamily="34" charset="0"/>
+                <a:cs typeface="Arial" panose="020B0604020202020204" pitchFamily="34" charset="0"/>
+              </a:rPr>
+              <a:t> </a:t>
+            </a:r>
+            <a:r>
+              <a:rPr lang="de-DE" sz="1000" dirty="0" err="1">
+                <a:latin typeface="Arial" panose="020B0604020202020204" pitchFamily="34" charset="0"/>
+                <a:cs typeface="Arial" panose="020B0604020202020204" pitchFamily="34" charset="0"/>
+              </a:rPr>
+              <a:t>were</a:t>
+            </a:r>
+            <a:r>
+              <a:rPr lang="de-DE" sz="1000" dirty="0">
+                <a:latin typeface="Arial" panose="020B0604020202020204" pitchFamily="34" charset="0"/>
+                <a:cs typeface="Arial" panose="020B0604020202020204" pitchFamily="34" charset="0"/>
+              </a:rPr>
+              <a:t> </a:t>
+            </a:r>
+            <a:r>
+              <a:rPr lang="de-DE" sz="1000" dirty="0" err="1">
+                <a:latin typeface="Arial" panose="020B0604020202020204" pitchFamily="34" charset="0"/>
+                <a:cs typeface="Arial" panose="020B0604020202020204" pitchFamily="34" charset="0"/>
+              </a:rPr>
+              <a:t>interested</a:t>
+            </a:r>
+            <a:r>
+              <a:rPr lang="de-DE" sz="1000" dirty="0">
+                <a:latin typeface="Arial" panose="020B0604020202020204" pitchFamily="34" charset="0"/>
+                <a:cs typeface="Arial" panose="020B0604020202020204" pitchFamily="34" charset="0"/>
+              </a:rPr>
+              <a:t> in potential </a:t>
+            </a:r>
+            <a:r>
+              <a:rPr lang="de-DE" sz="1000" dirty="0" err="1">
+                <a:latin typeface="Arial" panose="020B0604020202020204" pitchFamily="34" charset="0"/>
+                <a:cs typeface="Arial" panose="020B0604020202020204" pitchFamily="34" charset="0"/>
+              </a:rPr>
+              <a:t>better</a:t>
+            </a:r>
+            <a:r>
+              <a:rPr lang="de-DE" sz="1000" dirty="0">
+                <a:latin typeface="Arial" panose="020B0604020202020204" pitchFamily="34" charset="0"/>
+                <a:cs typeface="Arial" panose="020B0604020202020204" pitchFamily="34" charset="0"/>
+              </a:rPr>
+              <a:t> </a:t>
+            </a:r>
+            <a:r>
+              <a:rPr lang="de-DE" sz="1000" dirty="0" err="1">
+                <a:latin typeface="Arial" panose="020B0604020202020204" pitchFamily="34" charset="0"/>
+                <a:cs typeface="Arial" panose="020B0604020202020204" pitchFamily="34" charset="0"/>
+              </a:rPr>
+              <a:t>biomarkers</a:t>
+            </a:r>
+            <a:r>
+              <a:rPr lang="de-DE" sz="1000" dirty="0">
+                <a:latin typeface="Arial" panose="020B0604020202020204" pitchFamily="34" charset="0"/>
+                <a:cs typeface="Arial" panose="020B0604020202020204" pitchFamily="34" charset="0"/>
+              </a:rPr>
+              <a:t> in </a:t>
+            </a:r>
+            <a:r>
+              <a:rPr lang="de-DE" sz="1000" dirty="0" err="1">
+                <a:latin typeface="Arial" panose="020B0604020202020204" pitchFamily="34" charset="0"/>
+                <a:cs typeface="Arial" panose="020B0604020202020204" pitchFamily="34" charset="0"/>
+              </a:rPr>
+              <a:t>neoadjuvantly</a:t>
+            </a:r>
+            <a:r>
+              <a:rPr lang="de-DE" sz="1000" dirty="0">
+                <a:latin typeface="Arial" panose="020B0604020202020204" pitchFamily="34" charset="0"/>
+                <a:cs typeface="Arial" panose="020B0604020202020204" pitchFamily="34" charset="0"/>
+              </a:rPr>
+              <a:t> </a:t>
+            </a:r>
+            <a:r>
+              <a:rPr lang="de-DE" sz="1000" dirty="0" err="1">
+                <a:latin typeface="Arial" panose="020B0604020202020204" pitchFamily="34" charset="0"/>
+                <a:cs typeface="Arial" panose="020B0604020202020204" pitchFamily="34" charset="0"/>
+              </a:rPr>
+              <a:t>treated</a:t>
+            </a:r>
+            <a:r>
+              <a:rPr lang="de-DE" sz="1000" dirty="0">
+                <a:latin typeface="Arial" panose="020B0604020202020204" pitchFamily="34" charset="0"/>
+                <a:cs typeface="Arial" panose="020B0604020202020204" pitchFamily="34" charset="0"/>
+              </a:rPr>
+              <a:t> </a:t>
+            </a:r>
+            <a:r>
+              <a:rPr lang="de-DE" sz="1000" dirty="0" err="1">
+                <a:latin typeface="Arial" panose="020B0604020202020204" pitchFamily="34" charset="0"/>
+                <a:cs typeface="Arial" panose="020B0604020202020204" pitchFamily="34" charset="0"/>
+              </a:rPr>
+              <a:t>patients</a:t>
+            </a:r>
+            <a:r>
+              <a:rPr lang="de-DE" sz="1000" dirty="0">
+                <a:latin typeface="Arial" panose="020B0604020202020204" pitchFamily="34" charset="0"/>
+                <a:cs typeface="Arial" panose="020B0604020202020204" pitchFamily="34" charset="0"/>
+              </a:rPr>
+              <a:t> </a:t>
+            </a:r>
+            <a:r>
+              <a:rPr lang="de-DE" sz="1000" dirty="0" err="1">
+                <a:latin typeface="Arial" panose="020B0604020202020204" pitchFamily="34" charset="0"/>
+                <a:cs typeface="Arial" panose="020B0604020202020204" pitchFamily="34" charset="0"/>
+              </a:rPr>
+              <a:t>with</a:t>
+            </a:r>
+            <a:r>
+              <a:rPr lang="de-DE" sz="1000" dirty="0">
+                <a:latin typeface="Arial" panose="020B0604020202020204" pitchFamily="34" charset="0"/>
+                <a:cs typeface="Arial" panose="020B0604020202020204" pitchFamily="34" charset="0"/>
+              </a:rPr>
+              <a:t> </a:t>
+            </a:r>
+            <a:r>
+              <a:rPr lang="de-DE" sz="1000" dirty="0" err="1">
+                <a:latin typeface="Arial" panose="020B0604020202020204" pitchFamily="34" charset="0"/>
+                <a:cs typeface="Arial" panose="020B0604020202020204" pitchFamily="34" charset="0"/>
+              </a:rPr>
+              <a:t>resected</a:t>
+            </a:r>
+            <a:r>
+              <a:rPr lang="de-DE" sz="1000" dirty="0">
+                <a:latin typeface="Arial" panose="020B0604020202020204" pitchFamily="34" charset="0"/>
+                <a:cs typeface="Arial" panose="020B0604020202020204" pitchFamily="34" charset="0"/>
+              </a:rPr>
+              <a:t> NSCLC. In </a:t>
+            </a:r>
+            <a:r>
+              <a:rPr lang="de-DE" sz="1000" dirty="0" err="1">
+                <a:latin typeface="Arial" panose="020B0604020202020204" pitchFamily="34" charset="0"/>
+                <a:cs typeface="Arial" panose="020B0604020202020204" pitchFamily="34" charset="0"/>
+              </a:rPr>
+              <a:t>the</a:t>
+            </a:r>
+            <a:r>
+              <a:rPr lang="de-DE" sz="1000" dirty="0">
+                <a:latin typeface="Arial" panose="020B0604020202020204" pitchFamily="34" charset="0"/>
+                <a:cs typeface="Arial" panose="020B0604020202020204" pitchFamily="34" charset="0"/>
+              </a:rPr>
+              <a:t> univariable </a:t>
+            </a:r>
+            <a:r>
+              <a:rPr lang="de-DE" sz="1000" dirty="0" err="1">
+                <a:latin typeface="Arial" panose="020B0604020202020204" pitchFamily="34" charset="0"/>
+                <a:cs typeface="Arial" panose="020B0604020202020204" pitchFamily="34" charset="0"/>
+              </a:rPr>
+              <a:t>analyses</a:t>
+            </a:r>
+            <a:r>
+              <a:rPr lang="de-DE" sz="1000" dirty="0">
+                <a:latin typeface="Arial" panose="020B0604020202020204" pitchFamily="34" charset="0"/>
+                <a:cs typeface="Arial" panose="020B0604020202020204" pitchFamily="34" charset="0"/>
+              </a:rPr>
+              <a:t>, </a:t>
+            </a:r>
+            <a:r>
+              <a:rPr lang="de-DE" sz="1000" dirty="0" err="1">
+                <a:latin typeface="Arial" panose="020B0604020202020204" pitchFamily="34" charset="0"/>
+                <a:cs typeface="Arial" panose="020B0604020202020204" pitchFamily="34" charset="0"/>
+              </a:rPr>
+              <a:t>we</a:t>
+            </a:r>
+            <a:r>
+              <a:rPr lang="de-DE" sz="1000" dirty="0">
+                <a:latin typeface="Arial" panose="020B0604020202020204" pitchFamily="34" charset="0"/>
+                <a:cs typeface="Arial" panose="020B0604020202020204" pitchFamily="34" charset="0"/>
+              </a:rPr>
+              <a:t> </a:t>
+            </a:r>
+            <a:r>
+              <a:rPr lang="de-DE" sz="1000" dirty="0" err="1">
+                <a:latin typeface="Arial" panose="020B0604020202020204" pitchFamily="34" charset="0"/>
+                <a:cs typeface="Arial" panose="020B0604020202020204" pitchFamily="34" charset="0"/>
+              </a:rPr>
+              <a:t>found</a:t>
+            </a:r>
+            <a:r>
+              <a:rPr lang="de-DE" sz="1000" dirty="0">
+                <a:latin typeface="Arial" panose="020B0604020202020204" pitchFamily="34" charset="0"/>
+                <a:cs typeface="Arial" panose="020B0604020202020204" pitchFamily="34" charset="0"/>
+              </a:rPr>
+              <a:t> </a:t>
+            </a:r>
+            <a:r>
+              <a:rPr lang="de-DE" sz="1000" dirty="0" err="1">
+                <a:latin typeface="Arial" panose="020B0604020202020204" pitchFamily="34" charset="0"/>
+                <a:cs typeface="Arial" panose="020B0604020202020204" pitchFamily="34" charset="0"/>
+              </a:rPr>
+              <a:t>that</a:t>
+            </a:r>
+            <a:r>
+              <a:rPr lang="de-DE" sz="1000" dirty="0">
+                <a:latin typeface="Arial" panose="020B0604020202020204" pitchFamily="34" charset="0"/>
+                <a:cs typeface="Arial" panose="020B0604020202020204" pitchFamily="34" charset="0"/>
+              </a:rPr>
+              <a:t> </a:t>
+            </a:r>
+            <a:r>
+              <a:rPr lang="de-DE" sz="1000" dirty="0" err="1">
+                <a:latin typeface="Arial" panose="020B0604020202020204" pitchFamily="34" charset="0"/>
+                <a:cs typeface="Arial" panose="020B0604020202020204" pitchFamily="34" charset="0"/>
+              </a:rPr>
+              <a:t>major</a:t>
+            </a:r>
+            <a:r>
+              <a:rPr lang="de-DE" sz="1000" dirty="0">
+                <a:latin typeface="Arial" panose="020B0604020202020204" pitchFamily="34" charset="0"/>
+                <a:cs typeface="Arial" panose="020B0604020202020204" pitchFamily="34" charset="0"/>
+              </a:rPr>
+              <a:t> </a:t>
+            </a:r>
+            <a:r>
+              <a:rPr lang="de-DE" sz="1000" dirty="0" err="1">
+                <a:latin typeface="Arial" panose="020B0604020202020204" pitchFamily="34" charset="0"/>
+                <a:cs typeface="Arial" panose="020B0604020202020204" pitchFamily="34" charset="0"/>
+              </a:rPr>
+              <a:t>pathological</a:t>
+            </a:r>
+            <a:r>
+              <a:rPr lang="de-DE" sz="1000" dirty="0">
+                <a:latin typeface="Arial" panose="020B0604020202020204" pitchFamily="34" charset="0"/>
+                <a:cs typeface="Arial" panose="020B0604020202020204" pitchFamily="34" charset="0"/>
+              </a:rPr>
+              <a:t> </a:t>
+            </a:r>
+            <a:r>
+              <a:rPr lang="de-DE" sz="1000" dirty="0" err="1">
+                <a:latin typeface="Arial" panose="020B0604020202020204" pitchFamily="34" charset="0"/>
+                <a:cs typeface="Arial" panose="020B0604020202020204" pitchFamily="34" charset="0"/>
+              </a:rPr>
+              <a:t>response</a:t>
+            </a:r>
+            <a:r>
+              <a:rPr lang="de-DE" sz="1000" dirty="0">
+                <a:latin typeface="Arial" panose="020B0604020202020204" pitchFamily="34" charset="0"/>
+                <a:cs typeface="Arial" panose="020B0604020202020204" pitchFamily="34" charset="0"/>
+              </a:rPr>
+              <a:t> (MPR, % </a:t>
+            </a:r>
+            <a:r>
+              <a:rPr lang="de-DE" sz="1000" dirty="0" err="1">
+                <a:latin typeface="Arial" panose="020B0604020202020204" pitchFamily="34" charset="0"/>
+                <a:cs typeface="Arial" panose="020B0604020202020204" pitchFamily="34" charset="0"/>
+              </a:rPr>
+              <a:t>of</a:t>
+            </a:r>
+            <a:r>
+              <a:rPr lang="de-DE" sz="1000" dirty="0">
+                <a:latin typeface="Arial" panose="020B0604020202020204" pitchFamily="34" charset="0"/>
+                <a:cs typeface="Arial" panose="020B0604020202020204" pitchFamily="34" charset="0"/>
+              </a:rPr>
+              <a:t> residual </a:t>
+            </a:r>
+            <a:r>
+              <a:rPr lang="de-DE" sz="1000" dirty="0" err="1">
+                <a:latin typeface="Arial" panose="020B0604020202020204" pitchFamily="34" charset="0"/>
+                <a:cs typeface="Arial" panose="020B0604020202020204" pitchFamily="34" charset="0"/>
+              </a:rPr>
+              <a:t>tumor</a:t>
+            </a:r>
+            <a:r>
+              <a:rPr lang="de-DE" sz="1000" dirty="0">
+                <a:latin typeface="Arial" panose="020B0604020202020204" pitchFamily="34" charset="0"/>
+                <a:cs typeface="Arial" panose="020B0604020202020204" pitchFamily="34" charset="0"/>
+              </a:rPr>
+              <a:t>), TNM </a:t>
+            </a:r>
+            <a:r>
+              <a:rPr lang="de-DE" sz="1000" dirty="0" err="1">
+                <a:latin typeface="Arial" panose="020B0604020202020204" pitchFamily="34" charset="0"/>
+                <a:cs typeface="Arial" panose="020B0604020202020204" pitchFamily="34" charset="0"/>
+              </a:rPr>
+              <a:t>stages</a:t>
+            </a:r>
+            <a:r>
+              <a:rPr lang="de-DE" sz="1000" dirty="0">
+                <a:latin typeface="Arial" panose="020B0604020202020204" pitchFamily="34" charset="0"/>
+                <a:cs typeface="Arial" panose="020B0604020202020204" pitchFamily="34" charset="0"/>
+              </a:rPr>
+              <a:t>, </a:t>
+            </a:r>
+            <a:r>
+              <a:rPr lang="de-DE" sz="1000" dirty="0" err="1">
+                <a:latin typeface="Arial" panose="020B0604020202020204" pitchFamily="34" charset="0"/>
+                <a:cs typeface="Arial" panose="020B0604020202020204" pitchFamily="34" charset="0"/>
+              </a:rPr>
+              <a:t>resection</a:t>
+            </a:r>
+            <a:r>
+              <a:rPr lang="de-DE" sz="1000" dirty="0">
+                <a:latin typeface="Arial" panose="020B0604020202020204" pitchFamily="34" charset="0"/>
+                <a:cs typeface="Arial" panose="020B0604020202020204" pitchFamily="34" charset="0"/>
+              </a:rPr>
+              <a:t> type </a:t>
+            </a:r>
+            <a:r>
+              <a:rPr lang="de-DE" sz="1000" dirty="0" err="1">
+                <a:latin typeface="Arial" panose="020B0604020202020204" pitchFamily="34" charset="0"/>
+                <a:cs typeface="Arial" panose="020B0604020202020204" pitchFamily="34" charset="0"/>
+              </a:rPr>
+              <a:t>and</a:t>
+            </a:r>
+            <a:r>
+              <a:rPr lang="de-DE" sz="1000" dirty="0">
+                <a:latin typeface="Arial" panose="020B0604020202020204" pitchFamily="34" charset="0"/>
+                <a:cs typeface="Arial" panose="020B0604020202020204" pitchFamily="34" charset="0"/>
+              </a:rPr>
+              <a:t> R </a:t>
+            </a:r>
+            <a:r>
+              <a:rPr lang="de-DE" sz="1000" dirty="0" err="1">
+                <a:latin typeface="Arial" panose="020B0604020202020204" pitchFamily="34" charset="0"/>
+                <a:cs typeface="Arial" panose="020B0604020202020204" pitchFamily="34" charset="0"/>
+              </a:rPr>
+              <a:t>status</a:t>
+            </a:r>
+            <a:r>
+              <a:rPr lang="de-DE" sz="1000" dirty="0">
+                <a:latin typeface="Arial" panose="020B0604020202020204" pitchFamily="34" charset="0"/>
+                <a:cs typeface="Arial" panose="020B0604020202020204" pitchFamily="34" charset="0"/>
+              </a:rPr>
+              <a:t> </a:t>
+            </a:r>
+            <a:r>
+              <a:rPr lang="de-DE" sz="1000" dirty="0" err="1">
+                <a:latin typeface="Arial" panose="020B0604020202020204" pitchFamily="34" charset="0"/>
+                <a:cs typeface="Arial" panose="020B0604020202020204" pitchFamily="34" charset="0"/>
+              </a:rPr>
+              <a:t>are</a:t>
+            </a:r>
+            <a:r>
+              <a:rPr lang="de-DE" sz="1000" dirty="0">
+                <a:latin typeface="Arial" panose="020B0604020202020204" pitchFamily="34" charset="0"/>
+                <a:cs typeface="Arial" panose="020B0604020202020204" pitchFamily="34" charset="0"/>
+              </a:rPr>
+              <a:t> </a:t>
+            </a:r>
+            <a:r>
+              <a:rPr lang="de-DE" sz="1000" dirty="0" err="1">
+                <a:latin typeface="Arial" panose="020B0604020202020204" pitchFamily="34" charset="0"/>
+                <a:cs typeface="Arial" panose="020B0604020202020204" pitchFamily="34" charset="0"/>
+              </a:rPr>
+              <a:t>prognostic</a:t>
+            </a:r>
+            <a:r>
+              <a:rPr lang="de-DE" sz="1000" dirty="0">
+                <a:latin typeface="Arial" panose="020B0604020202020204" pitchFamily="34" charset="0"/>
+                <a:cs typeface="Arial" panose="020B0604020202020204" pitchFamily="34" charset="0"/>
+              </a:rPr>
+              <a:t>. </a:t>
+            </a:r>
+            <a:r>
+              <a:rPr lang="de-DE" sz="1000" dirty="0" err="1">
+                <a:latin typeface="Arial" panose="020B0604020202020204" pitchFamily="34" charset="0"/>
+                <a:cs typeface="Arial" panose="020B0604020202020204" pitchFamily="34" charset="0"/>
+              </a:rPr>
+              <a:t>Hence</a:t>
+            </a:r>
+            <a:r>
+              <a:rPr lang="de-DE" sz="1000" dirty="0">
+                <a:latin typeface="Arial" panose="020B0604020202020204" pitchFamily="34" charset="0"/>
+                <a:cs typeface="Arial" panose="020B0604020202020204" pitchFamily="34" charset="0"/>
+              </a:rPr>
+              <a:t>, after </a:t>
+            </a:r>
+            <a:r>
+              <a:rPr lang="de-DE" sz="1000" dirty="0" err="1">
+                <a:latin typeface="Arial" panose="020B0604020202020204" pitchFamily="34" charset="0"/>
+                <a:cs typeface="Arial" panose="020B0604020202020204" pitchFamily="34" charset="0"/>
+              </a:rPr>
+              <a:t>neoadjuvant</a:t>
+            </a:r>
+            <a:r>
+              <a:rPr lang="de-DE" sz="1000" dirty="0">
+                <a:latin typeface="Arial" panose="020B0604020202020204" pitchFamily="34" charset="0"/>
+                <a:cs typeface="Arial" panose="020B0604020202020204" pitchFamily="34" charset="0"/>
+              </a:rPr>
+              <a:t> </a:t>
+            </a:r>
+            <a:r>
+              <a:rPr lang="de-DE" sz="1000" dirty="0" err="1">
+                <a:latin typeface="Arial" panose="020B0604020202020204" pitchFamily="34" charset="0"/>
+                <a:cs typeface="Arial" panose="020B0604020202020204" pitchFamily="34" charset="0"/>
+              </a:rPr>
+              <a:t>therapy</a:t>
+            </a:r>
+            <a:r>
+              <a:rPr lang="de-DE" sz="1000" dirty="0">
+                <a:latin typeface="Arial" panose="020B0604020202020204" pitchFamily="34" charset="0"/>
+                <a:cs typeface="Arial" panose="020B0604020202020204" pitchFamily="34" charset="0"/>
+              </a:rPr>
+              <a:t> MPR </a:t>
+            </a:r>
+            <a:r>
+              <a:rPr lang="de-DE" sz="1000" dirty="0" err="1">
+                <a:latin typeface="Arial" panose="020B0604020202020204" pitchFamily="34" charset="0"/>
+                <a:cs typeface="Arial" panose="020B0604020202020204" pitchFamily="34" charset="0"/>
+              </a:rPr>
+              <a:t>describing</a:t>
+            </a:r>
+            <a:r>
+              <a:rPr lang="de-DE" sz="1000" dirty="0">
+                <a:latin typeface="Arial" panose="020B0604020202020204" pitchFamily="34" charset="0"/>
+                <a:cs typeface="Arial" panose="020B0604020202020204" pitchFamily="34" charset="0"/>
+              </a:rPr>
+              <a:t> </a:t>
+            </a:r>
+            <a:r>
+              <a:rPr lang="de-DE" sz="1000" dirty="0" err="1">
+                <a:latin typeface="Arial" panose="020B0604020202020204" pitchFamily="34" charset="0"/>
+                <a:cs typeface="Arial" panose="020B0604020202020204" pitchFamily="34" charset="0"/>
+              </a:rPr>
+              <a:t>the</a:t>
+            </a:r>
+            <a:r>
+              <a:rPr lang="de-DE" sz="1000" dirty="0">
+                <a:latin typeface="Arial" panose="020B0604020202020204" pitchFamily="34" charset="0"/>
+                <a:cs typeface="Arial" panose="020B0604020202020204" pitchFamily="34" charset="0"/>
+              </a:rPr>
+              <a:t> </a:t>
+            </a:r>
+            <a:r>
+              <a:rPr lang="de-DE" sz="1000" dirty="0" err="1">
+                <a:latin typeface="Arial" panose="020B0604020202020204" pitchFamily="34" charset="0"/>
+                <a:cs typeface="Arial" panose="020B0604020202020204" pitchFamily="34" charset="0"/>
+              </a:rPr>
+              <a:t>extend</a:t>
+            </a:r>
+            <a:r>
+              <a:rPr lang="de-DE" sz="1000" dirty="0">
+                <a:latin typeface="Arial" panose="020B0604020202020204" pitchFamily="34" charset="0"/>
+                <a:cs typeface="Arial" panose="020B0604020202020204" pitchFamily="34" charset="0"/>
+              </a:rPr>
+              <a:t> </a:t>
+            </a:r>
+            <a:r>
+              <a:rPr lang="de-DE" sz="1000" dirty="0" err="1">
+                <a:latin typeface="Arial" panose="020B0604020202020204" pitchFamily="34" charset="0"/>
+                <a:cs typeface="Arial" panose="020B0604020202020204" pitchFamily="34" charset="0"/>
+              </a:rPr>
+              <a:t>of</a:t>
+            </a:r>
+            <a:r>
+              <a:rPr lang="de-DE" sz="1000" dirty="0">
+                <a:latin typeface="Arial" panose="020B0604020202020204" pitchFamily="34" charset="0"/>
+                <a:cs typeface="Arial" panose="020B0604020202020204" pitchFamily="34" charset="0"/>
+              </a:rPr>
+              <a:t> </a:t>
+            </a:r>
+            <a:r>
+              <a:rPr lang="de-DE" sz="1000" dirty="0" err="1">
+                <a:latin typeface="Arial" panose="020B0604020202020204" pitchFamily="34" charset="0"/>
+                <a:cs typeface="Arial" panose="020B0604020202020204" pitchFamily="34" charset="0"/>
+              </a:rPr>
+              <a:t>therapy</a:t>
+            </a:r>
+            <a:r>
+              <a:rPr lang="de-DE" sz="1000" dirty="0">
+                <a:latin typeface="Arial" panose="020B0604020202020204" pitchFamily="34" charset="0"/>
+                <a:cs typeface="Arial" panose="020B0604020202020204" pitchFamily="34" charset="0"/>
+              </a:rPr>
+              <a:t> </a:t>
+            </a:r>
+            <a:r>
+              <a:rPr lang="de-DE" sz="1000" dirty="0" err="1">
+                <a:latin typeface="Arial" panose="020B0604020202020204" pitchFamily="34" charset="0"/>
+                <a:cs typeface="Arial" panose="020B0604020202020204" pitchFamily="34" charset="0"/>
+              </a:rPr>
+              <a:t>induced</a:t>
+            </a:r>
+            <a:r>
+              <a:rPr lang="de-DE" sz="1000" dirty="0">
+                <a:latin typeface="Arial" panose="020B0604020202020204" pitchFamily="34" charset="0"/>
+                <a:cs typeface="Arial" panose="020B0604020202020204" pitchFamily="34" charset="0"/>
+              </a:rPr>
+              <a:t> </a:t>
+            </a:r>
+            <a:r>
+              <a:rPr lang="de-DE" sz="1000" dirty="0" err="1">
+                <a:latin typeface="Arial" panose="020B0604020202020204" pitchFamily="34" charset="0"/>
+                <a:cs typeface="Arial" panose="020B0604020202020204" pitchFamily="34" charset="0"/>
+              </a:rPr>
+              <a:t>regression</a:t>
+            </a:r>
+            <a:r>
+              <a:rPr lang="de-DE" sz="1000" dirty="0">
+                <a:latin typeface="Arial" panose="020B0604020202020204" pitchFamily="34" charset="0"/>
+                <a:cs typeface="Arial" panose="020B0604020202020204" pitchFamily="34" charset="0"/>
+              </a:rPr>
+              <a:t> </a:t>
+            </a:r>
+            <a:r>
+              <a:rPr lang="de-DE" sz="1000" dirty="0" err="1">
+                <a:latin typeface="Arial" panose="020B0604020202020204" pitchFamily="34" charset="0"/>
+                <a:cs typeface="Arial" panose="020B0604020202020204" pitchFamily="34" charset="0"/>
+              </a:rPr>
+              <a:t>could</a:t>
+            </a:r>
+            <a:r>
+              <a:rPr lang="de-DE" sz="1000" dirty="0">
+                <a:latin typeface="Arial" panose="020B0604020202020204" pitchFamily="34" charset="0"/>
+                <a:cs typeface="Arial" panose="020B0604020202020204" pitchFamily="34" charset="0"/>
+              </a:rPr>
+              <a:t> </a:t>
+            </a:r>
+            <a:r>
+              <a:rPr lang="de-DE" sz="1000" dirty="0" err="1">
+                <a:latin typeface="Arial" panose="020B0604020202020204" pitchFamily="34" charset="0"/>
+                <a:cs typeface="Arial" panose="020B0604020202020204" pitchFamily="34" charset="0"/>
+              </a:rPr>
+              <a:t>be</a:t>
+            </a:r>
+            <a:r>
+              <a:rPr lang="de-DE" sz="1000" dirty="0">
+                <a:latin typeface="Arial" panose="020B0604020202020204" pitchFamily="34" charset="0"/>
+                <a:cs typeface="Arial" panose="020B0604020202020204" pitchFamily="34" charset="0"/>
+              </a:rPr>
+              <a:t> a </a:t>
+            </a:r>
+            <a:r>
+              <a:rPr lang="de-DE" sz="1000" dirty="0" err="1">
+                <a:latin typeface="Arial" panose="020B0604020202020204" pitchFamily="34" charset="0"/>
+                <a:cs typeface="Arial" panose="020B0604020202020204" pitchFamily="34" charset="0"/>
+              </a:rPr>
+              <a:t>good</a:t>
+            </a:r>
+            <a:r>
+              <a:rPr lang="de-DE" sz="1000" dirty="0">
+                <a:latin typeface="Arial" panose="020B0604020202020204" pitchFamily="34" charset="0"/>
+                <a:cs typeface="Arial" panose="020B0604020202020204" pitchFamily="34" charset="0"/>
+              </a:rPr>
+              <a:t> </a:t>
+            </a:r>
+            <a:r>
+              <a:rPr lang="de-DE" sz="1000" dirty="0" err="1">
+                <a:latin typeface="Arial" panose="020B0604020202020204" pitchFamily="34" charset="0"/>
+                <a:cs typeface="Arial" panose="020B0604020202020204" pitchFamily="34" charset="0"/>
+              </a:rPr>
+              <a:t>marker</a:t>
+            </a:r>
+            <a:r>
+              <a:rPr lang="de-DE" sz="1000" dirty="0">
+                <a:latin typeface="Arial" panose="020B0604020202020204" pitchFamily="34" charset="0"/>
+                <a:cs typeface="Arial" panose="020B0604020202020204" pitchFamily="34" charset="0"/>
+              </a:rPr>
+              <a:t>. The </a:t>
+            </a:r>
+            <a:r>
+              <a:rPr lang="de-DE" sz="1000" dirty="0" err="1">
+                <a:latin typeface="Arial" panose="020B0604020202020204" pitchFamily="34" charset="0"/>
+                <a:cs typeface="Arial" panose="020B0604020202020204" pitchFamily="34" charset="0"/>
+              </a:rPr>
+              <a:t>above</a:t>
+            </a:r>
+            <a:r>
+              <a:rPr lang="de-DE" sz="1000" dirty="0">
+                <a:latin typeface="Arial" panose="020B0604020202020204" pitchFamily="34" charset="0"/>
+                <a:cs typeface="Arial" panose="020B0604020202020204" pitchFamily="34" charset="0"/>
+              </a:rPr>
+              <a:t> </a:t>
+            </a:r>
+            <a:r>
+              <a:rPr lang="de-DE" sz="1000" dirty="0" err="1">
+                <a:latin typeface="Arial" panose="020B0604020202020204" pitchFamily="34" charset="0"/>
+                <a:cs typeface="Arial" panose="020B0604020202020204" pitchFamily="34" charset="0"/>
+              </a:rPr>
+              <a:t>prongostic</a:t>
+            </a:r>
+            <a:r>
+              <a:rPr lang="de-DE" sz="1000" dirty="0">
+                <a:latin typeface="Arial" panose="020B0604020202020204" pitchFamily="34" charset="0"/>
+                <a:cs typeface="Arial" panose="020B0604020202020204" pitchFamily="34" charset="0"/>
+              </a:rPr>
+              <a:t> </a:t>
+            </a:r>
+            <a:r>
+              <a:rPr lang="de-DE" sz="1000" dirty="0" err="1">
+                <a:latin typeface="Arial" panose="020B0604020202020204" pitchFamily="34" charset="0"/>
+                <a:cs typeface="Arial" panose="020B0604020202020204" pitchFamily="34" charset="0"/>
+              </a:rPr>
+              <a:t>predictors</a:t>
+            </a:r>
+            <a:r>
+              <a:rPr lang="de-DE" sz="1000" dirty="0">
+                <a:latin typeface="Arial" panose="020B0604020202020204" pitchFamily="34" charset="0"/>
+                <a:cs typeface="Arial" panose="020B0604020202020204" pitchFamily="34" charset="0"/>
+              </a:rPr>
+              <a:t> </a:t>
+            </a:r>
+            <a:r>
+              <a:rPr lang="de-DE" sz="1000" dirty="0" err="1">
+                <a:latin typeface="Arial" panose="020B0604020202020204" pitchFamily="34" charset="0"/>
+                <a:cs typeface="Arial" panose="020B0604020202020204" pitchFamily="34" charset="0"/>
+              </a:rPr>
+              <a:t>correlated</a:t>
+            </a:r>
+            <a:r>
+              <a:rPr lang="de-DE" sz="1000" dirty="0">
+                <a:latin typeface="Arial" panose="020B0604020202020204" pitchFamily="34" charset="0"/>
+                <a:cs typeface="Arial" panose="020B0604020202020204" pitchFamily="34" charset="0"/>
+              </a:rPr>
+              <a:t> all </a:t>
+            </a:r>
+            <a:r>
+              <a:rPr lang="de-DE" sz="1000" dirty="0" err="1">
+                <a:latin typeface="Arial" panose="020B0604020202020204" pitchFamily="34" charset="0"/>
+                <a:cs typeface="Arial" panose="020B0604020202020204" pitchFamily="34" charset="0"/>
+              </a:rPr>
+              <a:t>with</a:t>
+            </a:r>
+            <a:r>
+              <a:rPr lang="de-DE" sz="1000" dirty="0">
+                <a:latin typeface="Arial" panose="020B0604020202020204" pitchFamily="34" charset="0"/>
+                <a:cs typeface="Arial" panose="020B0604020202020204" pitchFamily="34" charset="0"/>
+              </a:rPr>
+              <a:t> MPR, </a:t>
+            </a:r>
+            <a:r>
+              <a:rPr lang="de-DE" sz="1000" dirty="0" err="1">
+                <a:latin typeface="Arial" panose="020B0604020202020204" pitchFamily="34" charset="0"/>
+                <a:cs typeface="Arial" panose="020B0604020202020204" pitchFamily="34" charset="0"/>
+              </a:rPr>
+              <a:t>therefore</a:t>
+            </a:r>
+            <a:r>
+              <a:rPr lang="de-DE" sz="1000" dirty="0">
+                <a:latin typeface="Arial" panose="020B0604020202020204" pitchFamily="34" charset="0"/>
+                <a:cs typeface="Arial" panose="020B0604020202020204" pitchFamily="34" charset="0"/>
+              </a:rPr>
+              <a:t>, </a:t>
+            </a:r>
+            <a:r>
+              <a:rPr lang="de-DE" sz="1000" dirty="0" err="1">
+                <a:latin typeface="Arial" panose="020B0604020202020204" pitchFamily="34" charset="0"/>
+                <a:cs typeface="Arial" panose="020B0604020202020204" pitchFamily="34" charset="0"/>
+              </a:rPr>
+              <a:t>we</a:t>
+            </a:r>
+            <a:r>
+              <a:rPr lang="de-DE" sz="1000" dirty="0">
+                <a:latin typeface="Arial" panose="020B0604020202020204" pitchFamily="34" charset="0"/>
+                <a:cs typeface="Arial" panose="020B0604020202020204" pitchFamily="34" charset="0"/>
+              </a:rPr>
+              <a:t> </a:t>
+            </a:r>
+            <a:r>
+              <a:rPr lang="de-DE" sz="1000" dirty="0" err="1">
+                <a:latin typeface="Arial" panose="020B0604020202020204" pitchFamily="34" charset="0"/>
+                <a:cs typeface="Arial" panose="020B0604020202020204" pitchFamily="34" charset="0"/>
+              </a:rPr>
+              <a:t>included</a:t>
+            </a:r>
+            <a:r>
+              <a:rPr lang="de-DE" sz="1000" dirty="0">
+                <a:latin typeface="Arial" panose="020B0604020202020204" pitchFamily="34" charset="0"/>
+                <a:cs typeface="Arial" panose="020B0604020202020204" pitchFamily="34" charset="0"/>
+              </a:rPr>
+              <a:t> </a:t>
+            </a:r>
+            <a:r>
+              <a:rPr lang="de-DE" sz="1000" dirty="0" err="1">
+                <a:latin typeface="Arial" panose="020B0604020202020204" pitchFamily="34" charset="0"/>
+                <a:cs typeface="Arial" panose="020B0604020202020204" pitchFamily="34" charset="0"/>
+              </a:rPr>
+              <a:t>only</a:t>
+            </a:r>
+            <a:r>
+              <a:rPr lang="de-DE" sz="1000" dirty="0">
+                <a:latin typeface="Arial" panose="020B0604020202020204" pitchFamily="34" charset="0"/>
+                <a:cs typeface="Arial" panose="020B0604020202020204" pitchFamily="34" charset="0"/>
+              </a:rPr>
+              <a:t> </a:t>
+            </a:r>
+            <a:r>
+              <a:rPr lang="de-DE" sz="1000" dirty="0" err="1">
+                <a:latin typeface="Arial" panose="020B0604020202020204" pitchFamily="34" charset="0"/>
+                <a:cs typeface="Arial" panose="020B0604020202020204" pitchFamily="34" charset="0"/>
+              </a:rPr>
+              <a:t>age</a:t>
+            </a:r>
+            <a:r>
+              <a:rPr lang="de-DE" sz="1000" dirty="0">
+                <a:latin typeface="Arial" panose="020B0604020202020204" pitchFamily="34" charset="0"/>
+                <a:cs typeface="Arial" panose="020B0604020202020204" pitchFamily="34" charset="0"/>
+              </a:rPr>
+              <a:t> in </a:t>
+            </a:r>
+            <a:r>
+              <a:rPr lang="de-DE" sz="1000" dirty="0" err="1">
+                <a:latin typeface="Arial" panose="020B0604020202020204" pitchFamily="34" charset="0"/>
+                <a:cs typeface="Arial" panose="020B0604020202020204" pitchFamily="34" charset="0"/>
+              </a:rPr>
+              <a:t>the</a:t>
+            </a:r>
+            <a:r>
+              <a:rPr lang="de-DE" sz="1000" dirty="0">
+                <a:latin typeface="Arial" panose="020B0604020202020204" pitchFamily="34" charset="0"/>
+                <a:cs typeface="Arial" panose="020B0604020202020204" pitchFamily="34" charset="0"/>
+              </a:rPr>
+              <a:t> multivariable </a:t>
+            </a:r>
+            <a:r>
+              <a:rPr lang="de-DE" sz="1000" dirty="0" err="1">
+                <a:latin typeface="Arial" panose="020B0604020202020204" pitchFamily="34" charset="0"/>
+                <a:cs typeface="Arial" panose="020B0604020202020204" pitchFamily="34" charset="0"/>
+              </a:rPr>
+              <a:t>analyses</a:t>
+            </a:r>
+            <a:r>
+              <a:rPr lang="de-DE" sz="1000" dirty="0">
+                <a:latin typeface="Arial" panose="020B0604020202020204" pitchFamily="34" charset="0"/>
+                <a:cs typeface="Arial" panose="020B0604020202020204" pitchFamily="34" charset="0"/>
+              </a:rPr>
+              <a:t>. MPR </a:t>
+            </a:r>
+            <a:r>
+              <a:rPr lang="de-DE" sz="1000" dirty="0" err="1">
+                <a:latin typeface="Arial" panose="020B0604020202020204" pitchFamily="34" charset="0"/>
+                <a:cs typeface="Arial" panose="020B0604020202020204" pitchFamily="34" charset="0"/>
+              </a:rPr>
+              <a:t>remained</a:t>
+            </a:r>
+            <a:r>
+              <a:rPr lang="de-DE" sz="1000" dirty="0">
+                <a:latin typeface="Arial" panose="020B0604020202020204" pitchFamily="34" charset="0"/>
+                <a:cs typeface="Arial" panose="020B0604020202020204" pitchFamily="34" charset="0"/>
+              </a:rPr>
+              <a:t> </a:t>
+            </a:r>
+            <a:r>
+              <a:rPr lang="de-DE" sz="1000" dirty="0" err="1">
+                <a:latin typeface="Arial" panose="020B0604020202020204" pitchFamily="34" charset="0"/>
+                <a:cs typeface="Arial" panose="020B0604020202020204" pitchFamily="34" charset="0"/>
+              </a:rPr>
+              <a:t>significant</a:t>
+            </a:r>
+            <a:r>
+              <a:rPr lang="de-DE" sz="1000" dirty="0">
+                <a:latin typeface="Arial" panose="020B0604020202020204" pitchFamily="34" charset="0"/>
+                <a:cs typeface="Arial" panose="020B0604020202020204" pitchFamily="34" charset="0"/>
+              </a:rPr>
+              <a:t> </a:t>
+            </a:r>
+            <a:r>
+              <a:rPr lang="de-DE" sz="1000" dirty="0" err="1">
+                <a:latin typeface="Arial" panose="020B0604020202020204" pitchFamily="34" charset="0"/>
+                <a:cs typeface="Arial" panose="020B0604020202020204" pitchFamily="34" charset="0"/>
+              </a:rPr>
+              <a:t>even</a:t>
+            </a:r>
+            <a:r>
+              <a:rPr lang="de-DE" sz="1000" dirty="0">
+                <a:latin typeface="Arial" panose="020B0604020202020204" pitchFamily="34" charset="0"/>
+                <a:cs typeface="Arial" panose="020B0604020202020204" pitchFamily="34" charset="0"/>
+              </a:rPr>
+              <a:t> after </a:t>
+            </a:r>
+            <a:r>
+              <a:rPr lang="de-DE" sz="1000" dirty="0" err="1">
+                <a:latin typeface="Arial" panose="020B0604020202020204" pitchFamily="34" charset="0"/>
+                <a:cs typeface="Arial" panose="020B0604020202020204" pitchFamily="34" charset="0"/>
+              </a:rPr>
+              <a:t>correcting</a:t>
+            </a:r>
+            <a:r>
+              <a:rPr lang="de-DE" sz="1000" dirty="0">
+                <a:latin typeface="Arial" panose="020B0604020202020204" pitchFamily="34" charset="0"/>
+                <a:cs typeface="Arial" panose="020B0604020202020204" pitchFamily="34" charset="0"/>
+              </a:rPr>
+              <a:t> </a:t>
+            </a:r>
+            <a:r>
+              <a:rPr lang="de-DE" sz="1000" dirty="0" err="1">
+                <a:latin typeface="Arial" panose="020B0604020202020204" pitchFamily="34" charset="0"/>
+                <a:cs typeface="Arial" panose="020B0604020202020204" pitchFamily="34" charset="0"/>
+              </a:rPr>
+              <a:t>for</a:t>
+            </a:r>
+            <a:r>
+              <a:rPr lang="de-DE" sz="1000" dirty="0">
+                <a:latin typeface="Arial" panose="020B0604020202020204" pitchFamily="34" charset="0"/>
+                <a:cs typeface="Arial" panose="020B0604020202020204" pitchFamily="34" charset="0"/>
+              </a:rPr>
+              <a:t> </a:t>
+            </a:r>
+            <a:r>
+              <a:rPr lang="de-DE" sz="1000" dirty="0" err="1">
+                <a:latin typeface="Arial" panose="020B0604020202020204" pitchFamily="34" charset="0"/>
+                <a:cs typeface="Arial" panose="020B0604020202020204" pitchFamily="34" charset="0"/>
+              </a:rPr>
+              <a:t>age</a:t>
+            </a:r>
+            <a:r>
+              <a:rPr lang="de-DE" sz="1000" dirty="0">
+                <a:latin typeface="Arial" panose="020B0604020202020204" pitchFamily="34" charset="0"/>
+                <a:cs typeface="Arial" panose="020B0604020202020204" pitchFamily="34" charset="0"/>
+              </a:rPr>
+              <a:t>. </a:t>
+            </a:r>
+          </a:p>
+        </p:txBody>
+      </p:sp>
+      <p:grpSp>
+        <p:nvGrpSpPr>
+          <p:cNvPr id="34" name="Gruppieren 33">
+            <a:extLst>
+              <a:ext uri="{FF2B5EF4-FFF2-40B4-BE49-F238E27FC236}">
+                <a16:creationId xmlns:a16="http://schemas.microsoft.com/office/drawing/2014/main" id="{0BDCBAC6-609C-6B45-98A6-BA996EA566D2}"/>
+              </a:ext>
+            </a:extLst>
+          </p:cNvPr>
+          <p:cNvGrpSpPr/>
+          <p:nvPr/>
+        </p:nvGrpSpPr>
+        <p:grpSpPr>
+          <a:xfrm>
+            <a:off x="227281" y="7985542"/>
+            <a:ext cx="4763097" cy="1510266"/>
+            <a:chOff x="536462" y="7947535"/>
+            <a:chExt cx="4763097" cy="1510266"/>
+          </a:xfrm>
+        </p:grpSpPr>
+        <p:pic>
+          <p:nvPicPr>
+            <p:cNvPr id="28" name="Grafik 27">
+              <a:extLst>
+                <a:ext uri="{FF2B5EF4-FFF2-40B4-BE49-F238E27FC236}">
+                  <a16:creationId xmlns:a16="http://schemas.microsoft.com/office/drawing/2014/main" id="{84518469-2E35-3549-BFD6-DBD20B128793}"/>
+                </a:ext>
+              </a:extLst>
+            </p:cNvPr>
+            <p:cNvPicPr>
+              <a:picLocks noChangeAspect="1"/>
+            </p:cNvPicPr>
+            <p:nvPr/>
+          </p:nvPicPr>
+          <p:blipFill>
+            <a:blip r:embed="rId6"/>
+            <a:stretch>
+              <a:fillRect/>
+            </a:stretch>
+          </p:blipFill>
+          <p:spPr>
+            <a:xfrm>
+              <a:off x="536462" y="7947535"/>
+              <a:ext cx="4763097" cy="1292708"/>
+            </a:xfrm>
+            <a:prstGeom prst="rect">
+              <a:avLst/>
+            </a:prstGeom>
+          </p:spPr>
+        </p:pic>
+        <p:sp>
+          <p:nvSpPr>
+            <p:cNvPr id="29" name="Textfeld 28">
+              <a:extLst>
+                <a:ext uri="{FF2B5EF4-FFF2-40B4-BE49-F238E27FC236}">
+                  <a16:creationId xmlns:a16="http://schemas.microsoft.com/office/drawing/2014/main" id="{017C766C-BDEA-4E4B-B8EA-1101E8785A53}"/>
+                </a:ext>
+              </a:extLst>
+            </p:cNvPr>
+            <p:cNvSpPr txBox="1"/>
+            <p:nvPr/>
+          </p:nvSpPr>
+          <p:spPr>
+            <a:xfrm>
+              <a:off x="536462" y="9242357"/>
+              <a:ext cx="3474023" cy="215444"/>
+            </a:xfrm>
+            <a:prstGeom prst="rect">
+              <a:avLst/>
+            </a:prstGeom>
+            <a:noFill/>
+          </p:spPr>
+          <p:txBody>
+            <a:bodyPr wrap="square" rtlCol="0">
+              <a:spAutoFit/>
+            </a:bodyPr>
+            <a:lstStyle/>
+            <a:p>
+              <a:r>
+                <a:rPr lang="de-DE" sz="800" b="1" dirty="0">
+                  <a:latin typeface="Arial" panose="020B0604020202020204" pitchFamily="34" charset="0"/>
+                  <a:cs typeface="Arial" panose="020B0604020202020204" pitchFamily="34" charset="0"/>
+                </a:rPr>
+                <a:t>Table 1: </a:t>
+              </a:r>
+              <a:r>
+                <a:rPr lang="de-DE" sz="800" dirty="0">
+                  <a:latin typeface="Arial" panose="020B0604020202020204" pitchFamily="34" charset="0"/>
+                  <a:cs typeface="Arial" panose="020B0604020202020204" pitchFamily="34" charset="0"/>
+                </a:rPr>
+                <a:t>Multivariable </a:t>
+              </a:r>
+              <a:r>
+                <a:rPr lang="de-DE" sz="800" dirty="0" err="1">
+                  <a:latin typeface="Arial" panose="020B0604020202020204" pitchFamily="34" charset="0"/>
+                  <a:cs typeface="Arial" panose="020B0604020202020204" pitchFamily="34" charset="0"/>
+                </a:rPr>
+                <a:t>model</a:t>
+              </a:r>
+              <a:r>
+                <a:rPr lang="de-DE" sz="800" dirty="0">
+                  <a:latin typeface="Arial" panose="020B0604020202020204" pitchFamily="34" charset="0"/>
+                  <a:cs typeface="Arial" panose="020B0604020202020204" pitchFamily="34" charset="0"/>
+                </a:rPr>
+                <a:t> incl. MPR </a:t>
+              </a:r>
+              <a:r>
+                <a:rPr lang="de-DE" sz="800" dirty="0" err="1">
+                  <a:latin typeface="Arial" panose="020B0604020202020204" pitchFamily="34" charset="0"/>
+                  <a:cs typeface="Arial" panose="020B0604020202020204" pitchFamily="34" charset="0"/>
+                </a:rPr>
+                <a:t>and</a:t>
+              </a:r>
+              <a:r>
+                <a:rPr lang="de-DE" sz="800" dirty="0">
+                  <a:latin typeface="Arial" panose="020B0604020202020204" pitchFamily="34" charset="0"/>
+                  <a:cs typeface="Arial" panose="020B0604020202020204" pitchFamily="34" charset="0"/>
+                </a:rPr>
+                <a:t> </a:t>
+              </a:r>
+              <a:r>
+                <a:rPr lang="de-DE" sz="800" dirty="0" err="1">
+                  <a:latin typeface="Arial" panose="020B0604020202020204" pitchFamily="34" charset="0"/>
+                  <a:cs typeface="Arial" panose="020B0604020202020204" pitchFamily="34" charset="0"/>
+                </a:rPr>
+                <a:t>age</a:t>
+              </a:r>
+              <a:r>
+                <a:rPr lang="de-DE" sz="800" dirty="0">
+                  <a:latin typeface="Arial" panose="020B0604020202020204" pitchFamily="34" charset="0"/>
+                  <a:cs typeface="Arial" panose="020B0604020202020204" pitchFamily="34" charset="0"/>
+                </a:rPr>
+                <a:t> </a:t>
+              </a:r>
+              <a:r>
+                <a:rPr lang="de-DE" sz="800" dirty="0" err="1">
+                  <a:latin typeface="Arial" panose="020B0604020202020204" pitchFamily="34" charset="0"/>
+                  <a:cs typeface="Arial" panose="020B0604020202020204" pitchFamily="34" charset="0"/>
+                </a:rPr>
+                <a:t>as</a:t>
+              </a:r>
+              <a:r>
+                <a:rPr lang="de-DE" sz="800" dirty="0">
+                  <a:latin typeface="Arial" panose="020B0604020202020204" pitchFamily="34" charset="0"/>
+                  <a:cs typeface="Arial" panose="020B0604020202020204" pitchFamily="34" charset="0"/>
+                </a:rPr>
+                <a:t> </a:t>
+              </a:r>
+              <a:r>
+                <a:rPr lang="de-DE" sz="800" dirty="0" err="1">
+                  <a:latin typeface="Arial" panose="020B0604020202020204" pitchFamily="34" charset="0"/>
+                  <a:cs typeface="Arial" panose="020B0604020202020204" pitchFamily="34" charset="0"/>
+                </a:rPr>
+                <a:t>prognostic</a:t>
+              </a:r>
+              <a:r>
+                <a:rPr lang="de-DE" sz="800" dirty="0">
+                  <a:latin typeface="Arial" panose="020B0604020202020204" pitchFamily="34" charset="0"/>
+                  <a:cs typeface="Arial" panose="020B0604020202020204" pitchFamily="34" charset="0"/>
+                </a:rPr>
+                <a:t> </a:t>
+              </a:r>
+              <a:r>
+                <a:rPr lang="de-DE" sz="800" dirty="0" err="1">
+                  <a:latin typeface="Arial" panose="020B0604020202020204" pitchFamily="34" charset="0"/>
+                  <a:cs typeface="Arial" panose="020B0604020202020204" pitchFamily="34" charset="0"/>
+                </a:rPr>
+                <a:t>markers</a:t>
+              </a:r>
+              <a:r>
+                <a:rPr lang="de-DE" sz="800" dirty="0">
+                  <a:latin typeface="Arial" panose="020B0604020202020204" pitchFamily="34" charset="0"/>
+                  <a:cs typeface="Arial" panose="020B0604020202020204" pitchFamily="34" charset="0"/>
+                </a:rPr>
+                <a:t>.</a:t>
+              </a:r>
+              <a:endParaRPr lang="de-DE" sz="800" b="1" dirty="0">
+                <a:latin typeface="Arial" panose="020B0604020202020204" pitchFamily="34" charset="0"/>
+                <a:cs typeface="Arial" panose="020B0604020202020204" pitchFamily="34" charset="0"/>
+              </a:endParaRPr>
+            </a:p>
+          </p:txBody>
+        </p:sp>
+      </p:grpSp>
+      <p:grpSp>
+        <p:nvGrpSpPr>
+          <p:cNvPr id="33" name="Gruppieren 32">
+            <a:extLst>
+              <a:ext uri="{FF2B5EF4-FFF2-40B4-BE49-F238E27FC236}">
+                <a16:creationId xmlns:a16="http://schemas.microsoft.com/office/drawing/2014/main" id="{57CFFD9D-C8F6-1B42-9A30-E4D655DE6D95}"/>
+              </a:ext>
+            </a:extLst>
+          </p:cNvPr>
+          <p:cNvGrpSpPr/>
+          <p:nvPr/>
+        </p:nvGrpSpPr>
+        <p:grpSpPr>
+          <a:xfrm>
+            <a:off x="5916706" y="6915199"/>
+            <a:ext cx="3474023" cy="2325044"/>
+            <a:chOff x="6056070" y="6639484"/>
+            <a:chExt cx="3474023" cy="2325044"/>
+          </a:xfrm>
+        </p:grpSpPr>
+        <p:pic>
+          <p:nvPicPr>
+            <p:cNvPr id="31" name="Grafik 30">
+              <a:extLst>
+                <a:ext uri="{FF2B5EF4-FFF2-40B4-BE49-F238E27FC236}">
+                  <a16:creationId xmlns:a16="http://schemas.microsoft.com/office/drawing/2014/main" id="{C89F8A2D-D0BD-8D44-86CE-913794DF0BE6}"/>
+                </a:ext>
+              </a:extLst>
+            </p:cNvPr>
+            <p:cNvPicPr>
+              <a:picLocks noChangeAspect="1"/>
+            </p:cNvPicPr>
+            <p:nvPr/>
+          </p:nvPicPr>
+          <p:blipFill>
+            <a:blip r:embed="rId7"/>
+            <a:stretch>
+              <a:fillRect/>
+            </a:stretch>
+          </p:blipFill>
+          <p:spPr>
+            <a:xfrm>
+              <a:off x="6056070" y="6639484"/>
+              <a:ext cx="3164400" cy="2109600"/>
+            </a:xfrm>
+            <a:prstGeom prst="rect">
+              <a:avLst/>
+            </a:prstGeom>
+          </p:spPr>
+        </p:pic>
+        <p:sp>
+          <p:nvSpPr>
+            <p:cNvPr id="32" name="Textfeld 31">
+              <a:extLst>
+                <a:ext uri="{FF2B5EF4-FFF2-40B4-BE49-F238E27FC236}">
+                  <a16:creationId xmlns:a16="http://schemas.microsoft.com/office/drawing/2014/main" id="{7BDA4597-0E00-814C-AB75-9BDBFF080A01}"/>
+                </a:ext>
+              </a:extLst>
+            </p:cNvPr>
+            <p:cNvSpPr txBox="1"/>
+            <p:nvPr/>
+          </p:nvSpPr>
+          <p:spPr>
+            <a:xfrm>
+              <a:off x="6056070" y="8749084"/>
+              <a:ext cx="3474023" cy="215444"/>
+            </a:xfrm>
+            <a:prstGeom prst="rect">
+              <a:avLst/>
+            </a:prstGeom>
+            <a:noFill/>
+          </p:spPr>
+          <p:txBody>
+            <a:bodyPr wrap="square" rtlCol="0">
+              <a:spAutoFit/>
+            </a:bodyPr>
+            <a:lstStyle/>
+            <a:p>
+              <a:r>
+                <a:rPr lang="de-DE" sz="800" b="1" dirty="0" err="1">
+                  <a:latin typeface="Arial" panose="020B0604020202020204" pitchFamily="34" charset="0"/>
+                  <a:cs typeface="Arial" panose="020B0604020202020204" pitchFamily="34" charset="0"/>
+                </a:rPr>
+                <a:t>Figure</a:t>
+              </a:r>
+              <a:r>
+                <a:rPr lang="de-DE" sz="800" b="1" dirty="0">
+                  <a:latin typeface="Arial" panose="020B0604020202020204" pitchFamily="34" charset="0"/>
+                  <a:cs typeface="Arial" panose="020B0604020202020204" pitchFamily="34" charset="0"/>
+                </a:rPr>
+                <a:t> 4: </a:t>
+              </a:r>
+              <a:r>
+                <a:rPr lang="de-DE" sz="800" dirty="0" err="1">
+                  <a:latin typeface="Arial" panose="020B0604020202020204" pitchFamily="34" charset="0"/>
+                  <a:cs typeface="Arial" panose="020B0604020202020204" pitchFamily="34" charset="0"/>
+                </a:rPr>
+                <a:t>Survival</a:t>
+              </a:r>
+              <a:r>
+                <a:rPr lang="de-DE" sz="800" dirty="0">
+                  <a:latin typeface="Arial" panose="020B0604020202020204" pitchFamily="34" charset="0"/>
+                  <a:cs typeface="Arial" panose="020B0604020202020204" pitchFamily="34" charset="0"/>
+                </a:rPr>
+                <a:t> </a:t>
+              </a:r>
+              <a:r>
+                <a:rPr lang="de-DE" sz="800" dirty="0" err="1">
+                  <a:latin typeface="Arial" panose="020B0604020202020204" pitchFamily="34" charset="0"/>
+                  <a:cs typeface="Arial" panose="020B0604020202020204" pitchFamily="34" charset="0"/>
+                </a:rPr>
+                <a:t>according</a:t>
+              </a:r>
+              <a:r>
+                <a:rPr lang="de-DE" sz="800" dirty="0">
+                  <a:latin typeface="Arial" panose="020B0604020202020204" pitchFamily="34" charset="0"/>
+                  <a:cs typeface="Arial" panose="020B0604020202020204" pitchFamily="34" charset="0"/>
+                </a:rPr>
+                <a:t> </a:t>
+              </a:r>
+              <a:r>
+                <a:rPr lang="de-DE" sz="800" dirty="0" err="1">
+                  <a:latin typeface="Arial" panose="020B0604020202020204" pitchFamily="34" charset="0"/>
+                  <a:cs typeface="Arial" panose="020B0604020202020204" pitchFamily="34" charset="0"/>
+                </a:rPr>
+                <a:t>to</a:t>
+              </a:r>
+              <a:r>
+                <a:rPr lang="de-DE" sz="800" dirty="0">
+                  <a:latin typeface="Arial" panose="020B0604020202020204" pitchFamily="34" charset="0"/>
+                  <a:cs typeface="Arial" panose="020B0604020202020204" pitchFamily="34" charset="0"/>
+                </a:rPr>
+                <a:t> MPR. 0 = MPR, 1 = </a:t>
+              </a:r>
+              <a:r>
+                <a:rPr lang="de-DE" sz="800" dirty="0" err="1">
+                  <a:latin typeface="Arial" panose="020B0604020202020204" pitchFamily="34" charset="0"/>
+                  <a:cs typeface="Arial" panose="020B0604020202020204" pitchFamily="34" charset="0"/>
+                </a:rPr>
+                <a:t>No</a:t>
+              </a:r>
+              <a:r>
+                <a:rPr lang="de-DE" sz="800" dirty="0">
+                  <a:latin typeface="Arial" panose="020B0604020202020204" pitchFamily="34" charset="0"/>
+                  <a:cs typeface="Arial" panose="020B0604020202020204" pitchFamily="34" charset="0"/>
+                </a:rPr>
+                <a:t>-MPR</a:t>
+              </a:r>
+              <a:endParaRPr lang="de-DE" sz="800" b="1" dirty="0">
+                <a:latin typeface="Arial" panose="020B0604020202020204" pitchFamily="34" charset="0"/>
+                <a:cs typeface="Arial" panose="020B0604020202020204" pitchFamily="34" charset="0"/>
+              </a:endParaRPr>
+            </a:p>
+          </p:txBody>
+        </p:sp>
+      </p:grpSp>
+      <p:sp>
+        <p:nvSpPr>
+          <p:cNvPr id="35" name="Textfeld 34">
+            <a:extLst>
+              <a:ext uri="{FF2B5EF4-FFF2-40B4-BE49-F238E27FC236}">
+                <a16:creationId xmlns:a16="http://schemas.microsoft.com/office/drawing/2014/main" id="{976D1203-F38F-D649-A737-C2526FE34EC5}"/>
+              </a:ext>
+            </a:extLst>
+          </p:cNvPr>
+          <p:cNvSpPr txBox="1"/>
+          <p:nvPr/>
+        </p:nvSpPr>
+        <p:spPr>
+          <a:xfrm>
+            <a:off x="9081106" y="7347370"/>
+            <a:ext cx="3586930" cy="1461939"/>
+          </a:xfrm>
+          <a:prstGeom prst="rect">
+            <a:avLst/>
+          </a:prstGeom>
+          <a:noFill/>
+        </p:spPr>
+        <p:txBody>
+          <a:bodyPr wrap="square" rtlCol="0">
+            <a:spAutoFit/>
+          </a:bodyPr>
+          <a:lstStyle/>
+          <a:p>
+            <a:pPr>
+              <a:spcAft>
+                <a:spcPts val="600"/>
+              </a:spcAft>
+            </a:pPr>
+            <a:r>
+              <a:rPr lang="de-DE" sz="1400" b="1" dirty="0" err="1">
+                <a:latin typeface="Arial" panose="020B0604020202020204" pitchFamily="34" charset="0"/>
+                <a:cs typeface="Arial" panose="020B0604020202020204" pitchFamily="34" charset="0"/>
+              </a:rPr>
+              <a:t>Conclusion</a:t>
+            </a:r>
+            <a:endParaRPr lang="de-DE" sz="1400" b="1" dirty="0">
+              <a:latin typeface="Arial" panose="020B0604020202020204" pitchFamily="34" charset="0"/>
+              <a:cs typeface="Arial" panose="020B0604020202020204" pitchFamily="34" charset="0"/>
+            </a:endParaRPr>
+          </a:p>
+          <a:p>
+            <a:pPr marL="171450" indent="-171450">
+              <a:spcAft>
+                <a:spcPts val="600"/>
+              </a:spcAft>
+              <a:buFont typeface="Arial" panose="020B0604020202020204" pitchFamily="34" charset="0"/>
+              <a:buChar char="•"/>
+            </a:pPr>
+            <a:r>
+              <a:rPr lang="de-DE" sz="1000" dirty="0">
+                <a:latin typeface="Arial" panose="020B0604020202020204" pitchFamily="34" charset="0"/>
+                <a:cs typeface="Arial" panose="020B0604020202020204" pitchFamily="34" charset="0"/>
+              </a:rPr>
+              <a:t>TNM </a:t>
+            </a:r>
+            <a:r>
+              <a:rPr lang="de-DE" sz="1000" dirty="0" err="1">
+                <a:latin typeface="Arial" panose="020B0604020202020204" pitchFamily="34" charset="0"/>
+                <a:cs typeface="Arial" panose="020B0604020202020204" pitchFamily="34" charset="0"/>
+              </a:rPr>
+              <a:t>stages</a:t>
+            </a:r>
+            <a:r>
+              <a:rPr lang="de-DE" sz="1000" dirty="0">
+                <a:latin typeface="Arial" panose="020B0604020202020204" pitchFamily="34" charset="0"/>
+                <a:cs typeface="Arial" panose="020B0604020202020204" pitchFamily="34" charset="0"/>
+              </a:rPr>
+              <a:t> </a:t>
+            </a:r>
+            <a:r>
+              <a:rPr lang="de-DE" sz="1000" dirty="0" err="1">
+                <a:latin typeface="Arial" panose="020B0604020202020204" pitchFamily="34" charset="0"/>
+                <a:cs typeface="Arial" panose="020B0604020202020204" pitchFamily="34" charset="0"/>
+              </a:rPr>
+              <a:t>are</a:t>
+            </a:r>
+            <a:r>
+              <a:rPr lang="de-DE" sz="1000" dirty="0">
+                <a:latin typeface="Arial" panose="020B0604020202020204" pitchFamily="34" charset="0"/>
+                <a:cs typeface="Arial" panose="020B0604020202020204" pitchFamily="34" charset="0"/>
+              </a:rPr>
+              <a:t> a valid </a:t>
+            </a:r>
+            <a:r>
+              <a:rPr lang="de-DE" sz="1000" dirty="0" err="1">
+                <a:latin typeface="Arial" panose="020B0604020202020204" pitchFamily="34" charset="0"/>
+                <a:cs typeface="Arial" panose="020B0604020202020204" pitchFamily="34" charset="0"/>
+              </a:rPr>
+              <a:t>prognostic</a:t>
+            </a:r>
+            <a:r>
+              <a:rPr lang="de-DE" sz="1000" dirty="0">
+                <a:latin typeface="Arial" panose="020B0604020202020204" pitchFamily="34" charset="0"/>
+                <a:cs typeface="Arial" panose="020B0604020202020204" pitchFamily="34" charset="0"/>
+              </a:rPr>
+              <a:t> </a:t>
+            </a:r>
+            <a:r>
+              <a:rPr lang="de-DE" sz="1000" dirty="0" err="1">
+                <a:latin typeface="Arial" panose="020B0604020202020204" pitchFamily="34" charset="0"/>
+                <a:cs typeface="Arial" panose="020B0604020202020204" pitchFamily="34" charset="0"/>
+              </a:rPr>
+              <a:t>marker</a:t>
+            </a:r>
+            <a:r>
+              <a:rPr lang="de-DE" sz="1000" dirty="0">
+                <a:latin typeface="Arial" panose="020B0604020202020204" pitchFamily="34" charset="0"/>
+                <a:cs typeface="Arial" panose="020B0604020202020204" pitchFamily="34" charset="0"/>
+              </a:rPr>
+              <a:t> in </a:t>
+            </a:r>
+            <a:r>
+              <a:rPr lang="de-DE" sz="1000" dirty="0" err="1">
+                <a:latin typeface="Arial" panose="020B0604020202020204" pitchFamily="34" charset="0"/>
+                <a:cs typeface="Arial" panose="020B0604020202020204" pitchFamily="34" charset="0"/>
+              </a:rPr>
+              <a:t>both</a:t>
+            </a:r>
+            <a:r>
+              <a:rPr lang="de-DE" sz="1000" dirty="0">
+                <a:latin typeface="Arial" panose="020B0604020202020204" pitchFamily="34" charset="0"/>
+                <a:cs typeface="Arial" panose="020B0604020202020204" pitchFamily="34" charset="0"/>
+              </a:rPr>
+              <a:t> </a:t>
+            </a:r>
+            <a:r>
+              <a:rPr lang="de-DE" sz="1000" dirty="0" err="1">
+                <a:latin typeface="Arial" panose="020B0604020202020204" pitchFamily="34" charset="0"/>
+                <a:cs typeface="Arial" panose="020B0604020202020204" pitchFamily="34" charset="0"/>
+              </a:rPr>
+              <a:t>untreated</a:t>
+            </a:r>
+            <a:r>
+              <a:rPr lang="de-DE" sz="1000" dirty="0">
+                <a:latin typeface="Arial" panose="020B0604020202020204" pitchFamily="34" charset="0"/>
+                <a:cs typeface="Arial" panose="020B0604020202020204" pitchFamily="34" charset="0"/>
+              </a:rPr>
+              <a:t> </a:t>
+            </a:r>
+            <a:r>
+              <a:rPr lang="de-DE" sz="1000" dirty="0" err="1">
+                <a:latin typeface="Arial" panose="020B0604020202020204" pitchFamily="34" charset="0"/>
+                <a:cs typeface="Arial" panose="020B0604020202020204" pitchFamily="34" charset="0"/>
+              </a:rPr>
+              <a:t>and</a:t>
+            </a:r>
+            <a:r>
+              <a:rPr lang="de-DE" sz="1000" dirty="0">
+                <a:latin typeface="Arial" panose="020B0604020202020204" pitchFamily="34" charset="0"/>
+                <a:cs typeface="Arial" panose="020B0604020202020204" pitchFamily="34" charset="0"/>
+              </a:rPr>
+              <a:t> </a:t>
+            </a:r>
+            <a:r>
+              <a:rPr lang="de-DE" sz="1000" dirty="0" err="1">
+                <a:latin typeface="Arial" panose="020B0604020202020204" pitchFamily="34" charset="0"/>
+                <a:cs typeface="Arial" panose="020B0604020202020204" pitchFamily="34" charset="0"/>
+              </a:rPr>
+              <a:t>neoadjuvantly</a:t>
+            </a:r>
+            <a:r>
+              <a:rPr lang="de-DE" sz="1000" dirty="0">
+                <a:latin typeface="Arial" panose="020B0604020202020204" pitchFamily="34" charset="0"/>
+                <a:cs typeface="Arial" panose="020B0604020202020204" pitchFamily="34" charset="0"/>
+              </a:rPr>
+              <a:t> </a:t>
+            </a:r>
+            <a:r>
+              <a:rPr lang="de-DE" sz="1000" dirty="0" err="1">
+                <a:latin typeface="Arial" panose="020B0604020202020204" pitchFamily="34" charset="0"/>
+                <a:cs typeface="Arial" panose="020B0604020202020204" pitchFamily="34" charset="0"/>
+              </a:rPr>
+              <a:t>treated</a:t>
+            </a:r>
+            <a:r>
+              <a:rPr lang="de-DE" sz="1000" dirty="0">
+                <a:latin typeface="Arial" panose="020B0604020202020204" pitchFamily="34" charset="0"/>
+                <a:cs typeface="Arial" panose="020B0604020202020204" pitchFamily="34" charset="0"/>
+              </a:rPr>
+              <a:t> NSCLC</a:t>
+            </a:r>
+          </a:p>
+          <a:p>
+            <a:pPr marL="171450" indent="-171450">
+              <a:spcAft>
+                <a:spcPts val="600"/>
+              </a:spcAft>
+              <a:buFont typeface="Arial" panose="020B0604020202020204" pitchFamily="34" charset="0"/>
+              <a:buChar char="•"/>
+            </a:pPr>
+            <a:r>
+              <a:rPr lang="de-DE" sz="1000" dirty="0" err="1">
+                <a:latin typeface="Arial" panose="020B0604020202020204" pitchFamily="34" charset="0"/>
+                <a:cs typeface="Arial" panose="020B0604020202020204" pitchFamily="34" charset="0"/>
+              </a:rPr>
+              <a:t>There</a:t>
+            </a:r>
+            <a:r>
+              <a:rPr lang="de-DE" sz="1000" dirty="0">
+                <a:latin typeface="Arial" panose="020B0604020202020204" pitchFamily="34" charset="0"/>
+                <a:cs typeface="Arial" panose="020B0604020202020204" pitchFamily="34" charset="0"/>
+              </a:rPr>
+              <a:t> </a:t>
+            </a:r>
+            <a:r>
+              <a:rPr lang="de-DE" sz="1000" dirty="0" err="1">
+                <a:latin typeface="Arial" panose="020B0604020202020204" pitchFamily="34" charset="0"/>
+                <a:cs typeface="Arial" panose="020B0604020202020204" pitchFamily="34" charset="0"/>
+              </a:rPr>
+              <a:t>is</a:t>
+            </a:r>
+            <a:r>
+              <a:rPr lang="de-DE" sz="1000" dirty="0">
+                <a:latin typeface="Arial" panose="020B0604020202020204" pitchFamily="34" charset="0"/>
+                <a:cs typeface="Arial" panose="020B0604020202020204" pitchFamily="34" charset="0"/>
+              </a:rPr>
+              <a:t> </a:t>
+            </a:r>
+            <a:r>
+              <a:rPr lang="de-DE" sz="1000" dirty="0" err="1">
+                <a:latin typeface="Arial" panose="020B0604020202020204" pitchFamily="34" charset="0"/>
+                <a:cs typeface="Arial" panose="020B0604020202020204" pitchFamily="34" charset="0"/>
+              </a:rPr>
+              <a:t>no</a:t>
+            </a:r>
+            <a:r>
+              <a:rPr lang="de-DE" sz="1000" dirty="0">
+                <a:latin typeface="Arial" panose="020B0604020202020204" pitchFamily="34" charset="0"/>
+                <a:cs typeface="Arial" panose="020B0604020202020204" pitchFamily="34" charset="0"/>
+              </a:rPr>
+              <a:t> </a:t>
+            </a:r>
+            <a:r>
+              <a:rPr lang="de-DE" sz="1000" dirty="0" err="1">
+                <a:latin typeface="Arial" panose="020B0604020202020204" pitchFamily="34" charset="0"/>
+                <a:cs typeface="Arial" panose="020B0604020202020204" pitchFamily="34" charset="0"/>
+              </a:rPr>
+              <a:t>superiority</a:t>
+            </a:r>
+            <a:r>
+              <a:rPr lang="de-DE" sz="1000" dirty="0">
+                <a:latin typeface="Arial" panose="020B0604020202020204" pitchFamily="34" charset="0"/>
+                <a:cs typeface="Arial" panose="020B0604020202020204" pitchFamily="34" charset="0"/>
+              </a:rPr>
+              <a:t> </a:t>
+            </a:r>
+            <a:r>
+              <a:rPr lang="de-DE" sz="1000" dirty="0" err="1">
+                <a:latin typeface="Arial" panose="020B0604020202020204" pitchFamily="34" charset="0"/>
+                <a:cs typeface="Arial" panose="020B0604020202020204" pitchFamily="34" charset="0"/>
+              </a:rPr>
+              <a:t>of</a:t>
+            </a:r>
+            <a:r>
+              <a:rPr lang="de-DE" sz="1000" dirty="0">
+                <a:latin typeface="Arial" panose="020B0604020202020204" pitchFamily="34" charset="0"/>
+                <a:cs typeface="Arial" panose="020B0604020202020204" pitchFamily="34" charset="0"/>
+              </a:rPr>
+              <a:t> </a:t>
+            </a:r>
+            <a:r>
+              <a:rPr lang="de-DE" sz="1000" dirty="0" err="1">
+                <a:latin typeface="Arial" panose="020B0604020202020204" pitchFamily="34" charset="0"/>
+                <a:cs typeface="Arial" panose="020B0604020202020204" pitchFamily="34" charset="0"/>
+              </a:rPr>
+              <a:t>adjuvant</a:t>
+            </a:r>
+            <a:r>
+              <a:rPr lang="de-DE" sz="1000" dirty="0">
+                <a:latin typeface="Arial" panose="020B0604020202020204" pitchFamily="34" charset="0"/>
+                <a:cs typeface="Arial" panose="020B0604020202020204" pitchFamily="34" charset="0"/>
+              </a:rPr>
+              <a:t> </a:t>
+            </a:r>
+            <a:r>
+              <a:rPr lang="de-DE" sz="1000" dirty="0" err="1">
+                <a:latin typeface="Arial" panose="020B0604020202020204" pitchFamily="34" charset="0"/>
+                <a:cs typeface="Arial" panose="020B0604020202020204" pitchFamily="34" charset="0"/>
+              </a:rPr>
+              <a:t>or</a:t>
+            </a:r>
+            <a:r>
+              <a:rPr lang="de-DE" sz="1000" dirty="0">
+                <a:latin typeface="Arial" panose="020B0604020202020204" pitchFamily="34" charset="0"/>
+                <a:cs typeface="Arial" panose="020B0604020202020204" pitchFamily="34" charset="0"/>
+              </a:rPr>
+              <a:t> </a:t>
+            </a:r>
+            <a:r>
+              <a:rPr lang="de-DE" sz="1000" dirty="0" err="1">
+                <a:latin typeface="Arial" panose="020B0604020202020204" pitchFamily="34" charset="0"/>
+                <a:cs typeface="Arial" panose="020B0604020202020204" pitchFamily="34" charset="0"/>
+              </a:rPr>
+              <a:t>neoadjuvant</a:t>
+            </a:r>
+            <a:r>
+              <a:rPr lang="de-DE" sz="1000" dirty="0">
+                <a:latin typeface="Arial" panose="020B0604020202020204" pitchFamily="34" charset="0"/>
+                <a:cs typeface="Arial" panose="020B0604020202020204" pitchFamily="34" charset="0"/>
+              </a:rPr>
+              <a:t> </a:t>
+            </a:r>
+            <a:r>
+              <a:rPr lang="de-DE" sz="1000" dirty="0" err="1">
+                <a:latin typeface="Arial" panose="020B0604020202020204" pitchFamily="34" charset="0"/>
+                <a:cs typeface="Arial" panose="020B0604020202020204" pitchFamily="34" charset="0"/>
+              </a:rPr>
+              <a:t>therapy</a:t>
+            </a:r>
+            <a:r>
+              <a:rPr lang="de-DE" sz="1000" dirty="0">
+                <a:latin typeface="Arial" panose="020B0604020202020204" pitchFamily="34" charset="0"/>
+                <a:cs typeface="Arial" panose="020B0604020202020204" pitchFamily="34" charset="0"/>
+              </a:rPr>
+              <a:t> </a:t>
+            </a:r>
+            <a:r>
+              <a:rPr lang="de-DE" sz="1000" dirty="0" err="1">
+                <a:latin typeface="Arial" panose="020B0604020202020204" pitchFamily="34" charset="0"/>
+                <a:cs typeface="Arial" panose="020B0604020202020204" pitchFamily="34" charset="0"/>
+              </a:rPr>
+              <a:t>regarding</a:t>
+            </a:r>
+            <a:r>
+              <a:rPr lang="de-DE" sz="1000" dirty="0">
+                <a:latin typeface="Arial" panose="020B0604020202020204" pitchFamily="34" charset="0"/>
+                <a:cs typeface="Arial" panose="020B0604020202020204" pitchFamily="34" charset="0"/>
+              </a:rPr>
+              <a:t> </a:t>
+            </a:r>
+            <a:r>
+              <a:rPr lang="de-DE" sz="1000" dirty="0" err="1">
+                <a:latin typeface="Arial" panose="020B0604020202020204" pitchFamily="34" charset="0"/>
+                <a:cs typeface="Arial" panose="020B0604020202020204" pitchFamily="34" charset="0"/>
+              </a:rPr>
+              <a:t>the</a:t>
+            </a:r>
+            <a:r>
+              <a:rPr lang="de-DE" sz="1000" dirty="0">
+                <a:latin typeface="Arial" panose="020B0604020202020204" pitchFamily="34" charset="0"/>
+                <a:cs typeface="Arial" panose="020B0604020202020204" pitchFamily="34" charset="0"/>
+              </a:rPr>
+              <a:t> OS </a:t>
+            </a:r>
+            <a:r>
+              <a:rPr lang="de-DE" sz="1000" dirty="0" err="1">
+                <a:latin typeface="Arial" panose="020B0604020202020204" pitchFamily="34" charset="0"/>
+                <a:cs typeface="Arial" panose="020B0604020202020204" pitchFamily="34" charset="0"/>
+              </a:rPr>
+              <a:t>of</a:t>
+            </a:r>
+            <a:r>
+              <a:rPr lang="de-DE" sz="1000" dirty="0">
+                <a:latin typeface="Arial" panose="020B0604020202020204" pitchFamily="34" charset="0"/>
+                <a:cs typeface="Arial" panose="020B0604020202020204" pitchFamily="34" charset="0"/>
+              </a:rPr>
+              <a:t> </a:t>
+            </a:r>
+            <a:r>
+              <a:rPr lang="de-DE" sz="1000">
+                <a:latin typeface="Arial" panose="020B0604020202020204" pitchFamily="34" charset="0"/>
+                <a:cs typeface="Arial" panose="020B0604020202020204" pitchFamily="34" charset="0"/>
+              </a:rPr>
+              <a:t>patients</a:t>
+            </a:r>
+            <a:r>
+              <a:rPr lang="de-DE" sz="1000" dirty="0">
+                <a:latin typeface="Arial" panose="020B0604020202020204" pitchFamily="34" charset="0"/>
+                <a:cs typeface="Arial" panose="020B0604020202020204" pitchFamily="34" charset="0"/>
+              </a:rPr>
+              <a:t> </a:t>
+            </a:r>
+            <a:r>
+              <a:rPr lang="de-DE" sz="1000" dirty="0" err="1">
+                <a:latin typeface="Arial" panose="020B0604020202020204" pitchFamily="34" charset="0"/>
+                <a:cs typeface="Arial" panose="020B0604020202020204" pitchFamily="34" charset="0"/>
+              </a:rPr>
+              <a:t>with</a:t>
+            </a:r>
+            <a:r>
+              <a:rPr lang="de-DE" sz="1000" dirty="0">
+                <a:latin typeface="Arial" panose="020B0604020202020204" pitchFamily="34" charset="0"/>
+                <a:cs typeface="Arial" panose="020B0604020202020204" pitchFamily="34" charset="0"/>
+              </a:rPr>
+              <a:t> NSCLC</a:t>
+            </a:r>
+          </a:p>
+          <a:p>
+            <a:pPr marL="171450" indent="-171450">
+              <a:spcAft>
+                <a:spcPts val="600"/>
+              </a:spcAft>
+              <a:buFont typeface="Arial" panose="020B0604020202020204" pitchFamily="34" charset="0"/>
+              <a:buChar char="•"/>
+            </a:pPr>
+            <a:r>
+              <a:rPr lang="de-DE" sz="1000" dirty="0">
+                <a:latin typeface="Arial" panose="020B0604020202020204" pitchFamily="34" charset="0"/>
+                <a:cs typeface="Arial" panose="020B0604020202020204" pitchFamily="34" charset="0"/>
+              </a:rPr>
+              <a:t>MPR </a:t>
+            </a:r>
+            <a:r>
+              <a:rPr lang="de-DE" sz="1000" dirty="0" err="1">
+                <a:latin typeface="Arial" panose="020B0604020202020204" pitchFamily="34" charset="0"/>
+                <a:cs typeface="Arial" panose="020B0604020202020204" pitchFamily="34" charset="0"/>
+              </a:rPr>
+              <a:t>is</a:t>
+            </a:r>
+            <a:r>
+              <a:rPr lang="de-DE" sz="1000" dirty="0">
+                <a:latin typeface="Arial" panose="020B0604020202020204" pitchFamily="34" charset="0"/>
+                <a:cs typeface="Arial" panose="020B0604020202020204" pitchFamily="34" charset="0"/>
+              </a:rPr>
+              <a:t> an additional </a:t>
+            </a:r>
+            <a:r>
+              <a:rPr lang="de-DE" sz="1000" dirty="0" err="1">
+                <a:latin typeface="Arial" panose="020B0604020202020204" pitchFamily="34" charset="0"/>
+                <a:cs typeface="Arial" panose="020B0604020202020204" pitchFamily="34" charset="0"/>
+              </a:rPr>
+              <a:t>prognostic</a:t>
+            </a:r>
+            <a:r>
+              <a:rPr lang="de-DE" sz="1000" dirty="0">
+                <a:latin typeface="Arial" panose="020B0604020202020204" pitchFamily="34" charset="0"/>
+                <a:cs typeface="Arial" panose="020B0604020202020204" pitchFamily="34" charset="0"/>
+              </a:rPr>
+              <a:t> </a:t>
+            </a:r>
+            <a:r>
+              <a:rPr lang="de-DE" sz="1000" dirty="0" err="1">
+                <a:latin typeface="Arial" panose="020B0604020202020204" pitchFamily="34" charset="0"/>
+                <a:cs typeface="Arial" panose="020B0604020202020204" pitchFamily="34" charset="0"/>
+              </a:rPr>
+              <a:t>marker</a:t>
+            </a:r>
+            <a:r>
+              <a:rPr lang="de-DE" sz="1000" dirty="0">
+                <a:latin typeface="Arial" panose="020B0604020202020204" pitchFamily="34" charset="0"/>
+                <a:cs typeface="Arial" panose="020B0604020202020204" pitchFamily="34" charset="0"/>
+              </a:rPr>
+              <a:t> in </a:t>
+            </a:r>
+            <a:r>
+              <a:rPr lang="de-DE" sz="1000" dirty="0" err="1">
+                <a:latin typeface="Arial" panose="020B0604020202020204" pitchFamily="34" charset="0"/>
+                <a:cs typeface="Arial" panose="020B0604020202020204" pitchFamily="34" charset="0"/>
+              </a:rPr>
+              <a:t>neoadjuvant</a:t>
+            </a:r>
+            <a:r>
+              <a:rPr lang="de-DE" sz="1000" dirty="0">
+                <a:latin typeface="Arial" panose="020B0604020202020204" pitchFamily="34" charset="0"/>
+                <a:cs typeface="Arial" panose="020B0604020202020204" pitchFamily="34" charset="0"/>
+              </a:rPr>
+              <a:t> NSCLC </a:t>
+            </a:r>
+            <a:r>
+              <a:rPr lang="de-DE" sz="1000" dirty="0" err="1">
+                <a:latin typeface="Arial" panose="020B0604020202020204" pitchFamily="34" charset="0"/>
+                <a:cs typeface="Arial" panose="020B0604020202020204" pitchFamily="34" charset="0"/>
+              </a:rPr>
+              <a:t>specimens</a:t>
+            </a:r>
+            <a:endParaRPr lang="de-DE" sz="1000" dirty="0">
+              <a:latin typeface="Arial" panose="020B0604020202020204" pitchFamily="34" charset="0"/>
+              <a:cs typeface="Arial" panose="020B0604020202020204" pitchFamily="34" charset="0"/>
+            </a:endParaRPr>
+          </a:p>
+        </p:txBody>
+      </p:sp>
     </p:spTree>
     <p:extLst>
       <p:ext uri="{BB962C8B-B14F-4D97-AF65-F5344CB8AC3E}">
@@ -9820,4 +11974,299 @@
     </a:ext>
   </a:extLst>
 </a:theme>
+</file>
+
+<file path=ppt/theme/theme2.xml><?xml version="1.0" encoding="utf-8"?>
+<a:theme xmlns:a="http://schemas.openxmlformats.org/drawingml/2006/main" name="Office">
+  <a:themeElements>
+    <a:clrScheme name="Office">
+      <a:dk1>
+        <a:sysClr val="windowText" lastClr="000000"/>
+      </a:dk1>
+      <a:lt1>
+        <a:sysClr val="window" lastClr="FFFFFF"/>
+      </a:lt1>
+      <a:dk2>
+        <a:srgbClr val="44546A"/>
+      </a:dk2>
+      <a:lt2>
+        <a:srgbClr val="E7E6E6"/>
+      </a:lt2>
+      <a:accent1>
+        <a:srgbClr val="4472C4"/>
+      </a:accent1>
+      <a:accent2>
+        <a:srgbClr val="ED7D31"/>
+      </a:accent2>
+      <a:accent3>
+        <a:srgbClr val="A5A5A5"/>
+      </a:accent3>
+      <a:accent4>
+        <a:srgbClr val="FFC000"/>
+      </a:accent4>
+      <a:accent5>
+        <a:srgbClr val="5B9BD5"/>
+      </a:accent5>
+      <a:accent6>
+        <a:srgbClr val="70AD47"/>
+      </a:accent6>
+      <a:hlink>
+        <a:srgbClr val="0563C1"/>
+      </a:hlink>
+      <a:folHlink>
+        <a:srgbClr val="954F72"/>
+      </a:folHlink>
+    </a:clrScheme>
+    <a:fontScheme name="Office">
+      <a:majorFont>
+        <a:latin typeface="Calibri Light" panose="020F0302020204030204"/>
+        <a:ea typeface=""/>
+        <a:cs typeface=""/>
+        <a:font script="Jpan" typeface="游ゴシック Light"/>
+        <a:font script="Hang" typeface="맑은 고딕"/>
+        <a:font script="Hans" typeface="等线 Light"/>
+        <a:font script="Hant" typeface="新細明體"/>
+        <a:font script="Arab" typeface="Times New Roman"/>
+        <a:font script="Hebr" typeface="Times New Roman"/>
+        <a:font script="Thai" typeface="Angsana New"/>
+        <a:font script="Ethi" typeface="Nyala"/>
+        <a:font script="Beng" typeface="Vrinda"/>
+        <a:font script="Gujr" typeface="Shruti"/>
+        <a:font script="Khmr" typeface="MoolBoran"/>
+        <a:font script="Knda" typeface="Tunga"/>
+        <a:font script="Guru" typeface="Raavi"/>
+        <a:font script="Cans" typeface="Euphemia"/>
+        <a:font script="Cher" typeface="Plantagenet Cherokee"/>
+        <a:font script="Yiii" typeface="Microsoft Yi Baiti"/>
+        <a:font script="Tibt" typeface="Microsoft Himalaya"/>
+        <a:font script="Thaa" typeface="MV Boli"/>
+        <a:font script="Deva" typeface="Mangal"/>
+        <a:font script="Telu" typeface="Gautami"/>
+        <a:font script="Taml" typeface="Latha"/>
+        <a:font script="Syrc" typeface="Estrangelo Edessa"/>
+        <a:font script="Orya" typeface="Kalinga"/>
+        <a:font script="Mlym" typeface="Kartika"/>
+        <a:font script="Laoo" typeface="DokChampa"/>
+        <a:font script="Sinh" typeface="Iskoola Pota"/>
+        <a:font script="Mong" typeface="Mongolian Baiti"/>
+        <a:font script="Viet" typeface="Times New Roman"/>
+        <a:font script="Uigh" typeface="Microsoft Uighur"/>
+        <a:font script="Geor" typeface="Sylfaen"/>
+        <a:font script="Armn" typeface="Arial"/>
+        <a:font script="Bugi" typeface="Leelawadee UI"/>
+        <a:font script="Bopo" typeface="Microsoft JhengHei"/>
+        <a:font script="Java" typeface="Javanese Text"/>
+        <a:font script="Lisu" typeface="Segoe UI"/>
+        <a:font script="Mymr" typeface="Myanmar Text"/>
+        <a:font script="Nkoo" typeface="Ebrima"/>
+        <a:font script="Olck" typeface="Nirmala UI"/>
+        <a:font script="Osma" typeface="Ebrima"/>
+        <a:font script="Phag" typeface="Phagspa"/>
+        <a:font script="Syrn" typeface="Estrangelo Edessa"/>
+        <a:font script="Syrj" typeface="Estrangelo Edessa"/>
+        <a:font script="Syre" typeface="Estrangelo Edessa"/>
+        <a:font script="Sora" typeface="Nirmala UI"/>
+        <a:font script="Tale" typeface="Microsoft Tai Le"/>
+        <a:font script="Talu" typeface="Microsoft New Tai Lue"/>
+        <a:font script="Tfng" typeface="Ebrima"/>
+      </a:majorFont>
+      <a:minorFont>
+        <a:latin typeface="Calibri" panose="020F0502020204030204"/>
+        <a:ea typeface=""/>
+        <a:cs typeface=""/>
+        <a:font script="Jpan" typeface="游ゴシック"/>
+        <a:font script="Hang" typeface="맑은 고딕"/>
+        <a:font script="Hans" typeface="等线"/>
+        <a:font script="Hant" typeface="新細明體"/>
+        <a:font script="Arab" typeface="Arial"/>
+        <a:font script="Hebr" typeface="Arial"/>
+        <a:font script="Thai" typeface="Cordia New"/>
+        <a:font script="Ethi" typeface="Nyala"/>
+        <a:font script="Beng" typeface="Vrinda"/>
+        <a:font script="Gujr" typeface="Shruti"/>
+        <a:font script="Khmr" typeface="DaunPenh"/>
+        <a:font script="Knda" typeface="Tunga"/>
+        <a:font script="Guru" typeface="Raavi"/>
+        <a:font script="Cans" typeface="Euphemia"/>
+        <a:font script="Cher" typeface="Plantagenet Cherokee"/>
+        <a:font script="Yiii" typeface="Microsoft Yi Baiti"/>
+        <a:font script="Tibt" typeface="Microsoft Himalaya"/>
+        <a:font script="Thaa" typeface="MV Boli"/>
+        <a:font script="Deva" typeface="Mangal"/>
+        <a:font script="Telu" typeface="Gautami"/>
+        <a:font script="Taml" typeface="Latha"/>
+        <a:font script="Syrc" typeface="Estrangelo Edessa"/>
+        <a:font script="Orya" typeface="Kalinga"/>
+        <a:font script="Mlym" typeface="Kartika"/>
+        <a:font script="Laoo" typeface="DokChampa"/>
+        <a:font script="Sinh" typeface="Iskoola Pota"/>
+        <a:font script="Mong" typeface="Mongolian Baiti"/>
+        <a:font script="Viet" typeface="Arial"/>
+        <a:font script="Uigh" typeface="Microsoft Uighur"/>
+        <a:font script="Geor" typeface="Sylfaen"/>
+        <a:font script="Armn" typeface="Arial"/>
+        <a:font script="Bugi" typeface="Leelawadee UI"/>
+        <a:font script="Bopo" typeface="Microsoft JhengHei"/>
+        <a:font script="Java" typeface="Javanese Text"/>
+        <a:font script="Lisu" typeface="Segoe UI"/>
+        <a:font script="Mymr" typeface="Myanmar Text"/>
+        <a:font script="Nkoo" typeface="Ebrima"/>
+        <a:font script="Olck" typeface="Nirmala UI"/>
+        <a:font script="Osma" typeface="Ebrima"/>
+        <a:font script="Phag" typeface="Phagspa"/>
+        <a:font script="Syrn" typeface="Estrangelo Edessa"/>
+        <a:font script="Syrj" typeface="Estrangelo Edessa"/>
+        <a:font script="Syre" typeface="Estrangelo Edessa"/>
+        <a:font script="Sora" typeface="Nirmala UI"/>
+        <a:font script="Tale" typeface="Microsoft Tai Le"/>
+        <a:font script="Talu" typeface="Microsoft New Tai Lue"/>
+        <a:font script="Tfng" typeface="Ebrima"/>
+      </a:minorFont>
+    </a:fontScheme>
+    <a:fmtScheme name="Office">
+      <a:fillStyleLst>
+        <a:solidFill>
+          <a:schemeClr val="phClr"/>
+        </a:solidFill>
+        <a:gradFill rotWithShape="1">
+          <a:gsLst>
+            <a:gs pos="0">
+              <a:schemeClr val="phClr">
+                <a:lumMod val="110000"/>
+                <a:satMod val="105000"/>
+                <a:tint val="67000"/>
+              </a:schemeClr>
+            </a:gs>
+            <a:gs pos="50000">
+              <a:schemeClr val="phClr">
+                <a:lumMod val="105000"/>
+                <a:satMod val="103000"/>
+                <a:tint val="73000"/>
+              </a:schemeClr>
+            </a:gs>
+            <a:gs pos="100000">
+              <a:schemeClr val="phClr">
+                <a:lumMod val="105000"/>
+                <a:satMod val="109000"/>
+                <a:tint val="81000"/>
+              </a:schemeClr>
+            </a:gs>
+          </a:gsLst>
+          <a:lin ang="5400000" scaled="0"/>
+        </a:gradFill>
+        <a:gradFill rotWithShape="1">
+          <a:gsLst>
+            <a:gs pos="0">
+              <a:schemeClr val="phClr">
+                <a:satMod val="103000"/>
+                <a:lumMod val="102000"/>
+                <a:tint val="94000"/>
+              </a:schemeClr>
+            </a:gs>
+            <a:gs pos="50000">
+              <a:schemeClr val="phClr">
+                <a:satMod val="110000"/>
+                <a:lumMod val="100000"/>
+                <a:shade val="100000"/>
+              </a:schemeClr>
+            </a:gs>
+            <a:gs pos="100000">
+              <a:schemeClr val="phClr">
+                <a:lumMod val="99000"/>
+                <a:satMod val="120000"/>
+                <a:shade val="78000"/>
+              </a:schemeClr>
+            </a:gs>
+          </a:gsLst>
+          <a:lin ang="5400000" scaled="0"/>
+        </a:gradFill>
+      </a:fillStyleLst>
+      <a:lnStyleLst>
+        <a:ln w="6350" cap="flat" cmpd="sng" algn="ctr">
+          <a:solidFill>
+            <a:schemeClr val="phClr"/>
+          </a:solidFill>
+          <a:prstDash val="solid"/>
+          <a:miter lim="800000"/>
+        </a:ln>
+        <a:ln w="12700" cap="flat" cmpd="sng" algn="ctr">
+          <a:solidFill>
+            <a:schemeClr val="phClr"/>
+          </a:solidFill>
+          <a:prstDash val="solid"/>
+          <a:miter lim="800000"/>
+        </a:ln>
+        <a:ln w="19050" cap="flat" cmpd="sng" algn="ctr">
+          <a:solidFill>
+            <a:schemeClr val="phClr"/>
+          </a:solidFill>
+          <a:prstDash val="solid"/>
+          <a:miter lim="800000"/>
+        </a:ln>
+      </a:lnStyleLst>
+      <a:effectStyleLst>
+        <a:effectStyle>
+          <a:effectLst/>
+        </a:effectStyle>
+        <a:effectStyle>
+          <a:effectLst/>
+        </a:effectStyle>
+        <a:effectStyle>
+          <a:effectLst>
+            <a:outerShdw blurRad="57150" dist="19050" dir="5400000" algn="ctr" rotWithShape="0">
+              <a:srgbClr val="000000">
+                <a:alpha val="63000"/>
+              </a:srgbClr>
+            </a:outerShdw>
+          </a:effectLst>
+        </a:effectStyle>
+      </a:effectStyleLst>
+      <a:bgFillStyleLst>
+        <a:solidFill>
+          <a:schemeClr val="phClr"/>
+        </a:solidFill>
+        <a:solidFill>
+          <a:schemeClr val="phClr">
+            <a:tint val="95000"/>
+            <a:satMod val="170000"/>
+          </a:schemeClr>
+        </a:solidFill>
+        <a:gradFill rotWithShape="1">
+          <a:gsLst>
+            <a:gs pos="0">
+              <a:schemeClr val="phClr">
+                <a:tint val="93000"/>
+                <a:satMod val="150000"/>
+                <a:shade val="98000"/>
+                <a:lumMod val="102000"/>
+              </a:schemeClr>
+            </a:gs>
+            <a:gs pos="50000">
+              <a:schemeClr val="phClr">
+                <a:tint val="98000"/>
+                <a:satMod val="130000"/>
+                <a:shade val="90000"/>
+                <a:lumMod val="103000"/>
+              </a:schemeClr>
+            </a:gs>
+            <a:gs pos="100000">
+              <a:schemeClr val="phClr">
+                <a:shade val="63000"/>
+                <a:satMod val="120000"/>
+              </a:schemeClr>
+            </a:gs>
+          </a:gsLst>
+          <a:lin ang="5400000" scaled="0"/>
+        </a:gradFill>
+      </a:bgFillStyleLst>
+    </a:fmtScheme>
+  </a:themeElements>
+  <a:objectDefaults/>
+  <a:extraClrSchemeLst/>
+  <a:extLst>
+    <a:ext uri="{05A4C25C-085E-4340-85A3-A5531E510DB2}">
+      <thm15:themeFamily xmlns:thm15="http://schemas.microsoft.com/office/thememl/2012/main" name="Office Theme" id="{62F939B6-93AF-4DB8-9C6B-D6C7DFDC589F}" vid="{4A3C46E8-61CC-4603-A589-7422A47A8E4A}"/>
+    </a:ext>
+  </a:extLst>
+</a:theme>
 </file>